--- a/多執行緒處理和非同步處理.pptx
+++ b/多執行緒處理和非同步處理.pptx
@@ -5,10 +5,10 @@
     <p:sldMasterId id="2147483732" r:id="rId1"/>
   </p:sldMasterIdLst>
   <p:notesMasterIdLst>
-    <p:notesMasterId r:id="rId35"/>
+    <p:notesMasterId r:id="rId39"/>
   </p:notesMasterIdLst>
   <p:handoutMasterIdLst>
-    <p:handoutMasterId r:id="rId36"/>
+    <p:handoutMasterId r:id="rId40"/>
   </p:handoutMasterIdLst>
   <p:sldIdLst>
     <p:sldId id="256" r:id="rId2"/>
@@ -16,34 +16,38 @@
     <p:sldId id="258" r:id="rId4"/>
     <p:sldId id="288" r:id="rId5"/>
     <p:sldId id="289" r:id="rId6"/>
-    <p:sldId id="266" r:id="rId7"/>
-    <p:sldId id="281" r:id="rId8"/>
-    <p:sldId id="287" r:id="rId9"/>
-    <p:sldId id="292" r:id="rId10"/>
-    <p:sldId id="279" r:id="rId11"/>
-    <p:sldId id="265" r:id="rId12"/>
-    <p:sldId id="286" r:id="rId13"/>
-    <p:sldId id="285" r:id="rId14"/>
-    <p:sldId id="291" r:id="rId15"/>
-    <p:sldId id="280" r:id="rId16"/>
-    <p:sldId id="290" r:id="rId17"/>
-    <p:sldId id="282" r:id="rId18"/>
-    <p:sldId id="283" r:id="rId19"/>
-    <p:sldId id="259" r:id="rId20"/>
-    <p:sldId id="267" r:id="rId21"/>
-    <p:sldId id="268" r:id="rId22"/>
-    <p:sldId id="284" r:id="rId23"/>
-    <p:sldId id="272" r:id="rId24"/>
-    <p:sldId id="270" r:id="rId25"/>
-    <p:sldId id="271" r:id="rId26"/>
-    <p:sldId id="269" r:id="rId27"/>
-    <p:sldId id="261" r:id="rId28"/>
-    <p:sldId id="277" r:id="rId29"/>
-    <p:sldId id="276" r:id="rId30"/>
-    <p:sldId id="260" r:id="rId31"/>
-    <p:sldId id="263" r:id="rId32"/>
-    <p:sldId id="293" r:id="rId33"/>
-    <p:sldId id="294" r:id="rId34"/>
+    <p:sldId id="298" r:id="rId7"/>
+    <p:sldId id="266" r:id="rId8"/>
+    <p:sldId id="281" r:id="rId9"/>
+    <p:sldId id="287" r:id="rId10"/>
+    <p:sldId id="292" r:id="rId11"/>
+    <p:sldId id="279" r:id="rId12"/>
+    <p:sldId id="265" r:id="rId13"/>
+    <p:sldId id="286" r:id="rId14"/>
+    <p:sldId id="285" r:id="rId15"/>
+    <p:sldId id="291" r:id="rId16"/>
+    <p:sldId id="280" r:id="rId17"/>
+    <p:sldId id="290" r:id="rId18"/>
+    <p:sldId id="282" r:id="rId19"/>
+    <p:sldId id="283" r:id="rId20"/>
+    <p:sldId id="296" r:id="rId21"/>
+    <p:sldId id="259" r:id="rId22"/>
+    <p:sldId id="267" r:id="rId23"/>
+    <p:sldId id="268" r:id="rId24"/>
+    <p:sldId id="284" r:id="rId25"/>
+    <p:sldId id="272" r:id="rId26"/>
+    <p:sldId id="270" r:id="rId27"/>
+    <p:sldId id="271" r:id="rId28"/>
+    <p:sldId id="269" r:id="rId29"/>
+    <p:sldId id="261" r:id="rId30"/>
+    <p:sldId id="277" r:id="rId31"/>
+    <p:sldId id="276" r:id="rId32"/>
+    <p:sldId id="260" r:id="rId33"/>
+    <p:sldId id="263" r:id="rId34"/>
+    <p:sldId id="293" r:id="rId35"/>
+    <p:sldId id="294" r:id="rId36"/>
+    <p:sldId id="295" r:id="rId37"/>
+    <p:sldId id="297" r:id="rId38"/>
   </p:sldIdLst>
   <p:sldSz cx="9144000" cy="6858000" type="screen4x3"/>
   <p:notesSz cx="6708775" cy="9774238"/>
@@ -246,7 +250,7 @@
           <a:p>
             <a:fld id="{EA458771-82EB-4BC9-92D4-77A54AB4FAA0}" type="datetimeFigureOut">
               <a:rPr lang="zh-TW" altLang="en-US" smtClean="0"/>
-              <a:t>2015/9/21</a:t>
+              <a:t>2015/9/22</a:t>
             </a:fld>
             <a:endParaRPr lang="zh-TW" altLang="en-US"/>
           </a:p>
@@ -412,7 +416,7 @@
           <a:p>
             <a:fld id="{27A49975-3E81-4D3D-A7F9-BA0B0FA66FD5}" type="datetimeFigureOut">
               <a:rPr lang="zh-TW" altLang="en-US" smtClean="0"/>
-              <a:t>2015/9/21</a:t>
+              <a:t>2015/9/22</a:t>
             </a:fld>
             <a:endParaRPr lang="zh-TW" altLang="en-US"/>
           </a:p>
@@ -913,7 +917,7 @@
           <a:p>
             <a:fld id="{C787BA86-B27C-4C9D-895F-FE8F144911B6}" type="datetime1">
               <a:rPr lang="zh-TW" altLang="en-US" smtClean="0"/>
-              <a:t>2015/9/21</a:t>
+              <a:t>2015/9/22</a:t>
             </a:fld>
             <a:endParaRPr lang="zh-TW" altLang="en-US" dirty="0"/>
           </a:p>
@@ -1052,7 +1056,7 @@
           <a:graphicData uri="http://schemas.openxmlformats.org/presentationml/2006/ole">
             <mc:AlternateContent xmlns:mc="http://schemas.openxmlformats.org/markup-compatibility/2006">
               <mc:Choice xmlns:v="urn:schemas-microsoft-com:vml" Requires="v">
-                <p:oleObj spid="_x0000_s1386" r:id="rId4" imgW="0" imgH="0" progId="PowerPoint.Show.8">
+                <p:oleObj spid="_x0000_s1399" r:id="rId4" imgW="0" imgH="0" progId="PowerPoint.Show.8">
                   <p:embed/>
                 </p:oleObj>
               </mc:Choice>
@@ -1432,7 +1436,7 @@
           <a:p>
             <a:fld id="{C2C2CB7C-AF0C-4E52-8108-8048BEAB7F22}" type="datetime1">
               <a:rPr lang="zh-TW" altLang="en-US" smtClean="0"/>
-              <a:t>2015/9/21</a:t>
+              <a:t>2015/9/22</a:t>
             </a:fld>
             <a:endParaRPr lang="zh-TW" altLang="en-US"/>
           </a:p>
@@ -1665,7 +1669,7 @@
           <a:p>
             <a:fld id="{A1E7AB1F-959E-4491-AF42-63816FA7945B}" type="datetime1">
               <a:rPr lang="zh-TW" altLang="en-US" smtClean="0"/>
-              <a:t>2015/9/21</a:t>
+              <a:t>2015/9/22</a:t>
             </a:fld>
             <a:endParaRPr lang="zh-TW" altLang="en-US"/>
           </a:p>
@@ -1888,7 +1892,7 @@
           <a:p>
             <a:fld id="{0FCDD0C1-9253-4323-993E-FA31E2BEEE71}" type="datetime1">
               <a:rPr lang="zh-TW" altLang="en-US" smtClean="0"/>
-              <a:t>2015/9/21</a:t>
+              <a:t>2015/9/22</a:t>
             </a:fld>
             <a:endParaRPr lang="zh-TW" altLang="en-US"/>
           </a:p>
@@ -2114,7 +2118,7 @@
           <a:p>
             <a:fld id="{F0A7F967-7E6A-490E-B170-D2C779AFE000}" type="datetime1">
               <a:rPr lang="zh-TW" altLang="en-US" smtClean="0"/>
-              <a:t>2015/9/21</a:t>
+              <a:t>2015/9/22</a:t>
             </a:fld>
             <a:endParaRPr lang="zh-TW" altLang="en-US"/>
           </a:p>
@@ -2455,7 +2459,7 @@
           <a:p>
             <a:fld id="{0B5661E4-B5D7-48CD-A58D-5D08675B39B2}" type="datetime1">
               <a:rPr lang="zh-TW" altLang="en-US" smtClean="0"/>
-              <a:t>2015/9/21</a:t>
+              <a:t>2015/9/22</a:t>
             </a:fld>
             <a:endParaRPr lang="zh-TW" altLang="en-US"/>
           </a:p>
@@ -2935,7 +2939,7 @@
           <a:p>
             <a:fld id="{AA14EC56-7158-4363-A268-8EF25FFB8220}" type="datetime1">
               <a:rPr lang="zh-TW" altLang="en-US" smtClean="0"/>
-              <a:t>2015/9/21</a:t>
+              <a:t>2015/9/22</a:t>
             </a:fld>
             <a:endParaRPr lang="zh-TW" altLang="en-US"/>
           </a:p>
@@ -3040,7 +3044,7 @@
           <a:p>
             <a:fld id="{CBF83A82-8858-4BFA-BC15-96CF0087B9BD}" type="datetime1">
               <a:rPr lang="zh-TW" altLang="en-US" smtClean="0"/>
-              <a:t>2015/9/21</a:t>
+              <a:t>2015/9/22</a:t>
             </a:fld>
             <a:endParaRPr lang="zh-TW" altLang="en-US"/>
           </a:p>
@@ -3122,7 +3126,7 @@
           <a:p>
             <a:fld id="{34650CE2-3034-4FEF-A7B9-EBCD6D2497B2}" type="datetime1">
               <a:rPr lang="zh-TW" altLang="en-US" smtClean="0"/>
-              <a:t>2015/9/21</a:t>
+              <a:t>2015/9/22</a:t>
             </a:fld>
             <a:endParaRPr lang="zh-TW" altLang="en-US"/>
           </a:p>
@@ -3452,7 +3456,7 @@
           <a:p>
             <a:fld id="{B2E5D920-11C2-48C7-B30E-9C3C72FCD52E}" type="datetime1">
               <a:rPr lang="zh-TW" altLang="en-US" smtClean="0"/>
-              <a:t>2015/9/21</a:t>
+              <a:t>2015/9/22</a:t>
             </a:fld>
             <a:endParaRPr lang="zh-TW" altLang="en-US"/>
           </a:p>
@@ -3762,7 +3766,7 @@
           <a:p>
             <a:fld id="{22C67F70-208B-4447-87CD-7A3B56DD4EAD}" type="datetime1">
               <a:rPr lang="zh-TW" altLang="en-US" smtClean="0"/>
-              <a:t>2015/9/21</a:t>
+              <a:t>2015/9/22</a:t>
             </a:fld>
             <a:endParaRPr lang="zh-TW" altLang="en-US"/>
           </a:p>
@@ -4101,7 +4105,7 @@
           <a:p>
             <a:fld id="{277CD144-54BF-4B26-9533-C86504424FDB}" type="datetime1">
               <a:rPr lang="zh-TW" altLang="en-US" smtClean="0"/>
-              <a:t>2015/9/21</a:t>
+              <a:t>2015/9/22</a:t>
             </a:fld>
             <a:endParaRPr lang="zh-TW" altLang="en-US"/>
           </a:p>
@@ -5085,35 +5089,12 @@
           <a:lstStyle/>
           <a:p>
             <a:r>
-              <a:rPr lang="en-US" altLang="zh-TW" dirty="0" err="1"/>
-              <a:t>SynchronizationContext</a:t>
-            </a:r>
-            <a:r>
-              <a:rPr lang="en-US" altLang="zh-TW" dirty="0"/>
-              <a:t> </a:t>
-            </a:r>
-            <a:endParaRPr lang="zh-TW" altLang="en-US" dirty="0"/>
-          </a:p>
-        </p:txBody>
-      </p:sp>
-      <p:sp>
-        <p:nvSpPr>
-          <p:cNvPr id="3" name="內容版面配置區 2"/>
-          <p:cNvSpPr>
-            <a:spLocks noGrp="1"/>
-          </p:cNvSpPr>
-          <p:nvPr>
-            <p:ph idx="1"/>
-          </p:nvPr>
-        </p:nvSpPr>
-        <p:spPr/>
-        <p:txBody>
-          <a:bodyPr/>
-          <a:lstStyle/>
-          <a:p>
-            <a:r>
-              <a:rPr lang="en-US" altLang="zh-TW" dirty="0"/>
-              <a:t>allows a thread to communicate with another thread. Suppose you have two threads</a:t>
+              <a:rPr lang="en-US" altLang="zh-TW" dirty="0" smtClean="0"/>
+              <a:t>Synchronization</a:t>
+            </a:r>
+            <a:r>
+              <a:rPr lang="zh-TW" altLang="en-US" dirty="0" smtClean="0"/>
+              <a:t>解決方案</a:t>
             </a:r>
             <a:endParaRPr lang="zh-TW" altLang="en-US" dirty="0"/>
           </a:p>
@@ -5142,10 +5123,79 @@
           </a:p>
         </p:txBody>
       </p:sp>
+      <p:sp>
+        <p:nvSpPr>
+          <p:cNvPr id="8" name="文字方塊 7"/>
+          <p:cNvSpPr txBox="1"/>
+          <p:nvPr/>
+        </p:nvSpPr>
+        <p:spPr>
+          <a:xfrm>
+            <a:off x="179512" y="6355762"/>
+            <a:ext cx="8712968" cy="369332"/>
+          </a:xfrm>
+          <a:prstGeom prst="rect">
+            <a:avLst/>
+          </a:prstGeom>
+          <a:solidFill>
+            <a:schemeClr val="accent2">
+              <a:lumMod val="60000"/>
+              <a:lumOff val="40000"/>
+            </a:schemeClr>
+          </a:solidFill>
+        </p:spPr>
+        <p:txBody>
+          <a:bodyPr wrap="square" rtlCol="0">
+            <a:spAutoFit/>
+          </a:bodyPr>
+          <a:lstStyle/>
+          <a:p>
+            <a:r>
+              <a:rPr lang="en-US" altLang="zh-TW" dirty="0">
+                <a:solidFill>
+                  <a:schemeClr val="bg1"/>
+                </a:solidFill>
+              </a:rPr>
+              <a:t>http://prasadhonrao.com/how-to-avoid-race-condition-in-csharp/</a:t>
+            </a:r>
+            <a:endParaRPr lang="en-US" altLang="zh-TW" dirty="0" smtClean="0">
+              <a:solidFill>
+                <a:schemeClr val="bg1"/>
+              </a:solidFill>
+            </a:endParaRPr>
+          </a:p>
+        </p:txBody>
+      </p:sp>
+      <p:pic>
+        <p:nvPicPr>
+          <p:cNvPr id="6" name="內容版面配置區 5"/>
+          <p:cNvPicPr>
+            <a:picLocks noGrp="1" noChangeAspect="1"/>
+          </p:cNvPicPr>
+          <p:nvPr>
+            <p:ph idx="1"/>
+          </p:nvPr>
+        </p:nvPicPr>
+        <p:blipFill>
+          <a:blip r:embed="rId2"/>
+          <a:stretch>
+            <a:fillRect/>
+          </a:stretch>
+        </p:blipFill>
+        <p:spPr>
+          <a:xfrm>
+            <a:off x="157335" y="1541992"/>
+            <a:ext cx="8657454" cy="4394814"/>
+          </a:xfrm>
+          <a:prstGeom prst="rect">
+            <a:avLst/>
+          </a:prstGeom>
+        </p:spPr>
+      </p:pic>
     </p:spTree>
     <p:extLst>
       <p:ext uri="{BB962C8B-B14F-4D97-AF65-F5344CB8AC3E}">
-        <p14:creationId xmlns:p14="http://schemas.microsoft.com/office/powerpoint/2010/main" val="1356547501"/>
+        <p14:creationId xmlns:p14="http://schemas.microsoft.com/office/powerpoint/2010/main" val="254958239"/>
       </p:ext>
     </p:extLst>
   </p:cSld>
@@ -5188,12 +5238,12 @@
           <a:lstStyle/>
           <a:p>
             <a:r>
+              <a:rPr lang="en-US" altLang="zh-TW" dirty="0" err="1"/>
+              <a:t>SynchronizationContext</a:t>
+            </a:r>
+            <a:r>
               <a:rPr lang="en-US" altLang="zh-TW" dirty="0"/>
-              <a:t>Thread </a:t>
-            </a:r>
-            <a:r>
-              <a:rPr lang="en-US" altLang="zh-TW" dirty="0" smtClean="0"/>
-              <a:t>safe</a:t>
+              <a:t> </a:t>
             </a:r>
             <a:endParaRPr lang="zh-TW" altLang="en-US" dirty="0"/>
           </a:p>
@@ -5216,41 +5266,7 @@
           <a:p>
             <a:r>
               <a:rPr lang="en-US" altLang="zh-TW" dirty="0"/>
-              <a:t>if it only manipulates shared data structures in a manner that guarantees safe execution by multiple threads at the same </a:t>
-            </a:r>
-            <a:r>
-              <a:rPr lang="en-US" altLang="zh-TW" dirty="0" smtClean="0"/>
-              <a:t>time.</a:t>
-            </a:r>
-          </a:p>
-          <a:p>
-            <a:r>
-              <a:rPr lang="en-US" altLang="zh-TW" dirty="0" smtClean="0"/>
-              <a:t>That is a </a:t>
-            </a:r>
-            <a:r>
-              <a:rPr lang="en-US" altLang="zh-TW" dirty="0"/>
-              <a:t>thread-safe method means that data </a:t>
-            </a:r>
-            <a:r>
-              <a:rPr lang="en-US" altLang="zh-TW" dirty="0" smtClean="0"/>
-              <a:t>doesn’t </a:t>
-            </a:r>
-            <a:r>
-              <a:rPr lang="en-US" altLang="zh-TW" dirty="0"/>
-              <a:t>get corrupted if two </a:t>
-            </a:r>
-            <a:r>
-              <a:rPr lang="en-US" altLang="zh-TW" dirty="0" smtClean="0"/>
-              <a:t>threads attempt </a:t>
-            </a:r>
-            <a:r>
-              <a:rPr lang="en-US" altLang="zh-TW" dirty="0"/>
-              <a:t>to access the data at the same time</a:t>
-            </a:r>
-            <a:r>
-              <a:rPr lang="en-US" altLang="zh-TW" dirty="0" smtClean="0"/>
-              <a:t>.</a:t>
+              <a:t>allows a thread to communicate with another thread. Suppose you have two threads</a:t>
             </a:r>
             <a:endParaRPr lang="zh-TW" altLang="en-US" dirty="0"/>
           </a:p>
@@ -5279,53 +5295,10 @@
           </a:p>
         </p:txBody>
       </p:sp>
-      <p:sp>
-        <p:nvSpPr>
-          <p:cNvPr id="5" name="文字方塊 4"/>
-          <p:cNvSpPr txBox="1"/>
-          <p:nvPr/>
-        </p:nvSpPr>
-        <p:spPr>
-          <a:xfrm>
-            <a:off x="179512" y="6355762"/>
-            <a:ext cx="8712968" cy="369332"/>
-          </a:xfrm>
-          <a:prstGeom prst="rect">
-            <a:avLst/>
-          </a:prstGeom>
-          <a:solidFill>
-            <a:schemeClr val="accent2">
-              <a:lumMod val="60000"/>
-              <a:lumOff val="40000"/>
-            </a:schemeClr>
-          </a:solidFill>
-        </p:spPr>
-        <p:txBody>
-          <a:bodyPr wrap="square" rtlCol="0">
-            <a:spAutoFit/>
-          </a:bodyPr>
-          <a:lstStyle/>
-          <a:p>
-            <a:r>
-              <a:rPr lang="en-US" altLang="zh-TW" dirty="0">
-                <a:solidFill>
-                  <a:schemeClr val="bg1"/>
-                </a:solidFill>
-              </a:rPr>
-              <a:t>https://en.wikipedia.org/wiki/Thread_safety</a:t>
-            </a:r>
-            <a:endParaRPr lang="en-US" altLang="zh-TW" dirty="0" smtClean="0">
-              <a:solidFill>
-                <a:schemeClr val="bg1"/>
-              </a:solidFill>
-            </a:endParaRPr>
-          </a:p>
-        </p:txBody>
-      </p:sp>
     </p:spTree>
     <p:extLst>
       <p:ext uri="{BB962C8B-B14F-4D97-AF65-F5344CB8AC3E}">
-        <p14:creationId xmlns:p14="http://schemas.microsoft.com/office/powerpoint/2010/main" val="2799865700"/>
+        <p14:creationId xmlns:p14="http://schemas.microsoft.com/office/powerpoint/2010/main" val="1356547501"/>
       </p:ext>
     </p:extLst>
   </p:cSld>
@@ -5368,9 +5341,14 @@
           <a:lstStyle/>
           <a:p>
             <a:r>
-              <a:rPr lang="zh-TW" altLang="en-US" dirty="0"/>
-              <a:t>死結和競爭</a:t>
-            </a:r>
+              <a:rPr lang="en-US" altLang="zh-TW" dirty="0"/>
+              <a:t>Thread </a:t>
+            </a:r>
+            <a:r>
+              <a:rPr lang="en-US" altLang="zh-TW" dirty="0" smtClean="0"/>
+              <a:t>safe</a:t>
+            </a:r>
+            <a:endParaRPr lang="zh-TW" altLang="en-US" dirty="0"/>
           </a:p>
         </p:txBody>
       </p:sp>
@@ -5390,32 +5368,44 @@
           <a:lstStyle/>
           <a:p>
             <a:r>
-              <a:rPr lang="zh-TW" altLang="en-US" dirty="0" smtClean="0"/>
-              <a:t>死結</a:t>
-            </a:r>
-            <a:endParaRPr lang="en-US" altLang="zh-TW" dirty="0" smtClean="0"/>
-          </a:p>
-          <a:p>
-            <a:pPr lvl="1"/>
-            <a:r>
-              <a:rPr lang="zh-TW" altLang="en-US" dirty="0"/>
-              <a:t>當兩個執行緒都嘗試鎖定另一個執行緒已經鎖定的資源時，就會發生死結。  兩個執行緒都不能繼續進行。 </a:t>
-            </a:r>
-            <a:endParaRPr lang="en-US" altLang="zh-TW" dirty="0"/>
-          </a:p>
-          <a:p>
-            <a:r>
-              <a:rPr lang="zh-TW" altLang="en-US" dirty="0" smtClean="0"/>
-              <a:t>競爭</a:t>
-            </a:r>
-            <a:endParaRPr lang="en-US" altLang="zh-TW" dirty="0" smtClean="0"/>
-          </a:p>
-          <a:p>
-            <a:pPr lvl="1"/>
-            <a:r>
-              <a:rPr lang="zh-TW" altLang="en-US" dirty="0"/>
-              <a:t>競爭情形是一種錯誤，這種錯誤是指根據兩個或多個執行緒之中，哪一個先到達程式碼的特定區塊而決定程式的結果。  執行程式多次會產生不同的結果，並且無法預測任何指定的執行結果。</a:t>
-            </a:r>
+              <a:rPr lang="en-US" altLang="zh-TW" dirty="0"/>
+              <a:t>if it only manipulates shared data structures in a manner that guarantees safe execution by multiple threads at the same </a:t>
+            </a:r>
+            <a:r>
+              <a:rPr lang="en-US" altLang="zh-TW" dirty="0" smtClean="0"/>
+              <a:t>time.</a:t>
+            </a:r>
+          </a:p>
+          <a:p>
+            <a:r>
+              <a:rPr lang="en-US" altLang="zh-TW" dirty="0" smtClean="0"/>
+              <a:t>That is a </a:t>
+            </a:r>
+            <a:r>
+              <a:rPr lang="en-US" altLang="zh-TW" dirty="0"/>
+              <a:t>thread-safe method means that data </a:t>
+            </a:r>
+            <a:r>
+              <a:rPr lang="en-US" altLang="zh-TW" dirty="0" smtClean="0"/>
+              <a:t>doesn’t </a:t>
+            </a:r>
+            <a:r>
+              <a:rPr lang="en-US" altLang="zh-TW" dirty="0"/>
+              <a:t>get corrupted if two </a:t>
+            </a:r>
+            <a:r>
+              <a:rPr lang="en-US" altLang="zh-TW" dirty="0" smtClean="0"/>
+              <a:t>threads attempt </a:t>
+            </a:r>
+            <a:r>
+              <a:rPr lang="en-US" altLang="zh-TW" dirty="0"/>
+              <a:t>to access the data at the same time</a:t>
+            </a:r>
+            <a:r>
+              <a:rPr lang="en-US" altLang="zh-TW" dirty="0" smtClean="0"/>
+              <a:t>.</a:t>
+            </a:r>
+            <a:endParaRPr lang="zh-TW" altLang="en-US" dirty="0"/>
           </a:p>
         </p:txBody>
       </p:sp>
@@ -5437,6 +5427,169 @@
             <a:fld id="{1B4050F5-7C0C-4C02-ADBC-126D7B02657F}" type="slidenum">
               <a:rPr lang="zh-TW" altLang="en-US" smtClean="0"/>
               <a:t>12</a:t>
+            </a:fld>
+            <a:endParaRPr lang="zh-TW" altLang="en-US"/>
+          </a:p>
+        </p:txBody>
+      </p:sp>
+      <p:sp>
+        <p:nvSpPr>
+          <p:cNvPr id="5" name="文字方塊 4"/>
+          <p:cNvSpPr txBox="1"/>
+          <p:nvPr/>
+        </p:nvSpPr>
+        <p:spPr>
+          <a:xfrm>
+            <a:off x="179512" y="6355762"/>
+            <a:ext cx="8712968" cy="369332"/>
+          </a:xfrm>
+          <a:prstGeom prst="rect">
+            <a:avLst/>
+          </a:prstGeom>
+          <a:solidFill>
+            <a:schemeClr val="accent2">
+              <a:lumMod val="60000"/>
+              <a:lumOff val="40000"/>
+            </a:schemeClr>
+          </a:solidFill>
+        </p:spPr>
+        <p:txBody>
+          <a:bodyPr wrap="square" rtlCol="0">
+            <a:spAutoFit/>
+          </a:bodyPr>
+          <a:lstStyle/>
+          <a:p>
+            <a:r>
+              <a:rPr lang="en-US" altLang="zh-TW" dirty="0">
+                <a:solidFill>
+                  <a:schemeClr val="bg1"/>
+                </a:solidFill>
+              </a:rPr>
+              <a:t>https://en.wikipedia.org/wiki/Thread_safety</a:t>
+            </a:r>
+            <a:endParaRPr lang="en-US" altLang="zh-TW" dirty="0" smtClean="0">
+              <a:solidFill>
+                <a:schemeClr val="bg1"/>
+              </a:solidFill>
+            </a:endParaRPr>
+          </a:p>
+        </p:txBody>
+      </p:sp>
+    </p:spTree>
+    <p:extLst>
+      <p:ext uri="{BB962C8B-B14F-4D97-AF65-F5344CB8AC3E}">
+        <p14:creationId xmlns:p14="http://schemas.microsoft.com/office/powerpoint/2010/main" val="2799865700"/>
+      </p:ext>
+    </p:extLst>
+  </p:cSld>
+  <p:clrMapOvr>
+    <a:masterClrMapping/>
+  </p:clrMapOvr>
+</p:sld>
+</file>
+
+<file path=ppt/slides/slide13.xml><?xml version="1.0" encoding="utf-8"?>
+<p:sld xmlns:a="http://schemas.openxmlformats.org/drawingml/2006/main" xmlns:r="http://schemas.openxmlformats.org/officeDocument/2006/relationships" xmlns:p="http://schemas.openxmlformats.org/presentationml/2006/main">
+  <p:cSld>
+    <p:spTree>
+      <p:nvGrpSpPr>
+        <p:cNvPr id="1" name=""/>
+        <p:cNvGrpSpPr/>
+        <p:nvPr/>
+      </p:nvGrpSpPr>
+      <p:grpSpPr>
+        <a:xfrm>
+          <a:off x="0" y="0"/>
+          <a:ext cx="0" cy="0"/>
+          <a:chOff x="0" y="0"/>
+          <a:chExt cx="0" cy="0"/>
+        </a:xfrm>
+      </p:grpSpPr>
+      <p:sp>
+        <p:nvSpPr>
+          <p:cNvPr id="2" name="標題 1"/>
+          <p:cNvSpPr>
+            <a:spLocks noGrp="1"/>
+          </p:cNvSpPr>
+          <p:nvPr>
+            <p:ph type="title"/>
+          </p:nvPr>
+        </p:nvSpPr>
+        <p:spPr/>
+        <p:txBody>
+          <a:bodyPr/>
+          <a:lstStyle/>
+          <a:p>
+            <a:r>
+              <a:rPr lang="zh-TW" altLang="en-US" dirty="0"/>
+              <a:t>死結和競爭</a:t>
+            </a:r>
+          </a:p>
+        </p:txBody>
+      </p:sp>
+      <p:sp>
+        <p:nvSpPr>
+          <p:cNvPr id="3" name="內容版面配置區 2"/>
+          <p:cNvSpPr>
+            <a:spLocks noGrp="1"/>
+          </p:cNvSpPr>
+          <p:nvPr>
+            <p:ph idx="1"/>
+          </p:nvPr>
+        </p:nvSpPr>
+        <p:spPr/>
+        <p:txBody>
+          <a:bodyPr/>
+          <a:lstStyle/>
+          <a:p>
+            <a:r>
+              <a:rPr lang="zh-TW" altLang="en-US" dirty="0" smtClean="0"/>
+              <a:t>死結</a:t>
+            </a:r>
+            <a:endParaRPr lang="en-US" altLang="zh-TW" dirty="0" smtClean="0"/>
+          </a:p>
+          <a:p>
+            <a:pPr lvl="1"/>
+            <a:r>
+              <a:rPr lang="zh-TW" altLang="en-US" dirty="0"/>
+              <a:t>當兩個執行緒都嘗試鎖定另一個執行緒已經鎖定的資源時，就會發生死結。  兩個執行緒都不能繼續進行。 </a:t>
+            </a:r>
+            <a:endParaRPr lang="en-US" altLang="zh-TW" dirty="0"/>
+          </a:p>
+          <a:p>
+            <a:r>
+              <a:rPr lang="zh-TW" altLang="en-US" dirty="0" smtClean="0"/>
+              <a:t>競爭</a:t>
+            </a:r>
+            <a:endParaRPr lang="en-US" altLang="zh-TW" dirty="0" smtClean="0"/>
+          </a:p>
+          <a:p>
+            <a:pPr lvl="1"/>
+            <a:r>
+              <a:rPr lang="zh-TW" altLang="en-US" dirty="0"/>
+              <a:t>競爭情形是一種錯誤，這種錯誤是指根據兩個或多個執行緒之中，哪一個先到達程式碼的特定區塊而決定程式的結果。  執行程式多次會產生不同的結果，並且無法預測任何指定的執行結果。</a:t>
+            </a:r>
+          </a:p>
+        </p:txBody>
+      </p:sp>
+      <p:sp>
+        <p:nvSpPr>
+          <p:cNvPr id="4" name="投影片編號版面配置區 3"/>
+          <p:cNvSpPr>
+            <a:spLocks noGrp="1"/>
+          </p:cNvSpPr>
+          <p:nvPr>
+            <p:ph type="sldNum" sz="quarter" idx="4"/>
+          </p:nvPr>
+        </p:nvSpPr>
+        <p:spPr/>
+        <p:txBody>
+          <a:bodyPr/>
+          <a:lstStyle/>
+          <a:p>
+            <a:fld id="{1B4050F5-7C0C-4C02-ADBC-126D7B02657F}" type="slidenum">
+              <a:rPr lang="zh-TW" altLang="en-US" smtClean="0"/>
+              <a:t>13</a:t>
             </a:fld>
             <a:endParaRPr lang="zh-TW" altLang="en-US"/>
           </a:p>
@@ -5507,138 +5660,6 @@
 </p:sld>
 </file>
 
-<file path=ppt/slides/slide13.xml><?xml version="1.0" encoding="utf-8"?>
-<p:sld xmlns:a="http://schemas.openxmlformats.org/drawingml/2006/main" xmlns:r="http://schemas.openxmlformats.org/officeDocument/2006/relationships" xmlns:p="http://schemas.openxmlformats.org/presentationml/2006/main">
-  <p:cSld>
-    <p:spTree>
-      <p:nvGrpSpPr>
-        <p:cNvPr id="1" name=""/>
-        <p:cNvGrpSpPr/>
-        <p:nvPr/>
-      </p:nvGrpSpPr>
-      <p:grpSpPr>
-        <a:xfrm>
-          <a:off x="0" y="0"/>
-          <a:ext cx="0" cy="0"/>
-          <a:chOff x="0" y="0"/>
-          <a:chExt cx="0" cy="0"/>
-        </a:xfrm>
-      </p:grpSpPr>
-      <p:sp>
-        <p:nvSpPr>
-          <p:cNvPr id="2" name="標題 1"/>
-          <p:cNvSpPr>
-            <a:spLocks noGrp="1"/>
-          </p:cNvSpPr>
-          <p:nvPr>
-            <p:ph type="title"/>
-          </p:nvPr>
-        </p:nvSpPr>
-        <p:spPr/>
-        <p:txBody>
-          <a:bodyPr/>
-          <a:lstStyle/>
-          <a:p>
-            <a:r>
-              <a:rPr lang="en-US" altLang="zh-TW" dirty="0" smtClean="0"/>
-              <a:t>Multi-Thread</a:t>
-            </a:r>
-            <a:r>
-              <a:rPr lang="zh-TW" altLang="en-US" dirty="0" smtClean="0"/>
-              <a:t> 考量</a:t>
-            </a:r>
-            <a:endParaRPr lang="zh-TW" altLang="en-US" dirty="0"/>
-          </a:p>
-        </p:txBody>
-      </p:sp>
-      <p:sp>
-        <p:nvSpPr>
-          <p:cNvPr id="3" name="內容版面配置區 2"/>
-          <p:cNvSpPr>
-            <a:spLocks noGrp="1"/>
-          </p:cNvSpPr>
-          <p:nvPr>
-            <p:ph idx="1"/>
-          </p:nvPr>
-        </p:nvSpPr>
-        <p:spPr/>
-        <p:txBody>
-          <a:bodyPr/>
-          <a:lstStyle/>
-          <a:p>
-            <a:r>
-              <a:rPr lang="en-US" altLang="zh-TW" dirty="0" smtClean="0"/>
-              <a:t>More Performance</a:t>
-            </a:r>
-          </a:p>
-          <a:p>
-            <a:r>
-              <a:rPr lang="en-US" altLang="zh-TW" dirty="0" smtClean="0"/>
-              <a:t>Overhead performance</a:t>
-            </a:r>
-            <a:r>
-              <a:rPr lang="en-US" altLang="zh-TW" dirty="0"/>
-              <a:t>.</a:t>
-            </a:r>
-            <a:endParaRPr lang="en-US" altLang="zh-TW" dirty="0" smtClean="0"/>
-          </a:p>
-          <a:p>
-            <a:r>
-              <a:rPr lang="en-US" altLang="zh-TW" dirty="0" smtClean="0"/>
-              <a:t>Responsiveness </a:t>
-            </a:r>
-          </a:p>
-          <a:p>
-            <a:r>
-              <a:rPr lang="en-US" altLang="zh-TW" dirty="0" smtClean="0"/>
-              <a:t>Hardware</a:t>
-            </a:r>
-          </a:p>
-          <a:p>
-            <a:r>
-              <a:rPr lang="en-US" altLang="zh-TW" dirty="0" smtClean="0"/>
-              <a:t>Complexity</a:t>
-            </a:r>
-            <a:endParaRPr lang="zh-TW" altLang="en-US" dirty="0"/>
-          </a:p>
-        </p:txBody>
-      </p:sp>
-      <p:sp>
-        <p:nvSpPr>
-          <p:cNvPr id="4" name="投影片編號版面配置區 3"/>
-          <p:cNvSpPr>
-            <a:spLocks noGrp="1"/>
-          </p:cNvSpPr>
-          <p:nvPr>
-            <p:ph type="sldNum" sz="quarter" idx="4"/>
-          </p:nvPr>
-        </p:nvSpPr>
-        <p:spPr/>
-        <p:txBody>
-          <a:bodyPr/>
-          <a:lstStyle/>
-          <a:p>
-            <a:fld id="{1B4050F5-7C0C-4C02-ADBC-126D7B02657F}" type="slidenum">
-              <a:rPr lang="zh-TW" altLang="en-US" smtClean="0"/>
-              <a:t>13</a:t>
-            </a:fld>
-            <a:endParaRPr lang="zh-TW" altLang="en-US"/>
-          </a:p>
-        </p:txBody>
-      </p:sp>
-    </p:spTree>
-    <p:extLst>
-      <p:ext uri="{BB962C8B-B14F-4D97-AF65-F5344CB8AC3E}">
-        <p14:creationId xmlns:p14="http://schemas.microsoft.com/office/powerpoint/2010/main" val="1015429212"/>
-      </p:ext>
-    </p:extLst>
-  </p:cSld>
-  <p:clrMapOvr>
-    <a:masterClrMapping/>
-  </p:clrMapOvr>
-</p:sld>
-</file>
-
 <file path=ppt/slides/slide14.xml><?xml version="1.0" encoding="utf-8"?>
 <p:sld xmlns:a="http://schemas.openxmlformats.org/drawingml/2006/main" xmlns:r="http://schemas.openxmlformats.org/officeDocument/2006/relationships" xmlns:p="http://schemas.openxmlformats.org/presentationml/2006/main">
   <p:cSld>
@@ -5672,8 +5693,12 @@
           <a:lstStyle/>
           <a:p>
             <a:r>
+              <a:rPr lang="en-US" altLang="zh-TW" dirty="0" smtClean="0"/>
+              <a:t>Multi-Thread</a:t>
+            </a:r>
+            <a:r>
               <a:rPr lang="zh-TW" altLang="en-US" dirty="0" smtClean="0"/>
-              <a:t>正式進入主題</a:t>
+              <a:t> 考量</a:t>
             </a:r>
             <a:endParaRPr lang="zh-TW" altLang="en-US" dirty="0"/>
           </a:p>
@@ -5695,23 +5720,37 @@
           <a:lstStyle/>
           <a:p>
             <a:r>
-              <a:rPr lang="zh-TW" altLang="en-US" dirty="0" smtClean="0"/>
-              <a:t>接下來會有許多實際範例</a:t>
+              <a:rPr lang="en-US" altLang="zh-TW" dirty="0" smtClean="0"/>
+              <a:t>More Performance</a:t>
+            </a:r>
+          </a:p>
+          <a:p>
+            <a:r>
+              <a:rPr lang="en-US" altLang="zh-TW" dirty="0" smtClean="0"/>
+              <a:t>Overhead performance</a:t>
+            </a:r>
+            <a:r>
+              <a:rPr lang="en-US" altLang="zh-TW" dirty="0"/>
+              <a:t>.</a:t>
             </a:r>
             <a:endParaRPr lang="en-US" altLang="zh-TW" dirty="0" smtClean="0"/>
           </a:p>
           <a:p>
             <a:r>
-              <a:rPr lang="zh-TW" altLang="en-US" dirty="0" smtClean="0"/>
-              <a:t>不要</a:t>
-            </a:r>
-            <a:r>
-              <a:rPr lang="zh-TW" altLang="en-US" dirty="0"/>
-              <a:t>再</a:t>
-            </a:r>
-            <a:r>
-              <a:rPr lang="zh-TW" altLang="en-US" dirty="0" smtClean="0"/>
-              <a:t>打瞌睡了</a:t>
+              <a:rPr lang="en-US" altLang="zh-TW" dirty="0" smtClean="0"/>
+              <a:t>Responsiveness </a:t>
+            </a:r>
+          </a:p>
+          <a:p>
+            <a:r>
+              <a:rPr lang="en-US" altLang="zh-TW" dirty="0" smtClean="0"/>
+              <a:t>Hardware</a:t>
+            </a:r>
+          </a:p>
+          <a:p>
+            <a:r>
+              <a:rPr lang="en-US" altLang="zh-TW" dirty="0" smtClean="0"/>
+              <a:t>Complexity</a:t>
             </a:r>
             <a:endParaRPr lang="zh-TW" altLang="en-US" dirty="0"/>
           </a:p>
@@ -5743,7 +5782,7 @@
     </p:spTree>
     <p:extLst>
       <p:ext uri="{BB962C8B-B14F-4D97-AF65-F5344CB8AC3E}">
-        <p14:creationId xmlns:p14="http://schemas.microsoft.com/office/powerpoint/2010/main" val="2157034932"/>
+        <p14:creationId xmlns:p14="http://schemas.microsoft.com/office/powerpoint/2010/main" val="1015429212"/>
       </p:ext>
     </p:extLst>
   </p:cSld>
@@ -5786,16 +5825,8 @@
           <a:lstStyle/>
           <a:p>
             <a:r>
-              <a:rPr lang="en-US" altLang="zh-TW" dirty="0" smtClean="0"/>
-              <a:t>C#</a:t>
-            </a:r>
-            <a:r>
               <a:rPr lang="zh-TW" altLang="en-US" dirty="0" smtClean="0"/>
-              <a:t> 會用到的</a:t>
-            </a:r>
-            <a:r>
-              <a:rPr lang="en-US" altLang="zh-TW" dirty="0" smtClean="0"/>
-              <a:t>Class</a:t>
+              <a:t>正式進入主題</a:t>
             </a:r>
             <a:endParaRPr lang="zh-TW" altLang="en-US" dirty="0"/>
           </a:p>
@@ -5817,62 +5848,25 @@
           <a:lstStyle/>
           <a:p>
             <a:r>
-              <a:rPr lang="en-US" altLang="zh-TW" sz="2800" dirty="0" smtClean="0"/>
-              <a:t>Thread</a:t>
-            </a:r>
-          </a:p>
-          <a:p>
-            <a:pPr lvl="1"/>
-            <a:r>
-              <a:rPr lang="zh-TW" altLang="en-US" sz="2400" dirty="0"/>
-              <a:t>可建立和控制執行緒，設定執行緒的優先權，並取得它的狀態</a:t>
-            </a:r>
-            <a:endParaRPr lang="en-US" altLang="zh-TW" sz="2400" dirty="0" smtClean="0"/>
-          </a:p>
-          <a:p>
-            <a:r>
-              <a:rPr lang="en-US" altLang="zh-TW" sz="2800" dirty="0" err="1" smtClean="0"/>
-              <a:t>ThreadPool</a:t>
-            </a:r>
-            <a:endParaRPr lang="en-US" altLang="zh-TW" sz="2800" dirty="0" smtClean="0"/>
-          </a:p>
-          <a:p>
-            <a:pPr lvl="1"/>
-            <a:r>
-              <a:rPr lang="zh-TW" altLang="en-US" sz="2400" dirty="0" smtClean="0"/>
-              <a:t>提供</a:t>
-            </a:r>
-            <a:r>
-              <a:rPr lang="zh-TW" altLang="en-US" sz="2400" dirty="0"/>
-              <a:t>執行緒的集區，可用來執行工作、張貼工作項目、處理非同步 </a:t>
-            </a:r>
-            <a:r>
-              <a:rPr lang="en-US" altLang="zh-TW" sz="2400" dirty="0"/>
-              <a:t>I/O</a:t>
-            </a:r>
-            <a:r>
-              <a:rPr lang="zh-TW" altLang="en-US" sz="2400" dirty="0"/>
-              <a:t>、代表其他執行緒等候，以及處理計時器。</a:t>
-            </a:r>
-            <a:endParaRPr lang="en-US" altLang="zh-TW" sz="2400" dirty="0" smtClean="0"/>
-          </a:p>
-          <a:p>
-            <a:r>
-              <a:rPr lang="en-US" altLang="zh-TW" sz="2800" dirty="0" smtClean="0"/>
-              <a:t>Task</a:t>
-            </a:r>
-          </a:p>
-          <a:p>
-            <a:pPr lvl="1"/>
-            <a:r>
-              <a:rPr lang="zh-TW" altLang="en-US" sz="2400" dirty="0"/>
-              <a:t>表示非同步</a:t>
-            </a:r>
-            <a:r>
-              <a:rPr lang="zh-TW" altLang="en-US" sz="2400" dirty="0" smtClean="0"/>
-              <a:t>作業</a:t>
-            </a:r>
-            <a:endParaRPr lang="en-US" altLang="zh-TW" sz="2400" dirty="0" smtClean="0"/>
+              <a:rPr lang="zh-TW" altLang="en-US" dirty="0" smtClean="0"/>
+              <a:t>接下來會有許多實際範例</a:t>
+            </a:r>
+            <a:endParaRPr lang="en-US" altLang="zh-TW" dirty="0" smtClean="0"/>
+          </a:p>
+          <a:p>
+            <a:r>
+              <a:rPr lang="zh-TW" altLang="en-US" dirty="0" smtClean="0"/>
+              <a:t>不要</a:t>
+            </a:r>
+            <a:r>
+              <a:rPr lang="zh-TW" altLang="en-US" dirty="0"/>
+              <a:t>再</a:t>
+            </a:r>
+            <a:r>
+              <a:rPr lang="zh-TW" altLang="en-US" dirty="0" smtClean="0"/>
+              <a:t>打瞌睡了</a:t>
+            </a:r>
+            <a:endParaRPr lang="zh-TW" altLang="en-US" dirty="0"/>
           </a:p>
         </p:txBody>
       </p:sp>
@@ -5902,7 +5896,7 @@
     </p:spTree>
     <p:extLst>
       <p:ext uri="{BB962C8B-B14F-4D97-AF65-F5344CB8AC3E}">
-        <p14:creationId xmlns:p14="http://schemas.microsoft.com/office/powerpoint/2010/main" val="1150706475"/>
+        <p14:creationId xmlns:p14="http://schemas.microsoft.com/office/powerpoint/2010/main" val="2157034932"/>
       </p:ext>
     </p:extLst>
   </p:cSld>
@@ -5950,129 +5944,154 @@
             </a:r>
             <a:r>
               <a:rPr lang="zh-TW" altLang="en-US" dirty="0" smtClean="0"/>
+              <a:t> 會用到的</a:t>
+            </a:r>
+            <a:r>
+              <a:rPr lang="en-US" altLang="zh-TW" dirty="0" smtClean="0"/>
+              <a:t>Class</a:t>
+            </a:r>
+            <a:endParaRPr lang="zh-TW" altLang="en-US" dirty="0"/>
+          </a:p>
+        </p:txBody>
+      </p:sp>
+      <p:sp>
+        <p:nvSpPr>
+          <p:cNvPr id="3" name="內容版面配置區 2"/>
+          <p:cNvSpPr>
+            <a:spLocks noGrp="1"/>
+          </p:cNvSpPr>
+          <p:nvPr>
+            <p:ph idx="1"/>
+          </p:nvPr>
+        </p:nvSpPr>
+        <p:spPr/>
+        <p:txBody>
+          <a:bodyPr/>
+          <a:lstStyle/>
+          <a:p>
+            <a:r>
+              <a:rPr lang="en-US" altLang="zh-TW" sz="2400" dirty="0"/>
+              <a:t>Thread</a:t>
+            </a:r>
+          </a:p>
+          <a:p>
+            <a:pPr lvl="1"/>
+            <a:r>
+              <a:rPr lang="zh-TW" altLang="en-US" sz="1800" dirty="0"/>
+              <a:t>可建立和控制執行緒，設定執行緒的優先權，並取得它的狀態</a:t>
+            </a:r>
+            <a:endParaRPr lang="en-US" altLang="zh-TW" sz="1800" dirty="0" smtClean="0"/>
+          </a:p>
+          <a:p>
+            <a:r>
+              <a:rPr lang="en-US" altLang="zh-TW" sz="2400" dirty="0" err="1"/>
+              <a:t>ThreadPool</a:t>
+            </a:r>
+            <a:endParaRPr lang="en-US" altLang="zh-TW" sz="2400" dirty="0"/>
+          </a:p>
+          <a:p>
+            <a:pPr lvl="1"/>
+            <a:r>
+              <a:rPr lang="zh-TW" altLang="en-US" sz="1800" dirty="0" smtClean="0"/>
+              <a:t>提供</a:t>
+            </a:r>
+            <a:r>
+              <a:rPr lang="zh-TW" altLang="en-US" sz="1800" dirty="0"/>
+              <a:t>執行緒的集區，可用來執行工作、張貼工作項目、處理非同步 </a:t>
+            </a:r>
+            <a:r>
+              <a:rPr lang="en-US" altLang="zh-TW" sz="1800" dirty="0"/>
+              <a:t>I/O</a:t>
+            </a:r>
+            <a:r>
+              <a:rPr lang="zh-TW" altLang="en-US" sz="1800" dirty="0"/>
+              <a:t>、代表其他執行緒等候，以及處理計時器。</a:t>
+            </a:r>
+            <a:endParaRPr lang="en-US" altLang="zh-TW" sz="1800" dirty="0" smtClean="0"/>
+          </a:p>
+          <a:p>
+            <a:r>
+              <a:rPr lang="en-US" altLang="zh-TW" sz="2400" dirty="0"/>
+              <a:t>Task</a:t>
+            </a:r>
+          </a:p>
+          <a:p>
+            <a:pPr lvl="1"/>
+            <a:r>
+              <a:rPr lang="zh-TW" altLang="en-US" sz="1800" dirty="0"/>
+              <a:t>表示非同步</a:t>
+            </a:r>
+            <a:r>
+              <a:rPr lang="zh-TW" altLang="en-US" sz="1800" dirty="0" smtClean="0"/>
+              <a:t>作業</a:t>
+            </a:r>
+            <a:endParaRPr lang="en-US" altLang="zh-TW" sz="1800" dirty="0" smtClean="0"/>
+          </a:p>
+          <a:p>
+            <a:r>
+              <a:rPr lang="en-US" altLang="zh-TW" sz="2400" dirty="0" err="1" smtClean="0"/>
+              <a:t>Task.Factory</a:t>
+            </a:r>
+            <a:endParaRPr lang="en-US" altLang="zh-TW" sz="2400" dirty="0" smtClean="0"/>
+          </a:p>
+          <a:p>
+            <a:pPr lvl="1"/>
+            <a:r>
+              <a:rPr lang="zh-TW" altLang="en-US" sz="2000" dirty="0"/>
+              <a:t>提供建立和排程 </a:t>
+            </a:r>
+            <a:r>
+              <a:rPr lang="en-US" altLang="zh-TW" sz="2000" dirty="0"/>
+              <a:t>Task </a:t>
+            </a:r>
+            <a:r>
+              <a:rPr lang="zh-TW" altLang="en-US" sz="2000" dirty="0"/>
+              <a:t>物件的</a:t>
+            </a:r>
+            <a:r>
+              <a:rPr lang="zh-TW" altLang="en-US" sz="2000" dirty="0" smtClean="0"/>
+              <a:t>支援</a:t>
+            </a:r>
+            <a:endParaRPr lang="en-US" altLang="zh-TW" sz="2000" dirty="0" smtClean="0"/>
+          </a:p>
+          <a:p>
+            <a:pPr lvl="1"/>
+            <a:r>
+              <a:rPr lang="zh-CN" altLang="en-US" sz="2000" dirty="0"/>
+              <a:t>创建一个任务，并通过调用立即启动该 </a:t>
+            </a:r>
+            <a:r>
+              <a:rPr lang="en-US" altLang="zh-CN" sz="2000" dirty="0" err="1"/>
+              <a:t>StartNew</a:t>
+            </a:r>
+            <a:r>
+              <a:rPr lang="en-US" altLang="zh-CN" sz="2000" dirty="0"/>
               <a:t> </a:t>
             </a:r>
             <a:r>
-              <a:rPr lang="en-US" altLang="zh-TW" dirty="0"/>
-              <a:t>Thread</a:t>
-            </a:r>
-            <a:endParaRPr lang="zh-TW" altLang="en-US" dirty="0"/>
-          </a:p>
-        </p:txBody>
-      </p:sp>
-      <p:sp>
-        <p:nvSpPr>
-          <p:cNvPr id="3" name="內容版面配置區 2"/>
-          <p:cNvSpPr>
-            <a:spLocks noGrp="1"/>
-          </p:cNvSpPr>
-          <p:nvPr>
-            <p:ph idx="1"/>
-          </p:nvPr>
-        </p:nvSpPr>
-        <p:spPr/>
-        <p:txBody>
-          <a:bodyPr/>
-          <a:lstStyle/>
-          <a:p>
+              <a:rPr lang="zh-CN" altLang="en-US" sz="2000" dirty="0"/>
+              <a:t>方法</a:t>
+            </a:r>
+            <a:endParaRPr lang="en-US" altLang="zh-TW" sz="2000" dirty="0" smtClean="0"/>
+          </a:p>
+          <a:p>
+            <a:r>
+              <a:rPr lang="en-US" altLang="zh-TW" sz="2400" dirty="0"/>
+              <a:t> </a:t>
+            </a:r>
             <a:r>
               <a:rPr lang="en-US" altLang="zh-TW" sz="2400" dirty="0" err="1" smtClean="0"/>
-              <a:t>CurrentContext</a:t>
+              <a:t>Task.Run</a:t>
             </a:r>
             <a:endParaRPr lang="en-US" altLang="zh-TW" sz="2400" dirty="0" smtClean="0"/>
           </a:p>
           <a:p>
             <a:pPr lvl="1"/>
             <a:r>
-              <a:rPr lang="zh-TW" altLang="en-US" sz="2000" dirty="0"/>
-              <a:t>取得執行緒正在執行的目前內容</a:t>
+              <a:rPr lang="zh-CN" altLang="en-US" sz="2000" dirty="0"/>
+              <a:t>提供了最简单的方式使用默认配置值创建一个任务并立即开始</a:t>
             </a:r>
             <a:endParaRPr lang="en-US" altLang="zh-TW" sz="2000" dirty="0" smtClean="0"/>
-          </a:p>
-          <a:p>
-            <a:r>
-              <a:rPr lang="en-US" altLang="zh-TW" sz="2400" dirty="0" err="1"/>
-              <a:t>CurrentCulture</a:t>
-            </a:r>
-            <a:endParaRPr lang="en-US" altLang="zh-TW" sz="2400" dirty="0"/>
-          </a:p>
-          <a:p>
-            <a:pPr lvl="1"/>
-            <a:r>
-              <a:rPr lang="zh-TW" altLang="en-US" sz="2000" dirty="0"/>
-              <a:t>取得或設定目前執行緒的文化特性 </a:t>
-            </a:r>
-            <a:r>
-              <a:rPr lang="en-US" altLang="zh-TW" sz="2000" dirty="0"/>
-              <a:t>(Culture)</a:t>
-            </a:r>
-          </a:p>
-          <a:p>
-            <a:r>
-              <a:rPr lang="en-US" altLang="zh-TW" sz="2400" dirty="0" err="1"/>
-              <a:t>CurrentPrincipal</a:t>
-            </a:r>
-            <a:endParaRPr lang="en-US" altLang="zh-TW" sz="2400" dirty="0"/>
-          </a:p>
-          <a:p>
-            <a:pPr lvl="1"/>
-            <a:r>
-              <a:rPr lang="zh-TW" altLang="en-US" sz="2000" dirty="0"/>
-              <a:t>取得或設定執行緒目前的原則 </a:t>
-            </a:r>
-            <a:r>
-              <a:rPr lang="en-US" altLang="zh-TW" sz="2000" dirty="0"/>
-              <a:t>(</a:t>
-            </a:r>
-            <a:r>
-              <a:rPr lang="zh-TW" altLang="en-US" sz="2000" dirty="0"/>
-              <a:t>角色架構安全性之用</a:t>
-            </a:r>
-            <a:r>
-              <a:rPr lang="en-US" altLang="zh-TW" sz="2000" dirty="0"/>
-              <a:t>)</a:t>
-            </a:r>
-          </a:p>
-          <a:p>
-            <a:r>
-              <a:rPr lang="en-US" altLang="zh-TW" sz="2400" dirty="0" err="1" smtClean="0"/>
-              <a:t>CurrentThread</a:t>
-            </a:r>
-            <a:endParaRPr lang="en-US" altLang="zh-TW" sz="2400" dirty="0" smtClean="0"/>
-          </a:p>
-          <a:p>
-            <a:pPr lvl="1"/>
-            <a:r>
-              <a:rPr lang="zh-TW" altLang="en-US" sz="2000" dirty="0"/>
-              <a:t>取得目前執行的執行</a:t>
-            </a:r>
-            <a:r>
-              <a:rPr lang="zh-TW" altLang="en-US" sz="2000" dirty="0" smtClean="0"/>
-              <a:t>緒</a:t>
-            </a:r>
-            <a:endParaRPr lang="en-US" altLang="zh-TW" sz="2000" dirty="0" smtClean="0"/>
-          </a:p>
-          <a:p>
-            <a:r>
-              <a:rPr lang="en-US" altLang="zh-TW" sz="2400" dirty="0" err="1" smtClean="0"/>
-              <a:t>CurrentUICulture</a:t>
-            </a:r>
-            <a:endParaRPr lang="en-US" altLang="zh-TW" sz="2400" dirty="0" smtClean="0"/>
-          </a:p>
-          <a:p>
-            <a:pPr lvl="1"/>
-            <a:r>
-              <a:rPr lang="zh-TW" altLang="en-US" sz="2000" dirty="0"/>
-              <a:t>取得或設定資源管理員目前用以在執行階段查詢特定文化特性資源所用的文化特性</a:t>
-            </a:r>
-            <a:endParaRPr lang="en-US" altLang="zh-TW" sz="2000" dirty="0"/>
-          </a:p>
-          <a:p>
-            <a:pPr lvl="1"/>
-            <a:endParaRPr lang="en-US" altLang="zh-TW" sz="2000" dirty="0"/>
-          </a:p>
-          <a:p>
-            <a:endParaRPr lang="zh-TW" altLang="en-US" sz="2400" dirty="0"/>
           </a:p>
         </p:txBody>
       </p:sp>
@@ -6099,53 +6118,10 @@
           </a:p>
         </p:txBody>
       </p:sp>
-      <p:sp>
-        <p:nvSpPr>
-          <p:cNvPr id="5" name="文字方塊 4"/>
-          <p:cNvSpPr txBox="1"/>
-          <p:nvPr/>
-        </p:nvSpPr>
-        <p:spPr>
-          <a:xfrm>
-            <a:off x="-236" y="6176750"/>
-            <a:ext cx="9144000" cy="646331"/>
-          </a:xfrm>
-          <a:prstGeom prst="rect">
-            <a:avLst/>
-          </a:prstGeom>
-          <a:solidFill>
-            <a:schemeClr val="accent2">
-              <a:lumMod val="60000"/>
-              <a:lumOff val="40000"/>
-            </a:schemeClr>
-          </a:solidFill>
-        </p:spPr>
-        <p:txBody>
-          <a:bodyPr wrap="square" rtlCol="0">
-            <a:spAutoFit/>
-          </a:bodyPr>
-          <a:lstStyle/>
-          <a:p>
-            <a:r>
-              <a:rPr lang="en-US" altLang="zh-TW" dirty="0">
-                <a:solidFill>
-                  <a:schemeClr val="bg1"/>
-                </a:solidFill>
-              </a:rPr>
-              <a:t>https://msdn.microsoft.com/zh-tw/library/system.threading.thread(v=vs.110).aspx</a:t>
-            </a:r>
-            <a:endParaRPr lang="en-US" altLang="zh-TW" dirty="0" smtClean="0">
-              <a:solidFill>
-                <a:schemeClr val="bg1"/>
-              </a:solidFill>
-            </a:endParaRPr>
-          </a:p>
-        </p:txBody>
-      </p:sp>
     </p:spTree>
     <p:extLst>
       <p:ext uri="{BB962C8B-B14F-4D97-AF65-F5344CB8AC3E}">
-        <p14:creationId xmlns:p14="http://schemas.microsoft.com/office/powerpoint/2010/main" val="1964057908"/>
+        <p14:creationId xmlns:p14="http://schemas.microsoft.com/office/powerpoint/2010/main" val="1150706475"/>
       </p:ext>
     </p:extLst>
   </p:cSld>
@@ -6189,7 +6165,15 @@
           <a:p>
             <a:r>
               <a:rPr lang="en-US" altLang="zh-TW" dirty="0" smtClean="0"/>
-              <a:t>Thread in Visual Studio</a:t>
+              <a:t>C#</a:t>
+            </a:r>
+            <a:r>
+              <a:rPr lang="zh-TW" altLang="en-US" dirty="0" smtClean="0"/>
+              <a:t> </a:t>
+            </a:r>
+            <a:r>
+              <a:rPr lang="en-US" altLang="zh-TW" dirty="0"/>
+              <a:t>Thread</a:t>
             </a:r>
             <a:endParaRPr lang="zh-TW" altLang="en-US" dirty="0"/>
           </a:p>
@@ -6211,38 +6195,103 @@
           <a:lstStyle/>
           <a:p>
             <a:r>
-              <a:rPr lang="zh-TW" altLang="en-US" dirty="0" smtClean="0"/>
-              <a:t>功能表</a:t>
-            </a:r>
-            <a:endParaRPr lang="en-US" altLang="zh-TW" dirty="0" smtClean="0"/>
+              <a:rPr lang="en-US" altLang="zh-TW" sz="2400" dirty="0" err="1" smtClean="0"/>
+              <a:t>CurrentContext</a:t>
+            </a:r>
+            <a:endParaRPr lang="en-US" altLang="zh-TW" sz="2400" dirty="0" smtClean="0"/>
           </a:p>
           <a:p>
             <a:pPr lvl="1"/>
             <a:r>
-              <a:rPr lang="zh-TW" altLang="en-US" dirty="0"/>
-              <a:t>偵</a:t>
-            </a:r>
-            <a:r>
-              <a:rPr lang="zh-TW" altLang="en-US" dirty="0" smtClean="0"/>
-              <a:t>錯 </a:t>
-            </a:r>
-            <a:r>
-              <a:rPr lang="en-US" altLang="zh-TW" dirty="0" smtClean="0"/>
-              <a:t>&gt;</a:t>
-            </a:r>
-            <a:r>
-              <a:rPr lang="zh-TW" altLang="en-US" dirty="0" smtClean="0"/>
-              <a:t> 視窗 </a:t>
-            </a:r>
-            <a:r>
-              <a:rPr lang="en-US" altLang="zh-TW" dirty="0" smtClean="0"/>
-              <a:t>&gt;</a:t>
-            </a:r>
-            <a:r>
-              <a:rPr lang="zh-TW" altLang="en-US" dirty="0" smtClean="0"/>
-              <a:t> 執行緒</a:t>
-            </a:r>
-            <a:endParaRPr lang="zh-TW" altLang="en-US" dirty="0"/>
+              <a:rPr lang="zh-TW" altLang="en-US" sz="2000" dirty="0"/>
+              <a:t>取得執行緒正在執行的目前內容</a:t>
+            </a:r>
+            <a:endParaRPr lang="en-US" altLang="zh-TW" sz="2000" dirty="0" smtClean="0"/>
+          </a:p>
+          <a:p>
+            <a:r>
+              <a:rPr lang="en-US" altLang="zh-TW" sz="2400" dirty="0" err="1"/>
+              <a:t>CurrentCulture</a:t>
+            </a:r>
+            <a:endParaRPr lang="en-US" altLang="zh-TW" sz="2400" dirty="0"/>
+          </a:p>
+          <a:p>
+            <a:pPr lvl="1"/>
+            <a:r>
+              <a:rPr lang="zh-TW" altLang="en-US" sz="2000" dirty="0"/>
+              <a:t>取得或設定目前執行緒的文化特性 </a:t>
+            </a:r>
+            <a:r>
+              <a:rPr lang="en-US" altLang="zh-TW" sz="2000" dirty="0"/>
+              <a:t>(Culture)</a:t>
+            </a:r>
+          </a:p>
+          <a:p>
+            <a:r>
+              <a:rPr lang="en-US" altLang="zh-TW" sz="2400" dirty="0" err="1"/>
+              <a:t>CurrentPrincipal</a:t>
+            </a:r>
+            <a:endParaRPr lang="en-US" altLang="zh-TW" sz="2400" dirty="0"/>
+          </a:p>
+          <a:p>
+            <a:pPr lvl="1"/>
+            <a:r>
+              <a:rPr lang="zh-TW" altLang="en-US" sz="2000" dirty="0"/>
+              <a:t>取得或設定執行緒目前的原則 </a:t>
+            </a:r>
+            <a:r>
+              <a:rPr lang="en-US" altLang="zh-TW" sz="2000" dirty="0"/>
+              <a:t>(</a:t>
+            </a:r>
+            <a:r>
+              <a:rPr lang="zh-TW" altLang="en-US" sz="2000" dirty="0"/>
+              <a:t>角色架構安全性之用</a:t>
+            </a:r>
+            <a:r>
+              <a:rPr lang="en-US" altLang="zh-TW" sz="2000" dirty="0"/>
+              <a:t>)</a:t>
+            </a:r>
+          </a:p>
+          <a:p>
+            <a:r>
+              <a:rPr lang="en-US" altLang="zh-TW" sz="2400" dirty="0" err="1" smtClean="0"/>
+              <a:t>CurrentThread</a:t>
+            </a:r>
+            <a:endParaRPr lang="en-US" altLang="zh-TW" sz="2400" dirty="0" smtClean="0"/>
+          </a:p>
+          <a:p>
+            <a:pPr lvl="1"/>
+            <a:r>
+              <a:rPr lang="zh-TW" altLang="en-US" sz="2000" dirty="0"/>
+              <a:t>取得目前執行的執行</a:t>
+            </a:r>
+            <a:r>
+              <a:rPr lang="zh-TW" altLang="en-US" sz="2000" dirty="0" smtClean="0"/>
+              <a:t>緒</a:t>
+            </a:r>
+            <a:endParaRPr lang="en-US" altLang="zh-TW" sz="2000" dirty="0" smtClean="0"/>
+          </a:p>
+          <a:p>
+            <a:r>
+              <a:rPr lang="en-US" altLang="zh-TW" sz="2400" dirty="0" err="1" smtClean="0"/>
+              <a:t>CurrentUICulture</a:t>
+            </a:r>
+            <a:endParaRPr lang="en-US" altLang="zh-TW" sz="2400" dirty="0" smtClean="0"/>
+          </a:p>
+          <a:p>
+            <a:pPr lvl="1"/>
+            <a:r>
+              <a:rPr lang="zh-TW" altLang="en-US" sz="2000" dirty="0"/>
+              <a:t>取得或設定資源管理員目前用以在執行階段查詢特定文化特性資源所用的文化特性</a:t>
+            </a:r>
+            <a:endParaRPr lang="en-US" altLang="zh-TW" sz="2000" dirty="0"/>
+          </a:p>
+          <a:p>
+            <a:pPr lvl="1"/>
+            <a:endParaRPr lang="en-US" altLang="zh-TW" sz="2000" dirty="0"/>
+          </a:p>
+          <a:p>
+            <a:endParaRPr lang="zh-TW" altLang="en-US" sz="2400" dirty="0"/>
           </a:p>
         </p:txBody>
       </p:sp>
@@ -6269,10 +6318,53 @@
           </a:p>
         </p:txBody>
       </p:sp>
+      <p:sp>
+        <p:nvSpPr>
+          <p:cNvPr id="5" name="文字方塊 4"/>
+          <p:cNvSpPr txBox="1"/>
+          <p:nvPr/>
+        </p:nvSpPr>
+        <p:spPr>
+          <a:xfrm>
+            <a:off x="-236" y="6176750"/>
+            <a:ext cx="9144000" cy="646331"/>
+          </a:xfrm>
+          <a:prstGeom prst="rect">
+            <a:avLst/>
+          </a:prstGeom>
+          <a:solidFill>
+            <a:schemeClr val="accent2">
+              <a:lumMod val="60000"/>
+              <a:lumOff val="40000"/>
+            </a:schemeClr>
+          </a:solidFill>
+        </p:spPr>
+        <p:txBody>
+          <a:bodyPr wrap="square" rtlCol="0">
+            <a:spAutoFit/>
+          </a:bodyPr>
+          <a:lstStyle/>
+          <a:p>
+            <a:r>
+              <a:rPr lang="en-US" altLang="zh-TW" dirty="0">
+                <a:solidFill>
+                  <a:schemeClr val="bg1"/>
+                </a:solidFill>
+              </a:rPr>
+              <a:t>https://msdn.microsoft.com/zh-tw/library/system.threading.thread(v=vs.110).aspx</a:t>
+            </a:r>
+            <a:endParaRPr lang="en-US" altLang="zh-TW" dirty="0" smtClean="0">
+              <a:solidFill>
+                <a:schemeClr val="bg1"/>
+              </a:solidFill>
+            </a:endParaRPr>
+          </a:p>
+        </p:txBody>
+      </p:sp>
     </p:spTree>
     <p:extLst>
       <p:ext uri="{BB962C8B-B14F-4D97-AF65-F5344CB8AC3E}">
-        <p14:creationId xmlns:p14="http://schemas.microsoft.com/office/powerpoint/2010/main" val="3468982265"/>
+        <p14:creationId xmlns:p14="http://schemas.microsoft.com/office/powerpoint/2010/main" val="1964057908"/>
       </p:ext>
     </p:extLst>
   </p:cSld>
@@ -6316,7 +6408,7 @@
           <a:p>
             <a:r>
               <a:rPr lang="en-US" altLang="zh-TW" dirty="0" smtClean="0"/>
-              <a:t>Thread</a:t>
+              <a:t>Thread in Visual Studio</a:t>
             </a:r>
             <a:endParaRPr lang="zh-TW" altLang="en-US" dirty="0"/>
           </a:p>
@@ -6339,145 +6431,37 @@
           <a:p>
             <a:r>
               <a:rPr lang="zh-TW" altLang="en-US" dirty="0" smtClean="0"/>
-              <a:t>建立 </a:t>
+              <a:t>功能表</a:t>
+            </a:r>
+            <a:endParaRPr lang="en-US" altLang="zh-TW" dirty="0" smtClean="0"/>
+          </a:p>
+          <a:p>
+            <a:pPr lvl="1"/>
+            <a:r>
+              <a:rPr lang="zh-TW" altLang="en-US" dirty="0"/>
+              <a:t>偵</a:t>
+            </a:r>
+            <a:r>
+              <a:rPr lang="zh-TW" altLang="en-US" dirty="0" smtClean="0"/>
+              <a:t>錯 </a:t>
             </a:r>
             <a:r>
               <a:rPr lang="en-US" altLang="zh-TW" dirty="0" smtClean="0"/>
-              <a:t>Thread</a:t>
-            </a:r>
-          </a:p>
-          <a:p>
-            <a:pPr lvl="1"/>
-            <a:r>
-              <a:rPr lang="en-US" altLang="zh-TW" sz="2000" dirty="0"/>
-              <a:t>Thread t = new Thread(new </a:t>
-            </a:r>
-            <a:r>
-              <a:rPr lang="en-US" altLang="zh-TW" sz="2000" dirty="0" err="1"/>
-              <a:t>ThreadStart</a:t>
-            </a:r>
-            <a:r>
-              <a:rPr lang="en-US" altLang="zh-TW" sz="2000" dirty="0"/>
-              <a:t>(</a:t>
-            </a:r>
-            <a:r>
-              <a:rPr lang="en-US" altLang="zh-TW" sz="2000" dirty="0" err="1"/>
-              <a:t>ThreadMethod</a:t>
-            </a:r>
-            <a:r>
-              <a:rPr lang="en-US" altLang="zh-TW" sz="2000" dirty="0" smtClean="0"/>
-              <a:t>));</a:t>
-            </a:r>
-          </a:p>
-          <a:p>
-            <a:r>
-              <a:rPr lang="zh-TW" altLang="en-US" sz="2400" dirty="0" smtClean="0"/>
-              <a:t>重要屬性</a:t>
-            </a:r>
-            <a:endParaRPr lang="en-US" altLang="zh-TW" sz="2400" dirty="0" smtClean="0"/>
-          </a:p>
-          <a:p>
-            <a:pPr lvl="1"/>
-            <a:r>
-              <a:rPr lang="zh-TW" altLang="en-US" sz="2000" dirty="0" smtClean="0"/>
-              <a:t>前景</a:t>
-            </a:r>
-            <a:r>
-              <a:rPr lang="en-US" altLang="zh-TW" sz="2000" dirty="0" smtClean="0"/>
-              <a:t>/</a:t>
-            </a:r>
-            <a:r>
-              <a:rPr lang="zh-TW" altLang="en-US" sz="2000" dirty="0" smtClean="0"/>
-              <a:t>背景</a:t>
-            </a:r>
-            <a:r>
-              <a:rPr lang="en-US" altLang="zh-TW" sz="2000" dirty="0" smtClean="0"/>
-              <a:t>, </a:t>
-            </a:r>
-            <a:r>
-              <a:rPr lang="zh-TW" altLang="en-US" sz="2000" dirty="0" smtClean="0"/>
-              <a:t>排程優先權</a:t>
-            </a:r>
-            <a:r>
-              <a:rPr lang="en-US" altLang="zh-TW" sz="2000" dirty="0" smtClean="0"/>
-              <a:t>, </a:t>
-            </a:r>
-            <a:r>
-              <a:rPr lang="zh-TW" altLang="en-US" sz="2000" dirty="0" smtClean="0"/>
-              <a:t>名稱</a:t>
-            </a:r>
-            <a:r>
-              <a:rPr lang="en-US" altLang="zh-TW" sz="2000" dirty="0"/>
-              <a:t>, Managed </a:t>
-            </a:r>
-            <a:r>
-              <a:rPr lang="zh-TW" altLang="en-US" sz="2000" dirty="0"/>
-              <a:t>執行緒的唯一識別</a:t>
-            </a:r>
-            <a:r>
-              <a:rPr lang="zh-TW" altLang="en-US" sz="2000" dirty="0" smtClean="0"/>
-              <a:t>項</a:t>
-            </a:r>
-            <a:endParaRPr lang="en-US" altLang="zh-TW" sz="2000" dirty="0" smtClean="0"/>
-          </a:p>
-          <a:p>
-            <a:pPr lvl="1"/>
-            <a:r>
-              <a:rPr lang="en-US" altLang="zh-TW" sz="2000" dirty="0">
-                <a:hlinkClick r:id="rId2"/>
-              </a:rPr>
-              <a:t>https://</a:t>
-            </a:r>
-            <a:r>
-              <a:rPr lang="en-US" altLang="zh-TW" sz="2000" dirty="0" smtClean="0">
-                <a:hlinkClick r:id="rId2"/>
-              </a:rPr>
-              <a:t>msdn.microsoft.com/zh-tw/library/system.threading.thread.aspx</a:t>
-            </a:r>
-            <a:endParaRPr lang="en-US" altLang="zh-TW" sz="2000" dirty="0" smtClean="0"/>
-          </a:p>
-          <a:p>
-            <a:r>
-              <a:rPr lang="zh-TW" altLang="en-US" sz="2400" dirty="0" smtClean="0"/>
-              <a:t>重要方法</a:t>
-            </a:r>
-            <a:endParaRPr lang="en-US" altLang="zh-TW" sz="2400" dirty="0" smtClean="0"/>
-          </a:p>
-          <a:p>
-            <a:pPr lvl="1"/>
-            <a:r>
-              <a:rPr lang="zh-TW" altLang="en-US" sz="2000" dirty="0" smtClean="0"/>
-              <a:t>開始</a:t>
-            </a:r>
-            <a:r>
-              <a:rPr lang="en-US" altLang="zh-TW" sz="2000" dirty="0" smtClean="0"/>
-              <a:t>, </a:t>
-            </a:r>
-            <a:r>
-              <a:rPr lang="zh-TW" altLang="en-US" sz="2000" dirty="0" smtClean="0"/>
-              <a:t>終止</a:t>
-            </a:r>
-            <a:r>
-              <a:rPr lang="en-US" altLang="zh-TW" sz="2000" dirty="0" smtClean="0"/>
-              <a:t>, </a:t>
-            </a:r>
-            <a:r>
-              <a:rPr lang="zh-TW" altLang="en-US" sz="2000" dirty="0" smtClean="0"/>
-              <a:t>等候結束</a:t>
-            </a:r>
-            <a:r>
-              <a:rPr lang="en-US" altLang="zh-TW" sz="2000" dirty="0" smtClean="0"/>
-              <a:t>, </a:t>
-            </a:r>
-            <a:r>
-              <a:rPr lang="zh-TW" altLang="en-US" sz="2000" dirty="0" smtClean="0"/>
-              <a:t>暫停</a:t>
-            </a:r>
-            <a:endParaRPr lang="en-US" altLang="zh-TW" sz="2000" dirty="0" smtClean="0"/>
-          </a:p>
-          <a:p>
-            <a:pPr lvl="1"/>
-            <a:endParaRPr lang="zh-TW" altLang="en-US" sz="2000" dirty="0"/>
+              <a:t>&gt;</a:t>
+            </a:r>
+            <a:r>
+              <a:rPr lang="zh-TW" altLang="en-US" dirty="0" smtClean="0"/>
+              <a:t> 視窗 </a:t>
+            </a:r>
+            <a:r>
+              <a:rPr lang="en-US" altLang="zh-TW" dirty="0" smtClean="0"/>
+              <a:t>&gt;</a:t>
+            </a:r>
+            <a:r>
+              <a:rPr lang="zh-TW" altLang="en-US" dirty="0" smtClean="0"/>
+              <a:t> 執行緒</a:t>
+            </a:r>
+            <a:endParaRPr lang="zh-TW" altLang="en-US" dirty="0"/>
           </a:p>
         </p:txBody>
       </p:sp>
@@ -6507,7 +6491,7 @@
     </p:spTree>
     <p:extLst>
       <p:ext uri="{BB962C8B-B14F-4D97-AF65-F5344CB8AC3E}">
-        <p14:creationId xmlns:p14="http://schemas.microsoft.com/office/powerpoint/2010/main" val="715737149"/>
+        <p14:creationId xmlns:p14="http://schemas.microsoft.com/office/powerpoint/2010/main" val="3468982265"/>
       </p:ext>
     </p:extLst>
   </p:cSld>
@@ -6550,25 +6534,10 @@
           <a:lstStyle/>
           <a:p>
             <a:r>
-              <a:rPr lang="en-US" altLang="zh-TW" sz="3200" b="1" dirty="0"/>
-              <a:t>Asynchronous Programming </a:t>
-            </a:r>
-            <a:r>
-              <a:rPr lang="en-US" altLang="zh-TW" sz="3200" b="1" dirty="0" smtClean="0"/>
-              <a:t>Patterns</a:t>
-            </a:r>
-            <a:br>
-              <a:rPr lang="en-US" altLang="zh-TW" sz="3200" b="1" dirty="0" smtClean="0"/>
-            </a:br>
-            <a:r>
-              <a:rPr lang="zh-TW" altLang="en-US" sz="3200" b="1" dirty="0" smtClean="0"/>
-              <a:t>檢視非同步開發的</a:t>
-            </a:r>
-            <a:r>
-              <a:rPr lang="zh-TW" altLang="en-US" sz="3200" b="1" dirty="0"/>
-              <a:t>歷史</a:t>
-            </a:r>
-            <a:endParaRPr lang="zh-TW" altLang="en-US" sz="3200" dirty="0"/>
+              <a:rPr lang="en-US" altLang="zh-TW" dirty="0" smtClean="0"/>
+              <a:t>Thread</a:t>
+            </a:r>
+            <a:endParaRPr lang="zh-TW" altLang="en-US" dirty="0"/>
           </a:p>
         </p:txBody>
       </p:sp>
@@ -6588,145 +6557,146 @@
           <a:lstStyle/>
           <a:p>
             <a:r>
-              <a:rPr lang="en-US" altLang="zh-TW" dirty="0"/>
-              <a:t>APM</a:t>
+              <a:rPr lang="zh-TW" altLang="en-US" dirty="0" smtClean="0"/>
+              <a:t>建立 </a:t>
+            </a:r>
+            <a:r>
+              <a:rPr lang="en-US" altLang="zh-TW" dirty="0" smtClean="0"/>
+              <a:t>Thread</a:t>
             </a:r>
           </a:p>
           <a:p>
             <a:pPr lvl="1"/>
             <a:r>
+              <a:rPr lang="en-US" altLang="zh-TW" sz="2000" dirty="0"/>
+              <a:t>Thread t = new Thread(new </a:t>
+            </a:r>
+            <a:r>
+              <a:rPr lang="en-US" altLang="zh-TW" sz="2000" dirty="0" err="1"/>
+              <a:t>ThreadStart</a:t>
+            </a:r>
+            <a:r>
+              <a:rPr lang="en-US" altLang="zh-TW" sz="2000" dirty="0"/>
+              <a:t>(</a:t>
+            </a:r>
+            <a:r>
+              <a:rPr lang="en-US" altLang="zh-TW" sz="2000" dirty="0" err="1"/>
+              <a:t>ThreadMethod</a:t>
+            </a:r>
+            <a:r>
               <a:rPr lang="en-US" altLang="zh-TW" sz="2000" dirty="0" smtClean="0"/>
-              <a:t>Asynchronous </a:t>
+              <a:t>));</a:t>
+            </a:r>
+          </a:p>
+          <a:p>
+            <a:r>
+              <a:rPr lang="zh-TW" altLang="en-US" sz="2400" dirty="0" smtClean="0"/>
+              <a:t>重要屬性</a:t>
+            </a:r>
+            <a:endParaRPr lang="en-US" altLang="zh-TW" sz="2400" dirty="0" smtClean="0"/>
+          </a:p>
+          <a:p>
+            <a:pPr lvl="1"/>
+            <a:r>
+              <a:rPr lang="zh-TW" altLang="en-US" sz="2000" dirty="0" smtClean="0"/>
+              <a:t>前景</a:t>
+            </a:r>
+            <a:r>
+              <a:rPr lang="en-US" altLang="zh-TW" sz="2000" dirty="0" smtClean="0"/>
+              <a:t>/</a:t>
+            </a:r>
+            <a:r>
+              <a:rPr lang="zh-TW" altLang="en-US" sz="2000" dirty="0" smtClean="0"/>
+              <a:t>背景</a:t>
+            </a:r>
+            <a:r>
+              <a:rPr lang="en-US" altLang="zh-TW" sz="2000" dirty="0" smtClean="0"/>
+              <a:t>, </a:t>
+            </a:r>
+            <a:r>
+              <a:rPr lang="zh-TW" altLang="en-US" sz="2000" dirty="0" smtClean="0"/>
+              <a:t>排程優先權</a:t>
+            </a:r>
+            <a:r>
+              <a:rPr lang="en-US" altLang="zh-TW" sz="2000" dirty="0" smtClean="0"/>
+              <a:t>, </a:t>
+            </a:r>
+            <a:r>
+              <a:rPr lang="zh-TW" altLang="en-US" sz="2000" dirty="0" smtClean="0"/>
+              <a:t>名稱</a:t>
             </a:r>
             <a:r>
               <a:rPr lang="en-US" altLang="zh-TW" sz="2000" dirty="0"/>
-              <a:t>Programming Model </a:t>
-            </a:r>
-            <a:r>
-              <a:rPr lang="en-US" altLang="zh-TW" sz="2000" dirty="0" smtClean="0"/>
-              <a:t> pattern</a:t>
-            </a:r>
+              <a:t>, Managed </a:t>
+            </a:r>
+            <a:r>
+              <a:rPr lang="zh-TW" altLang="en-US" sz="2000" dirty="0"/>
+              <a:t>執行緒的唯一識別</a:t>
+            </a:r>
+            <a:r>
+              <a:rPr lang="zh-TW" altLang="en-US" sz="2000" dirty="0" smtClean="0"/>
+              <a:t>項</a:t>
+            </a:r>
+            <a:endParaRPr lang="en-US" altLang="zh-TW" sz="2000" dirty="0" smtClean="0"/>
           </a:p>
           <a:p>
             <a:pPr lvl="1"/>
             <a:r>
-              <a:rPr lang="zh-TW" altLang="en-US" sz="2000" dirty="0"/>
-              <a:t>使用 </a:t>
-            </a:r>
-            <a:r>
-              <a:rPr lang="en-US" altLang="zh-TW" sz="2000" dirty="0" err="1">
+              <a:rPr lang="en-US" altLang="zh-TW" sz="2000" dirty="0">
                 <a:hlinkClick r:id="rId2"/>
               </a:rPr>
-              <a:t>IAsyncResult</a:t>
-            </a:r>
-            <a:r>
-              <a:rPr lang="en-US" altLang="zh-TW" sz="2000" dirty="0"/>
-              <a:t> </a:t>
-            </a:r>
-            <a:r>
-              <a:rPr lang="zh-TW" altLang="en-US" sz="2000" dirty="0"/>
-              <a:t>設計模式的非同步作業會被實作成兩個方法，名稱為 </a:t>
-            </a:r>
-            <a:r>
-              <a:rPr lang="en-US" altLang="zh-TW" sz="2000" b="1" dirty="0" err="1"/>
-              <a:t>Begin</a:t>
-            </a:r>
-            <a:r>
-              <a:rPr lang="en-US" altLang="zh-TW" sz="2000" i="1" dirty="0" err="1"/>
-              <a:t>OperationName</a:t>
-            </a:r>
-            <a:r>
-              <a:rPr lang="en-US" altLang="zh-TW" sz="2000" dirty="0"/>
-              <a:t> </a:t>
-            </a:r>
-            <a:r>
-              <a:rPr lang="zh-TW" altLang="en-US" sz="2000" dirty="0"/>
-              <a:t>及 </a:t>
-            </a:r>
-            <a:r>
-              <a:rPr lang="en-US" altLang="zh-TW" sz="2000" b="1" dirty="0" err="1"/>
-              <a:t>End</a:t>
-            </a:r>
-            <a:r>
-              <a:rPr lang="en-US" altLang="zh-TW" sz="2000" i="1" dirty="0" err="1"/>
-              <a:t>OperationName</a:t>
-            </a:r>
-            <a:r>
-              <a:rPr lang="zh-TW" altLang="en-US" sz="2000" dirty="0"/>
-              <a:t>，分別負責開始和結束非同步作業 </a:t>
-            </a:r>
-            <a:r>
-              <a:rPr lang="en-US" altLang="zh-TW" sz="2000" i="1" dirty="0" err="1"/>
-              <a:t>OperationName</a:t>
-            </a:r>
+              <a:t>https://</a:t>
+            </a:r>
+            <a:r>
+              <a:rPr lang="en-US" altLang="zh-TW" sz="2000" dirty="0" smtClean="0">
+                <a:hlinkClick r:id="rId2"/>
+              </a:rPr>
+              <a:t>msdn.microsoft.com/zh-tw/library/system.threading.thread.aspx</a:t>
+            </a:r>
+            <a:endParaRPr lang="en-US" altLang="zh-TW" sz="2000" dirty="0" smtClean="0"/>
+          </a:p>
+          <a:p>
+            <a:r>
+              <a:rPr lang="zh-TW" altLang="en-US" sz="2400" dirty="0" smtClean="0"/>
+              <a:t>重要方法</a:t>
+            </a:r>
+            <a:endParaRPr lang="en-US" altLang="zh-TW" sz="2400" dirty="0" smtClean="0"/>
+          </a:p>
+          <a:p>
+            <a:pPr lvl="1"/>
             <a:r>
               <a:rPr lang="zh-TW" altLang="en-US" sz="2000" dirty="0" smtClean="0"/>
-              <a:t>。</a:t>
+              <a:t>開始</a:t>
+            </a:r>
+            <a:r>
+              <a:rPr lang="en-US" altLang="zh-TW" sz="2000" dirty="0" smtClean="0"/>
+              <a:t>, </a:t>
+            </a:r>
+            <a:r>
+              <a:rPr lang="zh-TW" altLang="en-US" sz="2000" dirty="0" smtClean="0"/>
+              <a:t>終止</a:t>
+            </a:r>
+            <a:r>
+              <a:rPr lang="en-US" altLang="zh-TW" sz="2000" dirty="0" smtClean="0"/>
+              <a:t>, </a:t>
+            </a:r>
+            <a:r>
+              <a:rPr lang="zh-TW" altLang="en-US" sz="2000" dirty="0" smtClean="0"/>
+              <a:t>等候結束</a:t>
+            </a:r>
+            <a:r>
+              <a:rPr lang="en-US" altLang="zh-TW" sz="2000" dirty="0" smtClean="0"/>
+              <a:t>, </a:t>
+            </a:r>
+            <a:r>
+              <a:rPr lang="zh-TW" altLang="en-US" sz="2000" dirty="0" smtClean="0"/>
+              <a:t>暫停</a:t>
             </a:r>
             <a:endParaRPr lang="en-US" altLang="zh-TW" sz="2000" dirty="0" smtClean="0"/>
           </a:p>
           <a:p>
-            <a:r>
-              <a:rPr lang="en-US" altLang="zh-TW" dirty="0" smtClean="0"/>
-              <a:t>EAP </a:t>
-            </a:r>
-            <a:endParaRPr lang="en-US" altLang="zh-TW" dirty="0" smtClean="0"/>
-          </a:p>
-          <a:p>
             <a:pPr lvl="1"/>
-            <a:r>
-              <a:rPr lang="en-US" altLang="zh-TW" sz="2200" dirty="0" smtClean="0"/>
-              <a:t>Event-based </a:t>
-            </a:r>
-            <a:r>
-              <a:rPr lang="en-US" altLang="zh-TW" sz="2200" dirty="0"/>
-              <a:t>Asynchronous </a:t>
-            </a:r>
-            <a:r>
-              <a:rPr lang="en-US" altLang="zh-TW" sz="2200" dirty="0" smtClean="0"/>
-              <a:t>Pattern</a:t>
-            </a:r>
-            <a:endParaRPr lang="en-US" altLang="zh-TW" sz="2200" dirty="0"/>
-          </a:p>
-          <a:p>
-            <a:pPr lvl="1"/>
-            <a:r>
-              <a:rPr lang="zh-TW" altLang="en-US" sz="2200" dirty="0" smtClean="0"/>
-              <a:t>完成，使用事件通知</a:t>
-            </a:r>
-            <a:endParaRPr lang="en-US" altLang="zh-TW" sz="2200" dirty="0" smtClean="0"/>
-          </a:p>
-          <a:p>
-            <a:r>
-              <a:rPr lang="en-US" altLang="zh-TW" dirty="0"/>
-              <a:t>TAP</a:t>
-            </a:r>
-          </a:p>
-          <a:p>
-            <a:pPr lvl="1"/>
-            <a:r>
-              <a:rPr lang="en-US" altLang="zh-TW" sz="2000" dirty="0" smtClean="0"/>
-              <a:t>Task-based </a:t>
-            </a:r>
-            <a:r>
-              <a:rPr lang="en-US" altLang="zh-TW" sz="2000" dirty="0"/>
-              <a:t>Asynchronous </a:t>
-            </a:r>
-            <a:r>
-              <a:rPr lang="en-US" altLang="zh-TW" sz="2000" dirty="0" smtClean="0"/>
-              <a:t>Pattern</a:t>
-            </a:r>
-          </a:p>
-          <a:p>
-            <a:pPr lvl="1"/>
-            <a:r>
-              <a:rPr lang="zh-TW" altLang="en-US" sz="2000" dirty="0" smtClean="0"/>
-              <a:t>完成，由編譯器處理，不需要特別處理</a:t>
-            </a:r>
-            <a:endParaRPr lang="en-US" altLang="zh-TW" sz="2000" dirty="0" smtClean="0"/>
-          </a:p>
-          <a:p>
-            <a:endParaRPr lang="zh-TW" altLang="en-US" sz="2400" dirty="0"/>
+            <a:endParaRPr lang="zh-TW" altLang="en-US" sz="2000" dirty="0"/>
           </a:p>
         </p:txBody>
       </p:sp>
@@ -6753,53 +6723,10 @@
           </a:p>
         </p:txBody>
       </p:sp>
-      <p:sp>
-        <p:nvSpPr>
-          <p:cNvPr id="5" name="文字方塊 4"/>
-          <p:cNvSpPr txBox="1"/>
-          <p:nvPr/>
-        </p:nvSpPr>
-        <p:spPr>
-          <a:xfrm>
-            <a:off x="179512" y="6355762"/>
-            <a:ext cx="8712968" cy="369332"/>
-          </a:xfrm>
-          <a:prstGeom prst="rect">
-            <a:avLst/>
-          </a:prstGeom>
-          <a:solidFill>
-            <a:schemeClr val="accent2">
-              <a:lumMod val="60000"/>
-              <a:lumOff val="40000"/>
-            </a:schemeClr>
-          </a:solidFill>
-        </p:spPr>
-        <p:txBody>
-          <a:bodyPr wrap="square" rtlCol="0">
-            <a:spAutoFit/>
-          </a:bodyPr>
-          <a:lstStyle/>
-          <a:p>
-            <a:r>
-              <a:rPr lang="en-US" altLang="zh-TW" dirty="0">
-                <a:solidFill>
-                  <a:schemeClr val="bg1"/>
-                </a:solidFill>
-              </a:rPr>
-              <a:t>https://msdn.microsoft.com/en-us/library/jj152938(v=vs.110).aspx</a:t>
-            </a:r>
-            <a:endParaRPr lang="en-US" altLang="zh-TW" dirty="0" smtClean="0">
-              <a:solidFill>
-                <a:schemeClr val="bg1"/>
-              </a:solidFill>
-            </a:endParaRPr>
-          </a:p>
-        </p:txBody>
-      </p:sp>
     </p:spTree>
     <p:extLst>
       <p:ext uri="{BB962C8B-B14F-4D97-AF65-F5344CB8AC3E}">
-        <p14:creationId xmlns:p14="http://schemas.microsoft.com/office/powerpoint/2010/main" val="3978348464"/>
+        <p14:creationId xmlns:p14="http://schemas.microsoft.com/office/powerpoint/2010/main" val="715737149"/>
       </p:ext>
     </p:extLst>
   </p:cSld>
@@ -6971,14 +6898,127 @@
           <a:lstStyle/>
           <a:p>
             <a:r>
-              <a:rPr lang="en-US" altLang="zh-TW" dirty="0"/>
-              <a:t>Comparing </a:t>
-            </a:r>
-            <a:r>
-              <a:rPr lang="en-US" altLang="zh-TW" dirty="0" smtClean="0"/>
-              <a:t>Patterns</a:t>
-            </a:r>
-            <a:endParaRPr lang="zh-TW" altLang="en-US" dirty="0"/>
+              <a:rPr lang="en-US" altLang="zh-TW" sz="2800" b="1" dirty="0"/>
+              <a:t>Asynchronous Programming Patterns</a:t>
+            </a:r>
+            <a:br>
+              <a:rPr lang="en-US" altLang="zh-TW" sz="2800" b="1" dirty="0"/>
+            </a:br>
+            <a:r>
+              <a:rPr lang="zh-TW" altLang="en-US" sz="2800" b="1" dirty="0"/>
+              <a:t>檢視非同步開發的歷史</a:t>
+            </a:r>
+            <a:endParaRPr lang="zh-TW" altLang="en-US" sz="2800" dirty="0"/>
+          </a:p>
+        </p:txBody>
+      </p:sp>
+      <p:sp>
+        <p:nvSpPr>
+          <p:cNvPr id="3" name="內容版面配置區 2"/>
+          <p:cNvSpPr>
+            <a:spLocks noGrp="1"/>
+          </p:cNvSpPr>
+          <p:nvPr>
+            <p:ph idx="1"/>
+          </p:nvPr>
+        </p:nvSpPr>
+        <p:spPr/>
+        <p:txBody>
+          <a:bodyPr/>
+          <a:lstStyle/>
+          <a:p>
+            <a:r>
+              <a:rPr lang="en-US" altLang="zh-TW" sz="2800" dirty="0" err="1" smtClean="0"/>
+              <a:t>.Net</a:t>
+            </a:r>
+            <a:r>
+              <a:rPr lang="en-US" altLang="zh-TW" sz="2800" dirty="0" smtClean="0"/>
+              <a:t> 1.0</a:t>
+            </a:r>
+          </a:p>
+          <a:p>
+            <a:pPr lvl="1"/>
+            <a:r>
+              <a:rPr lang="en-US" altLang="zh-TW" sz="2400" dirty="0" smtClean="0"/>
+              <a:t>Nothing</a:t>
+            </a:r>
+          </a:p>
+          <a:p>
+            <a:r>
+              <a:rPr lang="en-US" altLang="zh-TW" sz="2800" dirty="0" err="1" smtClean="0"/>
+              <a:t>.Net</a:t>
+            </a:r>
+            <a:r>
+              <a:rPr lang="en-US" altLang="zh-TW" sz="2800" dirty="0" smtClean="0"/>
+              <a:t> 1.1</a:t>
+            </a:r>
+          </a:p>
+          <a:p>
+            <a:pPr lvl="1"/>
+            <a:r>
+              <a:rPr lang="en-US" altLang="zh-TW" sz="2400" dirty="0" smtClean="0"/>
+              <a:t>APM</a:t>
+            </a:r>
+          </a:p>
+          <a:p>
+            <a:r>
+              <a:rPr lang="en-US" altLang="zh-TW" sz="2800" dirty="0" err="1" smtClean="0"/>
+              <a:t>.Net</a:t>
+            </a:r>
+            <a:r>
+              <a:rPr lang="en-US" altLang="zh-TW" sz="2800" dirty="0" smtClean="0"/>
+              <a:t> 2.0</a:t>
+            </a:r>
+          </a:p>
+          <a:p>
+            <a:pPr lvl="1"/>
+            <a:r>
+              <a:rPr lang="en-US" altLang="zh-TW" sz="2400" dirty="0" smtClean="0"/>
+              <a:t>EAP</a:t>
+            </a:r>
+          </a:p>
+          <a:p>
+            <a:r>
+              <a:rPr lang="en-US" altLang="zh-TW" sz="2800" dirty="0" err="1" smtClean="0"/>
+              <a:t>.Net</a:t>
+            </a:r>
+            <a:r>
+              <a:rPr lang="en-US" altLang="zh-TW" sz="2800" dirty="0" smtClean="0"/>
+              <a:t> 4.0</a:t>
+            </a:r>
+          </a:p>
+          <a:p>
+            <a:pPr lvl="1"/>
+            <a:r>
+              <a:rPr lang="en-US" altLang="zh-TW" sz="2400" dirty="0" smtClean="0"/>
+              <a:t>TPL</a:t>
+            </a:r>
+          </a:p>
+          <a:p>
+            <a:r>
+              <a:rPr lang="en-US" altLang="zh-TW" sz="2800" dirty="0" err="1" smtClean="0"/>
+              <a:t>.Net</a:t>
+            </a:r>
+            <a:r>
+              <a:rPr lang="en-US" altLang="zh-TW" sz="2800" dirty="0" smtClean="0"/>
+              <a:t> 4.5</a:t>
+            </a:r>
+          </a:p>
+          <a:p>
+            <a:pPr lvl="1"/>
+            <a:r>
+              <a:rPr lang="en-US" altLang="zh-TW" sz="2400" dirty="0" smtClean="0"/>
+              <a:t>TPL with </a:t>
+            </a:r>
+            <a:r>
+              <a:rPr lang="en-US" altLang="zh-TW" sz="2400" dirty="0" err="1" smtClean="0"/>
+              <a:t>async</a:t>
+            </a:r>
+            <a:r>
+              <a:rPr lang="en-US" altLang="zh-TW" sz="2400" dirty="0" smtClean="0"/>
+              <a:t> / await</a:t>
+            </a:r>
+            <a:endParaRPr lang="zh-TW" altLang="en-US" sz="2400" dirty="0"/>
           </a:p>
         </p:txBody>
       </p:sp>
@@ -7005,513 +7045,10 @@
           </a:p>
         </p:txBody>
       </p:sp>
-      <p:sp>
-        <p:nvSpPr>
-          <p:cNvPr id="8" name="文字方塊 7"/>
-          <p:cNvSpPr txBox="1"/>
-          <p:nvPr/>
-        </p:nvSpPr>
-        <p:spPr>
-          <a:xfrm>
-            <a:off x="35496" y="1798530"/>
-            <a:ext cx="7213834" cy="1200329"/>
-          </a:xfrm>
-          <a:prstGeom prst="rect">
-            <a:avLst/>
-          </a:prstGeom>
-          <a:solidFill>
-            <a:schemeClr val="bg1">
-              <a:lumMod val="85000"/>
-            </a:schemeClr>
-          </a:solidFill>
-        </p:spPr>
-        <p:txBody>
-          <a:bodyPr wrap="none" rtlCol="0">
-            <a:spAutoFit/>
-          </a:bodyPr>
-          <a:lstStyle/>
-          <a:p>
-            <a:r>
-              <a:rPr lang="en-US" altLang="zh-TW" b="1" dirty="0"/>
-              <a:t> public class </a:t>
-            </a:r>
-            <a:r>
-              <a:rPr lang="en-US" altLang="zh-TW" b="1" dirty="0" err="1"/>
-              <a:t>MyClass</a:t>
-            </a:r>
-            <a:endParaRPr lang="en-US" altLang="zh-TW" b="1" dirty="0"/>
-          </a:p>
-          <a:p>
-            <a:r>
-              <a:rPr lang="en-US" altLang="zh-TW" b="1" dirty="0" smtClean="0"/>
-              <a:t>{</a:t>
-            </a:r>
-            <a:endParaRPr lang="en-US" altLang="zh-TW" b="1" dirty="0"/>
-          </a:p>
-          <a:p>
-            <a:r>
-              <a:rPr lang="en-US" altLang="zh-TW" b="1" dirty="0"/>
-              <a:t>    </a:t>
-            </a:r>
-            <a:r>
-              <a:rPr lang="en-US" altLang="zh-TW" b="1" dirty="0" smtClean="0"/>
-              <a:t> public </a:t>
-            </a:r>
-            <a:r>
-              <a:rPr lang="en-US" altLang="zh-TW" b="1" dirty="0" err="1"/>
-              <a:t>int</a:t>
-            </a:r>
-            <a:r>
-              <a:rPr lang="en-US" altLang="zh-TW" b="1" dirty="0"/>
-              <a:t> Read(byte[] buffer, </a:t>
-            </a:r>
-            <a:r>
-              <a:rPr lang="en-US" altLang="zh-TW" b="1" dirty="0" err="1"/>
-              <a:t>int</a:t>
-            </a:r>
-            <a:r>
-              <a:rPr lang="en-US" altLang="zh-TW" b="1" dirty="0"/>
-              <a:t> offset, </a:t>
-            </a:r>
-            <a:r>
-              <a:rPr lang="en-US" altLang="zh-TW" b="1" dirty="0" err="1"/>
-              <a:t>int</a:t>
-            </a:r>
-            <a:r>
-              <a:rPr lang="en-US" altLang="zh-TW" b="1" dirty="0"/>
-              <a:t> count);</a:t>
-            </a:r>
-          </a:p>
-          <a:p>
-            <a:r>
-              <a:rPr lang="en-US" altLang="zh-TW" b="1" dirty="0" smtClean="0"/>
-              <a:t>}</a:t>
-            </a:r>
-            <a:endParaRPr lang="zh-TW" altLang="en-US" b="1" dirty="0"/>
-          </a:p>
-        </p:txBody>
-      </p:sp>
-      <p:sp>
-        <p:nvSpPr>
-          <p:cNvPr id="10" name="文字方塊 9"/>
-          <p:cNvSpPr txBox="1"/>
-          <p:nvPr/>
-        </p:nvSpPr>
-        <p:spPr>
-          <a:xfrm>
-            <a:off x="35496" y="3717422"/>
-            <a:ext cx="6936514" cy="2031325"/>
-          </a:xfrm>
-          <a:prstGeom prst="rect">
-            <a:avLst/>
-          </a:prstGeom>
-          <a:solidFill>
-            <a:schemeClr val="bg1">
-              <a:lumMod val="85000"/>
-            </a:schemeClr>
-          </a:solidFill>
-        </p:spPr>
-        <p:txBody>
-          <a:bodyPr wrap="none" rtlCol="0">
-            <a:spAutoFit/>
-          </a:bodyPr>
-          <a:lstStyle/>
-          <a:p>
-            <a:r>
-              <a:rPr lang="en-US" altLang="zh-TW" b="1" dirty="0"/>
-              <a:t> public class </a:t>
-            </a:r>
-            <a:r>
-              <a:rPr lang="en-US" altLang="zh-TW" b="1" dirty="0" err="1"/>
-              <a:t>MyClass</a:t>
-            </a:r>
-            <a:endParaRPr lang="en-US" altLang="zh-TW" b="1" dirty="0"/>
-          </a:p>
-          <a:p>
-            <a:r>
-              <a:rPr lang="zh-TW" altLang="en-US" b="1" dirty="0"/>
-              <a:t>    </a:t>
-            </a:r>
-            <a:r>
-              <a:rPr lang="en-US" altLang="zh-TW" b="1" dirty="0"/>
-              <a:t>{</a:t>
-            </a:r>
-          </a:p>
-          <a:p>
-            <a:r>
-              <a:rPr lang="en-US" altLang="zh-TW" b="1" dirty="0"/>
-              <a:t>        public </a:t>
-            </a:r>
-            <a:r>
-              <a:rPr lang="en-US" altLang="zh-TW" b="1" dirty="0" err="1"/>
-              <a:t>IAsyncResult</a:t>
-            </a:r>
-            <a:r>
-              <a:rPr lang="en-US" altLang="zh-TW" b="1" dirty="0"/>
-              <a:t> </a:t>
-            </a:r>
-            <a:r>
-              <a:rPr lang="en-US" altLang="zh-TW" b="1" dirty="0" err="1"/>
-              <a:t>BeginRead</a:t>
-            </a:r>
-            <a:r>
-              <a:rPr lang="en-US" altLang="zh-TW" b="1" dirty="0"/>
-              <a:t>(</a:t>
-            </a:r>
-          </a:p>
-          <a:p>
-            <a:r>
-              <a:rPr lang="en-US" altLang="zh-TW" b="1" dirty="0"/>
-              <a:t>            byte[] buffer, </a:t>
-            </a:r>
-            <a:r>
-              <a:rPr lang="en-US" altLang="zh-TW" b="1" dirty="0" err="1"/>
-              <a:t>int</a:t>
-            </a:r>
-            <a:r>
-              <a:rPr lang="en-US" altLang="zh-TW" b="1" dirty="0"/>
-              <a:t> offset, </a:t>
-            </a:r>
-            <a:r>
-              <a:rPr lang="en-US" altLang="zh-TW" b="1" dirty="0" err="1"/>
-              <a:t>int</a:t>
-            </a:r>
-            <a:r>
-              <a:rPr lang="en-US" altLang="zh-TW" b="1" dirty="0"/>
-              <a:t> count,</a:t>
-            </a:r>
-          </a:p>
-          <a:p>
-            <a:r>
-              <a:rPr lang="en-US" altLang="zh-TW" b="1" dirty="0"/>
-              <a:t>            </a:t>
-            </a:r>
-            <a:r>
-              <a:rPr lang="en-US" altLang="zh-TW" b="1" dirty="0" err="1"/>
-              <a:t>AsyncCallback</a:t>
-            </a:r>
-            <a:r>
-              <a:rPr lang="en-US" altLang="zh-TW" b="1" dirty="0"/>
-              <a:t> callback, object state);</a:t>
-            </a:r>
-          </a:p>
-          <a:p>
-            <a:r>
-              <a:rPr lang="en-US" altLang="zh-TW" b="1" dirty="0"/>
-              <a:t>        public </a:t>
-            </a:r>
-            <a:r>
-              <a:rPr lang="en-US" altLang="zh-TW" b="1" dirty="0" err="1"/>
-              <a:t>int</a:t>
-            </a:r>
-            <a:r>
-              <a:rPr lang="en-US" altLang="zh-TW" b="1" dirty="0"/>
-              <a:t> </a:t>
-            </a:r>
-            <a:r>
-              <a:rPr lang="en-US" altLang="zh-TW" b="1" dirty="0" err="1"/>
-              <a:t>EndRead</a:t>
-            </a:r>
-            <a:r>
-              <a:rPr lang="en-US" altLang="zh-TW" b="1" dirty="0"/>
-              <a:t>(</a:t>
-            </a:r>
-            <a:r>
-              <a:rPr lang="en-US" altLang="zh-TW" b="1" dirty="0" err="1"/>
-              <a:t>IAsyncResult</a:t>
-            </a:r>
-            <a:r>
-              <a:rPr lang="en-US" altLang="zh-TW" b="1" dirty="0"/>
-              <a:t> </a:t>
-            </a:r>
-            <a:r>
-              <a:rPr lang="en-US" altLang="zh-TW" b="1" dirty="0" err="1"/>
-              <a:t>asyncResult</a:t>
-            </a:r>
-            <a:r>
-              <a:rPr lang="en-US" altLang="zh-TW" b="1" dirty="0"/>
-              <a:t>);</a:t>
-            </a:r>
-          </a:p>
-          <a:p>
-            <a:r>
-              <a:rPr lang="zh-TW" altLang="en-US" b="1" dirty="0"/>
-              <a:t>    </a:t>
-            </a:r>
-            <a:r>
-              <a:rPr lang="en-US" altLang="zh-TW" b="1" dirty="0"/>
-              <a:t>}</a:t>
-            </a:r>
-            <a:endParaRPr lang="zh-TW" altLang="en-US" b="1" dirty="0"/>
-          </a:p>
-        </p:txBody>
-      </p:sp>
-      <p:sp>
-        <p:nvSpPr>
-          <p:cNvPr id="11" name="文字方塊 10"/>
-          <p:cNvSpPr txBox="1"/>
-          <p:nvPr/>
-        </p:nvSpPr>
-        <p:spPr>
-          <a:xfrm>
-            <a:off x="62038" y="1454452"/>
-            <a:ext cx="1107996" cy="369332"/>
-          </a:xfrm>
-          <a:prstGeom prst="rect">
-            <a:avLst/>
-          </a:prstGeom>
-          <a:solidFill>
-            <a:schemeClr val="accent2">
-              <a:lumMod val="60000"/>
-              <a:lumOff val="40000"/>
-            </a:schemeClr>
-          </a:solidFill>
-        </p:spPr>
-        <p:txBody>
-          <a:bodyPr wrap="none" rtlCol="0">
-            <a:spAutoFit/>
-          </a:bodyPr>
-          <a:lstStyle/>
-          <a:p>
-            <a:r>
-              <a:rPr lang="zh-TW" altLang="en-US" b="1" dirty="0" smtClean="0">
-                <a:solidFill>
-                  <a:schemeClr val="bg1"/>
-                </a:solidFill>
-              </a:rPr>
-              <a:t>同步方法</a:t>
-            </a:r>
-            <a:endParaRPr lang="zh-TW" altLang="en-US" b="1" dirty="0">
-              <a:solidFill>
-                <a:schemeClr val="bg1"/>
-              </a:solidFill>
-            </a:endParaRPr>
-          </a:p>
-        </p:txBody>
-      </p:sp>
-      <p:sp>
-        <p:nvSpPr>
-          <p:cNvPr id="12" name="文字方塊 11"/>
-          <p:cNvSpPr txBox="1"/>
-          <p:nvPr/>
-        </p:nvSpPr>
-        <p:spPr>
-          <a:xfrm>
-            <a:off x="35496" y="3342937"/>
-            <a:ext cx="1213794" cy="369332"/>
-          </a:xfrm>
-          <a:prstGeom prst="rect">
-            <a:avLst/>
-          </a:prstGeom>
-          <a:solidFill>
-            <a:schemeClr val="accent2">
-              <a:lumMod val="60000"/>
-              <a:lumOff val="40000"/>
-            </a:schemeClr>
-          </a:solidFill>
-        </p:spPr>
-        <p:txBody>
-          <a:bodyPr wrap="none" rtlCol="0">
-            <a:spAutoFit/>
-          </a:bodyPr>
-          <a:lstStyle/>
-          <a:p>
-            <a:r>
-              <a:rPr lang="en-US" altLang="zh-TW" b="1" dirty="0">
-                <a:solidFill>
-                  <a:schemeClr val="bg1"/>
-                </a:solidFill>
-              </a:rPr>
-              <a:t>APM</a:t>
-            </a:r>
-            <a:r>
-              <a:rPr lang="zh-TW" altLang="en-US" b="1" dirty="0" smtClean="0">
-                <a:solidFill>
-                  <a:schemeClr val="bg1"/>
-                </a:solidFill>
-              </a:rPr>
-              <a:t>方法</a:t>
-            </a:r>
-            <a:endParaRPr lang="zh-TW" altLang="en-US" b="1" dirty="0">
-              <a:solidFill>
-                <a:schemeClr val="bg1"/>
-              </a:solidFill>
-            </a:endParaRPr>
-          </a:p>
-        </p:txBody>
-      </p:sp>
-      <p:sp>
-        <p:nvSpPr>
-          <p:cNvPr id="9" name="文字方塊 8"/>
-          <p:cNvSpPr txBox="1"/>
-          <p:nvPr/>
-        </p:nvSpPr>
-        <p:spPr>
-          <a:xfrm>
-            <a:off x="1691680" y="1429198"/>
-            <a:ext cx="7452320" cy="369332"/>
-          </a:xfrm>
-          <a:prstGeom prst="rect">
-            <a:avLst/>
-          </a:prstGeom>
-          <a:solidFill>
-            <a:srgbClr val="7030A0"/>
-          </a:solidFill>
-        </p:spPr>
-        <p:txBody>
-          <a:bodyPr wrap="square" rtlCol="0">
-            <a:spAutoFit/>
-          </a:bodyPr>
-          <a:lstStyle/>
-          <a:p>
-            <a:r>
-              <a:rPr lang="zh-TW" altLang="en-US" b="1" dirty="0" smtClean="0">
-                <a:solidFill>
-                  <a:schemeClr val="bg1"/>
-                </a:solidFill>
-              </a:rPr>
-              <a:t>若尚未讀取資料完成，該</a:t>
-            </a:r>
-            <a:r>
-              <a:rPr lang="en-US" altLang="zh-TW" b="1" dirty="0" smtClean="0">
-                <a:solidFill>
-                  <a:schemeClr val="bg1"/>
-                </a:solidFill>
-              </a:rPr>
-              <a:t>Thread</a:t>
-            </a:r>
-            <a:r>
-              <a:rPr lang="zh-TW" altLang="en-US" b="1" dirty="0" smtClean="0">
-                <a:solidFill>
-                  <a:schemeClr val="bg1"/>
-                </a:solidFill>
-              </a:rPr>
-              <a:t>無法繼續執行下去</a:t>
-            </a:r>
-            <a:endParaRPr lang="zh-TW" altLang="en-US" b="1" dirty="0">
-              <a:solidFill>
-                <a:schemeClr val="bg1"/>
-              </a:solidFill>
-            </a:endParaRPr>
-          </a:p>
-        </p:txBody>
-      </p:sp>
-      <p:sp>
-        <p:nvSpPr>
-          <p:cNvPr id="13" name="文字方塊 12"/>
-          <p:cNvSpPr txBox="1"/>
-          <p:nvPr/>
-        </p:nvSpPr>
-        <p:spPr>
-          <a:xfrm>
-            <a:off x="1691680" y="3349765"/>
-            <a:ext cx="7452320" cy="369332"/>
-          </a:xfrm>
-          <a:prstGeom prst="rect">
-            <a:avLst/>
-          </a:prstGeom>
-          <a:solidFill>
-            <a:srgbClr val="7030A0"/>
-          </a:solidFill>
-        </p:spPr>
-        <p:txBody>
-          <a:bodyPr wrap="square" rtlCol="0">
-            <a:spAutoFit/>
-          </a:bodyPr>
-          <a:lstStyle/>
-          <a:p>
-            <a:r>
-              <a:rPr lang="zh-TW" altLang="en-US" b="1" dirty="0" smtClean="0">
-                <a:solidFill>
-                  <a:schemeClr val="bg1"/>
-                </a:solidFill>
-              </a:rPr>
-              <a:t>讀取資料完成後，會使用 </a:t>
-            </a:r>
-            <a:r>
-              <a:rPr lang="en-US" altLang="zh-TW" b="1" dirty="0" err="1" smtClean="0">
-                <a:solidFill>
-                  <a:schemeClr val="bg1"/>
-                </a:solidFill>
-              </a:rPr>
-              <a:t>AsyncCallback</a:t>
-            </a:r>
-            <a:r>
-              <a:rPr lang="zh-TW" altLang="en-US" b="1" dirty="0" smtClean="0">
-                <a:solidFill>
-                  <a:schemeClr val="bg1"/>
-                </a:solidFill>
-              </a:rPr>
-              <a:t>通知</a:t>
-            </a:r>
-            <a:endParaRPr lang="zh-TW" altLang="en-US" b="1" dirty="0">
-              <a:solidFill>
-                <a:schemeClr val="bg1"/>
-              </a:solidFill>
-            </a:endParaRPr>
-          </a:p>
-        </p:txBody>
-      </p:sp>
-      <p:sp>
-        <p:nvSpPr>
-          <p:cNvPr id="14" name="文字方塊 13"/>
-          <p:cNvSpPr txBox="1"/>
-          <p:nvPr/>
-        </p:nvSpPr>
-        <p:spPr>
-          <a:xfrm>
-            <a:off x="1691680" y="5736120"/>
-            <a:ext cx="7452320" cy="369332"/>
-          </a:xfrm>
-          <a:prstGeom prst="rect">
-            <a:avLst/>
-          </a:prstGeom>
-          <a:solidFill>
-            <a:srgbClr val="7030A0"/>
-          </a:solidFill>
-        </p:spPr>
-        <p:txBody>
-          <a:bodyPr wrap="square" rtlCol="0">
-            <a:spAutoFit/>
-          </a:bodyPr>
-          <a:lstStyle/>
-          <a:p>
-            <a:r>
-              <a:rPr lang="zh-TW" altLang="en-US" b="1" dirty="0" smtClean="0">
-                <a:solidFill>
-                  <a:schemeClr val="bg1"/>
-                </a:solidFill>
-              </a:rPr>
-              <a:t>需要使用 </a:t>
-            </a:r>
-            <a:r>
-              <a:rPr lang="en-US" altLang="zh-TW" b="1" dirty="0" err="1" smtClean="0">
-                <a:solidFill>
-                  <a:schemeClr val="bg1"/>
-                </a:solidFill>
-              </a:rPr>
-              <a:t>EndRead</a:t>
-            </a:r>
-            <a:r>
-              <a:rPr lang="zh-TW" altLang="en-US" b="1" dirty="0" smtClean="0">
-                <a:solidFill>
-                  <a:schemeClr val="bg1"/>
-                </a:solidFill>
-              </a:rPr>
-              <a:t> 取得所讀取到的資料</a:t>
-            </a:r>
-            <a:endParaRPr lang="zh-TW" altLang="en-US" b="1" dirty="0">
-              <a:solidFill>
-                <a:schemeClr val="bg1"/>
-              </a:solidFill>
-            </a:endParaRPr>
-          </a:p>
-        </p:txBody>
-      </p:sp>
     </p:spTree>
     <p:extLst>
       <p:ext uri="{BB962C8B-B14F-4D97-AF65-F5344CB8AC3E}">
-        <p14:creationId xmlns:p14="http://schemas.microsoft.com/office/powerpoint/2010/main" val="87609382"/>
+        <p14:creationId xmlns:p14="http://schemas.microsoft.com/office/powerpoint/2010/main" val="2130936743"/>
       </p:ext>
     </p:extLst>
   </p:cSld>
@@ -7554,14 +7091,190 @@
           <a:lstStyle/>
           <a:p>
             <a:r>
+              <a:rPr lang="en-US" altLang="zh-TW" sz="3200" b="1" dirty="0"/>
+              <a:t>Asynchronous Programming </a:t>
+            </a:r>
+            <a:r>
+              <a:rPr lang="en-US" altLang="zh-TW" sz="3200" b="1" dirty="0" smtClean="0"/>
+              <a:t>Patterns</a:t>
+            </a:r>
+            <a:br>
+              <a:rPr lang="en-US" altLang="zh-TW" sz="3200" b="1" dirty="0" smtClean="0"/>
+            </a:br>
+            <a:r>
+              <a:rPr lang="zh-TW" altLang="en-US" sz="3200" b="1" dirty="0" smtClean="0"/>
+              <a:t>檢視非同步開發的</a:t>
+            </a:r>
+            <a:r>
+              <a:rPr lang="zh-TW" altLang="en-US" sz="3200" b="1" dirty="0"/>
+              <a:t>歷史</a:t>
+            </a:r>
+            <a:endParaRPr lang="zh-TW" altLang="en-US" sz="3200" dirty="0"/>
+          </a:p>
+        </p:txBody>
+      </p:sp>
+      <p:sp>
+        <p:nvSpPr>
+          <p:cNvPr id="3" name="內容版面配置區 2"/>
+          <p:cNvSpPr>
+            <a:spLocks noGrp="1"/>
+          </p:cNvSpPr>
+          <p:nvPr>
+            <p:ph idx="1"/>
+          </p:nvPr>
+        </p:nvSpPr>
+        <p:spPr/>
+        <p:txBody>
+          <a:bodyPr/>
+          <a:lstStyle/>
+          <a:p>
+            <a:r>
               <a:rPr lang="en-US" altLang="zh-TW" dirty="0"/>
-              <a:t>Comparing </a:t>
-            </a:r>
+              <a:t>APM</a:t>
+            </a:r>
+          </a:p>
+          <a:p>
+            <a:pPr lvl="1"/>
+            <a:r>
+              <a:rPr lang="en-US" altLang="zh-TW" sz="2000" dirty="0" smtClean="0"/>
+              <a:t>Asynchronous </a:t>
+            </a:r>
+            <a:r>
+              <a:rPr lang="en-US" altLang="zh-TW" sz="2000" dirty="0"/>
+              <a:t>Programming Model </a:t>
+            </a:r>
+            <a:r>
+              <a:rPr lang="en-US" altLang="zh-TW" sz="2000" dirty="0" smtClean="0"/>
+              <a:t> pattern</a:t>
+            </a:r>
+          </a:p>
+          <a:p>
+            <a:pPr lvl="1"/>
+            <a:r>
+              <a:rPr lang="zh-TW" altLang="en-US" sz="2000" dirty="0"/>
+              <a:t>使用 </a:t>
+            </a:r>
+            <a:r>
+              <a:rPr lang="en-US" altLang="zh-TW" sz="2000" dirty="0" err="1">
+                <a:hlinkClick r:id="rId2"/>
+              </a:rPr>
+              <a:t>IAsyncResult</a:t>
+            </a:r>
+            <a:r>
+              <a:rPr lang="en-US" altLang="zh-TW" sz="2000" dirty="0"/>
+              <a:t> </a:t>
+            </a:r>
+            <a:r>
+              <a:rPr lang="zh-TW" altLang="en-US" sz="2000" dirty="0"/>
+              <a:t>設計模式的非同步作業會被實作成兩個方法，名稱為 </a:t>
+            </a:r>
+            <a:r>
+              <a:rPr lang="en-US" altLang="zh-TW" sz="2000" b="1" dirty="0" err="1"/>
+              <a:t>Begin</a:t>
+            </a:r>
+            <a:r>
+              <a:rPr lang="en-US" altLang="zh-TW" sz="2000" i="1" dirty="0" err="1"/>
+              <a:t>OperationName</a:t>
+            </a:r>
+            <a:r>
+              <a:rPr lang="en-US" altLang="zh-TW" sz="2000" dirty="0"/>
+              <a:t> </a:t>
+            </a:r>
+            <a:r>
+              <a:rPr lang="zh-TW" altLang="en-US" sz="2000" dirty="0"/>
+              <a:t>及 </a:t>
+            </a:r>
+            <a:r>
+              <a:rPr lang="en-US" altLang="zh-TW" sz="2000" b="1" dirty="0" err="1"/>
+              <a:t>End</a:t>
+            </a:r>
+            <a:r>
+              <a:rPr lang="en-US" altLang="zh-TW" sz="2000" i="1" dirty="0" err="1"/>
+              <a:t>OperationName</a:t>
+            </a:r>
+            <a:r>
+              <a:rPr lang="zh-TW" altLang="en-US" sz="2000" dirty="0"/>
+              <a:t>，分別負責開始和結束非同步作業 </a:t>
+            </a:r>
+            <a:r>
+              <a:rPr lang="en-US" altLang="zh-TW" sz="2000" i="1" dirty="0" err="1"/>
+              <a:t>OperationName</a:t>
+            </a:r>
+            <a:r>
+              <a:rPr lang="zh-TW" altLang="en-US" sz="2000" dirty="0" smtClean="0"/>
+              <a:t>。</a:t>
+            </a:r>
+            <a:endParaRPr lang="en-US" altLang="zh-TW" sz="2000" dirty="0" smtClean="0"/>
+          </a:p>
+          <a:p>
+            <a:pPr lvl="1"/>
+            <a:r>
+              <a:rPr lang="zh-TW" altLang="en-US" sz="2000" dirty="0" smtClean="0"/>
+              <a:t>並不總是非同步執行</a:t>
+            </a:r>
+            <a:endParaRPr lang="en-US" altLang="zh-TW" sz="2000" dirty="0" smtClean="0"/>
+          </a:p>
+          <a:p>
             <a:r>
               <a:rPr lang="en-US" altLang="zh-TW" dirty="0" smtClean="0"/>
-              <a:t>Patterns</a:t>
-            </a:r>
-            <a:endParaRPr lang="zh-TW" altLang="en-US" dirty="0"/>
+              <a:t>EAP </a:t>
+            </a:r>
+          </a:p>
+          <a:p>
+            <a:pPr lvl="1"/>
+            <a:r>
+              <a:rPr lang="en-US" altLang="zh-TW" sz="2200" dirty="0" smtClean="0"/>
+              <a:t>Event-based </a:t>
+            </a:r>
+            <a:r>
+              <a:rPr lang="en-US" altLang="zh-TW" sz="2200" dirty="0"/>
+              <a:t>Asynchronous </a:t>
+            </a:r>
+            <a:r>
+              <a:rPr lang="en-US" altLang="zh-TW" sz="2200" dirty="0" smtClean="0"/>
+              <a:t>Pattern</a:t>
+            </a:r>
+            <a:endParaRPr lang="en-US" altLang="zh-TW" sz="2200" dirty="0"/>
+          </a:p>
+          <a:p>
+            <a:pPr lvl="1"/>
+            <a:r>
+              <a:rPr lang="zh-TW" altLang="en-US" sz="2200" dirty="0" smtClean="0"/>
+              <a:t>完成，使用事件通知</a:t>
+            </a:r>
+            <a:endParaRPr lang="en-US" altLang="zh-TW" sz="2200" dirty="0" smtClean="0"/>
+          </a:p>
+          <a:p>
+            <a:r>
+              <a:rPr lang="en-US" altLang="zh-TW" dirty="0"/>
+              <a:t>TAP</a:t>
+            </a:r>
+          </a:p>
+          <a:p>
+            <a:pPr lvl="1"/>
+            <a:r>
+              <a:rPr lang="en-US" altLang="zh-TW" sz="2000" dirty="0" smtClean="0"/>
+              <a:t>Task-based </a:t>
+            </a:r>
+            <a:r>
+              <a:rPr lang="en-US" altLang="zh-TW" sz="2000" dirty="0"/>
+              <a:t>Asynchronous </a:t>
+            </a:r>
+            <a:r>
+              <a:rPr lang="en-US" altLang="zh-TW" sz="2000" dirty="0" smtClean="0"/>
+              <a:t>Pattern</a:t>
+            </a:r>
+          </a:p>
+          <a:p>
+            <a:pPr lvl="1"/>
+            <a:r>
+              <a:rPr lang="zh-TW" altLang="en-US" sz="2000" dirty="0" smtClean="0"/>
+              <a:t>完成，由編譯器處理，不需要特別處理</a:t>
+            </a:r>
+            <a:endParaRPr lang="en-US" altLang="zh-TW" sz="2000" dirty="0" smtClean="0"/>
+          </a:p>
+          <a:p>
+            <a:endParaRPr lang="zh-TW" altLang="en-US" sz="2400" dirty="0"/>
           </a:p>
         </p:txBody>
       </p:sp>
@@ -7590,222 +7303,14 @@
       </p:sp>
       <p:sp>
         <p:nvSpPr>
-          <p:cNvPr id="8" name="文字方塊 7"/>
+          <p:cNvPr id="5" name="文字方塊 4"/>
           <p:cNvSpPr txBox="1"/>
           <p:nvPr/>
         </p:nvSpPr>
         <p:spPr>
           <a:xfrm>
-            <a:off x="35496" y="1798530"/>
-            <a:ext cx="8480207" cy="1477328"/>
-          </a:xfrm>
-          <a:prstGeom prst="rect">
-            <a:avLst/>
-          </a:prstGeom>
-          <a:solidFill>
-            <a:schemeClr val="bg1">
-              <a:lumMod val="85000"/>
-            </a:schemeClr>
-          </a:solidFill>
-        </p:spPr>
-        <p:txBody>
-          <a:bodyPr wrap="none" rtlCol="0">
-            <a:spAutoFit/>
-          </a:bodyPr>
-          <a:lstStyle/>
-          <a:p>
-            <a:r>
-              <a:rPr lang="en-US" altLang="zh-TW" b="1" dirty="0"/>
-              <a:t> public class </a:t>
-            </a:r>
-            <a:r>
-              <a:rPr lang="en-US" altLang="zh-TW" b="1" dirty="0" err="1"/>
-              <a:t>MyClass</a:t>
-            </a:r>
-            <a:endParaRPr lang="en-US" altLang="zh-TW" b="1" dirty="0"/>
-          </a:p>
-          <a:p>
-            <a:r>
-              <a:rPr lang="zh-TW" altLang="en-US" b="1" dirty="0"/>
-              <a:t>    </a:t>
-            </a:r>
-            <a:r>
-              <a:rPr lang="en-US" altLang="zh-TW" b="1" dirty="0"/>
-              <a:t>{</a:t>
-            </a:r>
-          </a:p>
-          <a:p>
-            <a:r>
-              <a:rPr lang="en-US" altLang="zh-TW" b="1" dirty="0"/>
-              <a:t>        public void </a:t>
-            </a:r>
-            <a:r>
-              <a:rPr lang="en-US" altLang="zh-TW" b="1" dirty="0" err="1"/>
-              <a:t>ReadAsync</a:t>
-            </a:r>
-            <a:r>
-              <a:rPr lang="en-US" altLang="zh-TW" b="1" dirty="0"/>
-              <a:t>(byte[] buffer, </a:t>
-            </a:r>
-            <a:r>
-              <a:rPr lang="en-US" altLang="zh-TW" b="1" dirty="0" err="1"/>
-              <a:t>int</a:t>
-            </a:r>
-            <a:r>
-              <a:rPr lang="en-US" altLang="zh-TW" b="1" dirty="0"/>
-              <a:t> offset, </a:t>
-            </a:r>
-            <a:r>
-              <a:rPr lang="en-US" altLang="zh-TW" b="1" dirty="0" err="1"/>
-              <a:t>int</a:t>
-            </a:r>
-            <a:r>
-              <a:rPr lang="en-US" altLang="zh-TW" b="1" dirty="0"/>
-              <a:t> count);</a:t>
-            </a:r>
-          </a:p>
-          <a:p>
-            <a:r>
-              <a:rPr lang="en-US" altLang="zh-TW" b="1" dirty="0"/>
-              <a:t>        public event </a:t>
-            </a:r>
-            <a:r>
-              <a:rPr lang="en-US" altLang="zh-TW" b="1" dirty="0" err="1"/>
-              <a:t>ReadCompletedEventHandler</a:t>
-            </a:r>
-            <a:r>
-              <a:rPr lang="en-US" altLang="zh-TW" b="1" dirty="0"/>
-              <a:t> </a:t>
-            </a:r>
-            <a:r>
-              <a:rPr lang="en-US" altLang="zh-TW" b="1" dirty="0" err="1"/>
-              <a:t>ReadCompleted</a:t>
-            </a:r>
-            <a:r>
-              <a:rPr lang="en-US" altLang="zh-TW" b="1" dirty="0"/>
-              <a:t>;</a:t>
-            </a:r>
-          </a:p>
-          <a:p>
-            <a:r>
-              <a:rPr lang="zh-TW" altLang="en-US" b="1" dirty="0"/>
-              <a:t>    </a:t>
-            </a:r>
-            <a:r>
-              <a:rPr lang="en-US" altLang="zh-TW" b="1" dirty="0"/>
-              <a:t>}</a:t>
-            </a:r>
-            <a:endParaRPr lang="zh-TW" altLang="en-US" b="1" dirty="0"/>
-          </a:p>
-        </p:txBody>
-      </p:sp>
-      <p:sp>
-        <p:nvSpPr>
-          <p:cNvPr id="10" name="文字方塊 9"/>
-          <p:cNvSpPr txBox="1"/>
-          <p:nvPr/>
-        </p:nvSpPr>
-        <p:spPr>
-          <a:xfrm>
-            <a:off x="35496" y="3717422"/>
-            <a:ext cx="9108504" cy="1200329"/>
-          </a:xfrm>
-          <a:prstGeom prst="rect">
-            <a:avLst/>
-          </a:prstGeom>
-          <a:solidFill>
-            <a:schemeClr val="bg1">
-              <a:lumMod val="85000"/>
-            </a:schemeClr>
-          </a:solidFill>
-        </p:spPr>
-        <p:txBody>
-          <a:bodyPr wrap="square" rtlCol="0">
-            <a:spAutoFit/>
-          </a:bodyPr>
-          <a:lstStyle/>
-          <a:p>
-            <a:r>
-              <a:rPr lang="en-US" altLang="zh-TW" b="1" dirty="0"/>
-              <a:t> public class </a:t>
-            </a:r>
-            <a:r>
-              <a:rPr lang="en-US" altLang="zh-TW" b="1" dirty="0" err="1"/>
-              <a:t>MyClass</a:t>
-            </a:r>
-            <a:endParaRPr lang="en-US" altLang="zh-TW" b="1" dirty="0"/>
-          </a:p>
-          <a:p>
-            <a:r>
-              <a:rPr lang="zh-TW" altLang="en-US" b="1" dirty="0"/>
-              <a:t>    </a:t>
-            </a:r>
-            <a:r>
-              <a:rPr lang="en-US" altLang="zh-TW" b="1" dirty="0"/>
-              <a:t>{</a:t>
-            </a:r>
-          </a:p>
-          <a:p>
-            <a:r>
-              <a:rPr lang="en-US" altLang="zh-TW" b="1" dirty="0"/>
-              <a:t>        public Task&lt;</a:t>
-            </a:r>
-            <a:r>
-              <a:rPr lang="en-US" altLang="zh-TW" b="1" dirty="0" err="1"/>
-              <a:t>int</a:t>
-            </a:r>
-            <a:r>
-              <a:rPr lang="en-US" altLang="zh-TW" b="1" dirty="0"/>
-              <a:t>&gt; </a:t>
-            </a:r>
-            <a:r>
-              <a:rPr lang="en-US" altLang="zh-TW" b="1" dirty="0" err="1"/>
-              <a:t>ReadAsync</a:t>
-            </a:r>
-            <a:r>
-              <a:rPr lang="en-US" altLang="zh-TW" b="1" dirty="0"/>
-              <a:t>(byte[] buffer, </a:t>
-            </a:r>
-            <a:r>
-              <a:rPr lang="en-US" altLang="zh-TW" b="1" dirty="0" err="1"/>
-              <a:t>int</a:t>
-            </a:r>
-            <a:r>
-              <a:rPr lang="en-US" altLang="zh-TW" b="1" dirty="0"/>
-              <a:t> offset, </a:t>
-            </a:r>
-            <a:r>
-              <a:rPr lang="en-US" altLang="zh-TW" b="1" dirty="0" err="1"/>
-              <a:t>int</a:t>
-            </a:r>
-            <a:r>
-              <a:rPr lang="en-US" altLang="zh-TW" b="1" dirty="0"/>
-              <a:t> count);</a:t>
-            </a:r>
-          </a:p>
-          <a:p>
-            <a:r>
-              <a:rPr lang="zh-TW" altLang="en-US" b="1" dirty="0"/>
-              <a:t>    </a:t>
-            </a:r>
-            <a:r>
-              <a:rPr lang="en-US" altLang="zh-TW" b="1" dirty="0"/>
-              <a:t>}</a:t>
-            </a:r>
-            <a:endParaRPr lang="zh-TW" altLang="en-US" b="1" dirty="0"/>
-          </a:p>
-        </p:txBody>
-      </p:sp>
-      <p:sp>
-        <p:nvSpPr>
-          <p:cNvPr id="11" name="文字方塊 10"/>
-          <p:cNvSpPr txBox="1"/>
-          <p:nvPr/>
-        </p:nvSpPr>
-        <p:spPr>
-          <a:xfrm>
-            <a:off x="62038" y="1454452"/>
-            <a:ext cx="1152880" cy="369332"/>
+            <a:off x="179512" y="6355762"/>
+            <a:ext cx="8712968" cy="369332"/>
           </a:xfrm>
           <a:prstGeom prst="rect">
             <a:avLst/>
@@ -7818,28 +7323,20 @@
           </a:solidFill>
         </p:spPr>
         <p:txBody>
-          <a:bodyPr wrap="none" rtlCol="0">
+          <a:bodyPr wrap="square" rtlCol="0">
             <a:spAutoFit/>
           </a:bodyPr>
           <a:lstStyle/>
           <a:p>
             <a:r>
-              <a:rPr lang="en-US" altLang="zh-TW" b="1" dirty="0" smtClean="0">
+              <a:rPr lang="en-US" altLang="zh-TW" dirty="0">
                 <a:solidFill>
                   <a:schemeClr val="bg1"/>
                 </a:solidFill>
               </a:rPr>
-              <a:t>EAP</a:t>
-            </a:r>
-            <a:r>
-              <a:rPr lang="zh-TW" altLang="en-US" b="1" dirty="0" smtClean="0">
-                <a:solidFill>
-                  <a:schemeClr val="bg1"/>
-                </a:solidFill>
-              </a:rPr>
-              <a:t>方法</a:t>
-            </a:r>
-            <a:endParaRPr lang="zh-TW" altLang="en-US" b="1" dirty="0">
+              <a:t>https://msdn.microsoft.com/en-us/library/jj152938(v=vs.110).aspx</a:t>
+            </a:r>
+            <a:endParaRPr lang="en-US" altLang="zh-TW" dirty="0" smtClean="0">
               <a:solidFill>
                 <a:schemeClr val="bg1"/>
               </a:solidFill>
@@ -7847,173 +7344,10 @@
           </a:p>
         </p:txBody>
       </p:sp>
-      <p:sp>
-        <p:nvSpPr>
-          <p:cNvPr id="12" name="文字方塊 11"/>
-          <p:cNvSpPr txBox="1"/>
-          <p:nvPr/>
-        </p:nvSpPr>
-        <p:spPr>
-          <a:xfrm>
-            <a:off x="35496" y="3342937"/>
-            <a:ext cx="1213794" cy="369332"/>
-          </a:xfrm>
-          <a:prstGeom prst="rect">
-            <a:avLst/>
-          </a:prstGeom>
-          <a:solidFill>
-            <a:schemeClr val="accent2">
-              <a:lumMod val="60000"/>
-              <a:lumOff val="40000"/>
-            </a:schemeClr>
-          </a:solidFill>
-        </p:spPr>
-        <p:txBody>
-          <a:bodyPr wrap="none" rtlCol="0">
-            <a:spAutoFit/>
-          </a:bodyPr>
-          <a:lstStyle/>
-          <a:p>
-            <a:r>
-              <a:rPr lang="en-US" altLang="zh-TW" b="1" dirty="0">
-                <a:solidFill>
-                  <a:schemeClr val="bg1"/>
-                </a:solidFill>
-              </a:rPr>
-              <a:t>APM</a:t>
-            </a:r>
-            <a:r>
-              <a:rPr lang="zh-TW" altLang="en-US" b="1" dirty="0" smtClean="0">
-                <a:solidFill>
-                  <a:schemeClr val="bg1"/>
-                </a:solidFill>
-              </a:rPr>
-              <a:t>方法</a:t>
-            </a:r>
-            <a:endParaRPr lang="zh-TW" altLang="en-US" b="1" dirty="0">
-              <a:solidFill>
-                <a:schemeClr val="bg1"/>
-              </a:solidFill>
-            </a:endParaRPr>
-          </a:p>
-        </p:txBody>
-      </p:sp>
-      <p:sp>
-        <p:nvSpPr>
-          <p:cNvPr id="9" name="文字方塊 8"/>
-          <p:cNvSpPr txBox="1"/>
-          <p:nvPr/>
-        </p:nvSpPr>
-        <p:spPr>
-          <a:xfrm>
-            <a:off x="1691680" y="3349765"/>
-            <a:ext cx="7452320" cy="369332"/>
-          </a:xfrm>
-          <a:prstGeom prst="rect">
-            <a:avLst/>
-          </a:prstGeom>
-          <a:solidFill>
-            <a:srgbClr val="7030A0"/>
-          </a:solidFill>
-        </p:spPr>
-        <p:txBody>
-          <a:bodyPr wrap="square" rtlCol="0">
-            <a:spAutoFit/>
-          </a:bodyPr>
-          <a:lstStyle/>
-          <a:p>
-            <a:r>
-              <a:rPr lang="zh-TW" altLang="en-US" b="1" dirty="0" smtClean="0">
-                <a:solidFill>
-                  <a:schemeClr val="bg1"/>
-                </a:solidFill>
-              </a:rPr>
-              <a:t>在讀取資料時候，</a:t>
-            </a:r>
-            <a:r>
-              <a:rPr lang="en-US" altLang="zh-TW" b="1" dirty="0" smtClean="0">
-                <a:solidFill>
-                  <a:schemeClr val="bg1"/>
-                </a:solidFill>
-              </a:rPr>
-              <a:t>Thread</a:t>
-            </a:r>
-            <a:r>
-              <a:rPr lang="zh-TW" altLang="en-US" b="1" dirty="0" smtClean="0">
-                <a:solidFill>
-                  <a:schemeClr val="bg1"/>
-                </a:solidFill>
-              </a:rPr>
-              <a:t>可以繼續執行其他工作，讀完後，繼續執行</a:t>
-            </a:r>
-            <a:endParaRPr lang="zh-TW" altLang="en-US" b="1" dirty="0">
-              <a:solidFill>
-                <a:schemeClr val="bg1"/>
-              </a:solidFill>
-            </a:endParaRPr>
-          </a:p>
-        </p:txBody>
-      </p:sp>
-      <p:sp>
-        <p:nvSpPr>
-          <p:cNvPr id="13" name="文字方塊 12"/>
-          <p:cNvSpPr txBox="1"/>
-          <p:nvPr/>
-        </p:nvSpPr>
-        <p:spPr>
-          <a:xfrm>
-            <a:off x="1691680" y="1454738"/>
-            <a:ext cx="7452320" cy="369332"/>
-          </a:xfrm>
-          <a:prstGeom prst="rect">
-            <a:avLst/>
-          </a:prstGeom>
-          <a:solidFill>
-            <a:srgbClr val="7030A0"/>
-          </a:solidFill>
-        </p:spPr>
-        <p:txBody>
-          <a:bodyPr wrap="square" rtlCol="0">
-            <a:spAutoFit/>
-          </a:bodyPr>
-          <a:lstStyle/>
-          <a:p>
-            <a:r>
-              <a:rPr lang="zh-TW" altLang="en-US" b="1" dirty="0" smtClean="0">
-                <a:solidFill>
-                  <a:schemeClr val="bg1"/>
-                </a:solidFill>
-              </a:rPr>
-              <a:t>讀取資料完成後，會使用 </a:t>
-            </a:r>
-            <a:r>
-              <a:rPr lang="en-US" altLang="zh-TW" b="1" dirty="0" err="1">
-                <a:solidFill>
-                  <a:schemeClr val="bg1"/>
-                </a:solidFill>
-              </a:rPr>
-              <a:t>ReadCompletedEventHandler</a:t>
-            </a:r>
-            <a:r>
-              <a:rPr lang="zh-TW" altLang="en-US" b="1" dirty="0" smtClean="0">
-                <a:solidFill>
-                  <a:schemeClr val="bg1"/>
-                </a:solidFill>
-              </a:rPr>
-              <a:t>通知</a:t>
-            </a:r>
-            <a:endParaRPr lang="zh-TW" altLang="en-US" b="1" dirty="0">
-              <a:solidFill>
-                <a:schemeClr val="bg1"/>
-              </a:solidFill>
-            </a:endParaRPr>
-          </a:p>
-        </p:txBody>
-      </p:sp>
     </p:spTree>
     <p:extLst>
       <p:ext uri="{BB962C8B-B14F-4D97-AF65-F5344CB8AC3E}">
-        <p14:creationId xmlns:p14="http://schemas.microsoft.com/office/powerpoint/2010/main" val="3431471828"/>
+        <p14:creationId xmlns:p14="http://schemas.microsoft.com/office/powerpoint/2010/main" val="3978348464"/>
       </p:ext>
     </p:extLst>
   </p:cSld>
@@ -8056,96 +7390,12 @@
           <a:lstStyle/>
           <a:p>
             <a:r>
-              <a:rPr lang="en-US" altLang="zh-TW" sz="3200" dirty="0"/>
-              <a:t>Task Parallelism </a:t>
-            </a:r>
-            <a:r>
-              <a:rPr lang="en-US" altLang="zh-TW" sz="3200" dirty="0" smtClean="0"/>
-              <a:t/>
-            </a:r>
-            <a:br>
-              <a:rPr lang="en-US" altLang="zh-TW" sz="3200" dirty="0" smtClean="0"/>
-            </a:br>
-            <a:r>
-              <a:rPr lang="en-US" altLang="zh-TW" sz="3200" dirty="0" smtClean="0"/>
-              <a:t>(</a:t>
-            </a:r>
-            <a:r>
-              <a:rPr lang="en-US" altLang="zh-TW" sz="3200" dirty="0"/>
-              <a:t>Task Parallel </a:t>
-            </a:r>
-            <a:r>
-              <a:rPr lang="en-US" altLang="zh-TW" sz="3200" dirty="0" smtClean="0"/>
-              <a:t>Library TPL)</a:t>
-            </a:r>
-            <a:endParaRPr lang="zh-TW" altLang="en-US" sz="3200" dirty="0"/>
-          </a:p>
-        </p:txBody>
-      </p:sp>
-      <p:sp>
-        <p:nvSpPr>
-          <p:cNvPr id="3" name="內容版面配置區 2"/>
-          <p:cNvSpPr>
-            <a:spLocks noGrp="1"/>
-          </p:cNvSpPr>
-          <p:nvPr>
-            <p:ph idx="1"/>
-          </p:nvPr>
-        </p:nvSpPr>
-        <p:spPr/>
-        <p:txBody>
-          <a:bodyPr/>
-          <a:lstStyle/>
-          <a:p>
-            <a:r>
-              <a:rPr lang="zh-TW" altLang="en-US" dirty="0" smtClean="0"/>
-              <a:t>了解這些不同</a:t>
-            </a:r>
-            <a:endParaRPr lang="en-US" altLang="zh-TW" dirty="0" smtClean="0"/>
-          </a:p>
-          <a:p>
-            <a:pPr lvl="1"/>
-            <a:r>
-              <a:rPr lang="en-US" altLang="zh-TW" dirty="0" err="1" smtClean="0"/>
-              <a:t>Async</a:t>
+              <a:rPr lang="en-US" altLang="zh-TW" dirty="0"/>
+              <a:t>Comparing </a:t>
             </a:r>
             <a:r>
               <a:rPr lang="en-US" altLang="zh-TW" dirty="0" smtClean="0"/>
-              <a:t> Task</a:t>
-            </a:r>
-          </a:p>
-          <a:p>
-            <a:pPr lvl="1"/>
-            <a:r>
-              <a:rPr lang="en-US" altLang="zh-TW" dirty="0" err="1" smtClean="0"/>
-              <a:t>Async</a:t>
-            </a:r>
-            <a:r>
-              <a:rPr lang="en-US" altLang="zh-TW" dirty="0" smtClean="0"/>
-              <a:t> Task&lt;</a:t>
-            </a:r>
-            <a:r>
-              <a:rPr lang="en-US" altLang="zh-TW" dirty="0" err="1" smtClean="0"/>
-              <a:t>Tresult</a:t>
-            </a:r>
-            <a:r>
-              <a:rPr lang="en-US" altLang="zh-TW" dirty="0" smtClean="0"/>
-              <a:t>&gt;</a:t>
-            </a:r>
-          </a:p>
-          <a:p>
-            <a:pPr lvl="1"/>
-            <a:r>
-              <a:rPr lang="en-US" altLang="zh-TW" dirty="0" err="1" smtClean="0"/>
-              <a:t>Async</a:t>
-            </a:r>
-            <a:r>
-              <a:rPr lang="en-US" altLang="zh-TW" dirty="0"/>
-              <a:t> </a:t>
-            </a:r>
-            <a:r>
-              <a:rPr lang="en-US" altLang="zh-TW" dirty="0" smtClean="0"/>
-              <a:t>void</a:t>
+              <a:t>Patterns</a:t>
             </a:r>
             <a:endParaRPr lang="zh-TW" altLang="en-US" dirty="0"/>
           </a:p>
@@ -8174,10 +7424,513 @@
           </a:p>
         </p:txBody>
       </p:sp>
+      <p:sp>
+        <p:nvSpPr>
+          <p:cNvPr id="8" name="文字方塊 7"/>
+          <p:cNvSpPr txBox="1"/>
+          <p:nvPr/>
+        </p:nvSpPr>
+        <p:spPr>
+          <a:xfrm>
+            <a:off x="35496" y="1798530"/>
+            <a:ext cx="7213834" cy="1200329"/>
+          </a:xfrm>
+          <a:prstGeom prst="rect">
+            <a:avLst/>
+          </a:prstGeom>
+          <a:solidFill>
+            <a:schemeClr val="bg1">
+              <a:lumMod val="85000"/>
+            </a:schemeClr>
+          </a:solidFill>
+        </p:spPr>
+        <p:txBody>
+          <a:bodyPr wrap="none" rtlCol="0">
+            <a:spAutoFit/>
+          </a:bodyPr>
+          <a:lstStyle/>
+          <a:p>
+            <a:r>
+              <a:rPr lang="en-US" altLang="zh-TW" b="1" dirty="0"/>
+              <a:t> public class </a:t>
+            </a:r>
+            <a:r>
+              <a:rPr lang="en-US" altLang="zh-TW" b="1" dirty="0" err="1"/>
+              <a:t>MyClass</a:t>
+            </a:r>
+            <a:endParaRPr lang="en-US" altLang="zh-TW" b="1" dirty="0"/>
+          </a:p>
+          <a:p>
+            <a:r>
+              <a:rPr lang="en-US" altLang="zh-TW" b="1" dirty="0" smtClean="0"/>
+              <a:t>{</a:t>
+            </a:r>
+            <a:endParaRPr lang="en-US" altLang="zh-TW" b="1" dirty="0"/>
+          </a:p>
+          <a:p>
+            <a:r>
+              <a:rPr lang="en-US" altLang="zh-TW" b="1" dirty="0"/>
+              <a:t>    </a:t>
+            </a:r>
+            <a:r>
+              <a:rPr lang="en-US" altLang="zh-TW" b="1" dirty="0" smtClean="0"/>
+              <a:t> public </a:t>
+            </a:r>
+            <a:r>
+              <a:rPr lang="en-US" altLang="zh-TW" b="1" dirty="0" err="1"/>
+              <a:t>int</a:t>
+            </a:r>
+            <a:r>
+              <a:rPr lang="en-US" altLang="zh-TW" b="1" dirty="0"/>
+              <a:t> Read(byte[] buffer, </a:t>
+            </a:r>
+            <a:r>
+              <a:rPr lang="en-US" altLang="zh-TW" b="1" dirty="0" err="1"/>
+              <a:t>int</a:t>
+            </a:r>
+            <a:r>
+              <a:rPr lang="en-US" altLang="zh-TW" b="1" dirty="0"/>
+              <a:t> offset, </a:t>
+            </a:r>
+            <a:r>
+              <a:rPr lang="en-US" altLang="zh-TW" b="1" dirty="0" err="1"/>
+              <a:t>int</a:t>
+            </a:r>
+            <a:r>
+              <a:rPr lang="en-US" altLang="zh-TW" b="1" dirty="0"/>
+              <a:t> count);</a:t>
+            </a:r>
+          </a:p>
+          <a:p>
+            <a:r>
+              <a:rPr lang="en-US" altLang="zh-TW" b="1" dirty="0" smtClean="0"/>
+              <a:t>}</a:t>
+            </a:r>
+            <a:endParaRPr lang="zh-TW" altLang="en-US" b="1" dirty="0"/>
+          </a:p>
+        </p:txBody>
+      </p:sp>
+      <p:sp>
+        <p:nvSpPr>
+          <p:cNvPr id="10" name="文字方塊 9"/>
+          <p:cNvSpPr txBox="1"/>
+          <p:nvPr/>
+        </p:nvSpPr>
+        <p:spPr>
+          <a:xfrm>
+            <a:off x="35496" y="3717422"/>
+            <a:ext cx="6936514" cy="2031325"/>
+          </a:xfrm>
+          <a:prstGeom prst="rect">
+            <a:avLst/>
+          </a:prstGeom>
+          <a:solidFill>
+            <a:schemeClr val="bg1">
+              <a:lumMod val="85000"/>
+            </a:schemeClr>
+          </a:solidFill>
+        </p:spPr>
+        <p:txBody>
+          <a:bodyPr wrap="none" rtlCol="0">
+            <a:spAutoFit/>
+          </a:bodyPr>
+          <a:lstStyle/>
+          <a:p>
+            <a:r>
+              <a:rPr lang="en-US" altLang="zh-TW" b="1" dirty="0"/>
+              <a:t> public class </a:t>
+            </a:r>
+            <a:r>
+              <a:rPr lang="en-US" altLang="zh-TW" b="1" dirty="0" err="1"/>
+              <a:t>MyClass</a:t>
+            </a:r>
+            <a:endParaRPr lang="en-US" altLang="zh-TW" b="1" dirty="0"/>
+          </a:p>
+          <a:p>
+            <a:r>
+              <a:rPr lang="zh-TW" altLang="en-US" b="1" dirty="0"/>
+              <a:t>    </a:t>
+            </a:r>
+            <a:r>
+              <a:rPr lang="en-US" altLang="zh-TW" b="1" dirty="0"/>
+              <a:t>{</a:t>
+            </a:r>
+          </a:p>
+          <a:p>
+            <a:r>
+              <a:rPr lang="en-US" altLang="zh-TW" b="1" dirty="0"/>
+              <a:t>        public </a:t>
+            </a:r>
+            <a:r>
+              <a:rPr lang="en-US" altLang="zh-TW" b="1" dirty="0" err="1"/>
+              <a:t>IAsyncResult</a:t>
+            </a:r>
+            <a:r>
+              <a:rPr lang="en-US" altLang="zh-TW" b="1" dirty="0"/>
+              <a:t> </a:t>
+            </a:r>
+            <a:r>
+              <a:rPr lang="en-US" altLang="zh-TW" b="1" dirty="0" err="1"/>
+              <a:t>BeginRead</a:t>
+            </a:r>
+            <a:r>
+              <a:rPr lang="en-US" altLang="zh-TW" b="1" dirty="0"/>
+              <a:t>(</a:t>
+            </a:r>
+          </a:p>
+          <a:p>
+            <a:r>
+              <a:rPr lang="en-US" altLang="zh-TW" b="1" dirty="0"/>
+              <a:t>            byte[] buffer, </a:t>
+            </a:r>
+            <a:r>
+              <a:rPr lang="en-US" altLang="zh-TW" b="1" dirty="0" err="1"/>
+              <a:t>int</a:t>
+            </a:r>
+            <a:r>
+              <a:rPr lang="en-US" altLang="zh-TW" b="1" dirty="0"/>
+              <a:t> offset, </a:t>
+            </a:r>
+            <a:r>
+              <a:rPr lang="en-US" altLang="zh-TW" b="1" dirty="0" err="1"/>
+              <a:t>int</a:t>
+            </a:r>
+            <a:r>
+              <a:rPr lang="en-US" altLang="zh-TW" b="1" dirty="0"/>
+              <a:t> count,</a:t>
+            </a:r>
+          </a:p>
+          <a:p>
+            <a:r>
+              <a:rPr lang="en-US" altLang="zh-TW" b="1" dirty="0"/>
+              <a:t>            </a:t>
+            </a:r>
+            <a:r>
+              <a:rPr lang="en-US" altLang="zh-TW" b="1" dirty="0" err="1"/>
+              <a:t>AsyncCallback</a:t>
+            </a:r>
+            <a:r>
+              <a:rPr lang="en-US" altLang="zh-TW" b="1" dirty="0"/>
+              <a:t> callback, object state);</a:t>
+            </a:r>
+          </a:p>
+          <a:p>
+            <a:r>
+              <a:rPr lang="en-US" altLang="zh-TW" b="1" dirty="0"/>
+              <a:t>        public </a:t>
+            </a:r>
+            <a:r>
+              <a:rPr lang="en-US" altLang="zh-TW" b="1" dirty="0" err="1"/>
+              <a:t>int</a:t>
+            </a:r>
+            <a:r>
+              <a:rPr lang="en-US" altLang="zh-TW" b="1" dirty="0"/>
+              <a:t> </a:t>
+            </a:r>
+            <a:r>
+              <a:rPr lang="en-US" altLang="zh-TW" b="1" dirty="0" err="1"/>
+              <a:t>EndRead</a:t>
+            </a:r>
+            <a:r>
+              <a:rPr lang="en-US" altLang="zh-TW" b="1" dirty="0"/>
+              <a:t>(</a:t>
+            </a:r>
+            <a:r>
+              <a:rPr lang="en-US" altLang="zh-TW" b="1" dirty="0" err="1"/>
+              <a:t>IAsyncResult</a:t>
+            </a:r>
+            <a:r>
+              <a:rPr lang="en-US" altLang="zh-TW" b="1" dirty="0"/>
+              <a:t> </a:t>
+            </a:r>
+            <a:r>
+              <a:rPr lang="en-US" altLang="zh-TW" b="1" dirty="0" err="1"/>
+              <a:t>asyncResult</a:t>
+            </a:r>
+            <a:r>
+              <a:rPr lang="en-US" altLang="zh-TW" b="1" dirty="0"/>
+              <a:t>);</a:t>
+            </a:r>
+          </a:p>
+          <a:p>
+            <a:r>
+              <a:rPr lang="zh-TW" altLang="en-US" b="1" dirty="0"/>
+              <a:t>    </a:t>
+            </a:r>
+            <a:r>
+              <a:rPr lang="en-US" altLang="zh-TW" b="1" dirty="0"/>
+              <a:t>}</a:t>
+            </a:r>
+            <a:endParaRPr lang="zh-TW" altLang="en-US" b="1" dirty="0"/>
+          </a:p>
+        </p:txBody>
+      </p:sp>
+      <p:sp>
+        <p:nvSpPr>
+          <p:cNvPr id="11" name="文字方塊 10"/>
+          <p:cNvSpPr txBox="1"/>
+          <p:nvPr/>
+        </p:nvSpPr>
+        <p:spPr>
+          <a:xfrm>
+            <a:off x="62038" y="1454452"/>
+            <a:ext cx="1107996" cy="369332"/>
+          </a:xfrm>
+          <a:prstGeom prst="rect">
+            <a:avLst/>
+          </a:prstGeom>
+          <a:solidFill>
+            <a:schemeClr val="accent2">
+              <a:lumMod val="60000"/>
+              <a:lumOff val="40000"/>
+            </a:schemeClr>
+          </a:solidFill>
+        </p:spPr>
+        <p:txBody>
+          <a:bodyPr wrap="none" rtlCol="0">
+            <a:spAutoFit/>
+          </a:bodyPr>
+          <a:lstStyle/>
+          <a:p>
+            <a:r>
+              <a:rPr lang="zh-TW" altLang="en-US" b="1" dirty="0" smtClean="0">
+                <a:solidFill>
+                  <a:schemeClr val="bg1"/>
+                </a:solidFill>
+              </a:rPr>
+              <a:t>同步方法</a:t>
+            </a:r>
+            <a:endParaRPr lang="zh-TW" altLang="en-US" b="1" dirty="0">
+              <a:solidFill>
+                <a:schemeClr val="bg1"/>
+              </a:solidFill>
+            </a:endParaRPr>
+          </a:p>
+        </p:txBody>
+      </p:sp>
+      <p:sp>
+        <p:nvSpPr>
+          <p:cNvPr id="12" name="文字方塊 11"/>
+          <p:cNvSpPr txBox="1"/>
+          <p:nvPr/>
+        </p:nvSpPr>
+        <p:spPr>
+          <a:xfrm>
+            <a:off x="35496" y="3342937"/>
+            <a:ext cx="1213794" cy="369332"/>
+          </a:xfrm>
+          <a:prstGeom prst="rect">
+            <a:avLst/>
+          </a:prstGeom>
+          <a:solidFill>
+            <a:schemeClr val="accent2">
+              <a:lumMod val="60000"/>
+              <a:lumOff val="40000"/>
+            </a:schemeClr>
+          </a:solidFill>
+        </p:spPr>
+        <p:txBody>
+          <a:bodyPr wrap="none" rtlCol="0">
+            <a:spAutoFit/>
+          </a:bodyPr>
+          <a:lstStyle/>
+          <a:p>
+            <a:r>
+              <a:rPr lang="en-US" altLang="zh-TW" b="1" dirty="0">
+                <a:solidFill>
+                  <a:schemeClr val="bg1"/>
+                </a:solidFill>
+              </a:rPr>
+              <a:t>APM</a:t>
+            </a:r>
+            <a:r>
+              <a:rPr lang="zh-TW" altLang="en-US" b="1" dirty="0" smtClean="0">
+                <a:solidFill>
+                  <a:schemeClr val="bg1"/>
+                </a:solidFill>
+              </a:rPr>
+              <a:t>方法</a:t>
+            </a:r>
+            <a:endParaRPr lang="zh-TW" altLang="en-US" b="1" dirty="0">
+              <a:solidFill>
+                <a:schemeClr val="bg1"/>
+              </a:solidFill>
+            </a:endParaRPr>
+          </a:p>
+        </p:txBody>
+      </p:sp>
+      <p:sp>
+        <p:nvSpPr>
+          <p:cNvPr id="9" name="文字方塊 8"/>
+          <p:cNvSpPr txBox="1"/>
+          <p:nvPr/>
+        </p:nvSpPr>
+        <p:spPr>
+          <a:xfrm>
+            <a:off x="1691680" y="1429198"/>
+            <a:ext cx="7452320" cy="369332"/>
+          </a:xfrm>
+          <a:prstGeom prst="rect">
+            <a:avLst/>
+          </a:prstGeom>
+          <a:solidFill>
+            <a:srgbClr val="7030A0"/>
+          </a:solidFill>
+        </p:spPr>
+        <p:txBody>
+          <a:bodyPr wrap="square" rtlCol="0">
+            <a:spAutoFit/>
+          </a:bodyPr>
+          <a:lstStyle/>
+          <a:p>
+            <a:r>
+              <a:rPr lang="zh-TW" altLang="en-US" b="1" dirty="0" smtClean="0">
+                <a:solidFill>
+                  <a:schemeClr val="bg1"/>
+                </a:solidFill>
+              </a:rPr>
+              <a:t>若尚未讀取資料完成，該</a:t>
+            </a:r>
+            <a:r>
+              <a:rPr lang="en-US" altLang="zh-TW" b="1" dirty="0" smtClean="0">
+                <a:solidFill>
+                  <a:schemeClr val="bg1"/>
+                </a:solidFill>
+              </a:rPr>
+              <a:t>Thread</a:t>
+            </a:r>
+            <a:r>
+              <a:rPr lang="zh-TW" altLang="en-US" b="1" dirty="0" smtClean="0">
+                <a:solidFill>
+                  <a:schemeClr val="bg1"/>
+                </a:solidFill>
+              </a:rPr>
+              <a:t>無法繼續執行下去</a:t>
+            </a:r>
+            <a:endParaRPr lang="zh-TW" altLang="en-US" b="1" dirty="0">
+              <a:solidFill>
+                <a:schemeClr val="bg1"/>
+              </a:solidFill>
+            </a:endParaRPr>
+          </a:p>
+        </p:txBody>
+      </p:sp>
+      <p:sp>
+        <p:nvSpPr>
+          <p:cNvPr id="13" name="文字方塊 12"/>
+          <p:cNvSpPr txBox="1"/>
+          <p:nvPr/>
+        </p:nvSpPr>
+        <p:spPr>
+          <a:xfrm>
+            <a:off x="1691680" y="3349765"/>
+            <a:ext cx="7452320" cy="369332"/>
+          </a:xfrm>
+          <a:prstGeom prst="rect">
+            <a:avLst/>
+          </a:prstGeom>
+          <a:solidFill>
+            <a:srgbClr val="7030A0"/>
+          </a:solidFill>
+        </p:spPr>
+        <p:txBody>
+          <a:bodyPr wrap="square" rtlCol="0">
+            <a:spAutoFit/>
+          </a:bodyPr>
+          <a:lstStyle/>
+          <a:p>
+            <a:r>
+              <a:rPr lang="zh-TW" altLang="en-US" b="1" dirty="0" smtClean="0">
+                <a:solidFill>
+                  <a:schemeClr val="bg1"/>
+                </a:solidFill>
+              </a:rPr>
+              <a:t>讀取資料完成後，會使用 </a:t>
+            </a:r>
+            <a:r>
+              <a:rPr lang="en-US" altLang="zh-TW" b="1" dirty="0" err="1" smtClean="0">
+                <a:solidFill>
+                  <a:schemeClr val="bg1"/>
+                </a:solidFill>
+              </a:rPr>
+              <a:t>AsyncCallback</a:t>
+            </a:r>
+            <a:r>
+              <a:rPr lang="zh-TW" altLang="en-US" b="1" dirty="0" smtClean="0">
+                <a:solidFill>
+                  <a:schemeClr val="bg1"/>
+                </a:solidFill>
+              </a:rPr>
+              <a:t>通知</a:t>
+            </a:r>
+            <a:endParaRPr lang="zh-TW" altLang="en-US" b="1" dirty="0">
+              <a:solidFill>
+                <a:schemeClr val="bg1"/>
+              </a:solidFill>
+            </a:endParaRPr>
+          </a:p>
+        </p:txBody>
+      </p:sp>
+      <p:sp>
+        <p:nvSpPr>
+          <p:cNvPr id="14" name="文字方塊 13"/>
+          <p:cNvSpPr txBox="1"/>
+          <p:nvPr/>
+        </p:nvSpPr>
+        <p:spPr>
+          <a:xfrm>
+            <a:off x="1691680" y="5736120"/>
+            <a:ext cx="7452320" cy="369332"/>
+          </a:xfrm>
+          <a:prstGeom prst="rect">
+            <a:avLst/>
+          </a:prstGeom>
+          <a:solidFill>
+            <a:srgbClr val="7030A0"/>
+          </a:solidFill>
+        </p:spPr>
+        <p:txBody>
+          <a:bodyPr wrap="square" rtlCol="0">
+            <a:spAutoFit/>
+          </a:bodyPr>
+          <a:lstStyle/>
+          <a:p>
+            <a:r>
+              <a:rPr lang="zh-TW" altLang="en-US" b="1" dirty="0" smtClean="0">
+                <a:solidFill>
+                  <a:schemeClr val="bg1"/>
+                </a:solidFill>
+              </a:rPr>
+              <a:t>需要使用 </a:t>
+            </a:r>
+            <a:r>
+              <a:rPr lang="en-US" altLang="zh-TW" b="1" dirty="0" err="1" smtClean="0">
+                <a:solidFill>
+                  <a:schemeClr val="bg1"/>
+                </a:solidFill>
+              </a:rPr>
+              <a:t>EndRead</a:t>
+            </a:r>
+            <a:r>
+              <a:rPr lang="zh-TW" altLang="en-US" b="1" dirty="0" smtClean="0">
+                <a:solidFill>
+                  <a:schemeClr val="bg1"/>
+                </a:solidFill>
+              </a:rPr>
+              <a:t> 取得所讀取到的資料</a:t>
+            </a:r>
+            <a:endParaRPr lang="zh-TW" altLang="en-US" b="1" dirty="0">
+              <a:solidFill>
+                <a:schemeClr val="bg1"/>
+              </a:solidFill>
+            </a:endParaRPr>
+          </a:p>
+        </p:txBody>
+      </p:sp>
     </p:spTree>
     <p:extLst>
       <p:ext uri="{BB962C8B-B14F-4D97-AF65-F5344CB8AC3E}">
-        <p14:creationId xmlns:p14="http://schemas.microsoft.com/office/powerpoint/2010/main" val="1132069415"/>
+        <p14:creationId xmlns:p14="http://schemas.microsoft.com/office/powerpoint/2010/main" val="87609382"/>
       </p:ext>
     </p:extLst>
   </p:cSld>
@@ -8220,60 +7973,13 @@
           <a:lstStyle/>
           <a:p>
             <a:r>
-              <a:rPr lang="en-US" altLang="zh-TW" sz="2800" dirty="0"/>
-              <a:t>Using the Built-in Task-based </a:t>
-            </a:r>
-            <a:r>
-              <a:rPr lang="en-US" altLang="zh-TW" sz="2800" dirty="0" err="1"/>
-              <a:t>Combinators</a:t>
-            </a:r>
-            <a:endParaRPr lang="zh-TW" altLang="en-US" sz="2800" dirty="0"/>
-          </a:p>
-        </p:txBody>
-      </p:sp>
-      <p:sp>
-        <p:nvSpPr>
-          <p:cNvPr id="3" name="內容版面配置區 2"/>
-          <p:cNvSpPr>
-            <a:spLocks noGrp="1"/>
-          </p:cNvSpPr>
-          <p:nvPr>
-            <p:ph idx="1"/>
-          </p:nvPr>
-        </p:nvSpPr>
-        <p:spPr/>
-        <p:txBody>
-          <a:bodyPr/>
-          <a:lstStyle/>
-          <a:p>
-            <a:r>
-              <a:rPr lang="en-US" altLang="zh-TW" dirty="0" err="1"/>
-              <a:t>Task.Run</a:t>
-            </a:r>
-            <a:endParaRPr lang="zh-TW" altLang="zh-TW" dirty="0"/>
-          </a:p>
-          <a:p>
-            <a:r>
-              <a:rPr lang="en-US" altLang="zh-TW" dirty="0" err="1"/>
-              <a:t>Task.FromResult</a:t>
-            </a:r>
-            <a:endParaRPr lang="zh-TW" altLang="zh-TW" dirty="0"/>
-          </a:p>
-          <a:p>
-            <a:r>
-              <a:rPr lang="en-US" altLang="zh-TW" dirty="0" err="1"/>
-              <a:t>Task.WhenAll</a:t>
-            </a:r>
-            <a:endParaRPr lang="zh-TW" altLang="zh-TW" dirty="0"/>
-          </a:p>
-          <a:p>
-            <a:r>
-              <a:rPr lang="en-US" altLang="zh-TW" dirty="0" err="1"/>
-              <a:t>Task.WhenAny</a:t>
-            </a:r>
-            <a:endParaRPr lang="zh-TW" altLang="zh-TW" dirty="0"/>
-          </a:p>
-          <a:p>
+              <a:rPr lang="en-US" altLang="zh-TW" dirty="0"/>
+              <a:t>Comparing </a:t>
+            </a:r>
+            <a:r>
+              <a:rPr lang="en-US" altLang="zh-TW" dirty="0" smtClean="0"/>
+              <a:t>Patterns</a:t>
+            </a:r>
             <a:endParaRPr lang="zh-TW" altLang="en-US" dirty="0"/>
           </a:p>
         </p:txBody>
@@ -8301,10 +8007,432 @@
           </a:p>
         </p:txBody>
       </p:sp>
+      <p:sp>
+        <p:nvSpPr>
+          <p:cNvPr id="8" name="文字方塊 7"/>
+          <p:cNvSpPr txBox="1"/>
+          <p:nvPr/>
+        </p:nvSpPr>
+        <p:spPr>
+          <a:xfrm>
+            <a:off x="35496" y="1798530"/>
+            <a:ext cx="8480207" cy="1477328"/>
+          </a:xfrm>
+          <a:prstGeom prst="rect">
+            <a:avLst/>
+          </a:prstGeom>
+          <a:solidFill>
+            <a:schemeClr val="bg1">
+              <a:lumMod val="85000"/>
+            </a:schemeClr>
+          </a:solidFill>
+        </p:spPr>
+        <p:txBody>
+          <a:bodyPr wrap="none" rtlCol="0">
+            <a:spAutoFit/>
+          </a:bodyPr>
+          <a:lstStyle/>
+          <a:p>
+            <a:r>
+              <a:rPr lang="en-US" altLang="zh-TW" b="1" dirty="0"/>
+              <a:t> public class </a:t>
+            </a:r>
+            <a:r>
+              <a:rPr lang="en-US" altLang="zh-TW" b="1" dirty="0" err="1"/>
+              <a:t>MyClass</a:t>
+            </a:r>
+            <a:endParaRPr lang="en-US" altLang="zh-TW" b="1" dirty="0"/>
+          </a:p>
+          <a:p>
+            <a:r>
+              <a:rPr lang="zh-TW" altLang="en-US" b="1" dirty="0"/>
+              <a:t>    </a:t>
+            </a:r>
+            <a:r>
+              <a:rPr lang="en-US" altLang="zh-TW" b="1" dirty="0"/>
+              <a:t>{</a:t>
+            </a:r>
+          </a:p>
+          <a:p>
+            <a:r>
+              <a:rPr lang="en-US" altLang="zh-TW" b="1" dirty="0"/>
+              <a:t>        public void </a:t>
+            </a:r>
+            <a:r>
+              <a:rPr lang="en-US" altLang="zh-TW" b="1" dirty="0" err="1"/>
+              <a:t>ReadAsync</a:t>
+            </a:r>
+            <a:r>
+              <a:rPr lang="en-US" altLang="zh-TW" b="1" dirty="0"/>
+              <a:t>(byte[] buffer, </a:t>
+            </a:r>
+            <a:r>
+              <a:rPr lang="en-US" altLang="zh-TW" b="1" dirty="0" err="1"/>
+              <a:t>int</a:t>
+            </a:r>
+            <a:r>
+              <a:rPr lang="en-US" altLang="zh-TW" b="1" dirty="0"/>
+              <a:t> offset, </a:t>
+            </a:r>
+            <a:r>
+              <a:rPr lang="en-US" altLang="zh-TW" b="1" dirty="0" err="1"/>
+              <a:t>int</a:t>
+            </a:r>
+            <a:r>
+              <a:rPr lang="en-US" altLang="zh-TW" b="1" dirty="0"/>
+              <a:t> count);</a:t>
+            </a:r>
+          </a:p>
+          <a:p>
+            <a:r>
+              <a:rPr lang="en-US" altLang="zh-TW" b="1" dirty="0"/>
+              <a:t>        public event </a:t>
+            </a:r>
+            <a:r>
+              <a:rPr lang="en-US" altLang="zh-TW" b="1" dirty="0" err="1"/>
+              <a:t>ReadCompletedEventHandler</a:t>
+            </a:r>
+            <a:r>
+              <a:rPr lang="en-US" altLang="zh-TW" b="1" dirty="0"/>
+              <a:t> </a:t>
+            </a:r>
+            <a:r>
+              <a:rPr lang="en-US" altLang="zh-TW" b="1" dirty="0" err="1"/>
+              <a:t>ReadCompleted</a:t>
+            </a:r>
+            <a:r>
+              <a:rPr lang="en-US" altLang="zh-TW" b="1" dirty="0"/>
+              <a:t>;</a:t>
+            </a:r>
+          </a:p>
+          <a:p>
+            <a:r>
+              <a:rPr lang="zh-TW" altLang="en-US" b="1" dirty="0"/>
+              <a:t>    </a:t>
+            </a:r>
+            <a:r>
+              <a:rPr lang="en-US" altLang="zh-TW" b="1" dirty="0"/>
+              <a:t>}</a:t>
+            </a:r>
+            <a:endParaRPr lang="zh-TW" altLang="en-US" b="1" dirty="0"/>
+          </a:p>
+        </p:txBody>
+      </p:sp>
+      <p:sp>
+        <p:nvSpPr>
+          <p:cNvPr id="10" name="文字方塊 9"/>
+          <p:cNvSpPr txBox="1"/>
+          <p:nvPr/>
+        </p:nvSpPr>
+        <p:spPr>
+          <a:xfrm>
+            <a:off x="35496" y="3717422"/>
+            <a:ext cx="9108504" cy="1200329"/>
+          </a:xfrm>
+          <a:prstGeom prst="rect">
+            <a:avLst/>
+          </a:prstGeom>
+          <a:solidFill>
+            <a:schemeClr val="bg1">
+              <a:lumMod val="85000"/>
+            </a:schemeClr>
+          </a:solidFill>
+        </p:spPr>
+        <p:txBody>
+          <a:bodyPr wrap="square" rtlCol="0">
+            <a:spAutoFit/>
+          </a:bodyPr>
+          <a:lstStyle/>
+          <a:p>
+            <a:r>
+              <a:rPr lang="en-US" altLang="zh-TW" b="1" dirty="0"/>
+              <a:t> public class </a:t>
+            </a:r>
+            <a:r>
+              <a:rPr lang="en-US" altLang="zh-TW" b="1" dirty="0" err="1"/>
+              <a:t>MyClass</a:t>
+            </a:r>
+            <a:endParaRPr lang="en-US" altLang="zh-TW" b="1" dirty="0"/>
+          </a:p>
+          <a:p>
+            <a:r>
+              <a:rPr lang="zh-TW" altLang="en-US" b="1" dirty="0"/>
+              <a:t>    </a:t>
+            </a:r>
+            <a:r>
+              <a:rPr lang="en-US" altLang="zh-TW" b="1" dirty="0"/>
+              <a:t>{</a:t>
+            </a:r>
+          </a:p>
+          <a:p>
+            <a:r>
+              <a:rPr lang="en-US" altLang="zh-TW" b="1" dirty="0"/>
+              <a:t>        public Task&lt;</a:t>
+            </a:r>
+            <a:r>
+              <a:rPr lang="en-US" altLang="zh-TW" b="1" dirty="0" err="1"/>
+              <a:t>int</a:t>
+            </a:r>
+            <a:r>
+              <a:rPr lang="en-US" altLang="zh-TW" b="1" dirty="0"/>
+              <a:t>&gt; </a:t>
+            </a:r>
+            <a:r>
+              <a:rPr lang="en-US" altLang="zh-TW" b="1" dirty="0" err="1"/>
+              <a:t>ReadAsync</a:t>
+            </a:r>
+            <a:r>
+              <a:rPr lang="en-US" altLang="zh-TW" b="1" dirty="0"/>
+              <a:t>(byte[] buffer, </a:t>
+            </a:r>
+            <a:r>
+              <a:rPr lang="en-US" altLang="zh-TW" b="1" dirty="0" err="1"/>
+              <a:t>int</a:t>
+            </a:r>
+            <a:r>
+              <a:rPr lang="en-US" altLang="zh-TW" b="1" dirty="0"/>
+              <a:t> offset, </a:t>
+            </a:r>
+            <a:r>
+              <a:rPr lang="en-US" altLang="zh-TW" b="1" dirty="0" err="1"/>
+              <a:t>int</a:t>
+            </a:r>
+            <a:r>
+              <a:rPr lang="en-US" altLang="zh-TW" b="1" dirty="0"/>
+              <a:t> count);</a:t>
+            </a:r>
+          </a:p>
+          <a:p>
+            <a:r>
+              <a:rPr lang="zh-TW" altLang="en-US" b="1" dirty="0"/>
+              <a:t>    </a:t>
+            </a:r>
+            <a:r>
+              <a:rPr lang="en-US" altLang="zh-TW" b="1" dirty="0"/>
+              <a:t>}</a:t>
+            </a:r>
+            <a:endParaRPr lang="zh-TW" altLang="en-US" b="1" dirty="0"/>
+          </a:p>
+        </p:txBody>
+      </p:sp>
+      <p:sp>
+        <p:nvSpPr>
+          <p:cNvPr id="11" name="文字方塊 10"/>
+          <p:cNvSpPr txBox="1"/>
+          <p:nvPr/>
+        </p:nvSpPr>
+        <p:spPr>
+          <a:xfrm>
+            <a:off x="62038" y="1454452"/>
+            <a:ext cx="1152880" cy="369332"/>
+          </a:xfrm>
+          <a:prstGeom prst="rect">
+            <a:avLst/>
+          </a:prstGeom>
+          <a:solidFill>
+            <a:schemeClr val="accent2">
+              <a:lumMod val="60000"/>
+              <a:lumOff val="40000"/>
+            </a:schemeClr>
+          </a:solidFill>
+        </p:spPr>
+        <p:txBody>
+          <a:bodyPr wrap="none" rtlCol="0">
+            <a:spAutoFit/>
+          </a:bodyPr>
+          <a:lstStyle/>
+          <a:p>
+            <a:r>
+              <a:rPr lang="en-US" altLang="zh-TW" b="1" dirty="0" smtClean="0">
+                <a:solidFill>
+                  <a:schemeClr val="bg1"/>
+                </a:solidFill>
+              </a:rPr>
+              <a:t>EAP</a:t>
+            </a:r>
+            <a:r>
+              <a:rPr lang="zh-TW" altLang="en-US" b="1" dirty="0" smtClean="0">
+                <a:solidFill>
+                  <a:schemeClr val="bg1"/>
+                </a:solidFill>
+              </a:rPr>
+              <a:t>方法</a:t>
+            </a:r>
+            <a:endParaRPr lang="zh-TW" altLang="en-US" b="1" dirty="0">
+              <a:solidFill>
+                <a:schemeClr val="bg1"/>
+              </a:solidFill>
+            </a:endParaRPr>
+          </a:p>
+        </p:txBody>
+      </p:sp>
+      <p:sp>
+        <p:nvSpPr>
+          <p:cNvPr id="12" name="文字方塊 11"/>
+          <p:cNvSpPr txBox="1"/>
+          <p:nvPr/>
+        </p:nvSpPr>
+        <p:spPr>
+          <a:xfrm>
+            <a:off x="35496" y="3342937"/>
+            <a:ext cx="1213794" cy="369332"/>
+          </a:xfrm>
+          <a:prstGeom prst="rect">
+            <a:avLst/>
+          </a:prstGeom>
+          <a:solidFill>
+            <a:schemeClr val="accent2">
+              <a:lumMod val="60000"/>
+              <a:lumOff val="40000"/>
+            </a:schemeClr>
+          </a:solidFill>
+        </p:spPr>
+        <p:txBody>
+          <a:bodyPr wrap="none" rtlCol="0">
+            <a:spAutoFit/>
+          </a:bodyPr>
+          <a:lstStyle/>
+          <a:p>
+            <a:r>
+              <a:rPr lang="en-US" altLang="zh-TW" b="1" dirty="0">
+                <a:solidFill>
+                  <a:schemeClr val="bg1"/>
+                </a:solidFill>
+              </a:rPr>
+              <a:t>APM</a:t>
+            </a:r>
+            <a:r>
+              <a:rPr lang="zh-TW" altLang="en-US" b="1" dirty="0" smtClean="0">
+                <a:solidFill>
+                  <a:schemeClr val="bg1"/>
+                </a:solidFill>
+              </a:rPr>
+              <a:t>方法</a:t>
+            </a:r>
+            <a:endParaRPr lang="zh-TW" altLang="en-US" b="1" dirty="0">
+              <a:solidFill>
+                <a:schemeClr val="bg1"/>
+              </a:solidFill>
+            </a:endParaRPr>
+          </a:p>
+        </p:txBody>
+      </p:sp>
+      <p:sp>
+        <p:nvSpPr>
+          <p:cNvPr id="9" name="文字方塊 8"/>
+          <p:cNvSpPr txBox="1"/>
+          <p:nvPr/>
+        </p:nvSpPr>
+        <p:spPr>
+          <a:xfrm>
+            <a:off x="1691680" y="3349765"/>
+            <a:ext cx="7452320" cy="369332"/>
+          </a:xfrm>
+          <a:prstGeom prst="rect">
+            <a:avLst/>
+          </a:prstGeom>
+          <a:solidFill>
+            <a:srgbClr val="7030A0"/>
+          </a:solidFill>
+        </p:spPr>
+        <p:txBody>
+          <a:bodyPr wrap="square" rtlCol="0">
+            <a:spAutoFit/>
+          </a:bodyPr>
+          <a:lstStyle/>
+          <a:p>
+            <a:r>
+              <a:rPr lang="zh-TW" altLang="en-US" b="1" dirty="0" smtClean="0">
+                <a:solidFill>
+                  <a:schemeClr val="bg1"/>
+                </a:solidFill>
+              </a:rPr>
+              <a:t>在讀取資料時候，</a:t>
+            </a:r>
+            <a:r>
+              <a:rPr lang="en-US" altLang="zh-TW" b="1" dirty="0" smtClean="0">
+                <a:solidFill>
+                  <a:schemeClr val="bg1"/>
+                </a:solidFill>
+              </a:rPr>
+              <a:t>Thread</a:t>
+            </a:r>
+            <a:r>
+              <a:rPr lang="zh-TW" altLang="en-US" b="1" dirty="0" smtClean="0">
+                <a:solidFill>
+                  <a:schemeClr val="bg1"/>
+                </a:solidFill>
+              </a:rPr>
+              <a:t>可以繼續執行其他工作，讀完後，繼續執行</a:t>
+            </a:r>
+            <a:endParaRPr lang="zh-TW" altLang="en-US" b="1" dirty="0">
+              <a:solidFill>
+                <a:schemeClr val="bg1"/>
+              </a:solidFill>
+            </a:endParaRPr>
+          </a:p>
+        </p:txBody>
+      </p:sp>
+      <p:sp>
+        <p:nvSpPr>
+          <p:cNvPr id="13" name="文字方塊 12"/>
+          <p:cNvSpPr txBox="1"/>
+          <p:nvPr/>
+        </p:nvSpPr>
+        <p:spPr>
+          <a:xfrm>
+            <a:off x="1691680" y="1454738"/>
+            <a:ext cx="7452320" cy="369332"/>
+          </a:xfrm>
+          <a:prstGeom prst="rect">
+            <a:avLst/>
+          </a:prstGeom>
+          <a:solidFill>
+            <a:srgbClr val="7030A0"/>
+          </a:solidFill>
+        </p:spPr>
+        <p:txBody>
+          <a:bodyPr wrap="square" rtlCol="0">
+            <a:spAutoFit/>
+          </a:bodyPr>
+          <a:lstStyle/>
+          <a:p>
+            <a:r>
+              <a:rPr lang="zh-TW" altLang="en-US" b="1" dirty="0" smtClean="0">
+                <a:solidFill>
+                  <a:schemeClr val="bg1"/>
+                </a:solidFill>
+              </a:rPr>
+              <a:t>讀取資料完成後，會使用 </a:t>
+            </a:r>
+            <a:r>
+              <a:rPr lang="en-US" altLang="zh-TW" b="1" dirty="0" err="1">
+                <a:solidFill>
+                  <a:schemeClr val="bg1"/>
+                </a:solidFill>
+              </a:rPr>
+              <a:t>ReadCompletedEventHandler</a:t>
+            </a:r>
+            <a:r>
+              <a:rPr lang="zh-TW" altLang="en-US" b="1" dirty="0" smtClean="0">
+                <a:solidFill>
+                  <a:schemeClr val="bg1"/>
+                </a:solidFill>
+              </a:rPr>
+              <a:t>通知</a:t>
+            </a:r>
+            <a:endParaRPr lang="zh-TW" altLang="en-US" b="1" dirty="0">
+              <a:solidFill>
+                <a:schemeClr val="bg1"/>
+              </a:solidFill>
+            </a:endParaRPr>
+          </a:p>
+        </p:txBody>
+      </p:sp>
     </p:spTree>
     <p:extLst>
       <p:ext uri="{BB962C8B-B14F-4D97-AF65-F5344CB8AC3E}">
-        <p14:creationId xmlns:p14="http://schemas.microsoft.com/office/powerpoint/2010/main" val="2799675336"/>
+        <p14:creationId xmlns:p14="http://schemas.microsoft.com/office/powerpoint/2010/main" val="3431471828"/>
       </p:ext>
     </p:extLst>
   </p:cSld>
@@ -8347,146 +8475,98 @@
           <a:lstStyle/>
           <a:p>
             <a:r>
+              <a:rPr lang="en-US" altLang="zh-TW" sz="3200" dirty="0"/>
+              <a:t>Task Parallelism </a:t>
+            </a:r>
+            <a:r>
+              <a:rPr lang="en-US" altLang="zh-TW" sz="3200" dirty="0" smtClean="0"/>
+              <a:t/>
+            </a:r>
+            <a:br>
+              <a:rPr lang="en-US" altLang="zh-TW" sz="3200" dirty="0" smtClean="0"/>
+            </a:br>
+            <a:r>
+              <a:rPr lang="en-US" altLang="zh-TW" sz="3200" dirty="0" smtClean="0"/>
+              <a:t>(</a:t>
+            </a:r>
+            <a:r>
+              <a:rPr lang="en-US" altLang="zh-TW" sz="3200" dirty="0"/>
+              <a:t>Task Parallel </a:t>
+            </a:r>
+            <a:r>
+              <a:rPr lang="en-US" altLang="zh-TW" sz="3200" dirty="0" smtClean="0"/>
+              <a:t>Library TPL)</a:t>
+            </a:r>
+            <a:endParaRPr lang="zh-TW" altLang="en-US" sz="3200" dirty="0"/>
+          </a:p>
+        </p:txBody>
+      </p:sp>
+      <p:sp>
+        <p:nvSpPr>
+          <p:cNvPr id="3" name="內容版面配置區 2"/>
+          <p:cNvSpPr>
+            <a:spLocks noGrp="1"/>
+          </p:cNvSpPr>
+          <p:nvPr>
+            <p:ph idx="1"/>
+          </p:nvPr>
+        </p:nvSpPr>
+        <p:spPr/>
+        <p:txBody>
+          <a:bodyPr/>
+          <a:lstStyle/>
+          <a:p>
+            <a:r>
+              <a:rPr lang="zh-TW" altLang="en-US" dirty="0" smtClean="0"/>
+              <a:t>了解這些不同</a:t>
+            </a:r>
+            <a:endParaRPr lang="en-US" altLang="zh-TW" dirty="0" smtClean="0"/>
+          </a:p>
+          <a:p>
+            <a:pPr lvl="1"/>
+            <a:r>
+              <a:rPr lang="en-US" altLang="zh-TW" dirty="0" err="1" smtClean="0"/>
+              <a:t>Async</a:t>
+            </a:r>
+            <a:r>
+              <a:rPr lang="en-US" altLang="zh-TW" dirty="0" smtClean="0"/>
+              <a:t> Task</a:t>
+            </a:r>
+          </a:p>
+          <a:p>
+            <a:pPr lvl="1"/>
+            <a:r>
+              <a:rPr lang="en-US" altLang="zh-TW" dirty="0" err="1" smtClean="0"/>
+              <a:t>Async</a:t>
+            </a:r>
+            <a:r>
+              <a:rPr lang="en-US" altLang="zh-TW" dirty="0" smtClean="0"/>
+              <a:t> Task&lt;</a:t>
+            </a:r>
+            <a:r>
+              <a:rPr lang="en-US" altLang="zh-TW" dirty="0" err="1" smtClean="0"/>
+              <a:t>Tresult</a:t>
+            </a:r>
+            <a:r>
+              <a:rPr lang="en-US" altLang="zh-TW" dirty="0" smtClean="0"/>
+              <a:t>&gt;</a:t>
+            </a:r>
+          </a:p>
+          <a:p>
+            <a:pPr lvl="1"/>
+            <a:r>
+              <a:rPr lang="en-US" altLang="zh-TW" dirty="0" err="1" smtClean="0"/>
+              <a:t>Async</a:t>
+            </a:r>
+            <a:r>
               <a:rPr lang="en-US" altLang="zh-TW" dirty="0"/>
-              <a:t>Compute-bound </a:t>
+              <a:t> </a:t>
             </a:r>
             <a:r>
               <a:rPr lang="en-US" altLang="zh-TW" dirty="0" smtClean="0"/>
-              <a:t>Tasks</a:t>
+              <a:t>void</a:t>
             </a:r>
             <a:endParaRPr lang="zh-TW" altLang="en-US" dirty="0"/>
-          </a:p>
-        </p:txBody>
-      </p:sp>
-      <p:sp>
-        <p:nvSpPr>
-          <p:cNvPr id="3" name="內容版面配置區 2"/>
-          <p:cNvSpPr>
-            <a:spLocks noGrp="1"/>
-          </p:cNvSpPr>
-          <p:nvPr>
-            <p:ph idx="1"/>
-          </p:nvPr>
-        </p:nvSpPr>
-        <p:spPr/>
-        <p:txBody>
-          <a:bodyPr/>
-          <a:lstStyle/>
-          <a:p>
-            <a:r>
-              <a:rPr lang="en-US" altLang="zh-TW" sz="2400" dirty="0"/>
-              <a:t>In the .NET Framework 4, use the </a:t>
-            </a:r>
-            <a:r>
-              <a:rPr lang="en-US" altLang="zh-TW" sz="2400" dirty="0" err="1">
-                <a:hlinkClick r:id="rId2"/>
-              </a:rPr>
-              <a:t>TaskFactory.StartNew</a:t>
-            </a:r>
-            <a:r>
-              <a:rPr lang="en-US" altLang="zh-TW" sz="2400" dirty="0"/>
-              <a:t> </a:t>
-            </a:r>
-            <a:r>
-              <a:rPr lang="en-US" altLang="zh-TW" sz="2400" dirty="0" smtClean="0"/>
-              <a:t>method</a:t>
-            </a:r>
-          </a:p>
-          <a:p>
-            <a:r>
-              <a:rPr lang="en-US" altLang="zh-TW" sz="2400" dirty="0"/>
-              <a:t>In the .NET Framework 4.5, use the static </a:t>
-            </a:r>
-            <a:r>
-              <a:rPr lang="en-US" altLang="zh-TW" sz="2400" dirty="0" err="1">
-                <a:hlinkClick r:id="rId3"/>
-              </a:rPr>
-              <a:t>Task.Run</a:t>
-            </a:r>
-            <a:r>
-              <a:rPr lang="en-US" altLang="zh-TW" sz="2400" dirty="0"/>
-              <a:t> method as a shortcut to </a:t>
-            </a:r>
-            <a:r>
-              <a:rPr lang="en-US" altLang="zh-TW" sz="2400" dirty="0" err="1" smtClean="0">
-                <a:hlinkClick r:id="rId2"/>
-              </a:rPr>
-              <a:t>TaskFactory.StartNew</a:t>
-            </a:r>
-            <a:endParaRPr lang="en-US" altLang="zh-TW" sz="2400" dirty="0" smtClean="0"/>
-          </a:p>
-          <a:p>
-            <a:r>
-              <a:rPr lang="en-US" altLang="zh-TW" sz="2400" dirty="0"/>
-              <a:t>Use the constructors of the </a:t>
-            </a:r>
-            <a:r>
-              <a:rPr lang="en-US" altLang="zh-TW" sz="2400" b="1" dirty="0"/>
-              <a:t>Task</a:t>
-            </a:r>
-            <a:r>
-              <a:rPr lang="en-US" altLang="zh-TW" sz="2400" dirty="0"/>
-              <a:t> type or the </a:t>
-            </a:r>
-            <a:r>
-              <a:rPr lang="en-US" altLang="zh-TW" sz="2400" b="1" dirty="0"/>
-              <a:t>Start</a:t>
-            </a:r>
-            <a:r>
-              <a:rPr lang="en-US" altLang="zh-TW" sz="2400" dirty="0"/>
-              <a:t> method if you want to generate and schedule the task </a:t>
-            </a:r>
-            <a:r>
-              <a:rPr lang="en-US" altLang="zh-TW" sz="2400" dirty="0" smtClean="0"/>
-              <a:t>separately</a:t>
-            </a:r>
-          </a:p>
-          <a:p>
-            <a:r>
-              <a:rPr lang="en-US" altLang="zh-TW" sz="2400" dirty="0"/>
-              <a:t>Use the overloads of the </a:t>
-            </a:r>
-            <a:r>
-              <a:rPr lang="en-US" altLang="zh-TW" sz="2400" dirty="0" err="1">
-                <a:hlinkClick r:id="rId4"/>
-              </a:rPr>
-              <a:t>Task.ContinueWith</a:t>
-            </a:r>
-            <a:r>
-              <a:rPr lang="en-US" altLang="zh-TW" sz="2400" dirty="0"/>
-              <a:t> </a:t>
-            </a:r>
-            <a:r>
-              <a:rPr lang="en-US" altLang="zh-TW" sz="2400" dirty="0" smtClean="0"/>
-              <a:t>method</a:t>
-            </a:r>
-          </a:p>
-          <a:p>
-            <a:r>
-              <a:rPr lang="en-US" altLang="zh-TW" sz="2400" dirty="0"/>
-              <a:t>Use the </a:t>
-            </a:r>
-            <a:r>
-              <a:rPr lang="en-US" altLang="zh-TW" sz="2400" dirty="0" err="1">
-                <a:hlinkClick r:id="rId5"/>
-              </a:rPr>
-              <a:t>TaskFactory.ContinueWhenAll</a:t>
-            </a:r>
-            <a:r>
-              <a:rPr lang="en-US" altLang="zh-TW" sz="2400" dirty="0"/>
-              <a:t> and </a:t>
-            </a:r>
-            <a:r>
-              <a:rPr lang="en-US" altLang="zh-TW" sz="2400" dirty="0" err="1">
-                <a:hlinkClick r:id="rId6"/>
-              </a:rPr>
-              <a:t>TaskFactory.ContinueWhenAny</a:t>
-            </a:r>
-            <a:r>
-              <a:rPr lang="en-US" altLang="zh-TW" sz="2400" dirty="0"/>
-              <a:t> methods.</a:t>
-            </a:r>
-            <a:endParaRPr lang="zh-TW" altLang="en-US" sz="2400" dirty="0"/>
           </a:p>
         </p:txBody>
       </p:sp>
@@ -8516,7 +8596,7 @@
     </p:spTree>
     <p:extLst>
       <p:ext uri="{BB962C8B-B14F-4D97-AF65-F5344CB8AC3E}">
-        <p14:creationId xmlns:p14="http://schemas.microsoft.com/office/powerpoint/2010/main" val="2114530192"/>
+        <p14:creationId xmlns:p14="http://schemas.microsoft.com/office/powerpoint/2010/main" val="1132069415"/>
       </p:ext>
     </p:extLst>
   </p:cSld>
@@ -8559,10 +8639,14 @@
           <a:lstStyle/>
           <a:p>
             <a:r>
-              <a:rPr lang="en-US" altLang="zh-TW" dirty="0"/>
-              <a:t>I/O-bound Tasks</a:t>
-            </a:r>
-            <a:endParaRPr lang="zh-TW" altLang="en-US" dirty="0"/>
+              <a:rPr lang="en-US" altLang="zh-TW" sz="2800" dirty="0"/>
+              <a:t>Using the Built-in Task-based </a:t>
+            </a:r>
+            <a:r>
+              <a:rPr lang="en-US" altLang="zh-TW" sz="2800" dirty="0" err="1"/>
+              <a:t>Combinators</a:t>
+            </a:r>
+            <a:endParaRPr lang="zh-TW" altLang="en-US" sz="2800" dirty="0"/>
           </a:p>
         </p:txBody>
       </p:sp>
@@ -8582,33 +8666,33 @@
           <a:lstStyle/>
           <a:p>
             <a:r>
-              <a:rPr lang="en-US" altLang="zh-TW" dirty="0"/>
-              <a:t>use the </a:t>
-            </a:r>
-            <a:r>
-              <a:rPr lang="en-US" altLang="zh-TW" dirty="0" err="1">
-                <a:hlinkClick r:id="rId2"/>
-              </a:rPr>
-              <a:t>TaskCompletionSource</a:t>
-            </a:r>
-            <a:r>
-              <a:rPr lang="en-US" altLang="zh-TW" dirty="0">
-                <a:hlinkClick r:id="rId2"/>
-              </a:rPr>
-              <a:t>&lt;</a:t>
-            </a:r>
-            <a:r>
-              <a:rPr lang="en-US" altLang="zh-TW" dirty="0" err="1">
-                <a:hlinkClick r:id="rId2"/>
-              </a:rPr>
-              <a:t>TResult</a:t>
-            </a:r>
-            <a:r>
-              <a:rPr lang="en-US" altLang="zh-TW" dirty="0" smtClean="0">
-                <a:hlinkClick r:id="rId2"/>
-              </a:rPr>
-              <a:t>&gt;</a:t>
-            </a:r>
+              <a:rPr lang="en-US" altLang="zh-TW" dirty="0" err="1"/>
+              <a:t>Task.Run</a:t>
+            </a:r>
+            <a:endParaRPr lang="zh-TW" altLang="zh-TW" dirty="0"/>
+          </a:p>
+          <a:p>
+            <a:r>
+              <a:rPr lang="en-US" altLang="zh-TW" dirty="0" err="1"/>
+              <a:t>Task.FromResult</a:t>
+            </a:r>
+            <a:endParaRPr lang="zh-TW" altLang="zh-TW" dirty="0"/>
+          </a:p>
+          <a:p>
+            <a:r>
+              <a:rPr lang="en-US" altLang="zh-TW" dirty="0" err="1"/>
+              <a:t>Task.WhenAll</a:t>
+            </a:r>
+            <a:endParaRPr lang="zh-TW" altLang="zh-TW" dirty="0"/>
+          </a:p>
+          <a:p>
+            <a:r>
+              <a:rPr lang="en-US" altLang="zh-TW" dirty="0" err="1"/>
+              <a:t>Task.WhenAny</a:t>
+            </a:r>
+            <a:endParaRPr lang="zh-TW" altLang="zh-TW" dirty="0"/>
+          </a:p>
+          <a:p>
             <a:endParaRPr lang="zh-TW" altLang="en-US" dirty="0"/>
           </a:p>
         </p:txBody>
@@ -8639,7 +8723,7 @@
     </p:spTree>
     <p:extLst>
       <p:ext uri="{BB962C8B-B14F-4D97-AF65-F5344CB8AC3E}">
-        <p14:creationId xmlns:p14="http://schemas.microsoft.com/office/powerpoint/2010/main" val="2977334283"/>
+        <p14:creationId xmlns:p14="http://schemas.microsoft.com/office/powerpoint/2010/main" val="2799675336"/>
       </p:ext>
     </p:extLst>
   </p:cSld>
@@ -8682,22 +8766,146 @@
           <a:lstStyle/>
           <a:p>
             <a:r>
-              <a:rPr lang="zh-TW" altLang="en-US" dirty="0" smtClean="0"/>
-              <a:t>製作自己的</a:t>
+              <a:rPr lang="en-US" altLang="zh-TW" dirty="0"/>
+              <a:t>Compute-bound </a:t>
             </a:r>
             <a:r>
               <a:rPr lang="en-US" altLang="zh-TW" dirty="0" smtClean="0"/>
-              <a:t>TAP</a:t>
-            </a:r>
-            <a:r>
-              <a:rPr lang="zh-TW" altLang="en-US" dirty="0" smtClean="0"/>
-              <a:t>  </a:t>
-            </a:r>
-            <a:r>
-              <a:rPr lang="en-US" altLang="zh-TW" dirty="0" smtClean="0"/>
-              <a:t>I/O Bound</a:t>
+              <a:t>Tasks</a:t>
             </a:r>
             <a:endParaRPr lang="zh-TW" altLang="en-US" dirty="0"/>
+          </a:p>
+        </p:txBody>
+      </p:sp>
+      <p:sp>
+        <p:nvSpPr>
+          <p:cNvPr id="3" name="內容版面配置區 2"/>
+          <p:cNvSpPr>
+            <a:spLocks noGrp="1"/>
+          </p:cNvSpPr>
+          <p:nvPr>
+            <p:ph idx="1"/>
+          </p:nvPr>
+        </p:nvSpPr>
+        <p:spPr/>
+        <p:txBody>
+          <a:bodyPr/>
+          <a:lstStyle/>
+          <a:p>
+            <a:r>
+              <a:rPr lang="en-US" altLang="zh-TW" sz="2400" dirty="0"/>
+              <a:t>In the .NET Framework 4, use the </a:t>
+            </a:r>
+            <a:r>
+              <a:rPr lang="en-US" altLang="zh-TW" sz="2400" dirty="0" err="1">
+                <a:hlinkClick r:id="rId2"/>
+              </a:rPr>
+              <a:t>TaskFactory.StartNew</a:t>
+            </a:r>
+            <a:r>
+              <a:rPr lang="en-US" altLang="zh-TW" sz="2400" dirty="0"/>
+              <a:t> </a:t>
+            </a:r>
+            <a:r>
+              <a:rPr lang="en-US" altLang="zh-TW" sz="2400" dirty="0" smtClean="0"/>
+              <a:t>method</a:t>
+            </a:r>
+          </a:p>
+          <a:p>
+            <a:r>
+              <a:rPr lang="en-US" altLang="zh-TW" sz="2400" dirty="0"/>
+              <a:t>In the .NET Framework 4.5, use the static </a:t>
+            </a:r>
+            <a:r>
+              <a:rPr lang="en-US" altLang="zh-TW" sz="2400" dirty="0" err="1">
+                <a:hlinkClick r:id="rId3"/>
+              </a:rPr>
+              <a:t>Task.Run</a:t>
+            </a:r>
+            <a:r>
+              <a:rPr lang="en-US" altLang="zh-TW" sz="2400" dirty="0"/>
+              <a:t> method as a shortcut to </a:t>
+            </a:r>
+            <a:r>
+              <a:rPr lang="en-US" altLang="zh-TW" sz="2400" dirty="0" err="1" smtClean="0">
+                <a:hlinkClick r:id="rId2"/>
+              </a:rPr>
+              <a:t>TaskFactory.StartNew</a:t>
+            </a:r>
+            <a:endParaRPr lang="en-US" altLang="zh-TW" sz="2400" dirty="0" smtClean="0"/>
+          </a:p>
+          <a:p>
+            <a:r>
+              <a:rPr lang="en-US" altLang="zh-TW" sz="2400" dirty="0"/>
+              <a:t>Use the constructors of the </a:t>
+            </a:r>
+            <a:r>
+              <a:rPr lang="en-US" altLang="zh-TW" sz="2400" b="1" dirty="0"/>
+              <a:t>Task</a:t>
+            </a:r>
+            <a:r>
+              <a:rPr lang="en-US" altLang="zh-TW" sz="2400" dirty="0"/>
+              <a:t> type or the </a:t>
+            </a:r>
+            <a:r>
+              <a:rPr lang="en-US" altLang="zh-TW" sz="2400" b="1" dirty="0"/>
+              <a:t>Start</a:t>
+            </a:r>
+            <a:r>
+              <a:rPr lang="en-US" altLang="zh-TW" sz="2400" dirty="0"/>
+              <a:t> method if you want to generate and schedule the task </a:t>
+            </a:r>
+            <a:r>
+              <a:rPr lang="en-US" altLang="zh-TW" sz="2400" dirty="0" smtClean="0"/>
+              <a:t>separately</a:t>
+            </a:r>
+          </a:p>
+          <a:p>
+            <a:r>
+              <a:rPr lang="en-US" altLang="zh-TW" sz="2400" dirty="0"/>
+              <a:t>Use the overloads of the </a:t>
+            </a:r>
+            <a:r>
+              <a:rPr lang="en-US" altLang="zh-TW" sz="2400" dirty="0" err="1">
+                <a:hlinkClick r:id="rId4"/>
+              </a:rPr>
+              <a:t>Task.ContinueWith</a:t>
+            </a:r>
+            <a:r>
+              <a:rPr lang="en-US" altLang="zh-TW" sz="2400" dirty="0"/>
+              <a:t> </a:t>
+            </a:r>
+            <a:r>
+              <a:rPr lang="en-US" altLang="zh-TW" sz="2400" dirty="0" smtClean="0"/>
+              <a:t>method</a:t>
+            </a:r>
+          </a:p>
+          <a:p>
+            <a:r>
+              <a:rPr lang="en-US" altLang="zh-TW" sz="2400" dirty="0"/>
+              <a:t>Use the </a:t>
+            </a:r>
+            <a:r>
+              <a:rPr lang="en-US" altLang="zh-TW" sz="2400" dirty="0" err="1">
+                <a:hlinkClick r:id="rId5"/>
+              </a:rPr>
+              <a:t>TaskFactory.ContinueWhenAll</a:t>
+            </a:r>
+            <a:r>
+              <a:rPr lang="en-US" altLang="zh-TW" sz="2400" dirty="0"/>
+              <a:t> and </a:t>
+            </a:r>
+            <a:r>
+              <a:rPr lang="en-US" altLang="zh-TW" sz="2400" dirty="0" err="1">
+                <a:hlinkClick r:id="rId6"/>
+              </a:rPr>
+              <a:t>TaskFactory.ContinueWhenAny</a:t>
+            </a:r>
+            <a:r>
+              <a:rPr lang="en-US" altLang="zh-TW" sz="2400" dirty="0"/>
+              <a:t> methods.</a:t>
+            </a:r>
+            <a:endParaRPr lang="zh-TW" altLang="en-US" sz="2400" dirty="0"/>
           </a:p>
         </p:txBody>
       </p:sp>
@@ -8724,297 +8932,10 @@
           </a:p>
         </p:txBody>
       </p:sp>
-      <p:sp>
-        <p:nvSpPr>
-          <p:cNvPr id="8" name="文字方塊 7"/>
-          <p:cNvSpPr txBox="1"/>
-          <p:nvPr/>
-        </p:nvSpPr>
-        <p:spPr>
-          <a:xfrm>
-            <a:off x="797346" y="2013124"/>
-            <a:ext cx="7555658" cy="3139321"/>
-          </a:xfrm>
-          <a:prstGeom prst="rect">
-            <a:avLst/>
-          </a:prstGeom>
-          <a:solidFill>
-            <a:schemeClr val="bg1">
-              <a:lumMod val="85000"/>
-            </a:schemeClr>
-          </a:solidFill>
-        </p:spPr>
-        <p:txBody>
-          <a:bodyPr wrap="none" rtlCol="0">
-            <a:spAutoFit/>
-          </a:bodyPr>
-          <a:lstStyle/>
-          <a:p>
-            <a:r>
-              <a:rPr lang="en-US" altLang="zh-TW" dirty="0"/>
-              <a:t> public static </a:t>
-            </a:r>
-            <a:r>
-              <a:rPr lang="en-US" altLang="zh-TW" b="1" dirty="0">
-                <a:solidFill>
-                  <a:srgbClr val="FF0000"/>
-                </a:solidFill>
-              </a:rPr>
-              <a:t>Task&lt;</a:t>
-            </a:r>
-            <a:r>
-              <a:rPr lang="en-US" altLang="zh-TW" b="1" dirty="0" err="1">
-                <a:solidFill>
-                  <a:srgbClr val="FF0000"/>
-                </a:solidFill>
-              </a:rPr>
-              <a:t>int</a:t>
-            </a:r>
-            <a:r>
-              <a:rPr lang="en-US" altLang="zh-TW" b="1" dirty="0">
-                <a:solidFill>
-                  <a:srgbClr val="FF0000"/>
-                </a:solidFill>
-              </a:rPr>
-              <a:t>&gt;</a:t>
-            </a:r>
-            <a:r>
-              <a:rPr lang="en-US" altLang="zh-TW" dirty="0"/>
-              <a:t> </a:t>
-            </a:r>
-            <a:r>
-              <a:rPr lang="en-US" altLang="zh-TW" dirty="0" err="1"/>
-              <a:t>ReadTask</a:t>
-            </a:r>
-            <a:r>
-              <a:rPr lang="en-US" altLang="zh-TW" dirty="0"/>
-              <a:t>(this Stream </a:t>
-            </a:r>
-            <a:r>
-              <a:rPr lang="en-US" altLang="zh-TW" dirty="0" err="1"/>
-              <a:t>stream</a:t>
-            </a:r>
-            <a:r>
-              <a:rPr lang="en-US" altLang="zh-TW" dirty="0"/>
-              <a:t>, </a:t>
-            </a:r>
-            <a:endParaRPr lang="en-US" altLang="zh-TW" dirty="0" smtClean="0"/>
-          </a:p>
-          <a:p>
-            <a:r>
-              <a:rPr lang="en-US" altLang="zh-TW" dirty="0"/>
-              <a:t> </a:t>
-            </a:r>
-            <a:r>
-              <a:rPr lang="en-US" altLang="zh-TW" dirty="0" smtClean="0"/>
-              <a:t>                      byte</a:t>
-            </a:r>
-            <a:r>
-              <a:rPr lang="en-US" altLang="zh-TW" dirty="0"/>
-              <a:t>[] buffer, </a:t>
-            </a:r>
-            <a:r>
-              <a:rPr lang="en-US" altLang="zh-TW" dirty="0" err="1"/>
-              <a:t>int</a:t>
-            </a:r>
-            <a:r>
-              <a:rPr lang="en-US" altLang="zh-TW" dirty="0"/>
-              <a:t> offset, </a:t>
-            </a:r>
-            <a:r>
-              <a:rPr lang="en-US" altLang="zh-TW" dirty="0" err="1"/>
-              <a:t>int</a:t>
-            </a:r>
-            <a:r>
-              <a:rPr lang="en-US" altLang="zh-TW" dirty="0"/>
-              <a:t> count, object state)</a:t>
-            </a:r>
-          </a:p>
-          <a:p>
-            <a:r>
-              <a:rPr lang="zh-TW" altLang="en-US" dirty="0"/>
-              <a:t>    </a:t>
-            </a:r>
-            <a:r>
-              <a:rPr lang="en-US" altLang="zh-TW" dirty="0"/>
-              <a:t>{</a:t>
-            </a:r>
-          </a:p>
-          <a:p>
-            <a:r>
-              <a:rPr lang="en-US" altLang="zh-TW" dirty="0"/>
-              <a:t>        </a:t>
-            </a:r>
-            <a:r>
-              <a:rPr lang="en-US" altLang="zh-TW" dirty="0" err="1"/>
-              <a:t>var</a:t>
-            </a:r>
-            <a:r>
-              <a:rPr lang="en-US" altLang="zh-TW" dirty="0"/>
-              <a:t> </a:t>
-            </a:r>
-            <a:r>
-              <a:rPr lang="en-US" altLang="zh-TW" dirty="0" err="1"/>
-              <a:t>tcs</a:t>
-            </a:r>
-            <a:r>
-              <a:rPr lang="en-US" altLang="zh-TW" dirty="0"/>
-              <a:t> = new </a:t>
-            </a:r>
-            <a:r>
-              <a:rPr lang="en-US" altLang="zh-TW" dirty="0" err="1"/>
-              <a:t>TaskCompletionSource</a:t>
-            </a:r>
-            <a:r>
-              <a:rPr lang="en-US" altLang="zh-TW" dirty="0"/>
-              <a:t>&lt;</a:t>
-            </a:r>
-            <a:r>
-              <a:rPr lang="en-US" altLang="zh-TW" dirty="0" err="1"/>
-              <a:t>int</a:t>
-            </a:r>
-            <a:r>
-              <a:rPr lang="en-US" altLang="zh-TW" dirty="0"/>
-              <a:t>&gt;();</a:t>
-            </a:r>
-          </a:p>
-          <a:p>
-            <a:r>
-              <a:rPr lang="en-US" altLang="zh-TW" dirty="0"/>
-              <a:t>        </a:t>
-            </a:r>
-            <a:r>
-              <a:rPr lang="en-US" altLang="zh-TW" dirty="0" err="1"/>
-              <a:t>stream.BeginRead</a:t>
-            </a:r>
-            <a:r>
-              <a:rPr lang="en-US" altLang="zh-TW" dirty="0"/>
-              <a:t>(buffer, offset, count, </a:t>
-            </a:r>
-            <a:r>
-              <a:rPr lang="en-US" altLang="zh-TW" dirty="0" err="1"/>
-              <a:t>ar</a:t>
-            </a:r>
-            <a:r>
-              <a:rPr lang="en-US" altLang="zh-TW" dirty="0"/>
-              <a:t> =&gt;</a:t>
-            </a:r>
-          </a:p>
-          <a:p>
-            <a:r>
-              <a:rPr lang="zh-TW" altLang="en-US" dirty="0"/>
-              <a:t>        </a:t>
-            </a:r>
-            <a:r>
-              <a:rPr lang="en-US" altLang="zh-TW" dirty="0"/>
-              <a:t>{</a:t>
-            </a:r>
-          </a:p>
-          <a:p>
-            <a:r>
-              <a:rPr lang="en-US" altLang="zh-TW" dirty="0"/>
-              <a:t>            try { </a:t>
-            </a:r>
-            <a:r>
-              <a:rPr lang="en-US" altLang="zh-TW" b="1" dirty="0" err="1">
-                <a:solidFill>
-                  <a:srgbClr val="FF0000"/>
-                </a:solidFill>
-              </a:rPr>
-              <a:t>tcs.SetResult</a:t>
-            </a:r>
-            <a:r>
-              <a:rPr lang="en-US" altLang="zh-TW" dirty="0"/>
-              <a:t>(</a:t>
-            </a:r>
-            <a:r>
-              <a:rPr lang="en-US" altLang="zh-TW" dirty="0" err="1"/>
-              <a:t>stream.EndRead</a:t>
-            </a:r>
-            <a:r>
-              <a:rPr lang="en-US" altLang="zh-TW" dirty="0"/>
-              <a:t>(</a:t>
-            </a:r>
-            <a:r>
-              <a:rPr lang="en-US" altLang="zh-TW" dirty="0" err="1"/>
-              <a:t>ar</a:t>
-            </a:r>
-            <a:r>
-              <a:rPr lang="en-US" altLang="zh-TW" dirty="0"/>
-              <a:t>)); }</a:t>
-            </a:r>
-          </a:p>
-          <a:p>
-            <a:r>
-              <a:rPr lang="en-US" altLang="zh-TW" dirty="0"/>
-              <a:t>            catch (Exception </a:t>
-            </a:r>
-            <a:r>
-              <a:rPr lang="en-US" altLang="zh-TW" dirty="0" err="1"/>
-              <a:t>exc</a:t>
-            </a:r>
-            <a:r>
-              <a:rPr lang="en-US" altLang="zh-TW" dirty="0"/>
-              <a:t>) { </a:t>
-            </a:r>
-            <a:r>
-              <a:rPr lang="en-US" altLang="zh-TW" dirty="0" err="1"/>
-              <a:t>tcs.SetException</a:t>
-            </a:r>
-            <a:r>
-              <a:rPr lang="en-US" altLang="zh-TW" dirty="0"/>
-              <a:t>(</a:t>
-            </a:r>
-            <a:r>
-              <a:rPr lang="en-US" altLang="zh-TW" dirty="0" err="1"/>
-              <a:t>exc</a:t>
-            </a:r>
-            <a:r>
-              <a:rPr lang="en-US" altLang="zh-TW" dirty="0"/>
-              <a:t>); }</a:t>
-            </a:r>
-          </a:p>
-          <a:p>
-            <a:r>
-              <a:rPr lang="en-US" altLang="zh-TW" dirty="0"/>
-              <a:t>        }, state);</a:t>
-            </a:r>
-          </a:p>
-          <a:p>
-            <a:r>
-              <a:rPr lang="en-US" altLang="zh-TW" dirty="0"/>
-              <a:t>        return </a:t>
-            </a:r>
-            <a:r>
-              <a:rPr lang="en-US" altLang="zh-TW" b="1" dirty="0" err="1">
-                <a:solidFill>
-                  <a:srgbClr val="FF0000"/>
-                </a:solidFill>
-              </a:rPr>
-              <a:t>tcs.Task</a:t>
-            </a:r>
-            <a:r>
-              <a:rPr lang="en-US" altLang="zh-TW" dirty="0"/>
-              <a:t>;</a:t>
-            </a:r>
-          </a:p>
-          <a:p>
-            <a:r>
-              <a:rPr lang="zh-TW" altLang="en-US" dirty="0"/>
-              <a:t>    </a:t>
-            </a:r>
-            <a:r>
-              <a:rPr lang="en-US" altLang="zh-TW" dirty="0"/>
-              <a:t>}</a:t>
-            </a:r>
-            <a:endParaRPr lang="zh-TW" altLang="en-US" b="1" dirty="0"/>
-          </a:p>
-        </p:txBody>
-      </p:sp>
     </p:spTree>
     <p:extLst>
       <p:ext uri="{BB962C8B-B14F-4D97-AF65-F5344CB8AC3E}">
-        <p14:creationId xmlns:p14="http://schemas.microsoft.com/office/powerpoint/2010/main" val="3991971601"/>
+        <p14:creationId xmlns:p14="http://schemas.microsoft.com/office/powerpoint/2010/main" val="2114530192"/>
       </p:ext>
     </p:extLst>
   </p:cSld>
@@ -9057,18 +8978,10 @@
           <a:lstStyle/>
           <a:p>
             <a:r>
-              <a:rPr lang="en-US" altLang="zh-TW" sz="3600" dirty="0"/>
-              <a:t>What does </a:t>
-            </a:r>
-            <a:r>
-              <a:rPr lang="en-US" altLang="zh-TW" sz="3600" dirty="0" err="1"/>
-              <a:t>async</a:t>
-            </a:r>
-            <a:r>
-              <a:rPr lang="en-US" altLang="zh-TW" sz="3600" dirty="0"/>
-              <a:t> &amp; await generate?</a:t>
-            </a:r>
-            <a:endParaRPr lang="zh-TW" altLang="en-US" sz="3600" dirty="0"/>
+              <a:rPr lang="en-US" altLang="zh-TW" dirty="0"/>
+              <a:t>I/O-bound Tasks</a:t>
+            </a:r>
+            <a:endParaRPr lang="zh-TW" altLang="en-US" dirty="0"/>
           </a:p>
         </p:txBody>
       </p:sp>
@@ -9089,7 +9002,31 @@
           <a:p>
             <a:r>
               <a:rPr lang="en-US" altLang="zh-TW" dirty="0"/>
-              <a:t>http://www.filipekberg.se/2013/01/16/what-does-async-await-generate/</a:t>
+              <a:t>use the </a:t>
+            </a:r>
+            <a:r>
+              <a:rPr lang="en-US" altLang="zh-TW" dirty="0" err="1">
+                <a:hlinkClick r:id="rId2"/>
+              </a:rPr>
+              <a:t>TaskCompletionSource</a:t>
+            </a:r>
+            <a:r>
+              <a:rPr lang="en-US" altLang="zh-TW" dirty="0">
+                <a:hlinkClick r:id="rId2"/>
+              </a:rPr>
+              <a:t>&lt;</a:t>
+            </a:r>
+            <a:r>
+              <a:rPr lang="en-US" altLang="zh-TW" dirty="0" err="1">
+                <a:hlinkClick r:id="rId2"/>
+              </a:rPr>
+              <a:t>TResult</a:t>
+            </a:r>
+            <a:r>
+              <a:rPr lang="en-US" altLang="zh-TW" dirty="0" smtClean="0">
+                <a:hlinkClick r:id="rId2"/>
+              </a:rPr>
+              <a:t>&gt;</a:t>
             </a:r>
             <a:endParaRPr lang="zh-TW" altLang="en-US" dirty="0"/>
           </a:p>
@@ -9121,7 +9058,7 @@
     </p:spTree>
     <p:extLst>
       <p:ext uri="{BB962C8B-B14F-4D97-AF65-F5344CB8AC3E}">
-        <p14:creationId xmlns:p14="http://schemas.microsoft.com/office/powerpoint/2010/main" val="2521170528"/>
+        <p14:creationId xmlns:p14="http://schemas.microsoft.com/office/powerpoint/2010/main" val="2977334283"/>
       </p:ext>
     </p:extLst>
   </p:cSld>
@@ -9164,65 +9101,20 @@
           <a:lstStyle/>
           <a:p>
             <a:r>
-              <a:rPr lang="en-US" altLang="zh-TW" sz="3200" dirty="0"/>
-              <a:t>Data Parallelism (Task Parallel Library)</a:t>
-            </a:r>
-            <a:endParaRPr lang="zh-TW" altLang="en-US" sz="3200" dirty="0"/>
-          </a:p>
-        </p:txBody>
-      </p:sp>
-      <p:sp>
-        <p:nvSpPr>
-          <p:cNvPr id="3" name="內容版面配置區 2"/>
-          <p:cNvSpPr>
-            <a:spLocks noGrp="1"/>
-          </p:cNvSpPr>
-          <p:nvPr>
-            <p:ph idx="1"/>
-          </p:nvPr>
-        </p:nvSpPr>
-        <p:spPr/>
-        <p:txBody>
-          <a:bodyPr/>
-          <a:lstStyle/>
-          <a:p>
-            <a:r>
-              <a:rPr lang="en-US" altLang="zh-TW" i="1" dirty="0"/>
-              <a:t>Data parallelism</a:t>
-            </a:r>
-            <a:r>
-              <a:rPr lang="en-US" altLang="zh-TW" dirty="0"/>
-              <a:t> refers to scenarios in which the same operation is performed concurrently (that is, in parallel) on elements in a source collection or </a:t>
+              <a:rPr lang="zh-TW" altLang="en-US" dirty="0" smtClean="0"/>
+              <a:t>製作自己的</a:t>
             </a:r>
             <a:r>
               <a:rPr lang="en-US" altLang="zh-TW" dirty="0" smtClean="0"/>
-              <a:t>array</a:t>
-            </a:r>
-          </a:p>
-          <a:p>
-            <a:r>
-              <a:rPr lang="en-US" altLang="zh-TW" dirty="0"/>
-              <a:t>The Task Parallel Library (TPL) is a set of public types and APIs in the </a:t>
-            </a:r>
-            <a:r>
-              <a:rPr lang="en-US" altLang="zh-TW" dirty="0" err="1">
-                <a:hlinkClick r:id="rId2"/>
-              </a:rPr>
-              <a:t>System.Threading</a:t>
-            </a:r>
-            <a:r>
-              <a:rPr lang="en-US" altLang="zh-TW" dirty="0"/>
-              <a:t> and </a:t>
-            </a:r>
-            <a:r>
-              <a:rPr lang="en-US" altLang="zh-TW" dirty="0" err="1">
-                <a:hlinkClick r:id="rId3"/>
-              </a:rPr>
-              <a:t>System.Threading.Tasks</a:t>
-            </a:r>
-            <a:r>
-              <a:rPr lang="en-US" altLang="zh-TW" dirty="0"/>
-              <a:t> namespaces in the .NET Framework 4</a:t>
+              <a:t>TAP</a:t>
+            </a:r>
+            <a:r>
+              <a:rPr lang="zh-TW" altLang="en-US" dirty="0" smtClean="0"/>
+              <a:t>  </a:t>
+            </a:r>
+            <a:r>
+              <a:rPr lang="en-US" altLang="zh-TW" dirty="0" smtClean="0"/>
+              <a:t>I/O Bound</a:t>
             </a:r>
             <a:endParaRPr lang="zh-TW" altLang="en-US" dirty="0"/>
           </a:p>
@@ -9251,10 +9143,297 @@
           </a:p>
         </p:txBody>
       </p:sp>
+      <p:sp>
+        <p:nvSpPr>
+          <p:cNvPr id="8" name="文字方塊 7"/>
+          <p:cNvSpPr txBox="1"/>
+          <p:nvPr/>
+        </p:nvSpPr>
+        <p:spPr>
+          <a:xfrm>
+            <a:off x="797346" y="2013124"/>
+            <a:ext cx="7555658" cy="3139321"/>
+          </a:xfrm>
+          <a:prstGeom prst="rect">
+            <a:avLst/>
+          </a:prstGeom>
+          <a:solidFill>
+            <a:schemeClr val="bg1">
+              <a:lumMod val="85000"/>
+            </a:schemeClr>
+          </a:solidFill>
+        </p:spPr>
+        <p:txBody>
+          <a:bodyPr wrap="none" rtlCol="0">
+            <a:spAutoFit/>
+          </a:bodyPr>
+          <a:lstStyle/>
+          <a:p>
+            <a:r>
+              <a:rPr lang="en-US" altLang="zh-TW" dirty="0"/>
+              <a:t> public static </a:t>
+            </a:r>
+            <a:r>
+              <a:rPr lang="en-US" altLang="zh-TW" b="1" dirty="0">
+                <a:solidFill>
+                  <a:srgbClr val="FF0000"/>
+                </a:solidFill>
+              </a:rPr>
+              <a:t>Task&lt;</a:t>
+            </a:r>
+            <a:r>
+              <a:rPr lang="en-US" altLang="zh-TW" b="1" dirty="0" err="1">
+                <a:solidFill>
+                  <a:srgbClr val="FF0000"/>
+                </a:solidFill>
+              </a:rPr>
+              <a:t>int</a:t>
+            </a:r>
+            <a:r>
+              <a:rPr lang="en-US" altLang="zh-TW" b="1" dirty="0">
+                <a:solidFill>
+                  <a:srgbClr val="FF0000"/>
+                </a:solidFill>
+              </a:rPr>
+              <a:t>&gt;</a:t>
+            </a:r>
+            <a:r>
+              <a:rPr lang="en-US" altLang="zh-TW" dirty="0"/>
+              <a:t> </a:t>
+            </a:r>
+            <a:r>
+              <a:rPr lang="en-US" altLang="zh-TW" dirty="0" err="1"/>
+              <a:t>ReadTask</a:t>
+            </a:r>
+            <a:r>
+              <a:rPr lang="en-US" altLang="zh-TW" dirty="0"/>
+              <a:t>(this Stream </a:t>
+            </a:r>
+            <a:r>
+              <a:rPr lang="en-US" altLang="zh-TW" dirty="0" err="1"/>
+              <a:t>stream</a:t>
+            </a:r>
+            <a:r>
+              <a:rPr lang="en-US" altLang="zh-TW" dirty="0"/>
+              <a:t>, </a:t>
+            </a:r>
+            <a:endParaRPr lang="en-US" altLang="zh-TW" dirty="0" smtClean="0"/>
+          </a:p>
+          <a:p>
+            <a:r>
+              <a:rPr lang="en-US" altLang="zh-TW" dirty="0"/>
+              <a:t> </a:t>
+            </a:r>
+            <a:r>
+              <a:rPr lang="en-US" altLang="zh-TW" dirty="0" smtClean="0"/>
+              <a:t>                      byte</a:t>
+            </a:r>
+            <a:r>
+              <a:rPr lang="en-US" altLang="zh-TW" dirty="0"/>
+              <a:t>[] buffer, </a:t>
+            </a:r>
+            <a:r>
+              <a:rPr lang="en-US" altLang="zh-TW" dirty="0" err="1"/>
+              <a:t>int</a:t>
+            </a:r>
+            <a:r>
+              <a:rPr lang="en-US" altLang="zh-TW" dirty="0"/>
+              <a:t> offset, </a:t>
+            </a:r>
+            <a:r>
+              <a:rPr lang="en-US" altLang="zh-TW" dirty="0" err="1"/>
+              <a:t>int</a:t>
+            </a:r>
+            <a:r>
+              <a:rPr lang="en-US" altLang="zh-TW" dirty="0"/>
+              <a:t> count, object state)</a:t>
+            </a:r>
+          </a:p>
+          <a:p>
+            <a:r>
+              <a:rPr lang="zh-TW" altLang="en-US" dirty="0"/>
+              <a:t>    </a:t>
+            </a:r>
+            <a:r>
+              <a:rPr lang="en-US" altLang="zh-TW" dirty="0"/>
+              <a:t>{</a:t>
+            </a:r>
+          </a:p>
+          <a:p>
+            <a:r>
+              <a:rPr lang="en-US" altLang="zh-TW" dirty="0"/>
+              <a:t>        </a:t>
+            </a:r>
+            <a:r>
+              <a:rPr lang="en-US" altLang="zh-TW" dirty="0" err="1"/>
+              <a:t>var</a:t>
+            </a:r>
+            <a:r>
+              <a:rPr lang="en-US" altLang="zh-TW" dirty="0"/>
+              <a:t> </a:t>
+            </a:r>
+            <a:r>
+              <a:rPr lang="en-US" altLang="zh-TW" dirty="0" err="1"/>
+              <a:t>tcs</a:t>
+            </a:r>
+            <a:r>
+              <a:rPr lang="en-US" altLang="zh-TW" dirty="0"/>
+              <a:t> = new </a:t>
+            </a:r>
+            <a:r>
+              <a:rPr lang="en-US" altLang="zh-TW" dirty="0" err="1"/>
+              <a:t>TaskCompletionSource</a:t>
+            </a:r>
+            <a:r>
+              <a:rPr lang="en-US" altLang="zh-TW" dirty="0"/>
+              <a:t>&lt;</a:t>
+            </a:r>
+            <a:r>
+              <a:rPr lang="en-US" altLang="zh-TW" dirty="0" err="1"/>
+              <a:t>int</a:t>
+            </a:r>
+            <a:r>
+              <a:rPr lang="en-US" altLang="zh-TW" dirty="0"/>
+              <a:t>&gt;();</a:t>
+            </a:r>
+          </a:p>
+          <a:p>
+            <a:r>
+              <a:rPr lang="en-US" altLang="zh-TW" dirty="0"/>
+              <a:t>        </a:t>
+            </a:r>
+            <a:r>
+              <a:rPr lang="en-US" altLang="zh-TW" dirty="0" err="1"/>
+              <a:t>stream.BeginRead</a:t>
+            </a:r>
+            <a:r>
+              <a:rPr lang="en-US" altLang="zh-TW" dirty="0"/>
+              <a:t>(buffer, offset, count, </a:t>
+            </a:r>
+            <a:r>
+              <a:rPr lang="en-US" altLang="zh-TW" dirty="0" err="1"/>
+              <a:t>ar</a:t>
+            </a:r>
+            <a:r>
+              <a:rPr lang="en-US" altLang="zh-TW" dirty="0"/>
+              <a:t> =&gt;</a:t>
+            </a:r>
+          </a:p>
+          <a:p>
+            <a:r>
+              <a:rPr lang="zh-TW" altLang="en-US" dirty="0"/>
+              <a:t>        </a:t>
+            </a:r>
+            <a:r>
+              <a:rPr lang="en-US" altLang="zh-TW" dirty="0"/>
+              <a:t>{</a:t>
+            </a:r>
+          </a:p>
+          <a:p>
+            <a:r>
+              <a:rPr lang="en-US" altLang="zh-TW" dirty="0"/>
+              <a:t>            try { </a:t>
+            </a:r>
+            <a:r>
+              <a:rPr lang="en-US" altLang="zh-TW" b="1" dirty="0" err="1">
+                <a:solidFill>
+                  <a:srgbClr val="FF0000"/>
+                </a:solidFill>
+              </a:rPr>
+              <a:t>tcs.SetResult</a:t>
+            </a:r>
+            <a:r>
+              <a:rPr lang="en-US" altLang="zh-TW" dirty="0"/>
+              <a:t>(</a:t>
+            </a:r>
+            <a:r>
+              <a:rPr lang="en-US" altLang="zh-TW" dirty="0" err="1"/>
+              <a:t>stream.EndRead</a:t>
+            </a:r>
+            <a:r>
+              <a:rPr lang="en-US" altLang="zh-TW" dirty="0"/>
+              <a:t>(</a:t>
+            </a:r>
+            <a:r>
+              <a:rPr lang="en-US" altLang="zh-TW" dirty="0" err="1"/>
+              <a:t>ar</a:t>
+            </a:r>
+            <a:r>
+              <a:rPr lang="en-US" altLang="zh-TW" dirty="0"/>
+              <a:t>)); }</a:t>
+            </a:r>
+          </a:p>
+          <a:p>
+            <a:r>
+              <a:rPr lang="en-US" altLang="zh-TW" dirty="0"/>
+              <a:t>            catch (Exception </a:t>
+            </a:r>
+            <a:r>
+              <a:rPr lang="en-US" altLang="zh-TW" dirty="0" err="1"/>
+              <a:t>exc</a:t>
+            </a:r>
+            <a:r>
+              <a:rPr lang="en-US" altLang="zh-TW" dirty="0"/>
+              <a:t>) { </a:t>
+            </a:r>
+            <a:r>
+              <a:rPr lang="en-US" altLang="zh-TW" dirty="0" err="1"/>
+              <a:t>tcs.SetException</a:t>
+            </a:r>
+            <a:r>
+              <a:rPr lang="en-US" altLang="zh-TW" dirty="0"/>
+              <a:t>(</a:t>
+            </a:r>
+            <a:r>
+              <a:rPr lang="en-US" altLang="zh-TW" dirty="0" err="1"/>
+              <a:t>exc</a:t>
+            </a:r>
+            <a:r>
+              <a:rPr lang="en-US" altLang="zh-TW" dirty="0"/>
+              <a:t>); }</a:t>
+            </a:r>
+          </a:p>
+          <a:p>
+            <a:r>
+              <a:rPr lang="en-US" altLang="zh-TW" dirty="0"/>
+              <a:t>        }, state);</a:t>
+            </a:r>
+          </a:p>
+          <a:p>
+            <a:r>
+              <a:rPr lang="en-US" altLang="zh-TW" dirty="0"/>
+              <a:t>        return </a:t>
+            </a:r>
+            <a:r>
+              <a:rPr lang="en-US" altLang="zh-TW" b="1" dirty="0" err="1">
+                <a:solidFill>
+                  <a:srgbClr val="FF0000"/>
+                </a:solidFill>
+              </a:rPr>
+              <a:t>tcs.Task</a:t>
+            </a:r>
+            <a:r>
+              <a:rPr lang="en-US" altLang="zh-TW" dirty="0"/>
+              <a:t>;</a:t>
+            </a:r>
+          </a:p>
+          <a:p>
+            <a:r>
+              <a:rPr lang="zh-TW" altLang="en-US" dirty="0"/>
+              <a:t>    </a:t>
+            </a:r>
+            <a:r>
+              <a:rPr lang="en-US" altLang="zh-TW" dirty="0"/>
+              <a:t>}</a:t>
+            </a:r>
+            <a:endParaRPr lang="zh-TW" altLang="en-US" b="1" dirty="0"/>
+          </a:p>
+        </p:txBody>
+      </p:sp>
     </p:spTree>
     <p:extLst>
       <p:ext uri="{BB962C8B-B14F-4D97-AF65-F5344CB8AC3E}">
-        <p14:creationId xmlns:p14="http://schemas.microsoft.com/office/powerpoint/2010/main" val="3910101380"/>
+        <p14:creationId xmlns:p14="http://schemas.microsoft.com/office/powerpoint/2010/main" val="3991971601"/>
       </p:ext>
     </p:extLst>
   </p:cSld>
@@ -9297,10 +9476,41 @@
           <a:lstStyle/>
           <a:p>
             <a:r>
-              <a:rPr lang="en-US" altLang="zh-TW" sz="3200" dirty="0"/>
-              <a:t>parallel programming architecture in the .NET Framework 4.</a:t>
-            </a:r>
-            <a:endParaRPr lang="zh-TW" altLang="en-US" sz="3200" dirty="0"/>
+              <a:rPr lang="en-US" altLang="zh-TW" sz="3600" dirty="0"/>
+              <a:t>What does </a:t>
+            </a:r>
+            <a:r>
+              <a:rPr lang="en-US" altLang="zh-TW" sz="3600" dirty="0" err="1"/>
+              <a:t>async</a:t>
+            </a:r>
+            <a:r>
+              <a:rPr lang="en-US" altLang="zh-TW" sz="3600" dirty="0"/>
+              <a:t> &amp; await generate?</a:t>
+            </a:r>
+            <a:endParaRPr lang="zh-TW" altLang="en-US" sz="3600" dirty="0"/>
+          </a:p>
+        </p:txBody>
+      </p:sp>
+      <p:sp>
+        <p:nvSpPr>
+          <p:cNvPr id="3" name="內容版面配置區 2"/>
+          <p:cNvSpPr>
+            <a:spLocks noGrp="1"/>
+          </p:cNvSpPr>
+          <p:nvPr>
+            <p:ph idx="1"/>
+          </p:nvPr>
+        </p:nvSpPr>
+        <p:spPr/>
+        <p:txBody>
+          <a:bodyPr/>
+          <a:lstStyle/>
+          <a:p>
+            <a:r>
+              <a:rPr lang="en-US" altLang="zh-TW" dirty="0"/>
+              <a:t>http://www.filipekberg.se/2013/01/16/what-does-async-await-generate/</a:t>
+            </a:r>
+            <a:endParaRPr lang="zh-TW" altLang="en-US" dirty="0"/>
           </a:p>
         </p:txBody>
       </p:sp>
@@ -9327,77 +9537,10 @@
           </a:p>
         </p:txBody>
       </p:sp>
-      <p:pic>
-        <p:nvPicPr>
-          <p:cNvPr id="7" name="圖片 6"/>
-          <p:cNvPicPr>
-            <a:picLocks noChangeAspect="1"/>
-          </p:cNvPicPr>
-          <p:nvPr/>
-        </p:nvPicPr>
-        <p:blipFill>
-          <a:blip r:embed="rId2"/>
-          <a:stretch>
-            <a:fillRect/>
-          </a:stretch>
-        </p:blipFill>
-        <p:spPr>
-          <a:xfrm>
-            <a:off x="123951" y="1719262"/>
-            <a:ext cx="8861553" cy="4734074"/>
-          </a:xfrm>
-          <a:prstGeom prst="rect">
-            <a:avLst/>
-          </a:prstGeom>
-        </p:spPr>
-      </p:pic>
-      <p:sp>
-        <p:nvSpPr>
-          <p:cNvPr id="8" name="文字方塊 7"/>
-          <p:cNvSpPr txBox="1"/>
-          <p:nvPr/>
-        </p:nvSpPr>
-        <p:spPr>
-          <a:xfrm>
-            <a:off x="179512" y="6355762"/>
-            <a:ext cx="8712968" cy="369332"/>
-          </a:xfrm>
-          <a:prstGeom prst="rect">
-            <a:avLst/>
-          </a:prstGeom>
-          <a:solidFill>
-            <a:schemeClr val="accent2">
-              <a:lumMod val="60000"/>
-              <a:lumOff val="40000"/>
-            </a:schemeClr>
-          </a:solidFill>
-        </p:spPr>
-        <p:txBody>
-          <a:bodyPr wrap="square" rtlCol="0">
-            <a:spAutoFit/>
-          </a:bodyPr>
-          <a:lstStyle/>
-          <a:p>
-            <a:r>
-              <a:rPr lang="zh-TW" altLang="en-US" dirty="0">
-                <a:solidFill>
-                  <a:schemeClr val="bg1"/>
-                </a:solidFill>
-              </a:rPr>
-              <a:t>https://msdn.microsoft.com/en-us/library/dd460693(v=vs.110).aspx</a:t>
-            </a:r>
-            <a:endParaRPr lang="zh-TW" altLang="en-US" dirty="0">
-              <a:solidFill>
-                <a:schemeClr val="bg1"/>
-              </a:solidFill>
-            </a:endParaRPr>
-          </a:p>
-        </p:txBody>
-      </p:sp>
     </p:spTree>
     <p:extLst>
       <p:ext uri="{BB962C8B-B14F-4D97-AF65-F5344CB8AC3E}">
-        <p14:creationId xmlns:p14="http://schemas.microsoft.com/office/powerpoint/2010/main" val="4269312215"/>
+        <p14:creationId xmlns:p14="http://schemas.microsoft.com/office/powerpoint/2010/main" val="2521170528"/>
       </p:ext>
     </p:extLst>
   </p:cSld>
@@ -9737,103 +9880,65 @@
           <a:lstStyle/>
           <a:p>
             <a:r>
+              <a:rPr lang="en-US" altLang="zh-TW" sz="3200" dirty="0"/>
+              <a:t>Data Parallelism (Task Parallel Library)</a:t>
+            </a:r>
+            <a:endParaRPr lang="zh-TW" altLang="en-US" sz="3200" dirty="0"/>
+          </a:p>
+        </p:txBody>
+      </p:sp>
+      <p:sp>
+        <p:nvSpPr>
+          <p:cNvPr id="3" name="內容版面配置區 2"/>
+          <p:cNvSpPr>
+            <a:spLocks noGrp="1"/>
+          </p:cNvSpPr>
+          <p:nvPr>
+            <p:ph idx="1"/>
+          </p:nvPr>
+        </p:nvSpPr>
+        <p:spPr/>
+        <p:txBody>
+          <a:bodyPr/>
+          <a:lstStyle/>
+          <a:p>
+            <a:r>
+              <a:rPr lang="en-US" altLang="zh-TW" i="1" dirty="0"/>
+              <a:t>Data parallelism</a:t>
+            </a:r>
+            <a:r>
+              <a:rPr lang="en-US" altLang="zh-TW" dirty="0"/>
+              <a:t> refers to scenarios in which the same operation is performed concurrently (that is, in parallel) on elements in a source collection or </a:t>
+            </a:r>
+            <a:r>
               <a:rPr lang="en-US" altLang="zh-TW" dirty="0" smtClean="0"/>
-              <a:t>Parallel class example</a:t>
-            </a:r>
-            <a:endParaRPr lang="zh-TW" altLang="en-US" dirty="0"/>
-          </a:p>
-        </p:txBody>
-      </p:sp>
-      <p:sp>
-        <p:nvSpPr>
-          <p:cNvPr id="3" name="內容版面配置區 2"/>
-          <p:cNvSpPr>
-            <a:spLocks noGrp="1"/>
-          </p:cNvSpPr>
-          <p:nvPr>
-            <p:ph idx="1"/>
-          </p:nvPr>
-        </p:nvSpPr>
-        <p:spPr/>
-        <p:txBody>
-          <a:bodyPr/>
-          <a:lstStyle/>
+              <a:t>array</a:t>
+            </a:r>
+          </a:p>
           <a:p>
             <a:r>
               <a:rPr lang="en-US" altLang="zh-TW" dirty="0"/>
-              <a:t>Write a Simple </a:t>
-            </a:r>
-            <a:r>
-              <a:rPr lang="en-US" altLang="zh-TW" dirty="0" err="1"/>
-              <a:t>Parallel.For</a:t>
+              <a:t>The Task Parallel Library (TPL) is a set of public types and APIs in the </a:t>
+            </a:r>
+            <a:r>
+              <a:rPr lang="en-US" altLang="zh-TW" dirty="0" err="1">
+                <a:hlinkClick r:id="rId2"/>
+              </a:rPr>
+              <a:t>System.Threading</a:t>
             </a:r>
             <a:r>
               <a:rPr lang="en-US" altLang="zh-TW" dirty="0"/>
-              <a:t> </a:t>
-            </a:r>
-            <a:r>
-              <a:rPr lang="en-US" altLang="zh-TW" dirty="0" smtClean="0"/>
-              <a:t>Loop</a:t>
-            </a:r>
-          </a:p>
-          <a:p>
+              <a:t> and </a:t>
+            </a:r>
+            <a:r>
+              <a:rPr lang="en-US" altLang="zh-TW" dirty="0" err="1">
+                <a:hlinkClick r:id="rId3"/>
+              </a:rPr>
+              <a:t>System.Threading.Tasks</a:t>
+            </a:r>
             <a:r>
               <a:rPr lang="en-US" altLang="zh-TW" dirty="0"/>
-              <a:t>Write a Simple </a:t>
-            </a:r>
-            <a:r>
-              <a:rPr lang="en-US" altLang="zh-TW" dirty="0" err="1"/>
-              <a:t>Parallel.ForEach</a:t>
-            </a:r>
-            <a:r>
-              <a:rPr lang="en-US" altLang="zh-TW" dirty="0"/>
-              <a:t> </a:t>
-            </a:r>
-            <a:r>
-              <a:rPr lang="en-US" altLang="zh-TW" dirty="0" smtClean="0"/>
-              <a:t>Loop</a:t>
-            </a:r>
-          </a:p>
-          <a:p>
-            <a:r>
-              <a:rPr lang="en-US" altLang="zh-TW" dirty="0"/>
-              <a:t>Cancel a </a:t>
-            </a:r>
-            <a:r>
-              <a:rPr lang="en-US" altLang="zh-TW" dirty="0" err="1"/>
-              <a:t>Parallel.For</a:t>
-            </a:r>
-            <a:r>
-              <a:rPr lang="en-US" altLang="zh-TW" dirty="0"/>
-              <a:t> or </a:t>
-            </a:r>
-            <a:r>
-              <a:rPr lang="en-US" altLang="zh-TW" dirty="0" err="1"/>
-              <a:t>ForEach</a:t>
-            </a:r>
-            <a:r>
-              <a:rPr lang="en-US" altLang="zh-TW" dirty="0"/>
-              <a:t> </a:t>
-            </a:r>
-            <a:r>
-              <a:rPr lang="en-US" altLang="zh-TW" dirty="0" smtClean="0"/>
-              <a:t>Loop</a:t>
-            </a:r>
-          </a:p>
-          <a:p>
-            <a:r>
-              <a:rPr lang="en-US" altLang="zh-TW" dirty="0"/>
-              <a:t>Handle Exceptions in Parallel </a:t>
-            </a:r>
-            <a:r>
-              <a:rPr lang="en-US" altLang="zh-TW" dirty="0" smtClean="0"/>
-              <a:t>Loops</a:t>
-            </a:r>
-          </a:p>
-          <a:p>
-            <a:r>
-              <a:rPr lang="en-US" altLang="zh-TW" dirty="0"/>
-              <a:t>Iterate File Directories with the Parallel Class</a:t>
+              <a:t> namespaces in the .NET Framework 4</a:t>
             </a:r>
             <a:endParaRPr lang="zh-TW" altLang="en-US" dirty="0"/>
           </a:p>
@@ -9857,6 +9962,315 @@
             <a:fld id="{1B4050F5-7C0C-4C02-ADBC-126D7B02657F}" type="slidenum">
               <a:rPr lang="zh-TW" altLang="en-US" smtClean="0"/>
               <a:t>30</a:t>
+            </a:fld>
+            <a:endParaRPr lang="zh-TW" altLang="en-US"/>
+          </a:p>
+        </p:txBody>
+      </p:sp>
+    </p:spTree>
+    <p:extLst>
+      <p:ext uri="{BB962C8B-B14F-4D97-AF65-F5344CB8AC3E}">
+        <p14:creationId xmlns:p14="http://schemas.microsoft.com/office/powerpoint/2010/main" val="3910101380"/>
+      </p:ext>
+    </p:extLst>
+  </p:cSld>
+  <p:clrMapOvr>
+    <a:masterClrMapping/>
+  </p:clrMapOvr>
+</p:sld>
+</file>
+
+<file path=ppt/slides/slide31.xml><?xml version="1.0" encoding="utf-8"?>
+<p:sld xmlns:a="http://schemas.openxmlformats.org/drawingml/2006/main" xmlns:r="http://schemas.openxmlformats.org/officeDocument/2006/relationships" xmlns:p="http://schemas.openxmlformats.org/presentationml/2006/main">
+  <p:cSld>
+    <p:spTree>
+      <p:nvGrpSpPr>
+        <p:cNvPr id="1" name=""/>
+        <p:cNvGrpSpPr/>
+        <p:nvPr/>
+      </p:nvGrpSpPr>
+      <p:grpSpPr>
+        <a:xfrm>
+          <a:off x="0" y="0"/>
+          <a:ext cx="0" cy="0"/>
+          <a:chOff x="0" y="0"/>
+          <a:chExt cx="0" cy="0"/>
+        </a:xfrm>
+      </p:grpSpPr>
+      <p:sp>
+        <p:nvSpPr>
+          <p:cNvPr id="2" name="標題 1"/>
+          <p:cNvSpPr>
+            <a:spLocks noGrp="1"/>
+          </p:cNvSpPr>
+          <p:nvPr>
+            <p:ph type="title"/>
+          </p:nvPr>
+        </p:nvSpPr>
+        <p:spPr/>
+        <p:txBody>
+          <a:bodyPr/>
+          <a:lstStyle/>
+          <a:p>
+            <a:r>
+              <a:rPr lang="en-US" altLang="zh-TW" sz="3200" dirty="0"/>
+              <a:t>parallel programming architecture in the .NET Framework 4.</a:t>
+            </a:r>
+            <a:endParaRPr lang="zh-TW" altLang="en-US" sz="3200" dirty="0"/>
+          </a:p>
+        </p:txBody>
+      </p:sp>
+      <p:sp>
+        <p:nvSpPr>
+          <p:cNvPr id="4" name="投影片編號版面配置區 3"/>
+          <p:cNvSpPr>
+            <a:spLocks noGrp="1"/>
+          </p:cNvSpPr>
+          <p:nvPr>
+            <p:ph type="sldNum" sz="quarter" idx="4"/>
+          </p:nvPr>
+        </p:nvSpPr>
+        <p:spPr/>
+        <p:txBody>
+          <a:bodyPr/>
+          <a:lstStyle/>
+          <a:p>
+            <a:fld id="{1B4050F5-7C0C-4C02-ADBC-126D7B02657F}" type="slidenum">
+              <a:rPr lang="zh-TW" altLang="en-US" smtClean="0"/>
+              <a:t>31</a:t>
+            </a:fld>
+            <a:endParaRPr lang="zh-TW" altLang="en-US"/>
+          </a:p>
+        </p:txBody>
+      </p:sp>
+      <p:pic>
+        <p:nvPicPr>
+          <p:cNvPr id="7" name="圖片 6"/>
+          <p:cNvPicPr>
+            <a:picLocks noChangeAspect="1"/>
+          </p:cNvPicPr>
+          <p:nvPr/>
+        </p:nvPicPr>
+        <p:blipFill>
+          <a:blip r:embed="rId2"/>
+          <a:stretch>
+            <a:fillRect/>
+          </a:stretch>
+        </p:blipFill>
+        <p:spPr>
+          <a:xfrm>
+            <a:off x="123951" y="1719262"/>
+            <a:ext cx="8861553" cy="4734074"/>
+          </a:xfrm>
+          <a:prstGeom prst="rect">
+            <a:avLst/>
+          </a:prstGeom>
+        </p:spPr>
+      </p:pic>
+      <p:sp>
+        <p:nvSpPr>
+          <p:cNvPr id="8" name="文字方塊 7"/>
+          <p:cNvSpPr txBox="1"/>
+          <p:nvPr/>
+        </p:nvSpPr>
+        <p:spPr>
+          <a:xfrm>
+            <a:off x="179512" y="6355762"/>
+            <a:ext cx="8712968" cy="369332"/>
+          </a:xfrm>
+          <a:prstGeom prst="rect">
+            <a:avLst/>
+          </a:prstGeom>
+          <a:solidFill>
+            <a:schemeClr val="accent2">
+              <a:lumMod val="60000"/>
+              <a:lumOff val="40000"/>
+            </a:schemeClr>
+          </a:solidFill>
+        </p:spPr>
+        <p:txBody>
+          <a:bodyPr wrap="square" rtlCol="0">
+            <a:spAutoFit/>
+          </a:bodyPr>
+          <a:lstStyle/>
+          <a:p>
+            <a:r>
+              <a:rPr lang="zh-TW" altLang="en-US" dirty="0">
+                <a:solidFill>
+                  <a:schemeClr val="bg1"/>
+                </a:solidFill>
+              </a:rPr>
+              <a:t>https://msdn.microsoft.com/en-us/library/dd460693(v=vs.110).aspx</a:t>
+            </a:r>
+          </a:p>
+        </p:txBody>
+      </p:sp>
+    </p:spTree>
+    <p:extLst>
+      <p:ext uri="{BB962C8B-B14F-4D97-AF65-F5344CB8AC3E}">
+        <p14:creationId xmlns:p14="http://schemas.microsoft.com/office/powerpoint/2010/main" val="4269312215"/>
+      </p:ext>
+    </p:extLst>
+  </p:cSld>
+  <p:clrMapOvr>
+    <a:masterClrMapping/>
+  </p:clrMapOvr>
+</p:sld>
+</file>
+
+<file path=ppt/slides/slide32.xml><?xml version="1.0" encoding="utf-8"?>
+<p:sld xmlns:a="http://schemas.openxmlformats.org/drawingml/2006/main" xmlns:r="http://schemas.openxmlformats.org/officeDocument/2006/relationships" xmlns:p="http://schemas.openxmlformats.org/presentationml/2006/main">
+  <p:cSld>
+    <p:spTree>
+      <p:nvGrpSpPr>
+        <p:cNvPr id="1" name=""/>
+        <p:cNvGrpSpPr/>
+        <p:nvPr/>
+      </p:nvGrpSpPr>
+      <p:grpSpPr>
+        <a:xfrm>
+          <a:off x="0" y="0"/>
+          <a:ext cx="0" cy="0"/>
+          <a:chOff x="0" y="0"/>
+          <a:chExt cx="0" cy="0"/>
+        </a:xfrm>
+      </p:grpSpPr>
+      <p:sp>
+        <p:nvSpPr>
+          <p:cNvPr id="2" name="標題 1"/>
+          <p:cNvSpPr>
+            <a:spLocks noGrp="1"/>
+          </p:cNvSpPr>
+          <p:nvPr>
+            <p:ph type="title"/>
+          </p:nvPr>
+        </p:nvSpPr>
+        <p:spPr/>
+        <p:txBody>
+          <a:bodyPr/>
+          <a:lstStyle/>
+          <a:p>
+            <a:r>
+              <a:rPr lang="en-US" altLang="zh-TW" dirty="0" smtClean="0"/>
+              <a:t>Parallel class example</a:t>
+            </a:r>
+            <a:endParaRPr lang="zh-TW" altLang="en-US" dirty="0"/>
+          </a:p>
+        </p:txBody>
+      </p:sp>
+      <p:sp>
+        <p:nvSpPr>
+          <p:cNvPr id="3" name="內容版面配置區 2"/>
+          <p:cNvSpPr>
+            <a:spLocks noGrp="1"/>
+          </p:cNvSpPr>
+          <p:nvPr>
+            <p:ph idx="1"/>
+          </p:nvPr>
+        </p:nvSpPr>
+        <p:spPr/>
+        <p:txBody>
+          <a:bodyPr/>
+          <a:lstStyle/>
+          <a:p>
+            <a:r>
+              <a:rPr lang="en-US" altLang="zh-TW" dirty="0"/>
+              <a:t>Write a Simple </a:t>
+            </a:r>
+            <a:r>
+              <a:rPr lang="en-US" altLang="zh-TW" dirty="0" err="1"/>
+              <a:t>Parallel.For</a:t>
+            </a:r>
+            <a:r>
+              <a:rPr lang="en-US" altLang="zh-TW" dirty="0"/>
+              <a:t> </a:t>
+            </a:r>
+            <a:r>
+              <a:rPr lang="en-US" altLang="zh-TW" dirty="0" smtClean="0"/>
+              <a:t>Loop</a:t>
+            </a:r>
+          </a:p>
+          <a:p>
+            <a:r>
+              <a:rPr lang="en-US" altLang="zh-TW" dirty="0"/>
+              <a:t>Write a Simple </a:t>
+            </a:r>
+            <a:r>
+              <a:rPr lang="en-US" altLang="zh-TW" dirty="0" err="1"/>
+              <a:t>Parallel.ForEach</a:t>
+            </a:r>
+            <a:r>
+              <a:rPr lang="en-US" altLang="zh-TW" dirty="0"/>
+              <a:t> </a:t>
+            </a:r>
+            <a:r>
+              <a:rPr lang="en-US" altLang="zh-TW" dirty="0" smtClean="0"/>
+              <a:t>Loop</a:t>
+            </a:r>
+          </a:p>
+          <a:p>
+            <a:r>
+              <a:rPr lang="en-US" altLang="zh-TW" dirty="0"/>
+              <a:t>Cancel a </a:t>
+            </a:r>
+            <a:r>
+              <a:rPr lang="en-US" altLang="zh-TW" dirty="0" err="1"/>
+              <a:t>Parallel.For</a:t>
+            </a:r>
+            <a:r>
+              <a:rPr lang="en-US" altLang="zh-TW" dirty="0"/>
+              <a:t> or </a:t>
+            </a:r>
+            <a:r>
+              <a:rPr lang="en-US" altLang="zh-TW" dirty="0" err="1"/>
+              <a:t>ForEach</a:t>
+            </a:r>
+            <a:r>
+              <a:rPr lang="en-US" altLang="zh-TW" dirty="0"/>
+              <a:t> </a:t>
+            </a:r>
+            <a:r>
+              <a:rPr lang="en-US" altLang="zh-TW" dirty="0" smtClean="0"/>
+              <a:t>Loop</a:t>
+            </a:r>
+          </a:p>
+          <a:p>
+            <a:r>
+              <a:rPr lang="en-US" altLang="zh-TW" dirty="0"/>
+              <a:t>Handle Exceptions in Parallel </a:t>
+            </a:r>
+            <a:r>
+              <a:rPr lang="en-US" altLang="zh-TW" dirty="0" smtClean="0"/>
+              <a:t>Loops</a:t>
+            </a:r>
+          </a:p>
+          <a:p>
+            <a:r>
+              <a:rPr lang="en-US" altLang="zh-TW" dirty="0"/>
+              <a:t>Iterate File Directories with the Parallel Class</a:t>
+            </a:r>
+            <a:endParaRPr lang="zh-TW" altLang="en-US" dirty="0"/>
+          </a:p>
+        </p:txBody>
+      </p:sp>
+      <p:sp>
+        <p:nvSpPr>
+          <p:cNvPr id="4" name="投影片編號版面配置區 3"/>
+          <p:cNvSpPr>
+            <a:spLocks noGrp="1"/>
+          </p:cNvSpPr>
+          <p:nvPr>
+            <p:ph type="sldNum" sz="quarter" idx="4"/>
+          </p:nvPr>
+        </p:nvSpPr>
+        <p:spPr/>
+        <p:txBody>
+          <a:bodyPr/>
+          <a:lstStyle/>
+          <a:p>
+            <a:fld id="{1B4050F5-7C0C-4C02-ADBC-126D7B02657F}" type="slidenum">
+              <a:rPr lang="zh-TW" altLang="en-US" smtClean="0"/>
+              <a:t>32</a:t>
             </a:fld>
             <a:endParaRPr lang="zh-TW" altLang="en-US"/>
           </a:p>
@@ -9875,7 +10289,7 @@
 </p:sld>
 </file>
 
-<file path=ppt/slides/slide31.xml><?xml version="1.0" encoding="utf-8"?>
+<file path=ppt/slides/slide33.xml><?xml version="1.0" encoding="utf-8"?>
 <p:sld xmlns:a="http://schemas.openxmlformats.org/drawingml/2006/main" xmlns:r="http://schemas.openxmlformats.org/officeDocument/2006/relationships" xmlns:p="http://schemas.openxmlformats.org/presentationml/2006/main">
   <p:cSld>
     <p:spTree>
@@ -10874,7 +11288,7 @@
           <a:p>
             <a:fld id="{1B4050F5-7C0C-4C02-ADBC-126D7B02657F}" type="slidenum">
               <a:rPr lang="zh-TW" altLang="en-US" smtClean="0"/>
-              <a:t>31</a:t>
+              <a:t>33</a:t>
             </a:fld>
             <a:endParaRPr lang="zh-TW" altLang="en-US"/>
           </a:p>
@@ -10936,7 +11350,7 @@
 </p:sld>
 </file>
 
-<file path=ppt/slides/slide32.xml><?xml version="1.0" encoding="utf-8"?>
+<file path=ppt/slides/slide34.xml><?xml version="1.0" encoding="utf-8"?>
 <p:sld xmlns:a="http://schemas.openxmlformats.org/drawingml/2006/main" xmlns:r="http://schemas.openxmlformats.org/officeDocument/2006/relationships" xmlns:p="http://schemas.openxmlformats.org/presentationml/2006/main">
   <p:cSld>
     <p:spTree>
@@ -11106,7 +11520,7 @@
           <a:p>
             <a:fld id="{1B4050F5-7C0C-4C02-ADBC-126D7B02657F}" type="slidenum">
               <a:rPr lang="zh-TW" altLang="en-US" smtClean="0"/>
-              <a:t>32</a:t>
+              <a:t>34</a:t>
             </a:fld>
             <a:endParaRPr lang="zh-TW" altLang="en-US"/>
           </a:p>
@@ -11210,7 +11624,7 @@
 </p:sld>
 </file>
 
-<file path=ppt/slides/slide33.xml><?xml version="1.0" encoding="utf-8"?>
+<file path=ppt/slides/slide35.xml><?xml version="1.0" encoding="utf-8"?>
 <p:sld xmlns:a="http://schemas.openxmlformats.org/drawingml/2006/main" xmlns:r="http://schemas.openxmlformats.org/officeDocument/2006/relationships" xmlns:p="http://schemas.openxmlformats.org/presentationml/2006/main">
   <p:cSld>
     <p:spTree>
@@ -11389,7 +11803,7 @@
           <a:p>
             <a:fld id="{1B4050F5-7C0C-4C02-ADBC-126D7B02657F}" type="slidenum">
               <a:rPr lang="zh-TW" altLang="en-US" smtClean="0"/>
-              <a:t>33</a:t>
+              <a:t>35</a:t>
             </a:fld>
             <a:endParaRPr lang="zh-TW" altLang="en-US"/>
           </a:p>
@@ -11399,6 +11813,317 @@
     <p:extLst>
       <p:ext uri="{BB962C8B-B14F-4D97-AF65-F5344CB8AC3E}">
         <p14:creationId xmlns:p14="http://schemas.microsoft.com/office/powerpoint/2010/main" val="1070492222"/>
+      </p:ext>
+    </p:extLst>
+  </p:cSld>
+  <p:clrMapOvr>
+    <a:masterClrMapping/>
+  </p:clrMapOvr>
+</p:sld>
+</file>
+
+<file path=ppt/slides/slide36.xml><?xml version="1.0" encoding="utf-8"?>
+<p:sld xmlns:a="http://schemas.openxmlformats.org/drawingml/2006/main" xmlns:r="http://schemas.openxmlformats.org/officeDocument/2006/relationships" xmlns:p="http://schemas.openxmlformats.org/presentationml/2006/main">
+  <p:cSld>
+    <p:spTree>
+      <p:nvGrpSpPr>
+        <p:cNvPr id="1" name=""/>
+        <p:cNvGrpSpPr/>
+        <p:nvPr/>
+      </p:nvGrpSpPr>
+      <p:grpSpPr>
+        <a:xfrm>
+          <a:off x="0" y="0"/>
+          <a:ext cx="0" cy="0"/>
+          <a:chOff x="0" y="0"/>
+          <a:chExt cx="0" cy="0"/>
+        </a:xfrm>
+      </p:grpSpPr>
+      <p:sp>
+        <p:nvSpPr>
+          <p:cNvPr id="2" name="標題 1"/>
+          <p:cNvSpPr>
+            <a:spLocks noGrp="1"/>
+          </p:cNvSpPr>
+          <p:nvPr>
+            <p:ph type="title"/>
+          </p:nvPr>
+        </p:nvSpPr>
+        <p:spPr/>
+        <p:txBody>
+          <a:bodyPr/>
+          <a:lstStyle/>
+          <a:p>
+            <a:r>
+              <a:rPr lang="en-US" altLang="zh-TW" dirty="0" smtClean="0"/>
+              <a:t>Homework</a:t>
+            </a:r>
+            <a:endParaRPr lang="zh-TW" altLang="en-US" dirty="0"/>
+          </a:p>
+        </p:txBody>
+      </p:sp>
+      <p:sp>
+        <p:nvSpPr>
+          <p:cNvPr id="3" name="內容版面配置區 2"/>
+          <p:cNvSpPr>
+            <a:spLocks noGrp="1"/>
+          </p:cNvSpPr>
+          <p:nvPr>
+            <p:ph idx="1"/>
+          </p:nvPr>
+        </p:nvSpPr>
+        <p:spPr/>
+        <p:txBody>
+          <a:bodyPr/>
+          <a:lstStyle/>
+          <a:p>
+            <a:r>
+              <a:rPr lang="en-US" altLang="zh-TW" sz="1600" dirty="0"/>
+              <a:t>public class </a:t>
+            </a:r>
+            <a:r>
+              <a:rPr lang="en-US" altLang="zh-TW" sz="1600" dirty="0" err="1"/>
+              <a:t>CustomerController</a:t>
+            </a:r>
+            <a:r>
+              <a:rPr lang="en-US" altLang="zh-TW" sz="1600" dirty="0"/>
+              <a:t> : </a:t>
+            </a:r>
+            <a:r>
+              <a:rPr lang="en-US" altLang="zh-TW" sz="1600" dirty="0" err="1"/>
+              <a:t>ApiController</a:t>
+            </a:r>
+            <a:endParaRPr lang="en-US" altLang="zh-TW" sz="1600" dirty="0"/>
+          </a:p>
+          <a:p>
+            <a:r>
+              <a:rPr lang="en-US" altLang="zh-TW" sz="1600" dirty="0"/>
+              <a:t>{</a:t>
+            </a:r>
+          </a:p>
+          <a:p>
+            <a:r>
+              <a:rPr lang="en-US" altLang="zh-TW" sz="1600" dirty="0"/>
+              <a:t>    public </a:t>
+            </a:r>
+            <a:r>
+              <a:rPr lang="en-US" altLang="zh-TW" sz="1600" dirty="0" err="1"/>
+              <a:t>async</a:t>
+            </a:r>
+            <a:r>
+              <a:rPr lang="en-US" altLang="zh-TW" sz="1600" dirty="0"/>
+              <a:t> Task&lt;Customer&gt; Get(</a:t>
+            </a:r>
+            <a:r>
+              <a:rPr lang="en-US" altLang="zh-TW" sz="1600" dirty="0" err="1"/>
+              <a:t>int</a:t>
+            </a:r>
+            <a:r>
+              <a:rPr lang="en-US" altLang="zh-TW" sz="1600" dirty="0"/>
+              <a:t> id)</a:t>
+            </a:r>
+          </a:p>
+          <a:p>
+            <a:r>
+              <a:rPr lang="en-US" altLang="zh-TW" sz="1600" dirty="0"/>
+              <a:t>    {</a:t>
+            </a:r>
+          </a:p>
+          <a:p>
+            <a:r>
+              <a:rPr lang="en-US" altLang="zh-TW" sz="1600" dirty="0"/>
+              <a:t>        // you are on a particular thread here</a:t>
+            </a:r>
+          </a:p>
+          <a:p>
+            <a:r>
+              <a:rPr lang="en-US" altLang="zh-TW" sz="1600" dirty="0"/>
+              <a:t>        </a:t>
+            </a:r>
+            <a:r>
+              <a:rPr lang="en-US" altLang="zh-TW" sz="1600" dirty="0" err="1"/>
+              <a:t>var</a:t>
+            </a:r>
+            <a:r>
+              <a:rPr lang="en-US" altLang="zh-TW" sz="1600" dirty="0"/>
+              <a:t> customer = await </a:t>
+            </a:r>
+            <a:r>
+              <a:rPr lang="en-US" altLang="zh-TW" sz="1600" dirty="0" err="1"/>
+              <a:t>SomeAsyncFunctionThatGetsCustomer</a:t>
+            </a:r>
+            <a:r>
+              <a:rPr lang="en-US" altLang="zh-TW" sz="1600" dirty="0"/>
+              <a:t>(id).</a:t>
+            </a:r>
+            <a:r>
+              <a:rPr lang="en-US" altLang="zh-TW" sz="1600" dirty="0" err="1"/>
+              <a:t>ConfigureAwait</a:t>
+            </a:r>
+            <a:r>
+              <a:rPr lang="en-US" altLang="zh-TW" sz="1600" dirty="0"/>
+              <a:t>(false);</a:t>
+            </a:r>
+          </a:p>
+          <a:p>
+            <a:endParaRPr lang="en-US" altLang="zh-TW" sz="1600" dirty="0"/>
+          </a:p>
+          <a:p>
+            <a:r>
+              <a:rPr lang="en-US" altLang="zh-TW" sz="1600" dirty="0"/>
+              <a:t>        // now you are on a different thread!  will that cause problems?</a:t>
+            </a:r>
+          </a:p>
+          <a:p>
+            <a:r>
+              <a:rPr lang="en-US" altLang="zh-TW" sz="1600" dirty="0"/>
+              <a:t>        return customer;</a:t>
+            </a:r>
+          </a:p>
+          <a:p>
+            <a:r>
+              <a:rPr lang="en-US" altLang="zh-TW" sz="1600" dirty="0"/>
+              <a:t>    }</a:t>
+            </a:r>
+          </a:p>
+          <a:p>
+            <a:r>
+              <a:rPr lang="en-US" altLang="zh-TW" sz="1600" dirty="0"/>
+              <a:t>}</a:t>
+            </a:r>
+            <a:endParaRPr lang="zh-TW" altLang="en-US" sz="1600" dirty="0"/>
+          </a:p>
+        </p:txBody>
+      </p:sp>
+      <p:sp>
+        <p:nvSpPr>
+          <p:cNvPr id="4" name="投影片編號版面配置區 3"/>
+          <p:cNvSpPr>
+            <a:spLocks noGrp="1"/>
+          </p:cNvSpPr>
+          <p:nvPr>
+            <p:ph type="sldNum" sz="quarter" idx="4"/>
+          </p:nvPr>
+        </p:nvSpPr>
+        <p:spPr/>
+        <p:txBody>
+          <a:bodyPr/>
+          <a:lstStyle/>
+          <a:p>
+            <a:fld id="{1B4050F5-7C0C-4C02-ADBC-126D7B02657F}" type="slidenum">
+              <a:rPr lang="zh-TW" altLang="en-US" smtClean="0"/>
+              <a:t>36</a:t>
+            </a:fld>
+            <a:endParaRPr lang="zh-TW" altLang="en-US"/>
+          </a:p>
+        </p:txBody>
+      </p:sp>
+    </p:spTree>
+    <p:extLst>
+      <p:ext uri="{BB962C8B-B14F-4D97-AF65-F5344CB8AC3E}">
+        <p14:creationId xmlns:p14="http://schemas.microsoft.com/office/powerpoint/2010/main" val="1950001063"/>
+      </p:ext>
+    </p:extLst>
+  </p:cSld>
+  <p:clrMapOvr>
+    <a:masterClrMapping/>
+  </p:clrMapOvr>
+</p:sld>
+</file>
+
+<file path=ppt/slides/slide37.xml><?xml version="1.0" encoding="utf-8"?>
+<p:sld xmlns:a="http://schemas.openxmlformats.org/drawingml/2006/main" xmlns:r="http://schemas.openxmlformats.org/officeDocument/2006/relationships" xmlns:p="http://schemas.openxmlformats.org/presentationml/2006/main">
+  <p:cSld>
+    <p:spTree>
+      <p:nvGrpSpPr>
+        <p:cNvPr id="1" name=""/>
+        <p:cNvGrpSpPr/>
+        <p:nvPr/>
+      </p:nvGrpSpPr>
+      <p:grpSpPr>
+        <a:xfrm>
+          <a:off x="0" y="0"/>
+          <a:ext cx="0" cy="0"/>
+          <a:chOff x="0" y="0"/>
+          <a:chExt cx="0" cy="0"/>
+        </a:xfrm>
+      </p:grpSpPr>
+      <p:sp>
+        <p:nvSpPr>
+          <p:cNvPr id="2" name="標題 1"/>
+          <p:cNvSpPr>
+            <a:spLocks noGrp="1"/>
+          </p:cNvSpPr>
+          <p:nvPr>
+            <p:ph type="title"/>
+          </p:nvPr>
+        </p:nvSpPr>
+        <p:spPr/>
+        <p:txBody>
+          <a:bodyPr/>
+          <a:lstStyle/>
+          <a:p>
+            <a:r>
+              <a:rPr lang="en-US" altLang="zh-TW" dirty="0" smtClean="0"/>
+              <a:t>Homework</a:t>
+            </a:r>
+            <a:endParaRPr lang="zh-TW" altLang="en-US" dirty="0"/>
+          </a:p>
+        </p:txBody>
+      </p:sp>
+      <p:pic>
+        <p:nvPicPr>
+          <p:cNvPr id="5" name="內容版面配置區 4"/>
+          <p:cNvPicPr>
+            <a:picLocks noGrp="1" noChangeAspect="1"/>
+          </p:cNvPicPr>
+          <p:nvPr>
+            <p:ph idx="1"/>
+          </p:nvPr>
+        </p:nvPicPr>
+        <p:blipFill>
+          <a:blip r:embed="rId2"/>
+          <a:stretch>
+            <a:fillRect/>
+          </a:stretch>
+        </p:blipFill>
+        <p:spPr>
+          <a:xfrm>
+            <a:off x="538872" y="1628800"/>
+            <a:ext cx="8001000" cy="4220562"/>
+          </a:xfrm>
+          <a:prstGeom prst="rect">
+            <a:avLst/>
+          </a:prstGeom>
+        </p:spPr>
+      </p:pic>
+      <p:sp>
+        <p:nvSpPr>
+          <p:cNvPr id="4" name="投影片編號版面配置區 3"/>
+          <p:cNvSpPr>
+            <a:spLocks noGrp="1"/>
+          </p:cNvSpPr>
+          <p:nvPr>
+            <p:ph type="sldNum" sz="quarter" idx="4"/>
+          </p:nvPr>
+        </p:nvSpPr>
+        <p:spPr/>
+        <p:txBody>
+          <a:bodyPr/>
+          <a:lstStyle/>
+          <a:p>
+            <a:fld id="{1B4050F5-7C0C-4C02-ADBC-126D7B02657F}" type="slidenum">
+              <a:rPr lang="zh-TW" altLang="en-US" smtClean="0"/>
+              <a:t>37</a:t>
+            </a:fld>
+            <a:endParaRPr lang="zh-TW" altLang="en-US"/>
+          </a:p>
+        </p:txBody>
+      </p:sp>
+    </p:spTree>
+    <p:extLst>
+      <p:ext uri="{BB962C8B-B14F-4D97-AF65-F5344CB8AC3E}">
+        <p14:creationId xmlns:p14="http://schemas.microsoft.com/office/powerpoint/2010/main" val="87758081"/>
       </p:ext>
     </p:extLst>
   </p:cSld>
@@ -12330,8 +13055,12 @@
           <a:lstStyle/>
           <a:p>
             <a:r>
-              <a:rPr lang="en-US" altLang="zh-TW" dirty="0"/>
-              <a:t>context switching</a:t>
+              <a:rPr lang="en-US" altLang="zh-TW" dirty="0" smtClean="0"/>
+              <a:t>3</a:t>
+            </a:r>
+            <a:r>
+              <a:rPr lang="zh-TW" altLang="en-US" dirty="0" smtClean="0"/>
+              <a:t>種會用到非同步的情境</a:t>
             </a:r>
             <a:endParaRPr lang="zh-TW" altLang="en-US" dirty="0"/>
           </a:p>
@@ -12353,8 +13082,20 @@
           <a:lstStyle/>
           <a:p>
             <a:r>
-              <a:rPr lang="en-US" altLang="zh-TW" dirty="0"/>
-              <a:t>a context switch is the process of storing and restoring the state (more specifically, the execution context) of a process or thread so that execution can be resumed from the same point at a later time</a:t>
+              <a:rPr lang="en-US" altLang="zh-TW" dirty="0" smtClean="0"/>
+              <a:t>I/O (network, database, file)</a:t>
+            </a:r>
+          </a:p>
+          <a:p>
+            <a:r>
+              <a:rPr lang="en-US" altLang="zh-TW" dirty="0" smtClean="0"/>
+              <a:t>Parallelism</a:t>
+            </a:r>
+          </a:p>
+          <a:p>
+            <a:r>
+              <a:rPr lang="en-US" altLang="zh-TW" dirty="0" smtClean="0"/>
+              <a:t>Long-running event-driven</a:t>
             </a:r>
             <a:endParaRPr lang="zh-TW" altLang="en-US" dirty="0"/>
           </a:p>
@@ -12383,56 +13124,10 @@
           </a:p>
         </p:txBody>
       </p:sp>
-      <p:sp>
-        <p:nvSpPr>
-          <p:cNvPr id="5" name="文字方塊 4"/>
-          <p:cNvSpPr txBox="1"/>
-          <p:nvPr/>
-        </p:nvSpPr>
-        <p:spPr>
-          <a:xfrm>
-            <a:off x="218691" y="6354733"/>
-            <a:ext cx="8712968" cy="369332"/>
-          </a:xfrm>
-          <a:prstGeom prst="rect">
-            <a:avLst/>
-          </a:prstGeom>
-          <a:solidFill>
-            <a:schemeClr val="accent2">
-              <a:lumMod val="60000"/>
-              <a:lumOff val="40000"/>
-            </a:schemeClr>
-          </a:solidFill>
-        </p:spPr>
-        <p:txBody>
-          <a:bodyPr wrap="square" rtlCol="0">
-            <a:spAutoFit/>
-          </a:bodyPr>
-          <a:lstStyle/>
-          <a:p>
-            <a:r>
-              <a:rPr lang="en-US" altLang="zh-TW" dirty="0">
-                <a:solidFill>
-                  <a:schemeClr val="bg1"/>
-                </a:solidFill>
-              </a:rPr>
-              <a:t>https://</a:t>
-            </a:r>
-            <a:r>
-              <a:rPr lang="en-US" altLang="zh-TW" dirty="0" smtClean="0">
-                <a:solidFill>
-                  <a:schemeClr val="bg1"/>
-                </a:solidFill>
-              </a:rPr>
-              <a:t>en.wikipedia.org/wiki/Context_switch</a:t>
-            </a:r>
-          </a:p>
-        </p:txBody>
-      </p:sp>
     </p:spTree>
     <p:extLst>
       <p:ext uri="{BB962C8B-B14F-4D97-AF65-F5344CB8AC3E}">
-        <p14:creationId xmlns:p14="http://schemas.microsoft.com/office/powerpoint/2010/main" val="1407790500"/>
+        <p14:creationId xmlns:p14="http://schemas.microsoft.com/office/powerpoint/2010/main" val="395572332"/>
       </p:ext>
     </p:extLst>
   </p:cSld>
@@ -12476,7 +13171,7 @@
           <a:p>
             <a:r>
               <a:rPr lang="en-US" altLang="zh-TW" dirty="0"/>
-              <a:t>Synchronization</a:t>
+              <a:t>context switching</a:t>
             </a:r>
             <a:endParaRPr lang="zh-TW" altLang="en-US" dirty="0"/>
           </a:p>
@@ -12499,33 +13194,7 @@
           <a:p>
             <a:r>
               <a:rPr lang="en-US" altLang="zh-TW" dirty="0"/>
-              <a:t>ensuring that two threads don’t execute a specific portion of your program at the same </a:t>
-            </a:r>
-            <a:r>
-              <a:rPr lang="en-US" altLang="zh-TW" dirty="0" smtClean="0"/>
-              <a:t>time</a:t>
-            </a:r>
-          </a:p>
-          <a:p>
-            <a:r>
-              <a:rPr lang="zh-TW" altLang="en-US" dirty="0" smtClean="0"/>
-              <a:t>不同執行緒若都有執行到 </a:t>
-            </a:r>
-            <a:r>
-              <a:rPr lang="en-US" altLang="zh-TW" dirty="0" err="1" smtClean="0"/>
-              <a:t>Console.Write</a:t>
-            </a:r>
-            <a:r>
-              <a:rPr lang="zh-TW" altLang="en-US" dirty="0" smtClean="0"/>
-              <a:t>，則，當</a:t>
-            </a:r>
-            <a:r>
-              <a:rPr lang="en-US" altLang="zh-TW" dirty="0" smtClean="0"/>
-              <a:t>Console</a:t>
-            </a:r>
-            <a:r>
-              <a:rPr lang="zh-TW" altLang="en-US" dirty="0" smtClean="0"/>
-              <a:t>正在輸出的時候，其他執行緒必須等候。</a:t>
+              <a:t>a context switch is the process of storing and restoring the state (more specifically, the execution context) of a process or thread so that execution can be resumed from the same point at a later time</a:t>
             </a:r>
             <a:endParaRPr lang="zh-TW" altLang="en-US" dirty="0"/>
           </a:p>
@@ -12554,10 +13223,56 @@
           </a:p>
         </p:txBody>
       </p:sp>
+      <p:sp>
+        <p:nvSpPr>
+          <p:cNvPr id="5" name="文字方塊 4"/>
+          <p:cNvSpPr txBox="1"/>
+          <p:nvPr/>
+        </p:nvSpPr>
+        <p:spPr>
+          <a:xfrm>
+            <a:off x="218691" y="6354733"/>
+            <a:ext cx="8712968" cy="369332"/>
+          </a:xfrm>
+          <a:prstGeom prst="rect">
+            <a:avLst/>
+          </a:prstGeom>
+          <a:solidFill>
+            <a:schemeClr val="accent2">
+              <a:lumMod val="60000"/>
+              <a:lumOff val="40000"/>
+            </a:schemeClr>
+          </a:solidFill>
+        </p:spPr>
+        <p:txBody>
+          <a:bodyPr wrap="square" rtlCol="0">
+            <a:spAutoFit/>
+          </a:bodyPr>
+          <a:lstStyle/>
+          <a:p>
+            <a:r>
+              <a:rPr lang="en-US" altLang="zh-TW" dirty="0">
+                <a:solidFill>
+                  <a:schemeClr val="bg1"/>
+                </a:solidFill>
+              </a:rPr>
+              <a:t>https://</a:t>
+            </a:r>
+            <a:r>
+              <a:rPr lang="en-US" altLang="zh-TW" dirty="0" smtClean="0">
+                <a:solidFill>
+                  <a:schemeClr val="bg1"/>
+                </a:solidFill>
+              </a:rPr>
+              <a:t>en.wikipedia.org/wiki/Context_switch</a:t>
+            </a:r>
+          </a:p>
+        </p:txBody>
+      </p:sp>
     </p:spTree>
     <p:extLst>
       <p:ext uri="{BB962C8B-B14F-4D97-AF65-F5344CB8AC3E}">
-        <p14:creationId xmlns:p14="http://schemas.microsoft.com/office/powerpoint/2010/main" val="3381460727"/>
+        <p14:creationId xmlns:p14="http://schemas.microsoft.com/office/powerpoint/2010/main" val="1407790500"/>
       </p:ext>
     </p:extLst>
   </p:cSld>
@@ -12600,75 +13315,59 @@
           <a:lstStyle/>
           <a:p>
             <a:r>
+              <a:rPr lang="en-US" altLang="zh-TW" dirty="0"/>
+              <a:t>Synchronization</a:t>
+            </a:r>
+            <a:endParaRPr lang="zh-TW" altLang="en-US" dirty="0"/>
+          </a:p>
+        </p:txBody>
+      </p:sp>
+      <p:sp>
+        <p:nvSpPr>
+          <p:cNvPr id="3" name="內容版面配置區 2"/>
+          <p:cNvSpPr>
+            <a:spLocks noGrp="1"/>
+          </p:cNvSpPr>
+          <p:nvPr>
+            <p:ph idx="1"/>
+          </p:nvPr>
+        </p:nvSpPr>
+        <p:spPr/>
+        <p:txBody>
+          <a:bodyPr/>
+          <a:lstStyle/>
+          <a:p>
+            <a:r>
+              <a:rPr lang="en-US" altLang="zh-TW" dirty="0"/>
+              <a:t>ensuring that two threads don’t execute a specific portion of your program at the same </a:t>
+            </a:r>
+            <a:r>
               <a:rPr lang="en-US" altLang="zh-TW" dirty="0" smtClean="0"/>
-              <a:t>Synchronization</a:t>
-            </a:r>
+              <a:t>time</a:t>
+            </a:r>
+          </a:p>
+          <a:p>
             <a:r>
               <a:rPr lang="zh-TW" altLang="en-US" dirty="0" smtClean="0"/>
-              <a:t>解決方案</a:t>
+              <a:t>不同執行緒若都有執行到 </a:t>
+            </a:r>
+            <a:r>
+              <a:rPr lang="en-US" altLang="zh-TW" dirty="0" err="1" smtClean="0"/>
+              <a:t>Console.Write</a:t>
+            </a:r>
+            <a:r>
+              <a:rPr lang="zh-TW" altLang="en-US" dirty="0" smtClean="0"/>
+              <a:t>，則，當</a:t>
+            </a:r>
+            <a:r>
+              <a:rPr lang="en-US" altLang="zh-TW" dirty="0" smtClean="0"/>
+              <a:t>Console</a:t>
+            </a:r>
+            <a:r>
+              <a:rPr lang="zh-TW" altLang="en-US" dirty="0" smtClean="0"/>
+              <a:t>正在輸出的時候，其他執行緒必須等候。</a:t>
             </a:r>
             <a:endParaRPr lang="zh-TW" altLang="en-US" dirty="0"/>
-          </a:p>
-        </p:txBody>
-      </p:sp>
-      <p:sp>
-        <p:nvSpPr>
-          <p:cNvPr id="3" name="內容版面配置區 2"/>
-          <p:cNvSpPr>
-            <a:spLocks noGrp="1"/>
-          </p:cNvSpPr>
-          <p:nvPr>
-            <p:ph idx="1"/>
-          </p:nvPr>
-        </p:nvSpPr>
-        <p:spPr/>
-        <p:txBody>
-          <a:bodyPr/>
-          <a:lstStyle/>
-          <a:p>
-            <a:r>
-              <a:rPr lang="en-US" altLang="zh-TW" b="1" cap="all" dirty="0" smtClean="0"/>
-              <a:t>THREAD.JOIN</a:t>
-            </a:r>
-          </a:p>
-          <a:p>
-            <a:r>
-              <a:rPr lang="en-US" altLang="zh-TW" b="1" cap="all" dirty="0" smtClean="0"/>
-              <a:t>TASK.CONTINUEWITH</a:t>
-            </a:r>
-            <a:endParaRPr lang="en-US" altLang="zh-TW" b="1" cap="all" dirty="0"/>
-          </a:p>
-          <a:p>
-            <a:r>
-              <a:rPr lang="en-US" altLang="zh-TW" b="1" cap="all" dirty="0" smtClean="0"/>
-              <a:t>LOCK</a:t>
-            </a:r>
-            <a:endParaRPr lang="en-US" altLang="zh-TW" b="1" cap="all" dirty="0"/>
-          </a:p>
-          <a:p>
-            <a:r>
-              <a:rPr lang="en-US" altLang="zh-TW" b="1" cap="all" dirty="0" smtClean="0"/>
-              <a:t>MONITOR.ENTER </a:t>
-            </a:r>
-            <a:r>
-              <a:rPr lang="en-US" altLang="zh-TW" b="1" cap="all" dirty="0"/>
-              <a:t>– MONITOR.EXIT</a:t>
-            </a:r>
-          </a:p>
-          <a:p>
-            <a:endParaRPr lang="en-US" altLang="zh-TW" b="1" cap="all" dirty="0"/>
-          </a:p>
-          <a:p>
-            <a:endParaRPr lang="en-US" altLang="zh-TW" b="1" cap="all" dirty="0" smtClean="0"/>
-          </a:p>
-          <a:p>
-            <a:endParaRPr lang="en-US" altLang="zh-TW" b="1" cap="all" dirty="0"/>
-          </a:p>
-          <a:p>
-            <a:endParaRPr lang="en-US" altLang="zh-TW" b="1" cap="all" dirty="0" smtClean="0"/>
-          </a:p>
-          <a:p>
-            <a:endParaRPr lang="en-US" altLang="zh-TW" b="1" cap="all" dirty="0"/>
           </a:p>
         </p:txBody>
       </p:sp>
@@ -12695,53 +13394,10 @@
           </a:p>
         </p:txBody>
       </p:sp>
-      <p:sp>
-        <p:nvSpPr>
-          <p:cNvPr id="8" name="文字方塊 7"/>
-          <p:cNvSpPr txBox="1"/>
-          <p:nvPr/>
-        </p:nvSpPr>
-        <p:spPr>
-          <a:xfrm>
-            <a:off x="179512" y="6355762"/>
-            <a:ext cx="8712968" cy="369332"/>
-          </a:xfrm>
-          <a:prstGeom prst="rect">
-            <a:avLst/>
-          </a:prstGeom>
-          <a:solidFill>
-            <a:schemeClr val="accent2">
-              <a:lumMod val="60000"/>
-              <a:lumOff val="40000"/>
-            </a:schemeClr>
-          </a:solidFill>
-        </p:spPr>
-        <p:txBody>
-          <a:bodyPr wrap="square" rtlCol="0">
-            <a:spAutoFit/>
-          </a:bodyPr>
-          <a:lstStyle/>
-          <a:p>
-            <a:r>
-              <a:rPr lang="en-US" altLang="zh-TW" dirty="0">
-                <a:solidFill>
-                  <a:schemeClr val="bg1"/>
-                </a:solidFill>
-              </a:rPr>
-              <a:t>http://prasadhonrao.com/how-to-avoid-race-condition-in-csharp/</a:t>
-            </a:r>
-            <a:endParaRPr lang="en-US" altLang="zh-TW" dirty="0" smtClean="0">
-              <a:solidFill>
-                <a:schemeClr val="bg1"/>
-              </a:solidFill>
-            </a:endParaRPr>
-          </a:p>
-        </p:txBody>
-      </p:sp>
     </p:spTree>
     <p:extLst>
       <p:ext uri="{BB962C8B-B14F-4D97-AF65-F5344CB8AC3E}">
-        <p14:creationId xmlns:p14="http://schemas.microsoft.com/office/powerpoint/2010/main" val="3249668033"/>
+        <p14:creationId xmlns:p14="http://schemas.microsoft.com/office/powerpoint/2010/main" val="3381460727"/>
       </p:ext>
     </p:extLst>
   </p:cSld>
@@ -12797,6 +13453,67 @@
       </p:sp>
       <p:sp>
         <p:nvSpPr>
+          <p:cNvPr id="3" name="內容版面配置區 2"/>
+          <p:cNvSpPr>
+            <a:spLocks noGrp="1"/>
+          </p:cNvSpPr>
+          <p:nvPr>
+            <p:ph idx="1"/>
+          </p:nvPr>
+        </p:nvSpPr>
+        <p:spPr/>
+        <p:txBody>
+          <a:bodyPr/>
+          <a:lstStyle/>
+          <a:p>
+            <a:r>
+              <a:rPr lang="en-US" altLang="zh-TW" b="1" cap="all" dirty="0" smtClean="0"/>
+              <a:t>THREAD.JOIN</a:t>
+            </a:r>
+          </a:p>
+          <a:p>
+            <a:r>
+              <a:rPr lang="en-US" altLang="zh-TW" b="1" cap="all" dirty="0" smtClean="0"/>
+              <a:t>TASK.CONTINUEWITH</a:t>
+            </a:r>
+            <a:endParaRPr lang="en-US" altLang="zh-TW" b="1" cap="all" dirty="0"/>
+          </a:p>
+          <a:p>
+            <a:r>
+              <a:rPr lang="en-US" altLang="zh-TW" b="1" cap="all" dirty="0" smtClean="0"/>
+              <a:t>LOCK</a:t>
+            </a:r>
+            <a:endParaRPr lang="en-US" altLang="zh-TW" b="1" cap="all" dirty="0"/>
+          </a:p>
+          <a:p>
+            <a:r>
+              <a:rPr lang="en-US" altLang="zh-TW" b="1" cap="all" dirty="0" smtClean="0"/>
+              <a:t>MONITOR.ENTER </a:t>
+            </a:r>
+            <a:r>
+              <a:rPr lang="en-US" altLang="zh-TW" b="1" cap="all" dirty="0"/>
+              <a:t>– MONITOR.EXIT</a:t>
+            </a:r>
+          </a:p>
+          <a:p>
+            <a:endParaRPr lang="en-US" altLang="zh-TW" b="1" cap="all" dirty="0"/>
+          </a:p>
+          <a:p>
+            <a:endParaRPr lang="en-US" altLang="zh-TW" b="1" cap="all" dirty="0" smtClean="0"/>
+          </a:p>
+          <a:p>
+            <a:endParaRPr lang="en-US" altLang="zh-TW" b="1" cap="all" dirty="0"/>
+          </a:p>
+          <a:p>
+            <a:endParaRPr lang="en-US" altLang="zh-TW" b="1" cap="all" dirty="0" smtClean="0"/>
+          </a:p>
+          <a:p>
+            <a:endParaRPr lang="en-US" altLang="zh-TW" b="1" cap="all" dirty="0"/>
+          </a:p>
+        </p:txBody>
+      </p:sp>
+      <p:sp>
+        <p:nvSpPr>
           <p:cNvPr id="4" name="投影片編號版面配置區 3"/>
           <p:cNvSpPr>
             <a:spLocks noGrp="1"/>
@@ -12861,36 +13578,10 @@
           </a:p>
         </p:txBody>
       </p:sp>
-      <p:pic>
-        <p:nvPicPr>
-          <p:cNvPr id="6" name="內容版面配置區 5"/>
-          <p:cNvPicPr>
-            <a:picLocks noGrp="1" noChangeAspect="1"/>
-          </p:cNvPicPr>
-          <p:nvPr>
-            <p:ph idx="1"/>
-          </p:nvPr>
-        </p:nvPicPr>
-        <p:blipFill>
-          <a:blip r:embed="rId2"/>
-          <a:stretch>
-            <a:fillRect/>
-          </a:stretch>
-        </p:blipFill>
-        <p:spPr>
-          <a:xfrm>
-            <a:off x="157335" y="1541992"/>
-            <a:ext cx="8657454" cy="4394814"/>
-          </a:xfrm>
-          <a:prstGeom prst="rect">
-            <a:avLst/>
-          </a:prstGeom>
-        </p:spPr>
-      </p:pic>
     </p:spTree>
     <p:extLst>
       <p:ext uri="{BB962C8B-B14F-4D97-AF65-F5344CB8AC3E}">
-        <p14:creationId xmlns:p14="http://schemas.microsoft.com/office/powerpoint/2010/main" val="254958239"/>
+        <p14:creationId xmlns:p14="http://schemas.microsoft.com/office/powerpoint/2010/main" val="3249668033"/>
       </p:ext>
     </p:extLst>
   </p:cSld>

--- a/多執行緒處理和非同步處理.pptx
+++ b/多執行緒處理和非同步處理.pptx
@@ -5,10 +5,10 @@
     <p:sldMasterId id="2147483732" r:id="rId1"/>
   </p:sldMasterIdLst>
   <p:notesMasterIdLst>
-    <p:notesMasterId r:id="rId45"/>
+    <p:notesMasterId r:id="rId46"/>
   </p:notesMasterIdLst>
   <p:handoutMasterIdLst>
-    <p:handoutMasterId r:id="rId46"/>
+    <p:handoutMasterId r:id="rId47"/>
   </p:handoutMasterIdLst>
   <p:sldIdLst>
     <p:sldId id="256" r:id="rId2"/>
@@ -25,35 +25,36 @@
     <p:sldId id="292" r:id="rId13"/>
     <p:sldId id="279" r:id="rId14"/>
     <p:sldId id="265" r:id="rId15"/>
-    <p:sldId id="286" r:id="rId16"/>
-    <p:sldId id="285" r:id="rId17"/>
-    <p:sldId id="291" r:id="rId18"/>
-    <p:sldId id="280" r:id="rId19"/>
-    <p:sldId id="290" r:id="rId20"/>
-    <p:sldId id="282" r:id="rId21"/>
-    <p:sldId id="283" r:id="rId22"/>
-    <p:sldId id="296" r:id="rId23"/>
-    <p:sldId id="259" r:id="rId24"/>
-    <p:sldId id="267" r:id="rId25"/>
-    <p:sldId id="268" r:id="rId26"/>
-    <p:sldId id="284" r:id="rId27"/>
-    <p:sldId id="301" r:id="rId28"/>
-    <p:sldId id="302" r:id="rId29"/>
-    <p:sldId id="303" r:id="rId30"/>
-    <p:sldId id="304" r:id="rId31"/>
-    <p:sldId id="272" r:id="rId32"/>
-    <p:sldId id="270" r:id="rId33"/>
-    <p:sldId id="271" r:id="rId34"/>
-    <p:sldId id="269" r:id="rId35"/>
-    <p:sldId id="261" r:id="rId36"/>
-    <p:sldId id="277" r:id="rId37"/>
-    <p:sldId id="276" r:id="rId38"/>
-    <p:sldId id="260" r:id="rId39"/>
-    <p:sldId id="263" r:id="rId40"/>
-    <p:sldId id="293" r:id="rId41"/>
-    <p:sldId id="294" r:id="rId42"/>
-    <p:sldId id="295" r:id="rId43"/>
-    <p:sldId id="297" r:id="rId44"/>
+    <p:sldId id="305" r:id="rId16"/>
+    <p:sldId id="286" r:id="rId17"/>
+    <p:sldId id="285" r:id="rId18"/>
+    <p:sldId id="291" r:id="rId19"/>
+    <p:sldId id="280" r:id="rId20"/>
+    <p:sldId id="290" r:id="rId21"/>
+    <p:sldId id="282" r:id="rId22"/>
+    <p:sldId id="283" r:id="rId23"/>
+    <p:sldId id="296" r:id="rId24"/>
+    <p:sldId id="259" r:id="rId25"/>
+    <p:sldId id="267" r:id="rId26"/>
+    <p:sldId id="268" r:id="rId27"/>
+    <p:sldId id="284" r:id="rId28"/>
+    <p:sldId id="301" r:id="rId29"/>
+    <p:sldId id="302" r:id="rId30"/>
+    <p:sldId id="303" r:id="rId31"/>
+    <p:sldId id="304" r:id="rId32"/>
+    <p:sldId id="272" r:id="rId33"/>
+    <p:sldId id="270" r:id="rId34"/>
+    <p:sldId id="271" r:id="rId35"/>
+    <p:sldId id="269" r:id="rId36"/>
+    <p:sldId id="261" r:id="rId37"/>
+    <p:sldId id="277" r:id="rId38"/>
+    <p:sldId id="276" r:id="rId39"/>
+    <p:sldId id="260" r:id="rId40"/>
+    <p:sldId id="263" r:id="rId41"/>
+    <p:sldId id="293" r:id="rId42"/>
+    <p:sldId id="294" r:id="rId43"/>
+    <p:sldId id="295" r:id="rId44"/>
+    <p:sldId id="297" r:id="rId45"/>
   </p:sldIdLst>
   <p:sldSz cx="9144000" cy="6858000" type="screen4x3"/>
   <p:notesSz cx="6708775" cy="9774238"/>
@@ -256,7 +257,7 @@
           <a:p>
             <a:fld id="{EA458771-82EB-4BC9-92D4-77A54AB4FAA0}" type="datetimeFigureOut">
               <a:rPr lang="zh-TW" altLang="en-US" smtClean="0"/>
-              <a:t>2015/9/24</a:t>
+              <a:t>2015/10/8</a:t>
             </a:fld>
             <a:endParaRPr lang="zh-TW" altLang="en-US"/>
           </a:p>
@@ -422,7 +423,7 @@
           <a:p>
             <a:fld id="{27A49975-3E81-4D3D-A7F9-BA0B0FA66FD5}" type="datetimeFigureOut">
               <a:rPr lang="zh-TW" altLang="en-US" smtClean="0"/>
-              <a:t>2015/9/24</a:t>
+              <a:t>2015/10/8</a:t>
             </a:fld>
             <a:endParaRPr lang="zh-TW" altLang="en-US"/>
           </a:p>
@@ -844,7 +845,7 @@
           <a:p>
             <a:fld id="{80192C64-0D4F-4423-B508-145B8D89D521}" type="slidenum">
               <a:rPr lang="zh-TW" altLang="en-US" smtClean="0"/>
-              <a:t>28</a:t>
+              <a:t>29</a:t>
             </a:fld>
             <a:endParaRPr lang="zh-TW" altLang="en-US"/>
           </a:p>
@@ -1007,7 +1008,7 @@
           <a:p>
             <a:fld id="{C787BA86-B27C-4C9D-895F-FE8F144911B6}" type="datetime1">
               <a:rPr lang="zh-TW" altLang="en-US" smtClean="0"/>
-              <a:t>2015/9/24</a:t>
+              <a:t>2015/10/8</a:t>
             </a:fld>
             <a:endParaRPr lang="zh-TW" altLang="en-US" dirty="0"/>
           </a:p>
@@ -1146,7 +1147,7 @@
           <a:graphicData uri="http://schemas.openxmlformats.org/presentationml/2006/ole">
             <mc:AlternateContent xmlns:mc="http://schemas.openxmlformats.org/markup-compatibility/2006">
               <mc:Choice xmlns:v="urn:schemas-microsoft-com:vml" Requires="v">
-                <p:oleObj spid="_x0000_s1421" r:id="rId4" imgW="0" imgH="0" progId="PowerPoint.Show.8">
+                <p:oleObj spid="_x0000_s1430" r:id="rId4" imgW="0" imgH="0" progId="PowerPoint.Show.8">
                   <p:embed/>
                 </p:oleObj>
               </mc:Choice>
@@ -1526,7 +1527,7 @@
           <a:p>
             <a:fld id="{C2C2CB7C-AF0C-4E52-8108-8048BEAB7F22}" type="datetime1">
               <a:rPr lang="zh-TW" altLang="en-US" smtClean="0"/>
-              <a:t>2015/9/24</a:t>
+              <a:t>2015/10/8</a:t>
             </a:fld>
             <a:endParaRPr lang="zh-TW" altLang="en-US"/>
           </a:p>
@@ -1759,7 +1760,7 @@
           <a:p>
             <a:fld id="{A1E7AB1F-959E-4491-AF42-63816FA7945B}" type="datetime1">
               <a:rPr lang="zh-TW" altLang="en-US" smtClean="0"/>
-              <a:t>2015/9/24</a:t>
+              <a:t>2015/10/8</a:t>
             </a:fld>
             <a:endParaRPr lang="zh-TW" altLang="en-US"/>
           </a:p>
@@ -1982,7 +1983,7 @@
           <a:p>
             <a:fld id="{0FCDD0C1-9253-4323-993E-FA31E2BEEE71}" type="datetime1">
               <a:rPr lang="zh-TW" altLang="en-US" smtClean="0"/>
-              <a:t>2015/9/24</a:t>
+              <a:t>2015/10/8</a:t>
             </a:fld>
             <a:endParaRPr lang="zh-TW" altLang="en-US"/>
           </a:p>
@@ -2208,7 +2209,7 @@
           <a:p>
             <a:fld id="{F0A7F967-7E6A-490E-B170-D2C779AFE000}" type="datetime1">
               <a:rPr lang="zh-TW" altLang="en-US" smtClean="0"/>
-              <a:t>2015/9/24</a:t>
+              <a:t>2015/10/8</a:t>
             </a:fld>
             <a:endParaRPr lang="zh-TW" altLang="en-US"/>
           </a:p>
@@ -2549,7 +2550,7 @@
           <a:p>
             <a:fld id="{0B5661E4-B5D7-48CD-A58D-5D08675B39B2}" type="datetime1">
               <a:rPr lang="zh-TW" altLang="en-US" smtClean="0"/>
-              <a:t>2015/9/24</a:t>
+              <a:t>2015/10/8</a:t>
             </a:fld>
             <a:endParaRPr lang="zh-TW" altLang="en-US"/>
           </a:p>
@@ -3029,7 +3030,7 @@
           <a:p>
             <a:fld id="{AA14EC56-7158-4363-A268-8EF25FFB8220}" type="datetime1">
               <a:rPr lang="zh-TW" altLang="en-US" smtClean="0"/>
-              <a:t>2015/9/24</a:t>
+              <a:t>2015/10/8</a:t>
             </a:fld>
             <a:endParaRPr lang="zh-TW" altLang="en-US"/>
           </a:p>
@@ -3134,7 +3135,7 @@
           <a:p>
             <a:fld id="{CBF83A82-8858-4BFA-BC15-96CF0087B9BD}" type="datetime1">
               <a:rPr lang="zh-TW" altLang="en-US" smtClean="0"/>
-              <a:t>2015/9/24</a:t>
+              <a:t>2015/10/8</a:t>
             </a:fld>
             <a:endParaRPr lang="zh-TW" altLang="en-US"/>
           </a:p>
@@ -3216,7 +3217,7 @@
           <a:p>
             <a:fld id="{34650CE2-3034-4FEF-A7B9-EBCD6D2497B2}" type="datetime1">
               <a:rPr lang="zh-TW" altLang="en-US" smtClean="0"/>
-              <a:t>2015/9/24</a:t>
+              <a:t>2015/10/8</a:t>
             </a:fld>
             <a:endParaRPr lang="zh-TW" altLang="en-US"/>
           </a:p>
@@ -3546,7 +3547,7 @@
           <a:p>
             <a:fld id="{B2E5D920-11C2-48C7-B30E-9C3C72FCD52E}" type="datetime1">
               <a:rPr lang="zh-TW" altLang="en-US" smtClean="0"/>
-              <a:t>2015/9/24</a:t>
+              <a:t>2015/10/8</a:t>
             </a:fld>
             <a:endParaRPr lang="zh-TW" altLang="en-US"/>
           </a:p>
@@ -3856,7 +3857,7 @@
           <a:p>
             <a:fld id="{22C67F70-208B-4447-87CD-7A3B56DD4EAD}" type="datetime1">
               <a:rPr lang="zh-TW" altLang="en-US" smtClean="0"/>
-              <a:t>2015/9/24</a:t>
+              <a:t>2015/10/8</a:t>
             </a:fld>
             <a:endParaRPr lang="zh-TW" altLang="en-US"/>
           </a:p>
@@ -4195,7 +4196,7 @@
           <a:p>
             <a:fld id="{277CD144-54BF-4B26-9533-C86504424FDB}" type="datetime1">
               <a:rPr lang="zh-TW" altLang="en-US" smtClean="0"/>
-              <a:t>2015/9/24</a:t>
+              <a:t>2015/10/8</a:t>
             </a:fld>
             <a:endParaRPr lang="zh-TW" altLang="en-US"/>
           </a:p>
@@ -5268,6 +5269,13 @@
   <p:clrMapOvr>
     <a:masterClrMapping/>
   </p:clrMapOvr>
+  <p:timing>
+    <p:tnLst>
+      <p:par>
+        <p:cTn id="1" dur="indefinite" restart="never" nodeType="tmRoot"/>
+      </p:par>
+    </p:tnLst>
+  </p:timing>
 </p:sld>
 </file>
 
@@ -5452,6 +5460,13 @@
   <p:clrMapOvr>
     <a:masterClrMapping/>
   </p:clrMapOvr>
+  <p:timing>
+    <p:tnLst>
+      <p:par>
+        <p:cTn id="1" dur="indefinite" restart="never" nodeType="tmRoot"/>
+      </p:par>
+    </p:tnLst>
+  </p:timing>
 </p:sld>
 </file>
 
@@ -5601,6 +5616,13 @@
   <p:clrMapOvr>
     <a:masterClrMapping/>
   </p:clrMapOvr>
+  <p:timing>
+    <p:tnLst>
+      <p:par>
+        <p:cTn id="1" dur="indefinite" restart="never" nodeType="tmRoot"/>
+      </p:par>
+    </p:tnLst>
+  </p:timing>
 </p:sld>
 </file>
 
@@ -5664,26 +5686,73 @@
           <a:lstStyle/>
           <a:p>
             <a:r>
-              <a:rPr lang="en-US" altLang="zh-TW" dirty="0"/>
+              <a:rPr lang="en-US" altLang="zh-TW" sz="2800" dirty="0"/>
               <a:t>allows a thread to communicate with another thread. Suppose you have two </a:t>
             </a:r>
             <a:r>
+              <a:rPr lang="en-US" altLang="zh-TW" sz="2800" dirty="0" smtClean="0"/>
+              <a:t>threads</a:t>
+            </a:r>
+          </a:p>
+          <a:p>
+            <a:r>
+              <a:rPr lang="en-US" altLang="zh-TW" sz="2800" dirty="0"/>
+              <a:t>Using </a:t>
+            </a:r>
+            <a:r>
+              <a:rPr lang="en-US" altLang="zh-TW" sz="2800" dirty="0" err="1"/>
+              <a:t>SynchronizationContext</a:t>
+            </a:r>
+            <a:r>
+              <a:rPr lang="en-US" altLang="zh-TW" sz="2800" dirty="0"/>
+              <a:t> to Marshal Code from One Thread to </a:t>
+            </a:r>
+            <a:r>
+              <a:rPr lang="en-US" altLang="zh-TW" sz="2800" dirty="0" smtClean="0"/>
+              <a:t>Another</a:t>
+            </a:r>
+          </a:p>
+          <a:p>
+            <a:r>
+              <a:rPr lang="en-US" altLang="zh-TW" sz="2800" dirty="0" smtClean="0"/>
+              <a:t>WPF</a:t>
+            </a:r>
+          </a:p>
+          <a:p>
+            <a:pPr lvl="1"/>
+            <a:r>
+              <a:rPr lang="en-US" altLang="zh-TW" sz="2400" dirty="0" smtClean="0"/>
+              <a:t>UI Thread</a:t>
+            </a:r>
+            <a:endParaRPr lang="en-US" altLang="zh-TW" sz="2400" dirty="0"/>
+          </a:p>
+          <a:p>
+            <a:r>
               <a:rPr lang="en-US" altLang="zh-TW" dirty="0" smtClean="0"/>
-              <a:t>threads</a:t>
-            </a:r>
-          </a:p>
-          <a:p>
-            <a:r>
-              <a:rPr lang="en-US" altLang="zh-TW" dirty="0"/>
-              <a:t>Using </a:t>
-            </a:r>
+              <a:t>ASP.NET</a:t>
+            </a:r>
+          </a:p>
+          <a:p>
+            <a:pPr lvl="1"/>
             <a:r>
               <a:rPr lang="en-US" altLang="zh-TW" dirty="0" err="1"/>
-              <a:t>SynchronizationContext</a:t>
-            </a:r>
-            <a:r>
-              <a:rPr lang="en-US" altLang="zh-TW" dirty="0"/>
-              <a:t> to Marshal Code from One Thread to Another</a:t>
+              <a:t>HttpContext.Current</a:t>
+            </a:r>
+            <a:endParaRPr lang="en-US" altLang="zh-TW" dirty="0" smtClean="0"/>
+          </a:p>
+          <a:p>
+            <a:pPr lvl="1"/>
+            <a:r>
+              <a:rPr lang="en-US" altLang="zh-TW" dirty="0" err="1" smtClean="0"/>
+              <a:t>appSettings</a:t>
+            </a:r>
+            <a:r>
+              <a:rPr lang="en-US" altLang="zh-TW" dirty="0" smtClean="0"/>
+              <a:t>&gt;</a:t>
+            </a:r>
+            <a:r>
+              <a:rPr lang="en-US" altLang="zh-TW" dirty="0" err="1" smtClean="0"/>
+              <a:t>aspnet:UseTaskFriendlySynchronizationContext</a:t>
             </a:r>
             <a:endParaRPr lang="zh-TW" altLang="en-US" dirty="0"/>
           </a:p>
@@ -5722,6 +5791,13 @@
   <p:clrMapOvr>
     <a:masterClrMapping/>
   </p:clrMapOvr>
+  <p:timing>
+    <p:tnLst>
+      <p:par>
+        <p:cTn id="1" dur="indefinite" restart="never" nodeType="tmRoot"/>
+      </p:par>
+    </p:tnLst>
+  </p:timing>
 </p:sld>
 </file>
 
@@ -5889,6 +5965,13 @@
   <p:clrMapOvr>
     <a:masterClrMapping/>
   </p:clrMapOvr>
+  <p:timing>
+    <p:tnLst>
+      <p:par>
+        <p:cTn id="1" dur="indefinite" restart="never" nodeType="tmRoot"/>
+      </p:par>
+    </p:tnLst>
+  </p:timing>
 </p:sld>
 </file>
 
@@ -5925,9 +6008,18 @@
           <a:lstStyle/>
           <a:p>
             <a:r>
-              <a:rPr lang="zh-TW" altLang="en-US" dirty="0"/>
-              <a:t>死結和競爭</a:t>
-            </a:r>
+              <a:rPr lang="en-US" altLang="zh-TW" dirty="0" err="1" smtClean="0"/>
+              <a:t>HttpContext</a:t>
+            </a:r>
+            <a:r>
+              <a:rPr lang="en-US" altLang="zh-TW" dirty="0"/>
+              <a:t> </a:t>
+            </a:r>
+            <a:r>
+              <a:rPr lang="en-US" altLang="zh-TW" dirty="0" smtClean="0"/>
+              <a:t>vs Thread save</a:t>
+            </a:r>
+            <a:endParaRPr lang="zh-TW" altLang="en-US" dirty="0"/>
           </a:p>
         </p:txBody>
       </p:sp>
@@ -5947,31 +6039,41 @@
           <a:lstStyle/>
           <a:p>
             <a:r>
-              <a:rPr lang="zh-TW" altLang="en-US" dirty="0" smtClean="0"/>
-              <a:t>死結</a:t>
-            </a:r>
-            <a:endParaRPr lang="en-US" altLang="zh-TW" dirty="0" smtClean="0"/>
+              <a:rPr lang="en-US" altLang="zh-TW" dirty="0"/>
+              <a:t>https://msdn.microsoft.com/zh-tw/library/System.Web.HttpContext(v=vs.110).</a:t>
+            </a:r>
+            <a:r>
+              <a:rPr lang="en-US" altLang="zh-TW" dirty="0" smtClean="0"/>
+              <a:t>aspx</a:t>
+            </a:r>
+          </a:p>
+          <a:p>
+            <a:r>
+              <a:rPr lang="zh-TW" altLang="en-US" dirty="0"/>
+              <a:t>執行緒安全</a:t>
+            </a:r>
           </a:p>
           <a:p>
             <a:pPr lvl="1"/>
             <a:r>
               <a:rPr lang="zh-TW" altLang="en-US" dirty="0"/>
-              <a:t>當兩個執行緒都嘗試鎖定另一個執行緒已經鎖定的資源時，就會發生死結。  兩個執行緒都不能繼續進行。 </a:t>
-            </a:r>
-            <a:endParaRPr lang="en-US" altLang="zh-TW" dirty="0"/>
-          </a:p>
-          <a:p>
-            <a:r>
-              <a:rPr lang="zh-TW" altLang="en-US" dirty="0" smtClean="0"/>
-              <a:t>競爭</a:t>
-            </a:r>
-            <a:endParaRPr lang="en-US" altLang="zh-TW" dirty="0" smtClean="0"/>
-          </a:p>
-          <a:p>
-            <a:pPr lvl="1"/>
+              <a:t>這個類型的任何 </a:t>
+            </a:r>
+            <a:r>
+              <a:rPr lang="en-US" altLang="zh-TW" dirty="0"/>
+              <a:t>Public </a:t>
+            </a:r>
+            <a:r>
+              <a:rPr lang="en-US" altLang="zh-TW"/>
+              <a:t>static </a:t>
+            </a:r>
+            <a:r>
+              <a:rPr lang="zh-TW" altLang="en-US" smtClean="0"/>
+              <a:t>成員</a:t>
+            </a:r>
             <a:r>
               <a:rPr lang="zh-TW" altLang="en-US" dirty="0"/>
-              <a:t>競爭情形是一種錯誤，這種錯誤是指根據兩個或多個執行緒之中，哪一個先到達程式碼的特定區塊而決定程式的結果。  執行程式多次會產生不同的結果，並且無法預測任何指定的執行結果。</a:t>
+              <a:t>都是安全執行緒。不保證任何執行個體成員是安全執行緒。</a:t>
             </a:r>
           </a:p>
         </p:txBody>
@@ -5999,55 +6101,10 @@
           </a:p>
         </p:txBody>
       </p:sp>
-      <p:sp>
-        <p:nvSpPr>
-          <p:cNvPr id="8" name="矩形 7"/>
-          <p:cNvSpPr/>
-          <p:nvPr/>
-        </p:nvSpPr>
-        <p:spPr>
-          <a:xfrm>
-            <a:off x="251520" y="6384409"/>
-            <a:ext cx="8064896" cy="369332"/>
-          </a:xfrm>
-          <a:prstGeom prst="rect">
-            <a:avLst/>
-          </a:prstGeom>
-          <a:solidFill>
-            <a:schemeClr val="accent2">
-              <a:lumMod val="60000"/>
-              <a:lumOff val="40000"/>
-            </a:schemeClr>
-          </a:solidFill>
-        </p:spPr>
-        <p:txBody>
-          <a:bodyPr wrap="square">
-            <a:spAutoFit/>
-          </a:bodyPr>
-          <a:lstStyle/>
-          <a:p>
-            <a:r>
-              <a:rPr lang="en-US" altLang="zh-TW" dirty="0">
-                <a:solidFill>
-                  <a:schemeClr val="bg1"/>
-                </a:solidFill>
-                <a:latin typeface="Microsoft JhengHei UI" panose="020B0604030504040204" pitchFamily="34" charset="-120"/>
-                <a:ea typeface="Microsoft JhengHei UI" panose="020B0604030504040204" pitchFamily="34" charset="-120"/>
-              </a:rPr>
-              <a:t>https://msdn.microsoft.com/zh-tw/library/hyz69czz(v=vs.110).aspx</a:t>
-            </a:r>
-            <a:endParaRPr lang="zh-TW" altLang="en-US" dirty="0">
-              <a:solidFill>
-                <a:schemeClr val="bg1"/>
-              </a:solidFill>
-            </a:endParaRPr>
-          </a:p>
-        </p:txBody>
-      </p:sp>
     </p:spTree>
     <p:extLst>
       <p:ext uri="{BB962C8B-B14F-4D97-AF65-F5344CB8AC3E}">
-        <p14:creationId xmlns:p14="http://schemas.microsoft.com/office/powerpoint/2010/main" val="4014677176"/>
+        <p14:creationId xmlns:p14="http://schemas.microsoft.com/office/powerpoint/2010/main" val="2246626140"/>
       </p:ext>
     </p:extLst>
   </p:cSld>
@@ -6097,14 +6154,9 @@
           <a:lstStyle/>
           <a:p>
             <a:r>
-              <a:rPr lang="en-US" altLang="zh-TW" dirty="0" smtClean="0"/>
-              <a:t>Multi-Thread</a:t>
-            </a:r>
-            <a:r>
-              <a:rPr lang="zh-TW" altLang="en-US" dirty="0" smtClean="0"/>
-              <a:t> 考量</a:t>
-            </a:r>
-            <a:endParaRPr lang="zh-TW" altLang="en-US" dirty="0"/>
+              <a:rPr lang="zh-TW" altLang="en-US" dirty="0"/>
+              <a:t>死結和競爭</a:t>
+            </a:r>
           </a:p>
         </p:txBody>
       </p:sp>
@@ -6124,43 +6176,31 @@
           <a:lstStyle/>
           <a:p>
             <a:r>
-              <a:rPr lang="en-US" altLang="zh-TW" dirty="0" smtClean="0"/>
-              <a:t>Enhance Performance</a:t>
-            </a:r>
-          </a:p>
-          <a:p>
-            <a:r>
-              <a:rPr lang="en-US" altLang="zh-TW" dirty="0" smtClean="0"/>
-              <a:t>Overhead performance</a:t>
-            </a:r>
-            <a:r>
-              <a:rPr lang="en-US" altLang="zh-TW" dirty="0"/>
-              <a:t>.</a:t>
+              <a:rPr lang="zh-TW" altLang="en-US" dirty="0" smtClean="0"/>
+              <a:t>死結</a:t>
             </a:r>
             <a:endParaRPr lang="en-US" altLang="zh-TW" dirty="0" smtClean="0"/>
           </a:p>
           <a:p>
-            <a:r>
-              <a:rPr lang="en-US" altLang="zh-TW" dirty="0" smtClean="0"/>
-              <a:t>Responsiveness </a:t>
-            </a:r>
-          </a:p>
-          <a:p>
-            <a:r>
-              <a:rPr lang="en-US" altLang="zh-TW" dirty="0" smtClean="0"/>
-              <a:t>Hardware</a:t>
-            </a:r>
-          </a:p>
-          <a:p>
-            <a:r>
-              <a:rPr lang="en-US" altLang="zh-TW" dirty="0" smtClean="0"/>
-              <a:t>Complexity</a:t>
-            </a:r>
-          </a:p>
-          <a:p>
+            <a:pPr lvl="1"/>
             <a:r>
               <a:rPr lang="zh-TW" altLang="en-US" dirty="0"/>
-              <a:t>死結和競爭</a:t>
+              <a:t>當兩個執行緒都嘗試鎖定另一個執行緒已經鎖定的資源時，就會發生死結。  兩個執行緒都不能繼續進行。 </a:t>
+            </a:r>
+            <a:endParaRPr lang="en-US" altLang="zh-TW" dirty="0"/>
+          </a:p>
+          <a:p>
+            <a:r>
+              <a:rPr lang="zh-TW" altLang="en-US" dirty="0" smtClean="0"/>
+              <a:t>競爭</a:t>
+            </a:r>
+            <a:endParaRPr lang="en-US" altLang="zh-TW" dirty="0" smtClean="0"/>
+          </a:p>
+          <a:p>
+            <a:pPr lvl="1"/>
+            <a:r>
+              <a:rPr lang="zh-TW" altLang="en-US" dirty="0"/>
+              <a:t>競爭情形是一種錯誤，這種錯誤是指根據兩個或多個執行緒之中，哪一個先到達程式碼的特定區塊而決定程式的結果。  執行程式多次會產生不同的結果，並且無法預測任何指定的執行結果。</a:t>
             </a:r>
           </a:p>
         </p:txBody>
@@ -6188,16 +6228,68 @@
           </a:p>
         </p:txBody>
       </p:sp>
+      <p:sp>
+        <p:nvSpPr>
+          <p:cNvPr id="8" name="矩形 7"/>
+          <p:cNvSpPr/>
+          <p:nvPr/>
+        </p:nvSpPr>
+        <p:spPr>
+          <a:xfrm>
+            <a:off x="251520" y="6384409"/>
+            <a:ext cx="8064896" cy="369332"/>
+          </a:xfrm>
+          <a:prstGeom prst="rect">
+            <a:avLst/>
+          </a:prstGeom>
+          <a:solidFill>
+            <a:schemeClr val="accent2">
+              <a:lumMod val="60000"/>
+              <a:lumOff val="40000"/>
+            </a:schemeClr>
+          </a:solidFill>
+        </p:spPr>
+        <p:txBody>
+          <a:bodyPr wrap="square">
+            <a:spAutoFit/>
+          </a:bodyPr>
+          <a:lstStyle/>
+          <a:p>
+            <a:r>
+              <a:rPr lang="en-US" altLang="zh-TW" dirty="0">
+                <a:solidFill>
+                  <a:schemeClr val="bg1"/>
+                </a:solidFill>
+                <a:latin typeface="Microsoft JhengHei UI" panose="020B0604030504040204" pitchFamily="34" charset="-120"/>
+                <a:ea typeface="Microsoft JhengHei UI" panose="020B0604030504040204" pitchFamily="34" charset="-120"/>
+              </a:rPr>
+              <a:t>https://msdn.microsoft.com/zh-tw/library/hyz69czz(v=vs.110).aspx</a:t>
+            </a:r>
+            <a:endParaRPr lang="zh-TW" altLang="en-US" dirty="0">
+              <a:solidFill>
+                <a:schemeClr val="bg1"/>
+              </a:solidFill>
+            </a:endParaRPr>
+          </a:p>
+        </p:txBody>
+      </p:sp>
     </p:spTree>
     <p:extLst>
       <p:ext uri="{BB962C8B-B14F-4D97-AF65-F5344CB8AC3E}">
-        <p14:creationId xmlns:p14="http://schemas.microsoft.com/office/powerpoint/2010/main" val="1015429212"/>
+        <p14:creationId xmlns:p14="http://schemas.microsoft.com/office/powerpoint/2010/main" val="4014677176"/>
       </p:ext>
     </p:extLst>
   </p:cSld>
   <p:clrMapOvr>
     <a:masterClrMapping/>
   </p:clrMapOvr>
+  <p:timing>
+    <p:tnLst>
+      <p:par>
+        <p:cTn id="1" dur="indefinite" restart="never" nodeType="tmRoot"/>
+      </p:par>
+    </p:tnLst>
+  </p:timing>
 </p:sld>
 </file>
 
@@ -6234,8 +6326,12 @@
           <a:lstStyle/>
           <a:p>
             <a:r>
+              <a:rPr lang="en-US" altLang="zh-TW" dirty="0" smtClean="0"/>
+              <a:t>Multi-Thread</a:t>
+            </a:r>
+            <a:r>
               <a:rPr lang="zh-TW" altLang="en-US" dirty="0" smtClean="0"/>
-              <a:t>正式進入主題</a:t>
+              <a:t> 考量</a:t>
             </a:r>
             <a:endParaRPr lang="zh-TW" altLang="en-US" dirty="0"/>
           </a:p>
@@ -6257,25 +6353,44 @@
           <a:lstStyle/>
           <a:p>
             <a:r>
-              <a:rPr lang="zh-TW" altLang="en-US" dirty="0" smtClean="0"/>
-              <a:t>接下來會有許多實際範例</a:t>
+              <a:rPr lang="en-US" altLang="zh-TW" dirty="0" smtClean="0"/>
+              <a:t>Enhance Performance</a:t>
+            </a:r>
+          </a:p>
+          <a:p>
+            <a:r>
+              <a:rPr lang="en-US" altLang="zh-TW" dirty="0" smtClean="0"/>
+              <a:t>Overhead performance</a:t>
+            </a:r>
+            <a:r>
+              <a:rPr lang="en-US" altLang="zh-TW" dirty="0"/>
+              <a:t>.</a:t>
             </a:r>
             <a:endParaRPr lang="en-US" altLang="zh-TW" dirty="0" smtClean="0"/>
           </a:p>
           <a:p>
             <a:r>
-              <a:rPr lang="zh-TW" altLang="en-US" dirty="0" smtClean="0"/>
-              <a:t>不要</a:t>
-            </a:r>
+              <a:rPr lang="en-US" altLang="zh-TW" dirty="0" smtClean="0"/>
+              <a:t>Responsiveness </a:t>
+            </a:r>
+          </a:p>
+          <a:p>
+            <a:r>
+              <a:rPr lang="en-US" altLang="zh-TW" dirty="0" smtClean="0"/>
+              <a:t>Hardware</a:t>
+            </a:r>
+          </a:p>
+          <a:p>
+            <a:r>
+              <a:rPr lang="en-US" altLang="zh-TW" dirty="0" smtClean="0"/>
+              <a:t>Complexity</a:t>
+            </a:r>
+          </a:p>
+          <a:p>
             <a:r>
               <a:rPr lang="zh-TW" altLang="en-US" dirty="0"/>
-              <a:t>再</a:t>
-            </a:r>
-            <a:r>
-              <a:rPr lang="zh-TW" altLang="en-US" dirty="0" smtClean="0"/>
-              <a:t>打瞌睡了</a:t>
-            </a:r>
-            <a:endParaRPr lang="zh-TW" altLang="en-US" dirty="0"/>
+              <a:t>死結和競爭</a:t>
+            </a:r>
           </a:p>
         </p:txBody>
       </p:sp>
@@ -6305,13 +6420,20 @@
     </p:spTree>
     <p:extLst>
       <p:ext uri="{BB962C8B-B14F-4D97-AF65-F5344CB8AC3E}">
-        <p14:creationId xmlns:p14="http://schemas.microsoft.com/office/powerpoint/2010/main" val="2157034932"/>
+        <p14:creationId xmlns:p14="http://schemas.microsoft.com/office/powerpoint/2010/main" val="1015429212"/>
       </p:ext>
     </p:extLst>
   </p:cSld>
   <p:clrMapOvr>
     <a:masterClrMapping/>
   </p:clrMapOvr>
+  <p:timing>
+    <p:tnLst>
+      <p:par>
+        <p:cTn id="1" dur="indefinite" restart="never" nodeType="tmRoot"/>
+      </p:par>
+    </p:tnLst>
+  </p:timing>
 </p:sld>
 </file>
 
@@ -6348,16 +6470,8 @@
           <a:lstStyle/>
           <a:p>
             <a:r>
-              <a:rPr lang="en-US" altLang="zh-TW" dirty="0" smtClean="0"/>
-              <a:t>C#</a:t>
-            </a:r>
-            <a:r>
               <a:rPr lang="zh-TW" altLang="en-US" dirty="0" smtClean="0"/>
-              <a:t> 會用到的</a:t>
-            </a:r>
-            <a:r>
-              <a:rPr lang="en-US" altLang="zh-TW" dirty="0" smtClean="0"/>
-              <a:t>Class</a:t>
+              <a:t>正式進入主題</a:t>
             </a:r>
             <a:endParaRPr lang="zh-TW" altLang="en-US" dirty="0"/>
           </a:p>
@@ -6379,128 +6493,25 @@
           <a:lstStyle/>
           <a:p>
             <a:r>
-              <a:rPr lang="en-US" altLang="zh-TW" sz="2400" dirty="0"/>
-              <a:t>Thread</a:t>
-            </a:r>
-          </a:p>
-          <a:p>
-            <a:pPr lvl="1"/>
-            <a:r>
-              <a:rPr lang="zh-TW" altLang="en-US" sz="1800" dirty="0"/>
-              <a:t>可建立和控制執行緒，設定執行緒的優先權，並取得它的狀態</a:t>
-            </a:r>
-            <a:endParaRPr lang="en-US" altLang="zh-TW" sz="1800" dirty="0" smtClean="0"/>
-          </a:p>
-          <a:p>
-            <a:r>
-              <a:rPr lang="en-US" altLang="zh-TW" sz="2400" dirty="0" err="1"/>
-              <a:t>ThreadPool</a:t>
-            </a:r>
-            <a:endParaRPr lang="en-US" altLang="zh-TW" sz="2400" dirty="0"/>
-          </a:p>
-          <a:p>
-            <a:pPr lvl="1"/>
-            <a:r>
-              <a:rPr lang="zh-TW" altLang="en-US" sz="1800" dirty="0" smtClean="0"/>
-              <a:t>提供</a:t>
-            </a:r>
-            <a:r>
-              <a:rPr lang="zh-TW" altLang="en-US" sz="1800" dirty="0"/>
-              <a:t>執行緒的集區，可用來執行工作、張貼工作項目、處理非同步 </a:t>
-            </a:r>
-            <a:r>
-              <a:rPr lang="en-US" altLang="zh-TW" sz="1800" dirty="0"/>
-              <a:t>I/O</a:t>
-            </a:r>
-            <a:r>
-              <a:rPr lang="zh-TW" altLang="en-US" sz="1800" dirty="0"/>
-              <a:t>、代表其他執行緒等候，以及處理計時器。</a:t>
-            </a:r>
-            <a:endParaRPr lang="en-US" altLang="zh-TW" sz="1800" dirty="0" smtClean="0"/>
-          </a:p>
-          <a:p>
-            <a:r>
-              <a:rPr lang="en-US" altLang="zh-TW" sz="2400" dirty="0"/>
-              <a:t>Task</a:t>
-            </a:r>
-          </a:p>
-          <a:p>
-            <a:pPr lvl="1"/>
-            <a:r>
-              <a:rPr lang="zh-TW" altLang="en-US" sz="1800" dirty="0"/>
-              <a:t>表示非同步</a:t>
-            </a:r>
-            <a:r>
-              <a:rPr lang="zh-TW" altLang="en-US" sz="1800" dirty="0" smtClean="0"/>
-              <a:t>作業</a:t>
-            </a:r>
-            <a:endParaRPr lang="en-US" altLang="zh-TW" sz="1800" dirty="0" smtClean="0"/>
-          </a:p>
-          <a:p>
-            <a:r>
-              <a:rPr lang="en-US" altLang="zh-TW" sz="2400" dirty="0" err="1" smtClean="0"/>
-              <a:t>Task.Factory</a:t>
-            </a:r>
-            <a:endParaRPr lang="en-US" altLang="zh-TW" sz="2400" dirty="0" smtClean="0"/>
-          </a:p>
-          <a:p>
-            <a:pPr lvl="1"/>
-            <a:r>
-              <a:rPr lang="zh-TW" altLang="en-US" sz="2000" dirty="0"/>
-              <a:t>提供建立和排程 </a:t>
-            </a:r>
-            <a:r>
-              <a:rPr lang="en-US" altLang="zh-TW" sz="2000" dirty="0"/>
-              <a:t>Task </a:t>
-            </a:r>
-            <a:r>
-              <a:rPr lang="zh-TW" altLang="en-US" sz="2000" dirty="0"/>
-              <a:t>物件的</a:t>
-            </a:r>
-            <a:r>
-              <a:rPr lang="zh-TW" altLang="en-US" sz="2000" dirty="0" smtClean="0"/>
-              <a:t>支援</a:t>
-            </a:r>
-            <a:endParaRPr lang="en-US" altLang="zh-TW" sz="2000" dirty="0" smtClean="0"/>
-          </a:p>
-          <a:p>
-            <a:pPr lvl="1"/>
-            <a:r>
-              <a:rPr lang="zh-CN" altLang="en-US" sz="2000" dirty="0"/>
-              <a:t>创建一个任务，并通过调用立即启动该 </a:t>
-            </a:r>
-            <a:r>
-              <a:rPr lang="en-US" altLang="zh-CN" sz="2000" dirty="0" err="1"/>
-              <a:t>StartNew</a:t>
-            </a:r>
-            <a:r>
-              <a:rPr lang="en-US" altLang="zh-CN" sz="2000" dirty="0"/>
-              <a:t> </a:t>
-            </a:r>
-            <a:r>
-              <a:rPr lang="zh-CN" altLang="en-US" sz="2000" dirty="0"/>
-              <a:t>方法</a:t>
-            </a:r>
-            <a:endParaRPr lang="en-US" altLang="zh-TW" sz="2000" dirty="0" smtClean="0"/>
-          </a:p>
-          <a:p>
-            <a:r>
-              <a:rPr lang="en-US" altLang="zh-TW" sz="2400" dirty="0"/>
-              <a:t> </a:t>
-            </a:r>
-            <a:r>
-              <a:rPr lang="en-US" altLang="zh-TW" sz="2400" dirty="0" err="1" smtClean="0"/>
-              <a:t>Task.Run</a:t>
-            </a:r>
-            <a:endParaRPr lang="en-US" altLang="zh-TW" sz="2400" dirty="0" smtClean="0"/>
-          </a:p>
-          <a:p>
-            <a:pPr lvl="1"/>
-            <a:r>
-              <a:rPr lang="zh-CN" altLang="en-US" sz="2000" dirty="0"/>
-              <a:t>提供了最简单的方式使用默认配置值创建一个任务并立即开始</a:t>
-            </a:r>
-            <a:endParaRPr lang="en-US" altLang="zh-TW" sz="2000" dirty="0" smtClean="0"/>
+              <a:rPr lang="zh-TW" altLang="en-US" dirty="0" smtClean="0"/>
+              <a:t>接下來會有許多實際範例</a:t>
+            </a:r>
+            <a:endParaRPr lang="en-US" altLang="zh-TW" dirty="0" smtClean="0"/>
+          </a:p>
+          <a:p>
+            <a:r>
+              <a:rPr lang="zh-TW" altLang="en-US" dirty="0" smtClean="0"/>
+              <a:t>不要</a:t>
+            </a:r>
+            <a:r>
+              <a:rPr lang="zh-TW" altLang="en-US" dirty="0"/>
+              <a:t>再</a:t>
+            </a:r>
+            <a:r>
+              <a:rPr lang="zh-TW" altLang="en-US" dirty="0" smtClean="0"/>
+              <a:t>打瞌睡了</a:t>
+            </a:r>
+            <a:endParaRPr lang="zh-TW" altLang="en-US" dirty="0"/>
           </a:p>
         </p:txBody>
       </p:sp>
@@ -6530,7 +6541,7 @@
     </p:spTree>
     <p:extLst>
       <p:ext uri="{BB962C8B-B14F-4D97-AF65-F5344CB8AC3E}">
-        <p14:creationId xmlns:p14="http://schemas.microsoft.com/office/powerpoint/2010/main" val="1150706475"/>
+        <p14:creationId xmlns:p14="http://schemas.microsoft.com/office/powerpoint/2010/main" val="2157034932"/>
       </p:ext>
     </p:extLst>
   </p:cSld>
@@ -6578,11 +6589,11 @@
             </a:r>
             <a:r>
               <a:rPr lang="zh-TW" altLang="en-US" dirty="0" smtClean="0"/>
-              <a:t> </a:t>
-            </a:r>
-            <a:r>
-              <a:rPr lang="en-US" altLang="zh-TW" dirty="0"/>
-              <a:t>Thread</a:t>
+              <a:t> 會用到的</a:t>
+            </a:r>
+            <a:r>
+              <a:rPr lang="en-US" altLang="zh-TW" dirty="0" smtClean="0"/>
+              <a:t>Class</a:t>
             </a:r>
             <a:endParaRPr lang="zh-TW" altLang="en-US" dirty="0"/>
           </a:p>
@@ -6604,8 +6615,67 @@
           <a:lstStyle/>
           <a:p>
             <a:r>
+              <a:rPr lang="en-US" altLang="zh-TW" sz="2400" dirty="0"/>
+              <a:t>Thread</a:t>
+            </a:r>
+          </a:p>
+          <a:p>
+            <a:pPr lvl="1"/>
+            <a:r>
+              <a:rPr lang="zh-TW" altLang="en-US" sz="1800" dirty="0"/>
+              <a:t>可建立和控制執行緒，設定執行緒的優先權，並取得它的狀態</a:t>
+            </a:r>
+            <a:endParaRPr lang="en-US" altLang="zh-TW" sz="1800" dirty="0" smtClean="0"/>
+          </a:p>
+          <a:p>
+            <a:r>
+              <a:rPr lang="en-US" altLang="zh-TW" sz="2400" dirty="0" err="1"/>
+              <a:t>ThreadPool</a:t>
+            </a:r>
+            <a:endParaRPr lang="en-US" altLang="zh-TW" sz="2400" dirty="0"/>
+          </a:p>
+          <a:p>
+            <a:pPr lvl="1"/>
+            <a:r>
+              <a:rPr lang="zh-TW" altLang="en-US" sz="1800" dirty="0" smtClean="0"/>
+              <a:t>提供</a:t>
+            </a:r>
+            <a:r>
+              <a:rPr lang="zh-TW" altLang="en-US" sz="1800" dirty="0"/>
+              <a:t>執行緒的集區，可用來執行工作、張貼工作項目、處理非同步 </a:t>
+            </a:r>
+            <a:r>
+              <a:rPr lang="en-US" altLang="zh-TW" sz="1800" dirty="0"/>
+              <a:t>I/O</a:t>
+            </a:r>
+            <a:r>
+              <a:rPr lang="zh-TW" altLang="en-US" sz="1800" dirty="0"/>
+              <a:t>、代表其他執行緒等候，以及處理計時器。</a:t>
+            </a:r>
+            <a:endParaRPr lang="en-US" altLang="zh-TW" sz="1800" dirty="0" smtClean="0"/>
+          </a:p>
+          <a:p>
+            <a:r>
+              <a:rPr lang="en-US" altLang="zh-TW" sz="2400" dirty="0"/>
+              <a:t>Task</a:t>
+            </a:r>
+          </a:p>
+          <a:p>
+            <a:pPr lvl="1"/>
+            <a:r>
+              <a:rPr lang="zh-TW" altLang="en-US" sz="1800" dirty="0"/>
+              <a:t>表示非同步</a:t>
+            </a:r>
+            <a:r>
+              <a:rPr lang="zh-TW" altLang="en-US" sz="1800" dirty="0" smtClean="0"/>
+              <a:t>作業</a:t>
+            </a:r>
+            <a:endParaRPr lang="en-US" altLang="zh-TW" sz="1800" dirty="0" smtClean="0"/>
+          </a:p>
+          <a:p>
+            <a:r>
               <a:rPr lang="en-US" altLang="zh-TW" sz="2400" dirty="0" err="1" smtClean="0"/>
-              <a:t>CurrentContext</a:t>
+              <a:t>Task.Factory</a:t>
             </a:r>
             <a:endParaRPr lang="en-US" altLang="zh-TW" sz="2400" dirty="0" smtClean="0"/>
           </a:p>
@@ -6613,94 +6683,60 @@
             <a:pPr lvl="1"/>
             <a:r>
               <a:rPr lang="zh-TW" altLang="en-US" sz="2000" dirty="0"/>
-              <a:t>取得執行緒正在執行的目前內容</a:t>
+              <a:t>提供建立和排程 </a:t>
+            </a:r>
+            <a:r>
+              <a:rPr lang="en-US" altLang="zh-TW" sz="2000" dirty="0"/>
+              <a:t>Task </a:t>
+            </a:r>
+            <a:r>
+              <a:rPr lang="zh-TW" altLang="en-US" sz="2000" dirty="0"/>
+              <a:t>物件的</a:t>
+            </a:r>
+            <a:r>
+              <a:rPr lang="zh-TW" altLang="en-US" sz="2000" dirty="0" smtClean="0"/>
+              <a:t>支援</a:t>
             </a:r>
             <a:endParaRPr lang="en-US" altLang="zh-TW" sz="2000" dirty="0" smtClean="0"/>
           </a:p>
           <a:p>
-            <a:r>
-              <a:rPr lang="en-US" altLang="zh-TW" sz="2400" dirty="0" err="1"/>
-              <a:t>CurrentCulture</a:t>
-            </a:r>
-            <a:endParaRPr lang="en-US" altLang="zh-TW" sz="2400" dirty="0"/>
-          </a:p>
-          <a:p>
             <a:pPr lvl="1"/>
             <a:r>
-              <a:rPr lang="zh-TW" altLang="en-US" sz="2000" dirty="0"/>
-              <a:t>取得或設定目前執行緒的文化特性 </a:t>
-            </a:r>
-            <a:r>
-              <a:rPr lang="en-US" altLang="zh-TW" sz="2000" dirty="0"/>
-              <a:t>(Culture)</a:t>
-            </a:r>
-          </a:p>
-          <a:p>
-            <a:r>
-              <a:rPr lang="en-US" altLang="zh-TW" sz="2400" dirty="0" err="1"/>
-              <a:t>CurrentPrincipal</a:t>
-            </a:r>
-            <a:endParaRPr lang="en-US" altLang="zh-TW" sz="2400" dirty="0"/>
+              <a:rPr lang="zh-CN" altLang="en-US" sz="2000" dirty="0"/>
+              <a:t>创建一个任务，并通过调用立即启动该 </a:t>
+            </a:r>
+            <a:r>
+              <a:rPr lang="en-US" altLang="zh-CN" sz="2000" dirty="0" err="1"/>
+              <a:t>StartNew</a:t>
+            </a:r>
+            <a:r>
+              <a:rPr lang="en-US" altLang="zh-CN" sz="2000" dirty="0"/>
+              <a:t> </a:t>
+            </a:r>
+            <a:r>
+              <a:rPr lang="zh-CN" altLang="en-US" sz="2000" dirty="0"/>
+              <a:t>方法</a:t>
+            </a:r>
+            <a:endParaRPr lang="en-US" altLang="zh-TW" sz="2000" dirty="0" smtClean="0"/>
+          </a:p>
+          <a:p>
+            <a:r>
+              <a:rPr lang="en-US" altLang="zh-TW" sz="2400" dirty="0"/>
+              <a:t> </a:t>
+            </a:r>
+            <a:r>
+              <a:rPr lang="en-US" altLang="zh-TW" sz="2400" dirty="0" err="1" smtClean="0"/>
+              <a:t>Task.Run</a:t>
+            </a:r>
+            <a:endParaRPr lang="en-US" altLang="zh-TW" sz="2400" dirty="0" smtClean="0"/>
           </a:p>
           <a:p>
             <a:pPr lvl="1"/>
             <a:r>
-              <a:rPr lang="zh-TW" altLang="en-US" sz="2000" dirty="0"/>
-              <a:t>取得或設定執行緒目前的原則 </a:t>
-            </a:r>
-            <a:r>
-              <a:rPr lang="en-US" altLang="zh-TW" sz="2000" dirty="0"/>
-              <a:t>(</a:t>
-            </a:r>
-            <a:r>
-              <a:rPr lang="zh-TW" altLang="en-US" sz="2000" dirty="0"/>
-              <a:t>角色架構安全性之用</a:t>
-            </a:r>
-            <a:r>
-              <a:rPr lang="en-US" altLang="zh-TW" sz="2000" dirty="0"/>
-              <a:t>)</a:t>
-            </a:r>
-          </a:p>
-          <a:p>
-            <a:r>
-              <a:rPr lang="en-US" altLang="zh-TW" sz="2400" dirty="0" err="1" smtClean="0"/>
-              <a:t>CurrentThread</a:t>
-            </a:r>
-            <a:endParaRPr lang="en-US" altLang="zh-TW" sz="2400" dirty="0" smtClean="0"/>
-          </a:p>
-          <a:p>
-            <a:pPr lvl="1"/>
-            <a:r>
-              <a:rPr lang="zh-TW" altLang="en-US" sz="2000" dirty="0"/>
-              <a:t>取得目前執行的執行</a:t>
-            </a:r>
-            <a:r>
-              <a:rPr lang="zh-TW" altLang="en-US" sz="2000" dirty="0" smtClean="0"/>
-              <a:t>緒</a:t>
+              <a:rPr lang="zh-CN" altLang="en-US" sz="2000" dirty="0"/>
+              <a:t>提供了最简单的方式使用默认配置值创建一个任务并立即开始</a:t>
             </a:r>
             <a:endParaRPr lang="en-US" altLang="zh-TW" sz="2000" dirty="0" smtClean="0"/>
-          </a:p>
-          <a:p>
-            <a:r>
-              <a:rPr lang="en-US" altLang="zh-TW" sz="2400" dirty="0" err="1" smtClean="0"/>
-              <a:t>CurrentUICulture</a:t>
-            </a:r>
-            <a:endParaRPr lang="en-US" altLang="zh-TW" sz="2400" dirty="0" smtClean="0"/>
-          </a:p>
-          <a:p>
-            <a:pPr lvl="1"/>
-            <a:r>
-              <a:rPr lang="zh-TW" altLang="en-US" sz="2000" dirty="0"/>
-              <a:t>取得或設定資源管理員目前用以在執行階段查詢特定文化特性資源所用的文化特性</a:t>
-            </a:r>
-            <a:endParaRPr lang="en-US" altLang="zh-TW" sz="2000" dirty="0"/>
-          </a:p>
-          <a:p>
-            <a:pPr lvl="1"/>
-            <a:endParaRPr lang="en-US" altLang="zh-TW" sz="2000" dirty="0"/>
-          </a:p>
-          <a:p>
-            <a:endParaRPr lang="zh-TW" altLang="en-US" sz="2400" dirty="0"/>
           </a:p>
         </p:txBody>
       </p:sp>
@@ -6727,53 +6763,10 @@
           </a:p>
         </p:txBody>
       </p:sp>
-      <p:sp>
-        <p:nvSpPr>
-          <p:cNvPr id="5" name="文字方塊 4"/>
-          <p:cNvSpPr txBox="1"/>
-          <p:nvPr/>
-        </p:nvSpPr>
-        <p:spPr>
-          <a:xfrm>
-            <a:off x="-236" y="6176750"/>
-            <a:ext cx="9144000" cy="646331"/>
-          </a:xfrm>
-          <a:prstGeom prst="rect">
-            <a:avLst/>
-          </a:prstGeom>
-          <a:solidFill>
-            <a:schemeClr val="accent2">
-              <a:lumMod val="60000"/>
-              <a:lumOff val="40000"/>
-            </a:schemeClr>
-          </a:solidFill>
-        </p:spPr>
-        <p:txBody>
-          <a:bodyPr wrap="square" rtlCol="0">
-            <a:spAutoFit/>
-          </a:bodyPr>
-          <a:lstStyle/>
-          <a:p>
-            <a:r>
-              <a:rPr lang="en-US" altLang="zh-TW" dirty="0">
-                <a:solidFill>
-                  <a:schemeClr val="bg1"/>
-                </a:solidFill>
-              </a:rPr>
-              <a:t>https://msdn.microsoft.com/zh-tw/library/system.threading.thread(v=vs.110).aspx</a:t>
-            </a:r>
-            <a:endParaRPr lang="en-US" altLang="zh-TW" dirty="0" smtClean="0">
-              <a:solidFill>
-                <a:schemeClr val="bg1"/>
-              </a:solidFill>
-            </a:endParaRPr>
-          </a:p>
-        </p:txBody>
-      </p:sp>
     </p:spTree>
     <p:extLst>
       <p:ext uri="{BB962C8B-B14F-4D97-AF65-F5344CB8AC3E}">
-        <p14:creationId xmlns:p14="http://schemas.microsoft.com/office/powerpoint/2010/main" val="1964057908"/>
+        <p14:creationId xmlns:p14="http://schemas.microsoft.com/office/powerpoint/2010/main" val="1150706475"/>
       </p:ext>
     </p:extLst>
   </p:cSld>
@@ -6909,6 +6902,13 @@
   <p:clrMapOvr>
     <a:masterClrMapping/>
   </p:clrMapOvr>
+  <p:timing>
+    <p:tnLst>
+      <p:par>
+        <p:cTn id="1" dur="indefinite" restart="never" nodeType="tmRoot"/>
+      </p:par>
+    </p:tnLst>
+  </p:timing>
 </p:sld>
 </file>
 
@@ -6946,7 +6946,15 @@
           <a:p>
             <a:r>
               <a:rPr lang="en-US" altLang="zh-TW" dirty="0" smtClean="0"/>
-              <a:t>Thread in Visual Studio</a:t>
+              <a:t>C#</a:t>
+            </a:r>
+            <a:r>
+              <a:rPr lang="zh-TW" altLang="en-US" dirty="0" smtClean="0"/>
+              <a:t> </a:t>
+            </a:r>
+            <a:r>
+              <a:rPr lang="en-US" altLang="zh-TW" dirty="0"/>
+              <a:t>Thread</a:t>
             </a:r>
             <a:endParaRPr lang="zh-TW" altLang="en-US" dirty="0"/>
           </a:p>
@@ -6968,38 +6976,103 @@
           <a:lstStyle/>
           <a:p>
             <a:r>
-              <a:rPr lang="zh-TW" altLang="en-US" dirty="0" smtClean="0"/>
-              <a:t>功能表</a:t>
-            </a:r>
-            <a:endParaRPr lang="en-US" altLang="zh-TW" dirty="0" smtClean="0"/>
+              <a:rPr lang="en-US" altLang="zh-TW" sz="2400" dirty="0" err="1" smtClean="0"/>
+              <a:t>CurrentContext</a:t>
+            </a:r>
+            <a:endParaRPr lang="en-US" altLang="zh-TW" sz="2400" dirty="0" smtClean="0"/>
           </a:p>
           <a:p>
             <a:pPr lvl="1"/>
             <a:r>
-              <a:rPr lang="zh-TW" altLang="en-US" dirty="0"/>
-              <a:t>偵</a:t>
-            </a:r>
-            <a:r>
-              <a:rPr lang="zh-TW" altLang="en-US" dirty="0" smtClean="0"/>
-              <a:t>錯 </a:t>
-            </a:r>
-            <a:r>
-              <a:rPr lang="en-US" altLang="zh-TW" dirty="0" smtClean="0"/>
-              <a:t>&gt;</a:t>
-            </a:r>
-            <a:r>
-              <a:rPr lang="zh-TW" altLang="en-US" dirty="0" smtClean="0"/>
-              <a:t> 視窗 </a:t>
-            </a:r>
-            <a:r>
-              <a:rPr lang="en-US" altLang="zh-TW" dirty="0" smtClean="0"/>
-              <a:t>&gt;</a:t>
-            </a:r>
-            <a:r>
-              <a:rPr lang="zh-TW" altLang="en-US" dirty="0" smtClean="0"/>
-              <a:t> 執行緒</a:t>
-            </a:r>
-            <a:endParaRPr lang="zh-TW" altLang="en-US" dirty="0"/>
+              <a:rPr lang="zh-TW" altLang="en-US" sz="2000" dirty="0"/>
+              <a:t>取得執行緒正在執行的目前內容</a:t>
+            </a:r>
+            <a:endParaRPr lang="en-US" altLang="zh-TW" sz="2000" dirty="0" smtClean="0"/>
+          </a:p>
+          <a:p>
+            <a:r>
+              <a:rPr lang="en-US" altLang="zh-TW" sz="2400" dirty="0" err="1"/>
+              <a:t>CurrentCulture</a:t>
+            </a:r>
+            <a:endParaRPr lang="en-US" altLang="zh-TW" sz="2400" dirty="0"/>
+          </a:p>
+          <a:p>
+            <a:pPr lvl="1"/>
+            <a:r>
+              <a:rPr lang="zh-TW" altLang="en-US" sz="2000" dirty="0"/>
+              <a:t>取得或設定目前執行緒的文化特性 </a:t>
+            </a:r>
+            <a:r>
+              <a:rPr lang="en-US" altLang="zh-TW" sz="2000" dirty="0"/>
+              <a:t>(Culture)</a:t>
+            </a:r>
+          </a:p>
+          <a:p>
+            <a:r>
+              <a:rPr lang="en-US" altLang="zh-TW" sz="2400" dirty="0" err="1"/>
+              <a:t>CurrentPrincipal</a:t>
+            </a:r>
+            <a:endParaRPr lang="en-US" altLang="zh-TW" sz="2400" dirty="0"/>
+          </a:p>
+          <a:p>
+            <a:pPr lvl="1"/>
+            <a:r>
+              <a:rPr lang="zh-TW" altLang="en-US" sz="2000" dirty="0"/>
+              <a:t>取得或設定執行緒目前的原則 </a:t>
+            </a:r>
+            <a:r>
+              <a:rPr lang="en-US" altLang="zh-TW" sz="2000" dirty="0"/>
+              <a:t>(</a:t>
+            </a:r>
+            <a:r>
+              <a:rPr lang="zh-TW" altLang="en-US" sz="2000" dirty="0"/>
+              <a:t>角色架構安全性之用</a:t>
+            </a:r>
+            <a:r>
+              <a:rPr lang="en-US" altLang="zh-TW" sz="2000" dirty="0"/>
+              <a:t>)</a:t>
+            </a:r>
+          </a:p>
+          <a:p>
+            <a:r>
+              <a:rPr lang="en-US" altLang="zh-TW" sz="2400" dirty="0" err="1" smtClean="0"/>
+              <a:t>CurrentThread</a:t>
+            </a:r>
+            <a:endParaRPr lang="en-US" altLang="zh-TW" sz="2400" dirty="0" smtClean="0"/>
+          </a:p>
+          <a:p>
+            <a:pPr lvl="1"/>
+            <a:r>
+              <a:rPr lang="zh-TW" altLang="en-US" sz="2000" dirty="0"/>
+              <a:t>取得目前執行的執行</a:t>
+            </a:r>
+            <a:r>
+              <a:rPr lang="zh-TW" altLang="en-US" sz="2000" dirty="0" smtClean="0"/>
+              <a:t>緒</a:t>
+            </a:r>
+            <a:endParaRPr lang="en-US" altLang="zh-TW" sz="2000" dirty="0" smtClean="0"/>
+          </a:p>
+          <a:p>
+            <a:r>
+              <a:rPr lang="en-US" altLang="zh-TW" sz="2400" dirty="0" err="1" smtClean="0"/>
+              <a:t>CurrentUICulture</a:t>
+            </a:r>
+            <a:endParaRPr lang="en-US" altLang="zh-TW" sz="2400" dirty="0" smtClean="0"/>
+          </a:p>
+          <a:p>
+            <a:pPr lvl="1"/>
+            <a:r>
+              <a:rPr lang="zh-TW" altLang="en-US" sz="2000" dirty="0"/>
+              <a:t>取得或設定資源管理員目前用以在執行階段查詢特定文化特性資源所用的文化特性</a:t>
+            </a:r>
+            <a:endParaRPr lang="en-US" altLang="zh-TW" sz="2000" dirty="0"/>
+          </a:p>
+          <a:p>
+            <a:pPr lvl="1"/>
+            <a:endParaRPr lang="en-US" altLang="zh-TW" sz="2000" dirty="0"/>
+          </a:p>
+          <a:p>
+            <a:endParaRPr lang="zh-TW" altLang="en-US" sz="2400" dirty="0"/>
           </a:p>
         </p:txBody>
       </p:sp>
@@ -7026,10 +7099,53 @@
           </a:p>
         </p:txBody>
       </p:sp>
+      <p:sp>
+        <p:nvSpPr>
+          <p:cNvPr id="5" name="文字方塊 4"/>
+          <p:cNvSpPr txBox="1"/>
+          <p:nvPr/>
+        </p:nvSpPr>
+        <p:spPr>
+          <a:xfrm>
+            <a:off x="-236" y="6176750"/>
+            <a:ext cx="9144000" cy="646331"/>
+          </a:xfrm>
+          <a:prstGeom prst="rect">
+            <a:avLst/>
+          </a:prstGeom>
+          <a:solidFill>
+            <a:schemeClr val="accent2">
+              <a:lumMod val="60000"/>
+              <a:lumOff val="40000"/>
+            </a:schemeClr>
+          </a:solidFill>
+        </p:spPr>
+        <p:txBody>
+          <a:bodyPr wrap="square" rtlCol="0">
+            <a:spAutoFit/>
+          </a:bodyPr>
+          <a:lstStyle/>
+          <a:p>
+            <a:r>
+              <a:rPr lang="en-US" altLang="zh-TW" dirty="0">
+                <a:solidFill>
+                  <a:schemeClr val="bg1"/>
+                </a:solidFill>
+              </a:rPr>
+              <a:t>https://msdn.microsoft.com/zh-tw/library/system.threading.thread(v=vs.110).aspx</a:t>
+            </a:r>
+            <a:endParaRPr lang="en-US" altLang="zh-TW" dirty="0" smtClean="0">
+              <a:solidFill>
+                <a:schemeClr val="bg1"/>
+              </a:solidFill>
+            </a:endParaRPr>
+          </a:p>
+        </p:txBody>
+      </p:sp>
     </p:spTree>
     <p:extLst>
       <p:ext uri="{BB962C8B-B14F-4D97-AF65-F5344CB8AC3E}">
-        <p14:creationId xmlns:p14="http://schemas.microsoft.com/office/powerpoint/2010/main" val="3468982265"/>
+        <p14:creationId xmlns:p14="http://schemas.microsoft.com/office/powerpoint/2010/main" val="1964057908"/>
       </p:ext>
     </p:extLst>
   </p:cSld>
@@ -7073,7 +7189,7 @@
           <a:p>
             <a:r>
               <a:rPr lang="en-US" altLang="zh-TW" dirty="0" smtClean="0"/>
-              <a:t>Thread</a:t>
+              <a:t>Thread in Visual Studio</a:t>
             </a:r>
             <a:endParaRPr lang="zh-TW" altLang="en-US" dirty="0"/>
           </a:p>
@@ -7096,145 +7212,37 @@
           <a:p>
             <a:r>
               <a:rPr lang="zh-TW" altLang="en-US" dirty="0" smtClean="0"/>
-              <a:t>建立 </a:t>
+              <a:t>功能表</a:t>
+            </a:r>
+            <a:endParaRPr lang="en-US" altLang="zh-TW" dirty="0" smtClean="0"/>
+          </a:p>
+          <a:p>
+            <a:pPr lvl="1"/>
+            <a:r>
+              <a:rPr lang="zh-TW" altLang="en-US" dirty="0"/>
+              <a:t>偵</a:t>
+            </a:r>
+            <a:r>
+              <a:rPr lang="zh-TW" altLang="en-US" dirty="0" smtClean="0"/>
+              <a:t>錯 </a:t>
             </a:r>
             <a:r>
               <a:rPr lang="en-US" altLang="zh-TW" dirty="0" smtClean="0"/>
-              <a:t>Thread</a:t>
-            </a:r>
-          </a:p>
-          <a:p>
-            <a:pPr lvl="1"/>
-            <a:r>
-              <a:rPr lang="en-US" altLang="zh-TW" sz="2000" dirty="0"/>
-              <a:t>Thread t = new Thread(new </a:t>
-            </a:r>
-            <a:r>
-              <a:rPr lang="en-US" altLang="zh-TW" sz="2000" dirty="0" err="1"/>
-              <a:t>ThreadStart</a:t>
-            </a:r>
-            <a:r>
-              <a:rPr lang="en-US" altLang="zh-TW" sz="2000" dirty="0"/>
-              <a:t>(</a:t>
-            </a:r>
-            <a:r>
-              <a:rPr lang="en-US" altLang="zh-TW" sz="2000" dirty="0" err="1"/>
-              <a:t>ThreadMethod</a:t>
-            </a:r>
-            <a:r>
-              <a:rPr lang="en-US" altLang="zh-TW" sz="2000" dirty="0" smtClean="0"/>
-              <a:t>));</a:t>
-            </a:r>
-          </a:p>
-          <a:p>
-            <a:r>
-              <a:rPr lang="zh-TW" altLang="en-US" sz="2400" dirty="0" smtClean="0"/>
-              <a:t>重要屬性</a:t>
-            </a:r>
-            <a:endParaRPr lang="en-US" altLang="zh-TW" sz="2400" dirty="0" smtClean="0"/>
-          </a:p>
-          <a:p>
-            <a:pPr lvl="1"/>
-            <a:r>
-              <a:rPr lang="zh-TW" altLang="en-US" sz="2000" dirty="0" smtClean="0"/>
-              <a:t>前景</a:t>
-            </a:r>
-            <a:r>
-              <a:rPr lang="en-US" altLang="zh-TW" sz="2000" dirty="0" smtClean="0"/>
-              <a:t>/</a:t>
-            </a:r>
-            <a:r>
-              <a:rPr lang="zh-TW" altLang="en-US" sz="2000" dirty="0" smtClean="0"/>
-              <a:t>背景</a:t>
-            </a:r>
-            <a:r>
-              <a:rPr lang="en-US" altLang="zh-TW" sz="2000" dirty="0" smtClean="0"/>
-              <a:t>, </a:t>
-            </a:r>
-            <a:r>
-              <a:rPr lang="zh-TW" altLang="en-US" sz="2000" dirty="0" smtClean="0"/>
-              <a:t>排程優先權</a:t>
-            </a:r>
-            <a:r>
-              <a:rPr lang="en-US" altLang="zh-TW" sz="2000" dirty="0" smtClean="0"/>
-              <a:t>, </a:t>
-            </a:r>
-            <a:r>
-              <a:rPr lang="zh-TW" altLang="en-US" sz="2000" dirty="0" smtClean="0"/>
-              <a:t>名稱</a:t>
-            </a:r>
-            <a:r>
-              <a:rPr lang="en-US" altLang="zh-TW" sz="2000" dirty="0"/>
-              <a:t>, Managed </a:t>
-            </a:r>
-            <a:r>
-              <a:rPr lang="zh-TW" altLang="en-US" sz="2000" dirty="0"/>
-              <a:t>執行緒的唯一識別</a:t>
-            </a:r>
-            <a:r>
-              <a:rPr lang="zh-TW" altLang="en-US" sz="2000" dirty="0" smtClean="0"/>
-              <a:t>項</a:t>
-            </a:r>
-            <a:endParaRPr lang="en-US" altLang="zh-TW" sz="2000" dirty="0" smtClean="0"/>
-          </a:p>
-          <a:p>
-            <a:pPr lvl="1"/>
-            <a:r>
-              <a:rPr lang="en-US" altLang="zh-TW" sz="2000" dirty="0">
-                <a:hlinkClick r:id="rId2"/>
-              </a:rPr>
-              <a:t>https://</a:t>
-            </a:r>
-            <a:r>
-              <a:rPr lang="en-US" altLang="zh-TW" sz="2000" dirty="0" smtClean="0">
-                <a:hlinkClick r:id="rId2"/>
-              </a:rPr>
-              <a:t>msdn.microsoft.com/zh-tw/library/system.threading.thread.aspx</a:t>
-            </a:r>
-            <a:endParaRPr lang="en-US" altLang="zh-TW" sz="2000" dirty="0" smtClean="0"/>
-          </a:p>
-          <a:p>
-            <a:r>
-              <a:rPr lang="zh-TW" altLang="en-US" sz="2400" dirty="0" smtClean="0"/>
-              <a:t>重要方法</a:t>
-            </a:r>
-            <a:endParaRPr lang="en-US" altLang="zh-TW" sz="2400" dirty="0" smtClean="0"/>
-          </a:p>
-          <a:p>
-            <a:pPr lvl="1"/>
-            <a:r>
-              <a:rPr lang="zh-TW" altLang="en-US" sz="2000" dirty="0" smtClean="0"/>
-              <a:t>開始</a:t>
-            </a:r>
-            <a:r>
-              <a:rPr lang="en-US" altLang="zh-TW" sz="2000" dirty="0" smtClean="0"/>
-              <a:t>, </a:t>
-            </a:r>
-            <a:r>
-              <a:rPr lang="zh-TW" altLang="en-US" sz="2000" dirty="0" smtClean="0"/>
-              <a:t>終止</a:t>
-            </a:r>
-            <a:r>
-              <a:rPr lang="en-US" altLang="zh-TW" sz="2000" dirty="0" smtClean="0"/>
-              <a:t>, </a:t>
-            </a:r>
-            <a:r>
-              <a:rPr lang="zh-TW" altLang="en-US" sz="2000" dirty="0" smtClean="0"/>
-              <a:t>等候結束</a:t>
-            </a:r>
-            <a:r>
-              <a:rPr lang="en-US" altLang="zh-TW" sz="2000" dirty="0" smtClean="0"/>
-              <a:t>, </a:t>
-            </a:r>
-            <a:r>
-              <a:rPr lang="zh-TW" altLang="en-US" sz="2000" dirty="0" smtClean="0"/>
-              <a:t>暫停</a:t>
-            </a:r>
-            <a:endParaRPr lang="en-US" altLang="zh-TW" sz="2000" dirty="0" smtClean="0"/>
-          </a:p>
-          <a:p>
-            <a:pPr lvl="1"/>
-            <a:endParaRPr lang="zh-TW" altLang="en-US" sz="2000" dirty="0"/>
+              <a:t>&gt;</a:t>
+            </a:r>
+            <a:r>
+              <a:rPr lang="zh-TW" altLang="en-US" dirty="0" smtClean="0"/>
+              <a:t> 視窗 </a:t>
+            </a:r>
+            <a:r>
+              <a:rPr lang="en-US" altLang="zh-TW" dirty="0" smtClean="0"/>
+              <a:t>&gt;</a:t>
+            </a:r>
+            <a:r>
+              <a:rPr lang="zh-TW" altLang="en-US" dirty="0" smtClean="0"/>
+              <a:t> 執行緒</a:t>
+            </a:r>
+            <a:endParaRPr lang="zh-TW" altLang="en-US" dirty="0"/>
           </a:p>
         </p:txBody>
       </p:sp>
@@ -7264,7 +7272,7 @@
     </p:spTree>
     <p:extLst>
       <p:ext uri="{BB962C8B-B14F-4D97-AF65-F5344CB8AC3E}">
-        <p14:creationId xmlns:p14="http://schemas.microsoft.com/office/powerpoint/2010/main" val="715737149"/>
+        <p14:creationId xmlns:p14="http://schemas.microsoft.com/office/powerpoint/2010/main" val="3468982265"/>
       </p:ext>
     </p:extLst>
   </p:cSld>
@@ -7307,17 +7315,10 @@
           <a:lstStyle/>
           <a:p>
             <a:r>
-              <a:rPr lang="en-US" altLang="zh-TW" sz="2800" b="1" dirty="0"/>
-              <a:t>Asynchronous Programming Patterns</a:t>
-            </a:r>
-            <a:br>
-              <a:rPr lang="en-US" altLang="zh-TW" sz="2800" b="1" dirty="0"/>
-            </a:br>
-            <a:r>
-              <a:rPr lang="zh-TW" altLang="en-US" sz="2800" b="1" dirty="0"/>
-              <a:t>檢視非同步開發的歷史</a:t>
-            </a:r>
-            <a:endParaRPr lang="zh-TW" altLang="en-US" sz="2800" dirty="0"/>
+              <a:rPr lang="en-US" altLang="zh-TW" dirty="0" smtClean="0"/>
+              <a:t>Thread</a:t>
+            </a:r>
+            <a:endParaRPr lang="zh-TW" altLang="en-US" dirty="0"/>
           </a:p>
         </p:txBody>
       </p:sp>
@@ -7337,97 +7338,146 @@
           <a:lstStyle/>
           <a:p>
             <a:r>
-              <a:rPr lang="en-US" altLang="zh-TW" sz="2800" dirty="0" err="1" smtClean="0"/>
-              <a:t>.Net</a:t>
-            </a:r>
-            <a:r>
-              <a:rPr lang="en-US" altLang="zh-TW" sz="2800" dirty="0" smtClean="0"/>
-              <a:t> 1.0</a:t>
+              <a:rPr lang="zh-TW" altLang="en-US" dirty="0" smtClean="0"/>
+              <a:t>建立 </a:t>
+            </a:r>
+            <a:r>
+              <a:rPr lang="en-US" altLang="zh-TW" dirty="0" smtClean="0"/>
+              <a:t>Thread</a:t>
             </a:r>
           </a:p>
           <a:p>
             <a:pPr lvl="1"/>
             <a:r>
-              <a:rPr lang="en-US" altLang="zh-TW" sz="2400" dirty="0" smtClean="0"/>
-              <a:t>Nothing</a:t>
-            </a:r>
-          </a:p>
-          <a:p>
-            <a:r>
-              <a:rPr lang="en-US" altLang="zh-TW" sz="2800" dirty="0" err="1" smtClean="0"/>
-              <a:t>.Net</a:t>
-            </a:r>
-            <a:r>
-              <a:rPr lang="en-US" altLang="zh-TW" sz="2800" dirty="0" smtClean="0"/>
-              <a:t> 1.1</a:t>
-            </a:r>
+              <a:rPr lang="en-US" altLang="zh-TW" sz="2000" dirty="0"/>
+              <a:t>Thread t = new Thread(new </a:t>
+            </a:r>
+            <a:r>
+              <a:rPr lang="en-US" altLang="zh-TW" sz="2000" dirty="0" err="1"/>
+              <a:t>ThreadStart</a:t>
+            </a:r>
+            <a:r>
+              <a:rPr lang="en-US" altLang="zh-TW" sz="2000" dirty="0"/>
+              <a:t>(</a:t>
+            </a:r>
+            <a:r>
+              <a:rPr lang="en-US" altLang="zh-TW" sz="2000" dirty="0" err="1"/>
+              <a:t>ThreadMethod</a:t>
+            </a:r>
+            <a:r>
+              <a:rPr lang="en-US" altLang="zh-TW" sz="2000" dirty="0" smtClean="0"/>
+              <a:t>));</a:t>
+            </a:r>
+          </a:p>
+          <a:p>
+            <a:r>
+              <a:rPr lang="zh-TW" altLang="en-US" sz="2400" dirty="0" smtClean="0"/>
+              <a:t>重要屬性</a:t>
+            </a:r>
+            <a:endParaRPr lang="en-US" altLang="zh-TW" sz="2400" dirty="0" smtClean="0"/>
           </a:p>
           <a:p>
             <a:pPr lvl="1"/>
             <a:r>
-              <a:rPr lang="en-US" altLang="zh-TW" sz="2400" dirty="0" smtClean="0"/>
-              <a:t>APM</a:t>
-            </a:r>
-          </a:p>
-          <a:p>
-            <a:r>
-              <a:rPr lang="en-US" altLang="zh-TW" sz="2800" dirty="0" err="1" smtClean="0"/>
-              <a:t>.Net</a:t>
-            </a:r>
-            <a:r>
-              <a:rPr lang="en-US" altLang="zh-TW" sz="2800" dirty="0" smtClean="0"/>
-              <a:t> 2.0</a:t>
-            </a:r>
+              <a:rPr lang="zh-TW" altLang="en-US" sz="2000" dirty="0" smtClean="0"/>
+              <a:t>前景</a:t>
+            </a:r>
+            <a:r>
+              <a:rPr lang="en-US" altLang="zh-TW" sz="2000" dirty="0" smtClean="0"/>
+              <a:t>/</a:t>
+            </a:r>
+            <a:r>
+              <a:rPr lang="zh-TW" altLang="en-US" sz="2000" dirty="0" smtClean="0"/>
+              <a:t>背景</a:t>
+            </a:r>
+            <a:r>
+              <a:rPr lang="en-US" altLang="zh-TW" sz="2000" dirty="0" smtClean="0"/>
+              <a:t>, </a:t>
+            </a:r>
+            <a:r>
+              <a:rPr lang="zh-TW" altLang="en-US" sz="2000" dirty="0" smtClean="0"/>
+              <a:t>排程優先權</a:t>
+            </a:r>
+            <a:r>
+              <a:rPr lang="en-US" altLang="zh-TW" sz="2000" dirty="0" smtClean="0"/>
+              <a:t>, </a:t>
+            </a:r>
+            <a:r>
+              <a:rPr lang="zh-TW" altLang="en-US" sz="2000" dirty="0" smtClean="0"/>
+              <a:t>名稱</a:t>
+            </a:r>
+            <a:r>
+              <a:rPr lang="en-US" altLang="zh-TW" sz="2000" dirty="0"/>
+              <a:t>, Managed </a:t>
+            </a:r>
+            <a:r>
+              <a:rPr lang="zh-TW" altLang="en-US" sz="2000" dirty="0"/>
+              <a:t>執行緒的唯一識別</a:t>
+            </a:r>
+            <a:r>
+              <a:rPr lang="zh-TW" altLang="en-US" sz="2000" dirty="0" smtClean="0"/>
+              <a:t>項</a:t>
+            </a:r>
+            <a:endParaRPr lang="en-US" altLang="zh-TW" sz="2000" dirty="0" smtClean="0"/>
           </a:p>
           <a:p>
             <a:pPr lvl="1"/>
             <a:r>
-              <a:rPr lang="en-US" altLang="zh-TW" sz="2400" dirty="0" smtClean="0"/>
-              <a:t>EAP</a:t>
-            </a:r>
-          </a:p>
-          <a:p>
-            <a:r>
-              <a:rPr lang="en-US" altLang="zh-TW" sz="2800" dirty="0" err="1" smtClean="0"/>
-              <a:t>.Net</a:t>
-            </a:r>
-            <a:r>
-              <a:rPr lang="en-US" altLang="zh-TW" sz="2800" dirty="0" smtClean="0"/>
-              <a:t> 4.0</a:t>
-            </a:r>
+              <a:rPr lang="en-US" altLang="zh-TW" sz="2000" dirty="0">
+                <a:hlinkClick r:id="rId2"/>
+              </a:rPr>
+              <a:t>https://</a:t>
+            </a:r>
+            <a:r>
+              <a:rPr lang="en-US" altLang="zh-TW" sz="2000" dirty="0" smtClean="0">
+                <a:hlinkClick r:id="rId2"/>
+              </a:rPr>
+              <a:t>msdn.microsoft.com/zh-tw/library/system.threading.thread.aspx</a:t>
+            </a:r>
+            <a:endParaRPr lang="en-US" altLang="zh-TW" sz="2000" dirty="0" smtClean="0"/>
+          </a:p>
+          <a:p>
+            <a:r>
+              <a:rPr lang="zh-TW" altLang="en-US" sz="2400" dirty="0" smtClean="0"/>
+              <a:t>重要方法</a:t>
+            </a:r>
+            <a:endParaRPr lang="en-US" altLang="zh-TW" sz="2400" dirty="0" smtClean="0"/>
           </a:p>
           <a:p>
             <a:pPr lvl="1"/>
             <a:r>
-              <a:rPr lang="en-US" altLang="zh-TW" sz="2400" dirty="0" smtClean="0"/>
-              <a:t>TPL</a:t>
-            </a:r>
-          </a:p>
-          <a:p>
-            <a:r>
-              <a:rPr lang="en-US" altLang="zh-TW" sz="2800" dirty="0" err="1" smtClean="0"/>
-              <a:t>.Net</a:t>
-            </a:r>
-            <a:r>
-              <a:rPr lang="en-US" altLang="zh-TW" sz="2800" dirty="0" smtClean="0"/>
-              <a:t> 4.5</a:t>
-            </a:r>
+              <a:rPr lang="zh-TW" altLang="en-US" sz="2000" dirty="0" smtClean="0"/>
+              <a:t>開始</a:t>
+            </a:r>
+            <a:r>
+              <a:rPr lang="en-US" altLang="zh-TW" sz="2000" dirty="0" smtClean="0"/>
+              <a:t>, </a:t>
+            </a:r>
+            <a:r>
+              <a:rPr lang="zh-TW" altLang="en-US" sz="2000" dirty="0" smtClean="0"/>
+              <a:t>終止</a:t>
+            </a:r>
+            <a:r>
+              <a:rPr lang="en-US" altLang="zh-TW" sz="2000" dirty="0" smtClean="0"/>
+              <a:t>, </a:t>
+            </a:r>
+            <a:r>
+              <a:rPr lang="zh-TW" altLang="en-US" sz="2000" dirty="0" smtClean="0"/>
+              <a:t>等候結束</a:t>
+            </a:r>
+            <a:r>
+              <a:rPr lang="en-US" altLang="zh-TW" sz="2000" dirty="0" smtClean="0"/>
+              <a:t>, </a:t>
+            </a:r>
+            <a:r>
+              <a:rPr lang="zh-TW" altLang="en-US" sz="2000" dirty="0" smtClean="0"/>
+              <a:t>暫停</a:t>
+            </a:r>
+            <a:endParaRPr lang="en-US" altLang="zh-TW" sz="2000" dirty="0" smtClean="0"/>
           </a:p>
           <a:p>
             <a:pPr lvl="1"/>
-            <a:r>
-              <a:rPr lang="en-US" altLang="zh-TW" sz="2400" dirty="0" smtClean="0"/>
-              <a:t>TPL with </a:t>
-            </a:r>
-            <a:r>
-              <a:rPr lang="en-US" altLang="zh-TW" sz="2400" dirty="0" err="1" smtClean="0"/>
-              <a:t>async</a:t>
-            </a:r>
-            <a:r>
-              <a:rPr lang="en-US" altLang="zh-TW" sz="2400" dirty="0" smtClean="0"/>
-              <a:t> / await</a:t>
-            </a:r>
-            <a:endParaRPr lang="zh-TW" altLang="en-US" sz="2400" dirty="0"/>
+            <a:endParaRPr lang="zh-TW" altLang="en-US" sz="2000" dirty="0"/>
           </a:p>
         </p:txBody>
       </p:sp>
@@ -7457,7 +7507,7 @@
     </p:spTree>
     <p:extLst>
       <p:ext uri="{BB962C8B-B14F-4D97-AF65-F5344CB8AC3E}">
-        <p14:creationId xmlns:p14="http://schemas.microsoft.com/office/powerpoint/2010/main" val="2130936743"/>
+        <p14:creationId xmlns:p14="http://schemas.microsoft.com/office/powerpoint/2010/main" val="715737149"/>
       </p:ext>
     </p:extLst>
   </p:cSld>
@@ -7500,25 +7550,17 @@
           <a:lstStyle/>
           <a:p>
             <a:r>
-              <a:rPr lang="en-US" altLang="zh-TW" sz="3200" b="1" dirty="0"/>
-              <a:t>Asynchronous Programming </a:t>
-            </a:r>
-            <a:r>
-              <a:rPr lang="en-US" altLang="zh-TW" sz="3200" b="1" dirty="0" smtClean="0"/>
-              <a:t>Patterns</a:t>
+              <a:rPr lang="en-US" altLang="zh-TW" sz="2800" b="1" dirty="0"/>
+              <a:t>Asynchronous Programming Patterns</a:t>
             </a:r>
             <a:br>
-              <a:rPr lang="en-US" altLang="zh-TW" sz="3200" b="1" dirty="0" smtClean="0"/>
+              <a:rPr lang="en-US" altLang="zh-TW" sz="2800" b="1" dirty="0"/>
             </a:br>
             <a:r>
-              <a:rPr lang="zh-TW" altLang="en-US" sz="3200" b="1" dirty="0" smtClean="0"/>
-              <a:t>檢視非同步開發的</a:t>
-            </a:r>
-            <a:r>
-              <a:rPr lang="zh-TW" altLang="en-US" sz="3200" b="1" dirty="0"/>
-              <a:t>歷史</a:t>
-            </a:r>
-            <a:endParaRPr lang="zh-TW" altLang="en-US" sz="3200" dirty="0"/>
+              <a:rPr lang="zh-TW" altLang="en-US" sz="2800" b="1" dirty="0"/>
+              <a:t>檢視非同步開發的歷史</a:t>
+            </a:r>
+            <a:endParaRPr lang="zh-TW" altLang="en-US" sz="2800" dirty="0"/>
           </a:p>
         </p:txBody>
       </p:sp>
@@ -7538,151 +7580,96 @@
           <a:lstStyle/>
           <a:p>
             <a:r>
-              <a:rPr lang="en-US" altLang="zh-TW" dirty="0"/>
+              <a:rPr lang="en-US" altLang="zh-TW" sz="2800" dirty="0" err="1" smtClean="0"/>
+              <a:t>.Net</a:t>
+            </a:r>
+            <a:r>
+              <a:rPr lang="en-US" altLang="zh-TW" sz="2800" dirty="0" smtClean="0"/>
+              <a:t> 1.0</a:t>
+            </a:r>
+          </a:p>
+          <a:p>
+            <a:pPr lvl="1"/>
+            <a:r>
+              <a:rPr lang="en-US" altLang="zh-TW" sz="2400" dirty="0" smtClean="0"/>
+              <a:t>Nothing</a:t>
+            </a:r>
+          </a:p>
+          <a:p>
+            <a:r>
+              <a:rPr lang="en-US" altLang="zh-TW" sz="2800" dirty="0" err="1" smtClean="0"/>
+              <a:t>.Net</a:t>
+            </a:r>
+            <a:r>
+              <a:rPr lang="en-US" altLang="zh-TW" sz="2800" dirty="0" smtClean="0"/>
+              <a:t> 1.1</a:t>
+            </a:r>
+          </a:p>
+          <a:p>
+            <a:pPr lvl="1"/>
+            <a:r>
+              <a:rPr lang="en-US" altLang="zh-TW" sz="2400" dirty="0" smtClean="0"/>
               <a:t>APM</a:t>
             </a:r>
           </a:p>
           <a:p>
+            <a:r>
+              <a:rPr lang="en-US" altLang="zh-TW" sz="2800" dirty="0" err="1" smtClean="0"/>
+              <a:t>.Net</a:t>
+            </a:r>
+            <a:r>
+              <a:rPr lang="en-US" altLang="zh-TW" sz="2800" dirty="0" smtClean="0"/>
+              <a:t> 2.0</a:t>
+            </a:r>
+          </a:p>
+          <a:p>
             <a:pPr lvl="1"/>
             <a:r>
-              <a:rPr lang="en-US" altLang="zh-TW" sz="2000" dirty="0" smtClean="0"/>
-              <a:t>Asynchronous </a:t>
-            </a:r>
-            <a:r>
-              <a:rPr lang="en-US" altLang="zh-TW" sz="2000" dirty="0"/>
-              <a:t>Programming Model </a:t>
-            </a:r>
-            <a:r>
-              <a:rPr lang="en-US" altLang="zh-TW" sz="2000" dirty="0" smtClean="0"/>
-              <a:t> pattern</a:t>
+              <a:rPr lang="en-US" altLang="zh-TW" sz="2400" dirty="0" smtClean="0"/>
+              <a:t>EAP</a:t>
+            </a:r>
+          </a:p>
+          <a:p>
+            <a:r>
+              <a:rPr lang="en-US" altLang="zh-TW" sz="2800" dirty="0" err="1" smtClean="0"/>
+              <a:t>.Net</a:t>
+            </a:r>
+            <a:r>
+              <a:rPr lang="en-US" altLang="zh-TW" sz="2800" dirty="0" smtClean="0"/>
+              <a:t> 4.0</a:t>
             </a:r>
           </a:p>
           <a:p>
             <a:pPr lvl="1"/>
             <a:r>
-              <a:rPr lang="zh-TW" altLang="en-US" sz="2000" dirty="0"/>
-              <a:t>使用 </a:t>
-            </a:r>
-            <a:r>
-              <a:rPr lang="en-US" altLang="zh-TW" sz="2000" dirty="0" err="1">
-                <a:hlinkClick r:id="rId2"/>
-              </a:rPr>
-              <a:t>IAsyncResult</a:t>
-            </a:r>
-            <a:r>
-              <a:rPr lang="en-US" altLang="zh-TW" sz="2000" dirty="0"/>
-              <a:t> </a:t>
-            </a:r>
-            <a:r>
-              <a:rPr lang="zh-TW" altLang="en-US" sz="2000" dirty="0"/>
-              <a:t>設計模式的非同步作業會被實作成兩個方法，名稱為 </a:t>
-            </a:r>
-            <a:r>
-              <a:rPr lang="en-US" altLang="zh-TW" sz="2000" b="1" dirty="0" err="1"/>
-              <a:t>Begin</a:t>
-            </a:r>
-            <a:r>
-              <a:rPr lang="en-US" altLang="zh-TW" sz="2000" i="1" dirty="0" err="1"/>
-              <a:t>OperationName</a:t>
-            </a:r>
-            <a:r>
-              <a:rPr lang="en-US" altLang="zh-TW" sz="2000" dirty="0"/>
-              <a:t> </a:t>
-            </a:r>
-            <a:r>
-              <a:rPr lang="zh-TW" altLang="en-US" sz="2000" dirty="0"/>
-              <a:t>及 </a:t>
-            </a:r>
-            <a:r>
-              <a:rPr lang="en-US" altLang="zh-TW" sz="2000" b="1" dirty="0" err="1"/>
-              <a:t>End</a:t>
-            </a:r>
-            <a:r>
-              <a:rPr lang="en-US" altLang="zh-TW" sz="2000" i="1" dirty="0" err="1"/>
-              <a:t>OperationName</a:t>
-            </a:r>
-            <a:r>
-              <a:rPr lang="zh-TW" altLang="en-US" sz="2000" dirty="0"/>
-              <a:t>，分別負責開始和結束非同步作業 </a:t>
-            </a:r>
-            <a:r>
-              <a:rPr lang="en-US" altLang="zh-TW" sz="2000" i="1" dirty="0" err="1"/>
-              <a:t>OperationName</a:t>
-            </a:r>
-            <a:r>
-              <a:rPr lang="zh-TW" altLang="en-US" sz="2000" dirty="0" smtClean="0"/>
-              <a:t>。</a:t>
-            </a:r>
-            <a:endParaRPr lang="en-US" altLang="zh-TW" sz="2000" dirty="0" smtClean="0"/>
+              <a:rPr lang="en-US" altLang="zh-TW" sz="2400" dirty="0" smtClean="0"/>
+              <a:t>TPL</a:t>
+            </a:r>
+          </a:p>
+          <a:p>
+            <a:r>
+              <a:rPr lang="en-US" altLang="zh-TW" sz="2800" dirty="0" err="1" smtClean="0"/>
+              <a:t>.Net</a:t>
+            </a:r>
+            <a:r>
+              <a:rPr lang="en-US" altLang="zh-TW" sz="2800" dirty="0" smtClean="0"/>
+              <a:t> 4.5</a:t>
+            </a:r>
           </a:p>
           <a:p>
             <a:pPr lvl="1"/>
             <a:r>
-              <a:rPr lang="zh-TW" altLang="en-US" sz="2000" dirty="0" smtClean="0"/>
-              <a:t>並不總是非同步執行</a:t>
-            </a:r>
-            <a:endParaRPr lang="en-US" altLang="zh-TW" sz="2000" dirty="0" smtClean="0"/>
-          </a:p>
-          <a:p>
-            <a:r>
-              <a:rPr lang="en-US" altLang="zh-TW" dirty="0" smtClean="0"/>
-              <a:t>EAP </a:t>
-            </a:r>
-          </a:p>
-          <a:p>
-            <a:pPr lvl="1"/>
-            <a:r>
-              <a:rPr lang="en-US" altLang="zh-TW" sz="2200" dirty="0" smtClean="0"/>
-              <a:t>Event-based </a:t>
-            </a:r>
-            <a:r>
-              <a:rPr lang="en-US" altLang="zh-TW" sz="2200" dirty="0"/>
-              <a:t>Asynchronous </a:t>
-            </a:r>
-            <a:r>
-              <a:rPr lang="en-US" altLang="zh-TW" sz="2200" dirty="0" smtClean="0"/>
-              <a:t>Pattern</a:t>
-            </a:r>
-            <a:endParaRPr lang="en-US" altLang="zh-TW" sz="2200" dirty="0"/>
-          </a:p>
-          <a:p>
-            <a:pPr lvl="1"/>
-            <a:r>
-              <a:rPr lang="zh-TW" altLang="en-US" sz="2200" dirty="0" smtClean="0"/>
-              <a:t>完成，使用事件通知</a:t>
-            </a:r>
-            <a:endParaRPr lang="en-US" altLang="zh-TW" sz="2200" dirty="0" smtClean="0"/>
-          </a:p>
-          <a:p>
-            <a:r>
-              <a:rPr lang="en-US" altLang="zh-TW" dirty="0"/>
-              <a:t>TAP</a:t>
-            </a:r>
-          </a:p>
-          <a:p>
-            <a:pPr lvl="1"/>
-            <a:r>
-              <a:rPr lang="en-US" altLang="zh-TW" sz="2000" dirty="0" smtClean="0"/>
-              <a:t>Task-based </a:t>
-            </a:r>
-            <a:r>
-              <a:rPr lang="en-US" altLang="zh-TW" sz="2000" dirty="0"/>
-              <a:t>Asynchronous </a:t>
-            </a:r>
-            <a:r>
-              <a:rPr lang="en-US" altLang="zh-TW" sz="2000" dirty="0" smtClean="0"/>
-              <a:t>Pattern</a:t>
-            </a:r>
-          </a:p>
-          <a:p>
-            <a:pPr lvl="1"/>
-            <a:r>
-              <a:rPr lang="zh-TW" altLang="en-US" sz="2000" dirty="0" smtClean="0"/>
-              <a:t>完成，由編譯器處理，不需要特別處理</a:t>
-            </a:r>
-            <a:endParaRPr lang="en-US" altLang="zh-TW" sz="2000" dirty="0" smtClean="0"/>
-          </a:p>
-          <a:p>
+              <a:rPr lang="en-US" altLang="zh-TW" sz="2400" dirty="0" smtClean="0"/>
+              <a:t>TPL with </a:t>
+            </a:r>
+            <a:r>
+              <a:rPr lang="en-US" altLang="zh-TW" sz="2400" dirty="0" err="1" smtClean="0"/>
+              <a:t>async</a:t>
+            </a:r>
+            <a:r>
+              <a:rPr lang="en-US" altLang="zh-TW" sz="2400" dirty="0" smtClean="0"/>
+              <a:t> / await</a:t>
+            </a:r>
             <a:endParaRPr lang="zh-TW" altLang="en-US" sz="2400" dirty="0"/>
           </a:p>
         </p:txBody>
@@ -7710,53 +7697,10 @@
           </a:p>
         </p:txBody>
       </p:sp>
-      <p:sp>
-        <p:nvSpPr>
-          <p:cNvPr id="5" name="文字方塊 4"/>
-          <p:cNvSpPr txBox="1"/>
-          <p:nvPr/>
-        </p:nvSpPr>
-        <p:spPr>
-          <a:xfrm>
-            <a:off x="179512" y="6355762"/>
-            <a:ext cx="8712968" cy="369332"/>
-          </a:xfrm>
-          <a:prstGeom prst="rect">
-            <a:avLst/>
-          </a:prstGeom>
-          <a:solidFill>
-            <a:schemeClr val="accent2">
-              <a:lumMod val="60000"/>
-              <a:lumOff val="40000"/>
-            </a:schemeClr>
-          </a:solidFill>
-        </p:spPr>
-        <p:txBody>
-          <a:bodyPr wrap="square" rtlCol="0">
-            <a:spAutoFit/>
-          </a:bodyPr>
-          <a:lstStyle/>
-          <a:p>
-            <a:r>
-              <a:rPr lang="en-US" altLang="zh-TW" dirty="0">
-                <a:solidFill>
-                  <a:schemeClr val="bg1"/>
-                </a:solidFill>
-              </a:rPr>
-              <a:t>https://msdn.microsoft.com/en-us/library/jj152938(v=vs.110).aspx</a:t>
-            </a:r>
-            <a:endParaRPr lang="en-US" altLang="zh-TW" dirty="0" smtClean="0">
-              <a:solidFill>
-                <a:schemeClr val="bg1"/>
-              </a:solidFill>
-            </a:endParaRPr>
-          </a:p>
-        </p:txBody>
-      </p:sp>
     </p:spTree>
     <p:extLst>
       <p:ext uri="{BB962C8B-B14F-4D97-AF65-F5344CB8AC3E}">
-        <p14:creationId xmlns:p14="http://schemas.microsoft.com/office/powerpoint/2010/main" val="3978348464"/>
+        <p14:creationId xmlns:p14="http://schemas.microsoft.com/office/powerpoint/2010/main" val="2130936743"/>
       </p:ext>
     </p:extLst>
   </p:cSld>
@@ -7799,14 +7743,190 @@
           <a:lstStyle/>
           <a:p>
             <a:r>
+              <a:rPr lang="en-US" altLang="zh-TW" sz="3200" b="1" dirty="0"/>
+              <a:t>Asynchronous Programming </a:t>
+            </a:r>
+            <a:r>
+              <a:rPr lang="en-US" altLang="zh-TW" sz="3200" b="1" dirty="0" smtClean="0"/>
+              <a:t>Patterns</a:t>
+            </a:r>
+            <a:br>
+              <a:rPr lang="en-US" altLang="zh-TW" sz="3200" b="1" dirty="0" smtClean="0"/>
+            </a:br>
+            <a:r>
+              <a:rPr lang="zh-TW" altLang="en-US" sz="3200" b="1" dirty="0" smtClean="0"/>
+              <a:t>檢視非同步開發的</a:t>
+            </a:r>
+            <a:r>
+              <a:rPr lang="zh-TW" altLang="en-US" sz="3200" b="1" dirty="0"/>
+              <a:t>歷史</a:t>
+            </a:r>
+            <a:endParaRPr lang="zh-TW" altLang="en-US" sz="3200" dirty="0"/>
+          </a:p>
+        </p:txBody>
+      </p:sp>
+      <p:sp>
+        <p:nvSpPr>
+          <p:cNvPr id="3" name="內容版面配置區 2"/>
+          <p:cNvSpPr>
+            <a:spLocks noGrp="1"/>
+          </p:cNvSpPr>
+          <p:nvPr>
+            <p:ph idx="1"/>
+          </p:nvPr>
+        </p:nvSpPr>
+        <p:spPr/>
+        <p:txBody>
+          <a:bodyPr/>
+          <a:lstStyle/>
+          <a:p>
+            <a:r>
               <a:rPr lang="en-US" altLang="zh-TW" dirty="0"/>
-              <a:t>Comparing </a:t>
-            </a:r>
+              <a:t>APM</a:t>
+            </a:r>
+          </a:p>
+          <a:p>
+            <a:pPr lvl="1"/>
+            <a:r>
+              <a:rPr lang="en-US" altLang="zh-TW" sz="2000" dirty="0" smtClean="0"/>
+              <a:t>Asynchronous </a:t>
+            </a:r>
+            <a:r>
+              <a:rPr lang="en-US" altLang="zh-TW" sz="2000" dirty="0"/>
+              <a:t>Programming Model </a:t>
+            </a:r>
+            <a:r>
+              <a:rPr lang="en-US" altLang="zh-TW" sz="2000" dirty="0" smtClean="0"/>
+              <a:t> pattern</a:t>
+            </a:r>
+          </a:p>
+          <a:p>
+            <a:pPr lvl="1"/>
+            <a:r>
+              <a:rPr lang="zh-TW" altLang="en-US" sz="2000" dirty="0"/>
+              <a:t>使用 </a:t>
+            </a:r>
+            <a:r>
+              <a:rPr lang="en-US" altLang="zh-TW" sz="2000" dirty="0" err="1">
+                <a:hlinkClick r:id="rId2"/>
+              </a:rPr>
+              <a:t>IAsyncResult</a:t>
+            </a:r>
+            <a:r>
+              <a:rPr lang="en-US" altLang="zh-TW" sz="2000" dirty="0"/>
+              <a:t> </a:t>
+            </a:r>
+            <a:r>
+              <a:rPr lang="zh-TW" altLang="en-US" sz="2000" dirty="0"/>
+              <a:t>設計模式的非同步作業會被實作成兩個方法，名稱為 </a:t>
+            </a:r>
+            <a:r>
+              <a:rPr lang="en-US" altLang="zh-TW" sz="2000" b="1" dirty="0" err="1"/>
+              <a:t>Begin</a:t>
+            </a:r>
+            <a:r>
+              <a:rPr lang="en-US" altLang="zh-TW" sz="2000" i="1" dirty="0" err="1"/>
+              <a:t>OperationName</a:t>
+            </a:r>
+            <a:r>
+              <a:rPr lang="en-US" altLang="zh-TW" sz="2000" dirty="0"/>
+              <a:t> </a:t>
+            </a:r>
+            <a:r>
+              <a:rPr lang="zh-TW" altLang="en-US" sz="2000" dirty="0"/>
+              <a:t>及 </a:t>
+            </a:r>
+            <a:r>
+              <a:rPr lang="en-US" altLang="zh-TW" sz="2000" b="1" dirty="0" err="1"/>
+              <a:t>End</a:t>
+            </a:r>
+            <a:r>
+              <a:rPr lang="en-US" altLang="zh-TW" sz="2000" i="1" dirty="0" err="1"/>
+              <a:t>OperationName</a:t>
+            </a:r>
+            <a:r>
+              <a:rPr lang="zh-TW" altLang="en-US" sz="2000" dirty="0"/>
+              <a:t>，分別負責開始和結束非同步作業 </a:t>
+            </a:r>
+            <a:r>
+              <a:rPr lang="en-US" altLang="zh-TW" sz="2000" i="1" dirty="0" err="1"/>
+              <a:t>OperationName</a:t>
+            </a:r>
+            <a:r>
+              <a:rPr lang="zh-TW" altLang="en-US" sz="2000" dirty="0" smtClean="0"/>
+              <a:t>。</a:t>
+            </a:r>
+            <a:endParaRPr lang="en-US" altLang="zh-TW" sz="2000" dirty="0" smtClean="0"/>
+          </a:p>
+          <a:p>
+            <a:pPr lvl="1"/>
+            <a:r>
+              <a:rPr lang="zh-TW" altLang="en-US" sz="2000" dirty="0" smtClean="0"/>
+              <a:t>並不總是非同步執行</a:t>
+            </a:r>
+            <a:endParaRPr lang="en-US" altLang="zh-TW" sz="2000" dirty="0" smtClean="0"/>
+          </a:p>
+          <a:p>
             <a:r>
               <a:rPr lang="en-US" altLang="zh-TW" dirty="0" smtClean="0"/>
-              <a:t>Patterns</a:t>
-            </a:r>
-            <a:endParaRPr lang="zh-TW" altLang="en-US" dirty="0"/>
+              <a:t>EAP </a:t>
+            </a:r>
+          </a:p>
+          <a:p>
+            <a:pPr lvl="1"/>
+            <a:r>
+              <a:rPr lang="en-US" altLang="zh-TW" sz="2200" dirty="0" smtClean="0"/>
+              <a:t>Event-based </a:t>
+            </a:r>
+            <a:r>
+              <a:rPr lang="en-US" altLang="zh-TW" sz="2200" dirty="0"/>
+              <a:t>Asynchronous </a:t>
+            </a:r>
+            <a:r>
+              <a:rPr lang="en-US" altLang="zh-TW" sz="2200" dirty="0" smtClean="0"/>
+              <a:t>Pattern</a:t>
+            </a:r>
+            <a:endParaRPr lang="en-US" altLang="zh-TW" sz="2200" dirty="0"/>
+          </a:p>
+          <a:p>
+            <a:pPr lvl="1"/>
+            <a:r>
+              <a:rPr lang="zh-TW" altLang="en-US" sz="2200" dirty="0" smtClean="0"/>
+              <a:t>完成，使用事件通知</a:t>
+            </a:r>
+            <a:endParaRPr lang="en-US" altLang="zh-TW" sz="2200" dirty="0" smtClean="0"/>
+          </a:p>
+          <a:p>
+            <a:r>
+              <a:rPr lang="en-US" altLang="zh-TW" dirty="0"/>
+              <a:t>TAP</a:t>
+            </a:r>
+          </a:p>
+          <a:p>
+            <a:pPr lvl="1"/>
+            <a:r>
+              <a:rPr lang="en-US" altLang="zh-TW" sz="2000" dirty="0" smtClean="0"/>
+              <a:t>Task-based </a:t>
+            </a:r>
+            <a:r>
+              <a:rPr lang="en-US" altLang="zh-TW" sz="2000" dirty="0"/>
+              <a:t>Asynchronous </a:t>
+            </a:r>
+            <a:r>
+              <a:rPr lang="en-US" altLang="zh-TW" sz="2000" dirty="0" smtClean="0"/>
+              <a:t>Pattern</a:t>
+            </a:r>
+          </a:p>
+          <a:p>
+            <a:pPr lvl="1"/>
+            <a:r>
+              <a:rPr lang="zh-TW" altLang="en-US" sz="2000" dirty="0" smtClean="0"/>
+              <a:t>完成，由編譯器處理，不需要特別處理</a:t>
+            </a:r>
+            <a:endParaRPr lang="en-US" altLang="zh-TW" sz="2000" dirty="0" smtClean="0"/>
+          </a:p>
+          <a:p>
+            <a:endParaRPr lang="zh-TW" altLang="en-US" sz="2400" dirty="0"/>
           </a:p>
         </p:txBody>
       </p:sp>
@@ -7835,255 +7955,14 @@
       </p:sp>
       <p:sp>
         <p:nvSpPr>
-          <p:cNvPr id="8" name="文字方塊 7"/>
+          <p:cNvPr id="5" name="文字方塊 4"/>
           <p:cNvSpPr txBox="1"/>
           <p:nvPr/>
         </p:nvSpPr>
         <p:spPr>
           <a:xfrm>
-            <a:off x="35496" y="1798530"/>
-            <a:ext cx="7213834" cy="1200329"/>
-          </a:xfrm>
-          <a:prstGeom prst="rect">
-            <a:avLst/>
-          </a:prstGeom>
-          <a:solidFill>
-            <a:schemeClr val="bg1">
-              <a:lumMod val="85000"/>
-            </a:schemeClr>
-          </a:solidFill>
-        </p:spPr>
-        <p:txBody>
-          <a:bodyPr wrap="none" rtlCol="0">
-            <a:spAutoFit/>
-          </a:bodyPr>
-          <a:lstStyle/>
-          <a:p>
-            <a:r>
-              <a:rPr lang="en-US" altLang="zh-TW" b="1" dirty="0"/>
-              <a:t> public class </a:t>
-            </a:r>
-            <a:r>
-              <a:rPr lang="en-US" altLang="zh-TW" b="1" dirty="0" err="1"/>
-              <a:t>MyClass</a:t>
-            </a:r>
-            <a:endParaRPr lang="en-US" altLang="zh-TW" b="1" dirty="0"/>
-          </a:p>
-          <a:p>
-            <a:r>
-              <a:rPr lang="en-US" altLang="zh-TW" b="1" dirty="0" smtClean="0"/>
-              <a:t>{</a:t>
-            </a:r>
-            <a:endParaRPr lang="en-US" altLang="zh-TW" b="1" dirty="0"/>
-          </a:p>
-          <a:p>
-            <a:r>
-              <a:rPr lang="en-US" altLang="zh-TW" b="1" dirty="0"/>
-              <a:t>    </a:t>
-            </a:r>
-            <a:r>
-              <a:rPr lang="en-US" altLang="zh-TW" b="1" dirty="0" smtClean="0"/>
-              <a:t> public </a:t>
-            </a:r>
-            <a:r>
-              <a:rPr lang="en-US" altLang="zh-TW" b="1" dirty="0" err="1"/>
-              <a:t>int</a:t>
-            </a:r>
-            <a:r>
-              <a:rPr lang="en-US" altLang="zh-TW" b="1" dirty="0"/>
-              <a:t> Read(byte[] buffer, </a:t>
-            </a:r>
-            <a:r>
-              <a:rPr lang="en-US" altLang="zh-TW" b="1" dirty="0" err="1"/>
-              <a:t>int</a:t>
-            </a:r>
-            <a:r>
-              <a:rPr lang="en-US" altLang="zh-TW" b="1" dirty="0"/>
-              <a:t> offset, </a:t>
-            </a:r>
-            <a:r>
-              <a:rPr lang="en-US" altLang="zh-TW" b="1" dirty="0" err="1"/>
-              <a:t>int</a:t>
-            </a:r>
-            <a:r>
-              <a:rPr lang="en-US" altLang="zh-TW" b="1" dirty="0"/>
-              <a:t> count);</a:t>
-            </a:r>
-          </a:p>
-          <a:p>
-            <a:r>
-              <a:rPr lang="en-US" altLang="zh-TW" b="1" dirty="0" smtClean="0"/>
-              <a:t>}</a:t>
-            </a:r>
-            <a:endParaRPr lang="zh-TW" altLang="en-US" b="1" dirty="0"/>
-          </a:p>
-        </p:txBody>
-      </p:sp>
-      <p:sp>
-        <p:nvSpPr>
-          <p:cNvPr id="10" name="文字方塊 9"/>
-          <p:cNvSpPr txBox="1"/>
-          <p:nvPr/>
-        </p:nvSpPr>
-        <p:spPr>
-          <a:xfrm>
-            <a:off x="35496" y="3717422"/>
-            <a:ext cx="6936514" cy="2031325"/>
-          </a:xfrm>
-          <a:prstGeom prst="rect">
-            <a:avLst/>
-          </a:prstGeom>
-          <a:solidFill>
-            <a:schemeClr val="bg1">
-              <a:lumMod val="85000"/>
-            </a:schemeClr>
-          </a:solidFill>
-        </p:spPr>
-        <p:txBody>
-          <a:bodyPr wrap="none" rtlCol="0">
-            <a:spAutoFit/>
-          </a:bodyPr>
-          <a:lstStyle/>
-          <a:p>
-            <a:r>
-              <a:rPr lang="en-US" altLang="zh-TW" b="1" dirty="0"/>
-              <a:t> public class </a:t>
-            </a:r>
-            <a:r>
-              <a:rPr lang="en-US" altLang="zh-TW" b="1" dirty="0" err="1"/>
-              <a:t>MyClass</a:t>
-            </a:r>
-            <a:endParaRPr lang="en-US" altLang="zh-TW" b="1" dirty="0"/>
-          </a:p>
-          <a:p>
-            <a:r>
-              <a:rPr lang="zh-TW" altLang="en-US" b="1" dirty="0"/>
-              <a:t>    </a:t>
-            </a:r>
-            <a:r>
-              <a:rPr lang="en-US" altLang="zh-TW" b="1" dirty="0"/>
-              <a:t>{</a:t>
-            </a:r>
-          </a:p>
-          <a:p>
-            <a:r>
-              <a:rPr lang="en-US" altLang="zh-TW" b="1" dirty="0"/>
-              <a:t>        public </a:t>
-            </a:r>
-            <a:r>
-              <a:rPr lang="en-US" altLang="zh-TW" b="1" dirty="0" err="1"/>
-              <a:t>IAsyncResult</a:t>
-            </a:r>
-            <a:r>
-              <a:rPr lang="en-US" altLang="zh-TW" b="1" dirty="0"/>
-              <a:t> </a:t>
-            </a:r>
-            <a:r>
-              <a:rPr lang="en-US" altLang="zh-TW" b="1" dirty="0" err="1"/>
-              <a:t>BeginRead</a:t>
-            </a:r>
-            <a:r>
-              <a:rPr lang="en-US" altLang="zh-TW" b="1" dirty="0"/>
-              <a:t>(</a:t>
-            </a:r>
-          </a:p>
-          <a:p>
-            <a:r>
-              <a:rPr lang="en-US" altLang="zh-TW" b="1" dirty="0"/>
-              <a:t>            byte[] buffer, </a:t>
-            </a:r>
-            <a:r>
-              <a:rPr lang="en-US" altLang="zh-TW" b="1" dirty="0" err="1"/>
-              <a:t>int</a:t>
-            </a:r>
-            <a:r>
-              <a:rPr lang="en-US" altLang="zh-TW" b="1" dirty="0"/>
-              <a:t> offset, </a:t>
-            </a:r>
-            <a:r>
-              <a:rPr lang="en-US" altLang="zh-TW" b="1" dirty="0" err="1"/>
-              <a:t>int</a:t>
-            </a:r>
-            <a:r>
-              <a:rPr lang="en-US" altLang="zh-TW" b="1" dirty="0"/>
-              <a:t> count,</a:t>
-            </a:r>
-          </a:p>
-          <a:p>
-            <a:r>
-              <a:rPr lang="en-US" altLang="zh-TW" b="1" dirty="0"/>
-              <a:t>            </a:t>
-            </a:r>
-            <a:r>
-              <a:rPr lang="en-US" altLang="zh-TW" b="1" dirty="0" err="1"/>
-              <a:t>AsyncCallback</a:t>
-            </a:r>
-            <a:r>
-              <a:rPr lang="en-US" altLang="zh-TW" b="1" dirty="0"/>
-              <a:t> callback, object state);</a:t>
-            </a:r>
-          </a:p>
-          <a:p>
-            <a:r>
-              <a:rPr lang="en-US" altLang="zh-TW" b="1" dirty="0"/>
-              <a:t>        public </a:t>
-            </a:r>
-            <a:r>
-              <a:rPr lang="en-US" altLang="zh-TW" b="1" dirty="0" err="1"/>
-              <a:t>int</a:t>
-            </a:r>
-            <a:r>
-              <a:rPr lang="en-US" altLang="zh-TW" b="1" dirty="0"/>
-              <a:t> </a:t>
-            </a:r>
-            <a:r>
-              <a:rPr lang="en-US" altLang="zh-TW" b="1" dirty="0" err="1"/>
-              <a:t>EndRead</a:t>
-            </a:r>
-            <a:r>
-              <a:rPr lang="en-US" altLang="zh-TW" b="1" dirty="0"/>
-              <a:t>(</a:t>
-            </a:r>
-            <a:r>
-              <a:rPr lang="en-US" altLang="zh-TW" b="1" dirty="0" err="1"/>
-              <a:t>IAsyncResult</a:t>
-            </a:r>
-            <a:r>
-              <a:rPr lang="en-US" altLang="zh-TW" b="1" dirty="0"/>
-              <a:t> </a:t>
-            </a:r>
-            <a:r>
-              <a:rPr lang="en-US" altLang="zh-TW" b="1" dirty="0" err="1"/>
-              <a:t>asyncResult</a:t>
-            </a:r>
-            <a:r>
-              <a:rPr lang="en-US" altLang="zh-TW" b="1" dirty="0"/>
-              <a:t>);</a:t>
-            </a:r>
-          </a:p>
-          <a:p>
-            <a:r>
-              <a:rPr lang="zh-TW" altLang="en-US" b="1" dirty="0"/>
-              <a:t>    </a:t>
-            </a:r>
-            <a:r>
-              <a:rPr lang="en-US" altLang="zh-TW" b="1" dirty="0"/>
-              <a:t>}</a:t>
-            </a:r>
-            <a:endParaRPr lang="zh-TW" altLang="en-US" b="1" dirty="0"/>
-          </a:p>
-        </p:txBody>
-      </p:sp>
-      <p:sp>
-        <p:nvSpPr>
-          <p:cNvPr id="11" name="文字方塊 10"/>
-          <p:cNvSpPr txBox="1"/>
-          <p:nvPr/>
-        </p:nvSpPr>
-        <p:spPr>
-          <a:xfrm>
-            <a:off x="62038" y="1454452"/>
-            <a:ext cx="1107996" cy="369332"/>
+            <a:off x="179512" y="6355762"/>
+            <a:ext cx="8712968" cy="369332"/>
           </a:xfrm>
           <a:prstGeom prst="rect">
             <a:avLst/>
@@ -8096,20 +7975,20 @@
           </a:solidFill>
         </p:spPr>
         <p:txBody>
-          <a:bodyPr wrap="none" rtlCol="0">
+          <a:bodyPr wrap="square" rtlCol="0">
             <a:spAutoFit/>
           </a:bodyPr>
           <a:lstStyle/>
           <a:p>
             <a:r>
-              <a:rPr lang="zh-TW" altLang="en-US" b="1" dirty="0" smtClean="0">
+              <a:rPr lang="en-US" altLang="zh-TW" dirty="0">
                 <a:solidFill>
                   <a:schemeClr val="bg1"/>
                 </a:solidFill>
               </a:rPr>
-              <a:t>同步方法</a:t>
-            </a:r>
-            <a:endParaRPr lang="zh-TW" altLang="en-US" b="1" dirty="0">
+              <a:t>https://msdn.microsoft.com/en-us/library/jj152938(v=vs.110).aspx</a:t>
+            </a:r>
+            <a:endParaRPr lang="en-US" altLang="zh-TW" dirty="0" smtClean="0">
               <a:solidFill>
                 <a:schemeClr val="bg1"/>
               </a:solidFill>
@@ -8117,229 +7996,10 @@
           </a:p>
         </p:txBody>
       </p:sp>
-      <p:sp>
-        <p:nvSpPr>
-          <p:cNvPr id="12" name="文字方塊 11"/>
-          <p:cNvSpPr txBox="1"/>
-          <p:nvPr/>
-        </p:nvSpPr>
-        <p:spPr>
-          <a:xfrm>
-            <a:off x="35496" y="3342937"/>
-            <a:ext cx="1213794" cy="369332"/>
-          </a:xfrm>
-          <a:prstGeom prst="rect">
-            <a:avLst/>
-          </a:prstGeom>
-          <a:solidFill>
-            <a:schemeClr val="accent2">
-              <a:lumMod val="60000"/>
-              <a:lumOff val="40000"/>
-            </a:schemeClr>
-          </a:solidFill>
-        </p:spPr>
-        <p:txBody>
-          <a:bodyPr wrap="none" rtlCol="0">
-            <a:spAutoFit/>
-          </a:bodyPr>
-          <a:lstStyle/>
-          <a:p>
-            <a:r>
-              <a:rPr lang="en-US" altLang="zh-TW" b="1" dirty="0">
-                <a:solidFill>
-                  <a:schemeClr val="bg1"/>
-                </a:solidFill>
-              </a:rPr>
-              <a:t>APM</a:t>
-            </a:r>
-            <a:r>
-              <a:rPr lang="zh-TW" altLang="en-US" b="1" dirty="0" smtClean="0">
-                <a:solidFill>
-                  <a:schemeClr val="bg1"/>
-                </a:solidFill>
-              </a:rPr>
-              <a:t>方法</a:t>
-            </a:r>
-            <a:endParaRPr lang="zh-TW" altLang="en-US" b="1" dirty="0">
-              <a:solidFill>
-                <a:schemeClr val="bg1"/>
-              </a:solidFill>
-            </a:endParaRPr>
-          </a:p>
-        </p:txBody>
-      </p:sp>
-      <p:sp>
-        <p:nvSpPr>
-          <p:cNvPr id="9" name="文字方塊 8"/>
-          <p:cNvSpPr txBox="1"/>
-          <p:nvPr/>
-        </p:nvSpPr>
-        <p:spPr>
-          <a:xfrm>
-            <a:off x="1691680" y="1429198"/>
-            <a:ext cx="7452320" cy="369332"/>
-          </a:xfrm>
-          <a:prstGeom prst="rect">
-            <a:avLst/>
-          </a:prstGeom>
-          <a:solidFill>
-            <a:srgbClr val="7030A0"/>
-          </a:solidFill>
-        </p:spPr>
-        <p:txBody>
-          <a:bodyPr wrap="square" rtlCol="0">
-            <a:spAutoFit/>
-          </a:bodyPr>
-          <a:lstStyle/>
-          <a:p>
-            <a:r>
-              <a:rPr lang="zh-TW" altLang="en-US" b="1" dirty="0" smtClean="0">
-                <a:solidFill>
-                  <a:schemeClr val="bg1"/>
-                </a:solidFill>
-              </a:rPr>
-              <a:t>若尚未讀取資料完成，該</a:t>
-            </a:r>
-            <a:r>
-              <a:rPr lang="en-US" altLang="zh-TW" b="1" dirty="0" smtClean="0">
-                <a:solidFill>
-                  <a:schemeClr val="bg1"/>
-                </a:solidFill>
-              </a:rPr>
-              <a:t>Thread</a:t>
-            </a:r>
-            <a:r>
-              <a:rPr lang="zh-TW" altLang="en-US" b="1" dirty="0" smtClean="0">
-                <a:solidFill>
-                  <a:schemeClr val="bg1"/>
-                </a:solidFill>
-              </a:rPr>
-              <a:t>無法繼續執行下去</a:t>
-            </a:r>
-            <a:endParaRPr lang="zh-TW" altLang="en-US" b="1" dirty="0">
-              <a:solidFill>
-                <a:schemeClr val="bg1"/>
-              </a:solidFill>
-            </a:endParaRPr>
-          </a:p>
-        </p:txBody>
-      </p:sp>
-      <p:sp>
-        <p:nvSpPr>
-          <p:cNvPr id="13" name="文字方塊 12"/>
-          <p:cNvSpPr txBox="1"/>
-          <p:nvPr/>
-        </p:nvSpPr>
-        <p:spPr>
-          <a:xfrm>
-            <a:off x="1691680" y="3349765"/>
-            <a:ext cx="7452320" cy="369332"/>
-          </a:xfrm>
-          <a:prstGeom prst="rect">
-            <a:avLst/>
-          </a:prstGeom>
-          <a:solidFill>
-            <a:srgbClr val="7030A0"/>
-          </a:solidFill>
-        </p:spPr>
-        <p:txBody>
-          <a:bodyPr wrap="square" rtlCol="0">
-            <a:spAutoFit/>
-          </a:bodyPr>
-          <a:lstStyle/>
-          <a:p>
-            <a:r>
-              <a:rPr lang="zh-TW" altLang="en-US" b="1" dirty="0" smtClean="0">
-                <a:solidFill>
-                  <a:schemeClr val="bg1"/>
-                </a:solidFill>
-              </a:rPr>
-              <a:t>讀取資料完成後，會使用 </a:t>
-            </a:r>
-            <a:r>
-              <a:rPr lang="en-US" altLang="zh-TW" b="1" dirty="0" err="1" smtClean="0">
-                <a:solidFill>
-                  <a:schemeClr val="bg1"/>
-                </a:solidFill>
-              </a:rPr>
-              <a:t>AsyncCallback</a:t>
-            </a:r>
-            <a:r>
-              <a:rPr lang="zh-TW" altLang="en-US" b="1" dirty="0" smtClean="0">
-                <a:solidFill>
-                  <a:schemeClr val="bg1"/>
-                </a:solidFill>
-              </a:rPr>
-              <a:t>通知</a:t>
-            </a:r>
-            <a:endParaRPr lang="zh-TW" altLang="en-US" b="1" dirty="0">
-              <a:solidFill>
-                <a:schemeClr val="bg1"/>
-              </a:solidFill>
-            </a:endParaRPr>
-          </a:p>
-        </p:txBody>
-      </p:sp>
-      <p:sp>
-        <p:nvSpPr>
-          <p:cNvPr id="14" name="文字方塊 13"/>
-          <p:cNvSpPr txBox="1"/>
-          <p:nvPr/>
-        </p:nvSpPr>
-        <p:spPr>
-          <a:xfrm>
-            <a:off x="1691680" y="5736120"/>
-            <a:ext cx="7452320" cy="369332"/>
-          </a:xfrm>
-          <a:prstGeom prst="rect">
-            <a:avLst/>
-          </a:prstGeom>
-          <a:solidFill>
-            <a:srgbClr val="7030A0"/>
-          </a:solidFill>
-        </p:spPr>
-        <p:txBody>
-          <a:bodyPr wrap="square" rtlCol="0">
-            <a:spAutoFit/>
-          </a:bodyPr>
-          <a:lstStyle/>
-          <a:p>
-            <a:r>
-              <a:rPr lang="zh-TW" altLang="en-US" b="1" dirty="0" smtClean="0">
-                <a:solidFill>
-                  <a:schemeClr val="bg1"/>
-                </a:solidFill>
-              </a:rPr>
-              <a:t>需要使用 </a:t>
-            </a:r>
-            <a:r>
-              <a:rPr lang="en-US" altLang="zh-TW" b="1" dirty="0" err="1" smtClean="0">
-                <a:solidFill>
-                  <a:schemeClr val="bg1"/>
-                </a:solidFill>
-              </a:rPr>
-              <a:t>EndRead</a:t>
-            </a:r>
-            <a:r>
-              <a:rPr lang="zh-TW" altLang="en-US" b="1" dirty="0" smtClean="0">
-                <a:solidFill>
-                  <a:schemeClr val="bg1"/>
-                </a:solidFill>
-              </a:rPr>
-              <a:t> 取得所讀取到的資料</a:t>
-            </a:r>
-            <a:endParaRPr lang="zh-TW" altLang="en-US" b="1" dirty="0">
-              <a:solidFill>
-                <a:schemeClr val="bg1"/>
-              </a:solidFill>
-            </a:endParaRPr>
-          </a:p>
-        </p:txBody>
-      </p:sp>
     </p:spTree>
     <p:extLst>
       <p:ext uri="{BB962C8B-B14F-4D97-AF65-F5344CB8AC3E}">
-        <p14:creationId xmlns:p14="http://schemas.microsoft.com/office/powerpoint/2010/main" val="87609382"/>
+        <p14:creationId xmlns:p14="http://schemas.microsoft.com/office/powerpoint/2010/main" val="3978348464"/>
       </p:ext>
     </p:extLst>
   </p:cSld>
@@ -8425,7 +8085,7 @@
         <p:spPr>
           <a:xfrm>
             <a:off x="35496" y="1798530"/>
-            <a:ext cx="8480207" cy="1477328"/>
+            <a:ext cx="7213834" cy="1200329"/>
           </a:xfrm>
           <a:prstGeom prst="rect">
             <a:avLst/>
@@ -8454,26 +8114,19 @@
           </a:p>
           <a:p>
             <a:r>
-              <a:rPr lang="zh-TW" altLang="en-US" b="1" dirty="0"/>
+              <a:rPr lang="en-US" altLang="zh-TW" b="1" dirty="0" smtClean="0"/>
+              <a:t>{</a:t>
+            </a:r>
+            <a:endParaRPr lang="en-US" altLang="zh-TW" b="1" dirty="0"/>
+          </a:p>
+          <a:p>
+            <a:r>
+              <a:rPr lang="en-US" altLang="zh-TW" b="1" dirty="0"/>
               <a:t>    </a:t>
             </a:r>
             <a:r>
-              <a:rPr lang="en-US" altLang="zh-TW" b="1" dirty="0"/>
-              <a:t>{</a:t>
-            </a:r>
-          </a:p>
-          <a:p>
-            <a:r>
-              <a:rPr lang="en-US" altLang="zh-TW" b="1" dirty="0"/>
-              <a:t>        public void </a:t>
-            </a:r>
-            <a:r>
-              <a:rPr lang="en-US" altLang="zh-TW" b="1" dirty="0" err="1"/>
-              <a:t>ReadAsync</a:t>
-            </a:r>
-            <a:r>
-              <a:rPr lang="en-US" altLang="zh-TW" b="1" dirty="0"/>
-              <a:t>(byte[] buffer, </a:t>
+              <a:rPr lang="en-US" altLang="zh-TW" b="1" dirty="0" smtClean="0"/>
+              <a:t> public </a:t>
             </a:r>
             <a:r>
               <a:rPr lang="en-US" altLang="zh-TW" b="1" dirty="0" err="1"/>
@@ -8481,7 +8134,7 @@
             </a:r>
             <a:r>
               <a:rPr lang="en-US" altLang="zh-TW" b="1" dirty="0"/>
-              <a:t> offset, </a:t>
+              <a:t> Read(byte[] buffer, </a:t>
             </a:r>
             <a:r>
               <a:rPr lang="en-US" altLang="zh-TW" b="1" dirty="0" err="1"/>
@@ -8489,38 +8142,20 @@
             </a:r>
             <a:r>
               <a:rPr lang="en-US" altLang="zh-TW" b="1" dirty="0"/>
+              <a:t> offset, </a:t>
+            </a:r>
+            <a:r>
+              <a:rPr lang="en-US" altLang="zh-TW" b="1" dirty="0" err="1"/>
+              <a:t>int</a:t>
+            </a:r>
+            <a:r>
+              <a:rPr lang="en-US" altLang="zh-TW" b="1" dirty="0"/>
               <a:t> count);</a:t>
             </a:r>
           </a:p>
           <a:p>
             <a:r>
-              <a:rPr lang="en-US" altLang="zh-TW" b="1" dirty="0"/>
-              <a:t>        public event </a:t>
-            </a:r>
-            <a:r>
-              <a:rPr lang="en-US" altLang="zh-TW" b="1" dirty="0" err="1"/>
-              <a:t>ReadCompletedEventHandler</a:t>
-            </a:r>
-            <a:r>
-              <a:rPr lang="en-US" altLang="zh-TW" b="1" dirty="0"/>
-              <a:t> </a:t>
-            </a:r>
-            <a:r>
-              <a:rPr lang="en-US" altLang="zh-TW" b="1" dirty="0" err="1"/>
-              <a:t>ReadCompleted</a:t>
-            </a:r>
-            <a:r>
-              <a:rPr lang="en-US" altLang="zh-TW" b="1" dirty="0"/>
-              <a:t>;</a:t>
-            </a:r>
-          </a:p>
-          <a:p>
-            <a:r>
-              <a:rPr lang="zh-TW" altLang="en-US" b="1" dirty="0"/>
-              <a:t>    </a:t>
-            </a:r>
-            <a:r>
-              <a:rPr lang="en-US" altLang="zh-TW" b="1" dirty="0"/>
+              <a:rPr lang="en-US" altLang="zh-TW" b="1" dirty="0" smtClean="0"/>
               <a:t>}</a:t>
             </a:r>
             <a:endParaRPr lang="zh-TW" altLang="en-US" b="1" dirty="0"/>
@@ -8536,7 +8171,7 @@
         <p:spPr>
           <a:xfrm>
             <a:off x="35496" y="3717422"/>
-            <a:ext cx="9108504" cy="1200329"/>
+            <a:ext cx="6936514" cy="2031325"/>
           </a:xfrm>
           <a:prstGeom prst="rect">
             <a:avLst/>
@@ -8548,7 +8183,7 @@
           </a:solidFill>
         </p:spPr>
         <p:txBody>
-          <a:bodyPr wrap="square" rtlCol="0">
+          <a:bodyPr wrap="none" rtlCol="0">
             <a:spAutoFit/>
           </a:bodyPr>
           <a:lstStyle/>
@@ -8576,7 +8211,29 @@
           <a:p>
             <a:r>
               <a:rPr lang="en-US" altLang="zh-TW" b="1" dirty="0"/>
-              <a:t>        public Task&lt;</a:t>
+              <a:t>        public </a:t>
+            </a:r>
+            <a:r>
+              <a:rPr lang="en-US" altLang="zh-TW" b="1" dirty="0" err="1"/>
+              <a:t>IAsyncResult</a:t>
+            </a:r>
+            <a:r>
+              <a:rPr lang="en-US" altLang="zh-TW" b="1" dirty="0"/>
+              <a:t> </a:t>
+            </a:r>
+            <a:r>
+              <a:rPr lang="en-US" altLang="zh-TW" b="1" dirty="0" err="1"/>
+              <a:t>BeginRead</a:t>
+            </a:r>
+            <a:r>
+              <a:rPr lang="en-US" altLang="zh-TW" b="1" dirty="0"/>
+              <a:t>(</a:t>
+            </a:r>
+          </a:p>
+          <a:p>
+            <a:r>
+              <a:rPr lang="en-US" altLang="zh-TW" b="1" dirty="0"/>
+              <a:t>            byte[] buffer, </a:t>
             </a:r>
             <a:r>
               <a:rPr lang="en-US" altLang="zh-TW" b="1" dirty="0" err="1"/>
@@ -8584,15 +8241,7 @@
             </a:r>
             <a:r>
               <a:rPr lang="en-US" altLang="zh-TW" b="1" dirty="0"/>
-              <a:t>&gt; </a:t>
-            </a:r>
-            <a:r>
-              <a:rPr lang="en-US" altLang="zh-TW" b="1" dirty="0" err="1"/>
-              <a:t>ReadAsync</a:t>
-            </a:r>
-            <a:r>
-              <a:rPr lang="en-US" altLang="zh-TW" b="1" dirty="0"/>
-              <a:t>(byte[] buffer, </a:t>
+              <a:t> offset, </a:t>
             </a:r>
             <a:r>
               <a:rPr lang="en-US" altLang="zh-TW" b="1" dirty="0" err="1"/>
@@ -8600,7 +8249,27 @@
             </a:r>
             <a:r>
               <a:rPr lang="en-US" altLang="zh-TW" b="1" dirty="0"/>
-              <a:t> offset, </a:t>
+              <a:t> count,</a:t>
+            </a:r>
+          </a:p>
+          <a:p>
+            <a:r>
+              <a:rPr lang="en-US" altLang="zh-TW" b="1" dirty="0"/>
+              <a:t>            </a:t>
+            </a:r>
+            <a:r>
+              <a:rPr lang="en-US" altLang="zh-TW" b="1" dirty="0" err="1"/>
+              <a:t>AsyncCallback</a:t>
+            </a:r>
+            <a:r>
+              <a:rPr lang="en-US" altLang="zh-TW" b="1" dirty="0"/>
+              <a:t> callback, object state);</a:t>
+            </a:r>
+          </a:p>
+          <a:p>
+            <a:r>
+              <a:rPr lang="en-US" altLang="zh-TW" b="1" dirty="0"/>
+              <a:t>        public </a:t>
             </a:r>
             <a:r>
               <a:rPr lang="en-US" altLang="zh-TW" b="1" dirty="0" err="1"/>
@@ -8608,7 +8277,31 @@
             </a:r>
             <a:r>
               <a:rPr lang="en-US" altLang="zh-TW" b="1" dirty="0"/>
-              <a:t> count);</a:t>
+              <a:t> </a:t>
+            </a:r>
+            <a:r>
+              <a:rPr lang="en-US" altLang="zh-TW" b="1" dirty="0" err="1"/>
+              <a:t>EndRead</a:t>
+            </a:r>
+            <a:r>
+              <a:rPr lang="en-US" altLang="zh-TW" b="1" dirty="0"/>
+              <a:t>(</a:t>
+            </a:r>
+            <a:r>
+              <a:rPr lang="en-US" altLang="zh-TW" b="1" dirty="0" err="1"/>
+              <a:t>IAsyncResult</a:t>
+            </a:r>
+            <a:r>
+              <a:rPr lang="en-US" altLang="zh-TW" b="1" dirty="0"/>
+              <a:t> </a:t>
+            </a:r>
+            <a:r>
+              <a:rPr lang="en-US" altLang="zh-TW" b="1" dirty="0" err="1"/>
+              <a:t>asyncResult</a:t>
+            </a:r>
+            <a:r>
+              <a:rPr lang="en-US" altLang="zh-TW" b="1" dirty="0"/>
+              <a:t>);</a:t>
             </a:r>
           </a:p>
           <a:p>
@@ -8633,7 +8326,7 @@
         <p:spPr>
           <a:xfrm>
             <a:off x="62038" y="1454452"/>
-            <a:ext cx="1152880" cy="369332"/>
+            <a:ext cx="1107996" cy="369332"/>
           </a:xfrm>
           <a:prstGeom prst="rect">
             <a:avLst/>
@@ -8652,20 +8345,12 @@
           <a:lstStyle/>
           <a:p>
             <a:r>
-              <a:rPr lang="en-US" altLang="zh-TW" b="1" dirty="0" smtClean="0">
-                <a:solidFill>
-                  <a:schemeClr val="bg1"/>
-                </a:solidFill>
-              </a:rPr>
-              <a:t>EAP</a:t>
-            </a:r>
-            <a:r>
               <a:rPr lang="zh-TW" altLang="en-US" b="1" dirty="0" smtClean="0">
                 <a:solidFill>
                   <a:schemeClr val="bg1"/>
                 </a:solidFill>
               </a:rPr>
-              <a:t>方法</a:t>
+              <a:t>同步方法</a:t>
             </a:r>
             <a:endParaRPr lang="zh-TW" altLang="en-US" b="1" dirty="0">
               <a:solidFill>
@@ -8734,6 +8419,62 @@
         </p:nvSpPr>
         <p:spPr>
           <a:xfrm>
+            <a:off x="1691680" y="1429198"/>
+            <a:ext cx="7452320" cy="369332"/>
+          </a:xfrm>
+          <a:prstGeom prst="rect">
+            <a:avLst/>
+          </a:prstGeom>
+          <a:solidFill>
+            <a:srgbClr val="7030A0"/>
+          </a:solidFill>
+        </p:spPr>
+        <p:txBody>
+          <a:bodyPr wrap="square" rtlCol="0">
+            <a:spAutoFit/>
+          </a:bodyPr>
+          <a:lstStyle/>
+          <a:p>
+            <a:r>
+              <a:rPr lang="zh-TW" altLang="en-US" b="1" dirty="0" smtClean="0">
+                <a:solidFill>
+                  <a:schemeClr val="bg1"/>
+                </a:solidFill>
+              </a:rPr>
+              <a:t>若尚未讀取資料完成，該</a:t>
+            </a:r>
+            <a:r>
+              <a:rPr lang="en-US" altLang="zh-TW" b="1" dirty="0" smtClean="0">
+                <a:solidFill>
+                  <a:schemeClr val="bg1"/>
+                </a:solidFill>
+              </a:rPr>
+              <a:t>Thread</a:t>
+            </a:r>
+            <a:r>
+              <a:rPr lang="zh-TW" altLang="en-US" b="1" dirty="0" smtClean="0">
+                <a:solidFill>
+                  <a:schemeClr val="bg1"/>
+                </a:solidFill>
+              </a:rPr>
+              <a:t>無法繼續執行下去</a:t>
+            </a:r>
+            <a:endParaRPr lang="zh-TW" altLang="en-US" b="1" dirty="0">
+              <a:solidFill>
+                <a:schemeClr val="bg1"/>
+              </a:solidFill>
+            </a:endParaRPr>
+          </a:p>
+        </p:txBody>
+      </p:sp>
+      <p:sp>
+        <p:nvSpPr>
+          <p:cNvPr id="13" name="文字方塊 12"/>
+          <p:cNvSpPr txBox="1"/>
+          <p:nvPr/>
+        </p:nvSpPr>
+        <p:spPr>
+          <a:xfrm>
             <a:off x="1691680" y="3349765"/>
             <a:ext cx="7452320" cy="369332"/>
           </a:xfrm>
@@ -8756,15 +8497,15 @@
                   <a:schemeClr val="bg1"/>
                 </a:solidFill>
               </a:rPr>
-              <a:t>在讀取資料時候，</a:t>
-            </a:r>
-            <a:r>
-              <a:rPr lang="en-US" altLang="zh-TW" b="1" dirty="0" smtClean="0">
+              <a:t>讀取資料完成後，會使用 </a:t>
+            </a:r>
+            <a:r>
+              <a:rPr lang="en-US" altLang="zh-TW" b="1" dirty="0" err="1" smtClean="0">
                 <a:solidFill>
                   <a:schemeClr val="bg1"/>
                 </a:solidFill>
               </a:rPr>
-              <a:t>Thread</a:t>
+              <a:t>AsyncCallback</a:t>
             </a:r>
             <a:r>
               <a:rPr lang="zh-TW" altLang="en-US" b="1" dirty="0" smtClean="0">
@@ -8772,7 +8513,7 @@
                   <a:schemeClr val="bg1"/>
                 </a:solidFill>
               </a:rPr>
-              <a:t>可以繼續執行其他工作，讀完後，繼續執行</a:t>
+              <a:t>通知</a:t>
             </a:r>
             <a:endParaRPr lang="zh-TW" altLang="en-US" b="1" dirty="0">
               <a:solidFill>
@@ -8784,13 +8525,13 @@
       </p:sp>
       <p:sp>
         <p:nvSpPr>
-          <p:cNvPr id="13" name="文字方塊 12"/>
+          <p:cNvPr id="14" name="文字方塊 13"/>
           <p:cNvSpPr txBox="1"/>
           <p:nvPr/>
         </p:nvSpPr>
         <p:spPr>
           <a:xfrm>
-            <a:off x="1691680" y="1454738"/>
+            <a:off x="1691680" y="5736120"/>
             <a:ext cx="7452320" cy="369332"/>
           </a:xfrm>
           <a:prstGeom prst="rect">
@@ -8812,15 +8553,15 @@
                   <a:schemeClr val="bg1"/>
                 </a:solidFill>
               </a:rPr>
-              <a:t>讀取資料完成後，會使用 </a:t>
-            </a:r>
-            <a:r>
-              <a:rPr lang="en-US" altLang="zh-TW" b="1" dirty="0" err="1">
+              <a:t>需要使用 </a:t>
+            </a:r>
+            <a:r>
+              <a:rPr lang="en-US" altLang="zh-TW" b="1" dirty="0" err="1" smtClean="0">
                 <a:solidFill>
                   <a:schemeClr val="bg1"/>
                 </a:solidFill>
               </a:rPr>
-              <a:t>ReadCompletedEventHandler</a:t>
+              <a:t>EndRead</a:t>
             </a:r>
             <a:r>
               <a:rPr lang="zh-TW" altLang="en-US" b="1" dirty="0" smtClean="0">
@@ -8828,7 +8569,7 @@
                   <a:schemeClr val="bg1"/>
                 </a:solidFill>
               </a:rPr>
-              <a:t>通知</a:t>
+              <a:t> 取得所讀取到的資料</a:t>
             </a:r>
             <a:endParaRPr lang="zh-TW" altLang="en-US" b="1" dirty="0">
               <a:solidFill>
@@ -8841,7 +8582,7 @@
     </p:spTree>
     <p:extLst>
       <p:ext uri="{BB962C8B-B14F-4D97-AF65-F5344CB8AC3E}">
-        <p14:creationId xmlns:p14="http://schemas.microsoft.com/office/powerpoint/2010/main" val="3431471828"/>
+        <p14:creationId xmlns:p14="http://schemas.microsoft.com/office/powerpoint/2010/main" val="87609382"/>
       </p:ext>
     </p:extLst>
   </p:cSld>
@@ -8884,6 +8625,508 @@
           <a:lstStyle/>
           <a:p>
             <a:r>
+              <a:rPr lang="en-US" altLang="zh-TW" dirty="0"/>
+              <a:t>Comparing </a:t>
+            </a:r>
+            <a:r>
+              <a:rPr lang="en-US" altLang="zh-TW" dirty="0" smtClean="0"/>
+              <a:t>Patterns</a:t>
+            </a:r>
+            <a:endParaRPr lang="zh-TW" altLang="en-US" dirty="0"/>
+          </a:p>
+        </p:txBody>
+      </p:sp>
+      <p:sp>
+        <p:nvSpPr>
+          <p:cNvPr id="4" name="投影片編號版面配置區 3"/>
+          <p:cNvSpPr>
+            <a:spLocks noGrp="1"/>
+          </p:cNvSpPr>
+          <p:nvPr>
+            <p:ph type="sldNum" sz="quarter" idx="4"/>
+          </p:nvPr>
+        </p:nvSpPr>
+        <p:spPr/>
+        <p:txBody>
+          <a:bodyPr/>
+          <a:lstStyle/>
+          <a:p>
+            <a:fld id="{1B4050F5-7C0C-4C02-ADBC-126D7B02657F}" type="slidenum">
+              <a:rPr lang="zh-TW" altLang="en-US" smtClean="0"/>
+              <a:t>26</a:t>
+            </a:fld>
+            <a:endParaRPr lang="zh-TW" altLang="en-US"/>
+          </a:p>
+        </p:txBody>
+      </p:sp>
+      <p:sp>
+        <p:nvSpPr>
+          <p:cNvPr id="8" name="文字方塊 7"/>
+          <p:cNvSpPr txBox="1"/>
+          <p:nvPr/>
+        </p:nvSpPr>
+        <p:spPr>
+          <a:xfrm>
+            <a:off x="35496" y="1798530"/>
+            <a:ext cx="8480207" cy="1477328"/>
+          </a:xfrm>
+          <a:prstGeom prst="rect">
+            <a:avLst/>
+          </a:prstGeom>
+          <a:solidFill>
+            <a:schemeClr val="bg1">
+              <a:lumMod val="85000"/>
+            </a:schemeClr>
+          </a:solidFill>
+        </p:spPr>
+        <p:txBody>
+          <a:bodyPr wrap="none" rtlCol="0">
+            <a:spAutoFit/>
+          </a:bodyPr>
+          <a:lstStyle/>
+          <a:p>
+            <a:r>
+              <a:rPr lang="en-US" altLang="zh-TW" b="1" dirty="0"/>
+              <a:t> public class </a:t>
+            </a:r>
+            <a:r>
+              <a:rPr lang="en-US" altLang="zh-TW" b="1" dirty="0" err="1"/>
+              <a:t>MyClass</a:t>
+            </a:r>
+            <a:endParaRPr lang="en-US" altLang="zh-TW" b="1" dirty="0"/>
+          </a:p>
+          <a:p>
+            <a:r>
+              <a:rPr lang="zh-TW" altLang="en-US" b="1" dirty="0"/>
+              <a:t>    </a:t>
+            </a:r>
+            <a:r>
+              <a:rPr lang="en-US" altLang="zh-TW" b="1" dirty="0"/>
+              <a:t>{</a:t>
+            </a:r>
+          </a:p>
+          <a:p>
+            <a:r>
+              <a:rPr lang="en-US" altLang="zh-TW" b="1" dirty="0"/>
+              <a:t>        public void </a:t>
+            </a:r>
+            <a:r>
+              <a:rPr lang="en-US" altLang="zh-TW" b="1" dirty="0" err="1"/>
+              <a:t>ReadAsync</a:t>
+            </a:r>
+            <a:r>
+              <a:rPr lang="en-US" altLang="zh-TW" b="1" dirty="0"/>
+              <a:t>(byte[] buffer, </a:t>
+            </a:r>
+            <a:r>
+              <a:rPr lang="en-US" altLang="zh-TW" b="1" dirty="0" err="1"/>
+              <a:t>int</a:t>
+            </a:r>
+            <a:r>
+              <a:rPr lang="en-US" altLang="zh-TW" b="1" dirty="0"/>
+              <a:t> offset, </a:t>
+            </a:r>
+            <a:r>
+              <a:rPr lang="en-US" altLang="zh-TW" b="1" dirty="0" err="1"/>
+              <a:t>int</a:t>
+            </a:r>
+            <a:r>
+              <a:rPr lang="en-US" altLang="zh-TW" b="1" dirty="0"/>
+              <a:t> count);</a:t>
+            </a:r>
+          </a:p>
+          <a:p>
+            <a:r>
+              <a:rPr lang="en-US" altLang="zh-TW" b="1" dirty="0"/>
+              <a:t>        public event </a:t>
+            </a:r>
+            <a:r>
+              <a:rPr lang="en-US" altLang="zh-TW" b="1" dirty="0" err="1"/>
+              <a:t>ReadCompletedEventHandler</a:t>
+            </a:r>
+            <a:r>
+              <a:rPr lang="en-US" altLang="zh-TW" b="1" dirty="0"/>
+              <a:t> </a:t>
+            </a:r>
+            <a:r>
+              <a:rPr lang="en-US" altLang="zh-TW" b="1" dirty="0" err="1"/>
+              <a:t>ReadCompleted</a:t>
+            </a:r>
+            <a:r>
+              <a:rPr lang="en-US" altLang="zh-TW" b="1" dirty="0"/>
+              <a:t>;</a:t>
+            </a:r>
+          </a:p>
+          <a:p>
+            <a:r>
+              <a:rPr lang="zh-TW" altLang="en-US" b="1" dirty="0"/>
+              <a:t>    </a:t>
+            </a:r>
+            <a:r>
+              <a:rPr lang="en-US" altLang="zh-TW" b="1" dirty="0"/>
+              <a:t>}</a:t>
+            </a:r>
+            <a:endParaRPr lang="zh-TW" altLang="en-US" b="1" dirty="0"/>
+          </a:p>
+        </p:txBody>
+      </p:sp>
+      <p:sp>
+        <p:nvSpPr>
+          <p:cNvPr id="10" name="文字方塊 9"/>
+          <p:cNvSpPr txBox="1"/>
+          <p:nvPr/>
+        </p:nvSpPr>
+        <p:spPr>
+          <a:xfrm>
+            <a:off x="35496" y="3717422"/>
+            <a:ext cx="9108504" cy="1200329"/>
+          </a:xfrm>
+          <a:prstGeom prst="rect">
+            <a:avLst/>
+          </a:prstGeom>
+          <a:solidFill>
+            <a:schemeClr val="bg1">
+              <a:lumMod val="85000"/>
+            </a:schemeClr>
+          </a:solidFill>
+        </p:spPr>
+        <p:txBody>
+          <a:bodyPr wrap="square" rtlCol="0">
+            <a:spAutoFit/>
+          </a:bodyPr>
+          <a:lstStyle/>
+          <a:p>
+            <a:r>
+              <a:rPr lang="en-US" altLang="zh-TW" b="1" dirty="0"/>
+              <a:t> public class </a:t>
+            </a:r>
+            <a:r>
+              <a:rPr lang="en-US" altLang="zh-TW" b="1" dirty="0" err="1"/>
+              <a:t>MyClass</a:t>
+            </a:r>
+            <a:endParaRPr lang="en-US" altLang="zh-TW" b="1" dirty="0"/>
+          </a:p>
+          <a:p>
+            <a:r>
+              <a:rPr lang="zh-TW" altLang="en-US" b="1" dirty="0"/>
+              <a:t>    </a:t>
+            </a:r>
+            <a:r>
+              <a:rPr lang="en-US" altLang="zh-TW" b="1" dirty="0"/>
+              <a:t>{</a:t>
+            </a:r>
+          </a:p>
+          <a:p>
+            <a:r>
+              <a:rPr lang="en-US" altLang="zh-TW" b="1" dirty="0"/>
+              <a:t>        public Task&lt;</a:t>
+            </a:r>
+            <a:r>
+              <a:rPr lang="en-US" altLang="zh-TW" b="1" dirty="0" err="1"/>
+              <a:t>int</a:t>
+            </a:r>
+            <a:r>
+              <a:rPr lang="en-US" altLang="zh-TW" b="1" dirty="0"/>
+              <a:t>&gt; </a:t>
+            </a:r>
+            <a:r>
+              <a:rPr lang="en-US" altLang="zh-TW" b="1" dirty="0" err="1"/>
+              <a:t>ReadAsync</a:t>
+            </a:r>
+            <a:r>
+              <a:rPr lang="en-US" altLang="zh-TW" b="1" dirty="0"/>
+              <a:t>(byte[] buffer, </a:t>
+            </a:r>
+            <a:r>
+              <a:rPr lang="en-US" altLang="zh-TW" b="1" dirty="0" err="1"/>
+              <a:t>int</a:t>
+            </a:r>
+            <a:r>
+              <a:rPr lang="en-US" altLang="zh-TW" b="1" dirty="0"/>
+              <a:t> offset, </a:t>
+            </a:r>
+            <a:r>
+              <a:rPr lang="en-US" altLang="zh-TW" b="1" dirty="0" err="1"/>
+              <a:t>int</a:t>
+            </a:r>
+            <a:r>
+              <a:rPr lang="en-US" altLang="zh-TW" b="1" dirty="0"/>
+              <a:t> count);</a:t>
+            </a:r>
+          </a:p>
+          <a:p>
+            <a:r>
+              <a:rPr lang="zh-TW" altLang="en-US" b="1" dirty="0"/>
+              <a:t>    </a:t>
+            </a:r>
+            <a:r>
+              <a:rPr lang="en-US" altLang="zh-TW" b="1" dirty="0"/>
+              <a:t>}</a:t>
+            </a:r>
+            <a:endParaRPr lang="zh-TW" altLang="en-US" b="1" dirty="0"/>
+          </a:p>
+        </p:txBody>
+      </p:sp>
+      <p:sp>
+        <p:nvSpPr>
+          <p:cNvPr id="11" name="文字方塊 10"/>
+          <p:cNvSpPr txBox="1"/>
+          <p:nvPr/>
+        </p:nvSpPr>
+        <p:spPr>
+          <a:xfrm>
+            <a:off x="62038" y="1454452"/>
+            <a:ext cx="1152880" cy="369332"/>
+          </a:xfrm>
+          <a:prstGeom prst="rect">
+            <a:avLst/>
+          </a:prstGeom>
+          <a:solidFill>
+            <a:schemeClr val="accent2">
+              <a:lumMod val="60000"/>
+              <a:lumOff val="40000"/>
+            </a:schemeClr>
+          </a:solidFill>
+        </p:spPr>
+        <p:txBody>
+          <a:bodyPr wrap="none" rtlCol="0">
+            <a:spAutoFit/>
+          </a:bodyPr>
+          <a:lstStyle/>
+          <a:p>
+            <a:r>
+              <a:rPr lang="en-US" altLang="zh-TW" b="1" dirty="0" smtClean="0">
+                <a:solidFill>
+                  <a:schemeClr val="bg1"/>
+                </a:solidFill>
+              </a:rPr>
+              <a:t>EAP</a:t>
+            </a:r>
+            <a:r>
+              <a:rPr lang="zh-TW" altLang="en-US" b="1" dirty="0" smtClean="0">
+                <a:solidFill>
+                  <a:schemeClr val="bg1"/>
+                </a:solidFill>
+              </a:rPr>
+              <a:t>方法</a:t>
+            </a:r>
+            <a:endParaRPr lang="zh-TW" altLang="en-US" b="1" dirty="0">
+              <a:solidFill>
+                <a:schemeClr val="bg1"/>
+              </a:solidFill>
+            </a:endParaRPr>
+          </a:p>
+        </p:txBody>
+      </p:sp>
+      <p:sp>
+        <p:nvSpPr>
+          <p:cNvPr id="12" name="文字方塊 11"/>
+          <p:cNvSpPr txBox="1"/>
+          <p:nvPr/>
+        </p:nvSpPr>
+        <p:spPr>
+          <a:xfrm>
+            <a:off x="35496" y="3342937"/>
+            <a:ext cx="1213794" cy="369332"/>
+          </a:xfrm>
+          <a:prstGeom prst="rect">
+            <a:avLst/>
+          </a:prstGeom>
+          <a:solidFill>
+            <a:schemeClr val="accent2">
+              <a:lumMod val="60000"/>
+              <a:lumOff val="40000"/>
+            </a:schemeClr>
+          </a:solidFill>
+        </p:spPr>
+        <p:txBody>
+          <a:bodyPr wrap="none" rtlCol="0">
+            <a:spAutoFit/>
+          </a:bodyPr>
+          <a:lstStyle/>
+          <a:p>
+            <a:r>
+              <a:rPr lang="en-US" altLang="zh-TW" b="1" dirty="0">
+                <a:solidFill>
+                  <a:schemeClr val="bg1"/>
+                </a:solidFill>
+              </a:rPr>
+              <a:t>APM</a:t>
+            </a:r>
+            <a:r>
+              <a:rPr lang="zh-TW" altLang="en-US" b="1" dirty="0" smtClean="0">
+                <a:solidFill>
+                  <a:schemeClr val="bg1"/>
+                </a:solidFill>
+              </a:rPr>
+              <a:t>方法</a:t>
+            </a:r>
+            <a:endParaRPr lang="zh-TW" altLang="en-US" b="1" dirty="0">
+              <a:solidFill>
+                <a:schemeClr val="bg1"/>
+              </a:solidFill>
+            </a:endParaRPr>
+          </a:p>
+        </p:txBody>
+      </p:sp>
+      <p:sp>
+        <p:nvSpPr>
+          <p:cNvPr id="9" name="文字方塊 8"/>
+          <p:cNvSpPr txBox="1"/>
+          <p:nvPr/>
+        </p:nvSpPr>
+        <p:spPr>
+          <a:xfrm>
+            <a:off x="1691680" y="3349765"/>
+            <a:ext cx="7452320" cy="369332"/>
+          </a:xfrm>
+          <a:prstGeom prst="rect">
+            <a:avLst/>
+          </a:prstGeom>
+          <a:solidFill>
+            <a:srgbClr val="7030A0"/>
+          </a:solidFill>
+        </p:spPr>
+        <p:txBody>
+          <a:bodyPr wrap="square" rtlCol="0">
+            <a:spAutoFit/>
+          </a:bodyPr>
+          <a:lstStyle/>
+          <a:p>
+            <a:r>
+              <a:rPr lang="zh-TW" altLang="en-US" b="1" dirty="0" smtClean="0">
+                <a:solidFill>
+                  <a:schemeClr val="bg1"/>
+                </a:solidFill>
+              </a:rPr>
+              <a:t>在讀取資料時候，</a:t>
+            </a:r>
+            <a:r>
+              <a:rPr lang="en-US" altLang="zh-TW" b="1" dirty="0" smtClean="0">
+                <a:solidFill>
+                  <a:schemeClr val="bg1"/>
+                </a:solidFill>
+              </a:rPr>
+              <a:t>Thread</a:t>
+            </a:r>
+            <a:r>
+              <a:rPr lang="zh-TW" altLang="en-US" b="1" dirty="0" smtClean="0">
+                <a:solidFill>
+                  <a:schemeClr val="bg1"/>
+                </a:solidFill>
+              </a:rPr>
+              <a:t>可以繼續執行其他工作，讀完後，繼續執行</a:t>
+            </a:r>
+            <a:endParaRPr lang="zh-TW" altLang="en-US" b="1" dirty="0">
+              <a:solidFill>
+                <a:schemeClr val="bg1"/>
+              </a:solidFill>
+            </a:endParaRPr>
+          </a:p>
+        </p:txBody>
+      </p:sp>
+      <p:sp>
+        <p:nvSpPr>
+          <p:cNvPr id="13" name="文字方塊 12"/>
+          <p:cNvSpPr txBox="1"/>
+          <p:nvPr/>
+        </p:nvSpPr>
+        <p:spPr>
+          <a:xfrm>
+            <a:off x="1691680" y="1454738"/>
+            <a:ext cx="7452320" cy="369332"/>
+          </a:xfrm>
+          <a:prstGeom prst="rect">
+            <a:avLst/>
+          </a:prstGeom>
+          <a:solidFill>
+            <a:srgbClr val="7030A0"/>
+          </a:solidFill>
+        </p:spPr>
+        <p:txBody>
+          <a:bodyPr wrap="square" rtlCol="0">
+            <a:spAutoFit/>
+          </a:bodyPr>
+          <a:lstStyle/>
+          <a:p>
+            <a:r>
+              <a:rPr lang="zh-TW" altLang="en-US" b="1" dirty="0" smtClean="0">
+                <a:solidFill>
+                  <a:schemeClr val="bg1"/>
+                </a:solidFill>
+              </a:rPr>
+              <a:t>讀取資料完成後，會使用 </a:t>
+            </a:r>
+            <a:r>
+              <a:rPr lang="en-US" altLang="zh-TW" b="1" dirty="0" err="1">
+                <a:solidFill>
+                  <a:schemeClr val="bg1"/>
+                </a:solidFill>
+              </a:rPr>
+              <a:t>ReadCompletedEventHandler</a:t>
+            </a:r>
+            <a:r>
+              <a:rPr lang="zh-TW" altLang="en-US" b="1" dirty="0" smtClean="0">
+                <a:solidFill>
+                  <a:schemeClr val="bg1"/>
+                </a:solidFill>
+              </a:rPr>
+              <a:t>通知</a:t>
+            </a:r>
+            <a:endParaRPr lang="zh-TW" altLang="en-US" b="1" dirty="0">
+              <a:solidFill>
+                <a:schemeClr val="bg1"/>
+              </a:solidFill>
+            </a:endParaRPr>
+          </a:p>
+        </p:txBody>
+      </p:sp>
+    </p:spTree>
+    <p:extLst>
+      <p:ext uri="{BB962C8B-B14F-4D97-AF65-F5344CB8AC3E}">
+        <p14:creationId xmlns:p14="http://schemas.microsoft.com/office/powerpoint/2010/main" val="3431471828"/>
+      </p:ext>
+    </p:extLst>
+  </p:cSld>
+  <p:clrMapOvr>
+    <a:masterClrMapping/>
+  </p:clrMapOvr>
+</p:sld>
+</file>
+
+<file path=ppt/slides/slide27.xml><?xml version="1.0" encoding="utf-8"?>
+<p:sld xmlns:a="http://schemas.openxmlformats.org/drawingml/2006/main" xmlns:r="http://schemas.openxmlformats.org/officeDocument/2006/relationships" xmlns:p="http://schemas.openxmlformats.org/presentationml/2006/main">
+  <p:cSld>
+    <p:spTree>
+      <p:nvGrpSpPr>
+        <p:cNvPr id="1" name=""/>
+        <p:cNvGrpSpPr/>
+        <p:nvPr/>
+      </p:nvGrpSpPr>
+      <p:grpSpPr>
+        <a:xfrm>
+          <a:off x="0" y="0"/>
+          <a:ext cx="0" cy="0"/>
+          <a:chOff x="0" y="0"/>
+          <a:chExt cx="0" cy="0"/>
+        </a:xfrm>
+      </p:grpSpPr>
+      <p:sp>
+        <p:nvSpPr>
+          <p:cNvPr id="2" name="標題 1"/>
+          <p:cNvSpPr>
+            <a:spLocks noGrp="1"/>
+          </p:cNvSpPr>
+          <p:nvPr>
+            <p:ph type="title"/>
+          </p:nvPr>
+        </p:nvSpPr>
+        <p:spPr/>
+        <p:txBody>
+          <a:bodyPr/>
+          <a:lstStyle/>
+          <a:p>
+            <a:r>
               <a:rPr lang="en-US" altLang="zh-TW" sz="3200" dirty="0" smtClean="0"/>
               <a:t>Task Parallelism </a:t>
             </a:r>
@@ -8984,7 +9227,7 @@
           <a:p>
             <a:fld id="{1B4050F5-7C0C-4C02-ADBC-126D7B02657F}" type="slidenum">
               <a:rPr lang="zh-TW" altLang="en-US" smtClean="0"/>
-              <a:t>26</a:t>
+              <a:t>27</a:t>
             </a:fld>
             <a:endParaRPr lang="zh-TW" altLang="en-US"/>
           </a:p>
@@ -9726,238 +9969,6 @@
 </p:sld>
 </file>
 
-<file path=ppt/slides/slide27.xml><?xml version="1.0" encoding="utf-8"?>
-<p:sld xmlns:a="http://schemas.openxmlformats.org/drawingml/2006/main" xmlns:r="http://schemas.openxmlformats.org/officeDocument/2006/relationships" xmlns:p="http://schemas.openxmlformats.org/presentationml/2006/main">
-  <p:cSld>
-    <p:spTree>
-      <p:nvGrpSpPr>
-        <p:cNvPr id="1" name=""/>
-        <p:cNvGrpSpPr/>
-        <p:nvPr/>
-      </p:nvGrpSpPr>
-      <p:grpSpPr>
-        <a:xfrm>
-          <a:off x="0" y="0"/>
-          <a:ext cx="0" cy="0"/>
-          <a:chOff x="0" y="0"/>
-          <a:chExt cx="0" cy="0"/>
-        </a:xfrm>
-      </p:grpSpPr>
-      <p:sp>
-        <p:nvSpPr>
-          <p:cNvPr id="2" name="標題 1"/>
-          <p:cNvSpPr>
-            <a:spLocks noGrp="1"/>
-          </p:cNvSpPr>
-          <p:nvPr>
-            <p:ph type="title"/>
-          </p:nvPr>
-        </p:nvSpPr>
-        <p:spPr/>
-        <p:txBody>
-          <a:bodyPr/>
-          <a:lstStyle/>
-          <a:p>
-            <a:r>
-              <a:rPr lang="zh-TW" altLang="en-US" dirty="0" smtClean="0"/>
-              <a:t>兩種 </a:t>
-            </a:r>
-            <a:r>
-              <a:rPr lang="en-US" altLang="zh-TW" dirty="0" smtClean="0"/>
-              <a:t>Sleep</a:t>
-            </a:r>
-            <a:r>
-              <a:rPr lang="zh-TW" altLang="en-US" dirty="0" smtClean="0"/>
-              <a:t> 到底有何不同</a:t>
-            </a:r>
-            <a:endParaRPr lang="zh-TW" altLang="en-US" dirty="0"/>
-          </a:p>
-        </p:txBody>
-      </p:sp>
-      <p:sp>
-        <p:nvSpPr>
-          <p:cNvPr id="3" name="內容版面配置區 2"/>
-          <p:cNvSpPr>
-            <a:spLocks noGrp="1"/>
-          </p:cNvSpPr>
-          <p:nvPr>
-            <p:ph idx="1"/>
-          </p:nvPr>
-        </p:nvSpPr>
-        <p:spPr/>
-        <p:txBody>
-          <a:bodyPr/>
-          <a:lstStyle/>
-          <a:p>
-            <a:pPr marL="0" indent="0">
-              <a:buNone/>
-            </a:pPr>
-            <a:r>
-              <a:rPr lang="en-US" altLang="zh-TW" sz="2000" b="1" dirty="0"/>
-              <a:t>void </a:t>
-            </a:r>
-            <a:r>
-              <a:rPr lang="en-US" altLang="zh-TW" sz="2000" b="1" dirty="0" err="1"/>
-              <a:t>MyMethod</a:t>
-            </a:r>
-            <a:r>
-              <a:rPr lang="en-US" altLang="zh-TW" sz="2000" b="1" dirty="0"/>
-              <a:t>()</a:t>
-            </a:r>
-          </a:p>
-          <a:p>
-            <a:pPr marL="0" indent="0">
-              <a:buNone/>
-            </a:pPr>
-            <a:r>
-              <a:rPr lang="en-US" altLang="zh-TW" sz="2000" b="1" dirty="0"/>
-              <a:t>{</a:t>
-            </a:r>
-          </a:p>
-          <a:p>
-            <a:pPr marL="0" indent="0">
-              <a:buNone/>
-            </a:pPr>
-            <a:r>
-              <a:rPr lang="en-US" altLang="zh-TW" sz="2000" b="1" dirty="0"/>
-              <a:t>  // Do synchronous work.</a:t>
-            </a:r>
-          </a:p>
-          <a:p>
-            <a:pPr marL="0" indent="0">
-              <a:buNone/>
-            </a:pPr>
-            <a:r>
-              <a:rPr lang="en-US" altLang="zh-TW" sz="2000" b="1" dirty="0"/>
-              <a:t>  </a:t>
-            </a:r>
-            <a:r>
-              <a:rPr lang="en-US" altLang="zh-TW" sz="2000" b="1" dirty="0" err="1"/>
-              <a:t>Thread.Sleep</a:t>
-            </a:r>
-            <a:r>
-              <a:rPr lang="en-US" altLang="zh-TW" sz="2000" b="1" dirty="0"/>
-              <a:t>(1000);</a:t>
-            </a:r>
-          </a:p>
-          <a:p>
-            <a:pPr marL="0" indent="0">
-              <a:buNone/>
-            </a:pPr>
-            <a:r>
-              <a:rPr lang="en-US" altLang="zh-TW" sz="2000" b="1" dirty="0"/>
-              <a:t>}</a:t>
-            </a:r>
-          </a:p>
-          <a:p>
-            <a:pPr marL="0" indent="0">
-              <a:buNone/>
-            </a:pPr>
-            <a:r>
-              <a:rPr lang="en-US" altLang="zh-TW" sz="2000" b="1" dirty="0" err="1"/>
-              <a:t>async</a:t>
-            </a:r>
-            <a:r>
-              <a:rPr lang="en-US" altLang="zh-TW" sz="2000" b="1" dirty="0"/>
-              <a:t> Task </a:t>
-            </a:r>
-            <a:r>
-              <a:rPr lang="en-US" altLang="zh-TW" sz="2000" b="1" dirty="0" err="1"/>
-              <a:t>MyMethodAsync</a:t>
-            </a:r>
-            <a:r>
-              <a:rPr lang="en-US" altLang="zh-TW" sz="2000" b="1" dirty="0"/>
-              <a:t>()</a:t>
-            </a:r>
-          </a:p>
-          <a:p>
-            <a:pPr marL="0" indent="0">
-              <a:buNone/>
-            </a:pPr>
-            <a:r>
-              <a:rPr lang="en-US" altLang="zh-TW" sz="2000" b="1" dirty="0"/>
-              <a:t>{</a:t>
-            </a:r>
-          </a:p>
-          <a:p>
-            <a:pPr marL="0" indent="0">
-              <a:buNone/>
-            </a:pPr>
-            <a:r>
-              <a:rPr lang="en-US" altLang="zh-TW" sz="2000" b="1" dirty="0"/>
-              <a:t>  // Do asynchronous work.</a:t>
-            </a:r>
-          </a:p>
-          <a:p>
-            <a:pPr marL="0" indent="0">
-              <a:buNone/>
-            </a:pPr>
-            <a:r>
-              <a:rPr lang="en-US" altLang="zh-TW" sz="2000" b="1" dirty="0"/>
-              <a:t>  await </a:t>
-            </a:r>
-            <a:r>
-              <a:rPr lang="en-US" altLang="zh-TW" sz="2000" b="1" dirty="0" err="1"/>
-              <a:t>Task.Delay</a:t>
-            </a:r>
-            <a:r>
-              <a:rPr lang="en-US" altLang="zh-TW" sz="2000" b="1" dirty="0"/>
-              <a:t>(1000);</a:t>
-            </a:r>
-          </a:p>
-          <a:p>
-            <a:pPr marL="0" indent="0">
-              <a:buNone/>
-            </a:pPr>
-            <a:r>
-              <a:rPr lang="en-US" altLang="zh-TW" sz="2000" b="1" dirty="0"/>
-              <a:t>}</a:t>
-            </a:r>
-          </a:p>
-          <a:p>
-            <a:pPr marL="0" indent="0">
-              <a:buNone/>
-            </a:pPr>
-            <a:endParaRPr lang="zh-TW" altLang="en-US" sz="2000" b="1" dirty="0"/>
-          </a:p>
-        </p:txBody>
-      </p:sp>
-      <p:sp>
-        <p:nvSpPr>
-          <p:cNvPr id="4" name="投影片編號版面配置區 3"/>
-          <p:cNvSpPr>
-            <a:spLocks noGrp="1"/>
-          </p:cNvSpPr>
-          <p:nvPr>
-            <p:ph type="sldNum" sz="quarter" idx="4"/>
-          </p:nvPr>
-        </p:nvSpPr>
-        <p:spPr/>
-        <p:txBody>
-          <a:bodyPr/>
-          <a:lstStyle/>
-          <a:p>
-            <a:fld id="{1B4050F5-7C0C-4C02-ADBC-126D7B02657F}" type="slidenum">
-              <a:rPr lang="zh-TW" altLang="en-US" smtClean="0"/>
-              <a:t>27</a:t>
-            </a:fld>
-            <a:endParaRPr lang="zh-TW" altLang="en-US"/>
-          </a:p>
-        </p:txBody>
-      </p:sp>
-    </p:spTree>
-    <p:extLst>
-      <p:ext uri="{BB962C8B-B14F-4D97-AF65-F5344CB8AC3E}">
-        <p14:creationId xmlns:p14="http://schemas.microsoft.com/office/powerpoint/2010/main" val="3773221423"/>
-      </p:ext>
-    </p:extLst>
-  </p:cSld>
-  <p:clrMapOvr>
-    <a:masterClrMapping/>
-  </p:clrMapOvr>
-</p:sld>
-</file>
-
 <file path=ppt/slides/slide28.xml><?xml version="1.0" encoding="utf-8"?>
 <p:sld xmlns:a="http://schemas.openxmlformats.org/drawingml/2006/main" xmlns:r="http://schemas.openxmlformats.org/officeDocument/2006/relationships" xmlns:p="http://schemas.openxmlformats.org/presentationml/2006/main">
   <p:cSld>
@@ -9991,47 +10002,169 @@
           <a:lstStyle/>
           <a:p>
             <a:r>
-              <a:rPr lang="en-US" altLang="zh-TW" sz="3600" dirty="0"/>
-              <a:t>The “</a:t>
-            </a:r>
-            <a:r>
-              <a:rPr lang="en-US" altLang="zh-TW" sz="3600" dirty="0" err="1"/>
-              <a:t>Async</a:t>
-            </a:r>
-            <a:r>
-              <a:rPr lang="en-US" altLang="zh-TW" sz="3600" dirty="0"/>
-              <a:t> Way” of Doing Things</a:t>
-            </a:r>
-            <a:endParaRPr lang="zh-TW" altLang="en-US" sz="3600" dirty="0"/>
-          </a:p>
-        </p:txBody>
-      </p:sp>
-      <p:pic>
-        <p:nvPicPr>
-          <p:cNvPr id="5" name="內容版面配置區 4"/>
-          <p:cNvPicPr>
-            <a:picLocks noGrp="1" noChangeAspect="1"/>
-          </p:cNvPicPr>
+              <a:rPr lang="zh-TW" altLang="en-US" dirty="0" smtClean="0"/>
+              <a:t>兩種 </a:t>
+            </a:r>
+            <a:r>
+              <a:rPr lang="en-US" altLang="zh-TW" dirty="0" smtClean="0"/>
+              <a:t>Sleep</a:t>
+            </a:r>
+            <a:r>
+              <a:rPr lang="zh-TW" altLang="en-US" dirty="0" smtClean="0"/>
+              <a:t> 到底有何不同</a:t>
+            </a:r>
+            <a:endParaRPr lang="zh-TW" altLang="en-US" dirty="0"/>
+          </a:p>
+        </p:txBody>
+      </p:sp>
+      <p:sp>
+        <p:nvSpPr>
+          <p:cNvPr id="3" name="內容版面配置區 2"/>
+          <p:cNvSpPr>
+            <a:spLocks noGrp="1"/>
+          </p:cNvSpPr>
           <p:nvPr>
             <p:ph idx="1"/>
           </p:nvPr>
-        </p:nvPicPr>
-        <p:blipFill>
-          <a:blip r:embed="rId3"/>
-          <a:stretch>
-            <a:fillRect/>
-          </a:stretch>
-        </p:blipFill>
-        <p:spPr>
-          <a:xfrm>
-            <a:off x="574675" y="1844824"/>
-            <a:ext cx="8202254" cy="2802644"/>
-          </a:xfrm>
-          <a:prstGeom prst="rect">
-            <a:avLst/>
-          </a:prstGeom>
-        </p:spPr>
-      </p:pic>
+        </p:nvSpPr>
+        <p:spPr/>
+        <p:txBody>
+          <a:bodyPr/>
+          <a:lstStyle/>
+          <a:p>
+            <a:pPr marL="0" indent="0">
+              <a:buNone/>
+            </a:pPr>
+            <a:r>
+              <a:rPr lang="en-US" altLang="zh-TW" sz="2000" b="1" dirty="0"/>
+              <a:t>void </a:t>
+            </a:r>
+            <a:r>
+              <a:rPr lang="en-US" altLang="zh-TW" sz="2000" b="1" dirty="0" err="1"/>
+              <a:t>MyMethod</a:t>
+            </a:r>
+            <a:r>
+              <a:rPr lang="en-US" altLang="zh-TW" sz="2000" b="1" dirty="0"/>
+              <a:t>()</a:t>
+            </a:r>
+          </a:p>
+          <a:p>
+            <a:pPr marL="0" indent="0">
+              <a:buNone/>
+            </a:pPr>
+            <a:r>
+              <a:rPr lang="en-US" altLang="zh-TW" sz="2000" b="1" dirty="0"/>
+              <a:t>{</a:t>
+            </a:r>
+          </a:p>
+          <a:p>
+            <a:pPr marL="0" indent="0">
+              <a:buNone/>
+            </a:pPr>
+            <a:r>
+              <a:rPr lang="en-US" altLang="zh-TW" sz="2000" b="1" dirty="0"/>
+              <a:t>  // Do synchronous work.</a:t>
+            </a:r>
+          </a:p>
+          <a:p>
+            <a:pPr marL="0" indent="0">
+              <a:buNone/>
+            </a:pPr>
+            <a:r>
+              <a:rPr lang="en-US" altLang="zh-TW" sz="2000" b="1" dirty="0"/>
+              <a:t>  </a:t>
+            </a:r>
+            <a:r>
+              <a:rPr lang="en-US" altLang="zh-TW" sz="2000" b="1" dirty="0" err="1"/>
+              <a:t>Thread.Sleep</a:t>
+            </a:r>
+            <a:r>
+              <a:rPr lang="en-US" altLang="zh-TW" sz="2000" b="1" dirty="0"/>
+              <a:t>(1000);</a:t>
+            </a:r>
+          </a:p>
+          <a:p>
+            <a:pPr marL="0" indent="0">
+              <a:buNone/>
+            </a:pPr>
+            <a:r>
+              <a:rPr lang="en-US" altLang="zh-TW" sz="2000" b="1" dirty="0"/>
+              <a:t>}</a:t>
+            </a:r>
+          </a:p>
+          <a:p>
+            <a:pPr marL="0" indent="0">
+              <a:buNone/>
+            </a:pPr>
+            <a:r>
+              <a:rPr lang="en-US" altLang="zh-TW" sz="2000" b="1" dirty="0" err="1"/>
+              <a:t>async</a:t>
+            </a:r>
+            <a:r>
+              <a:rPr lang="en-US" altLang="zh-TW" sz="2000" b="1" dirty="0"/>
+              <a:t> Task </a:t>
+            </a:r>
+            <a:r>
+              <a:rPr lang="en-US" altLang="zh-TW" sz="2000" b="1" dirty="0" err="1"/>
+              <a:t>MyMethodAsync</a:t>
+            </a:r>
+            <a:r>
+              <a:rPr lang="en-US" altLang="zh-TW" sz="2000" b="1" dirty="0"/>
+              <a:t>()</a:t>
+            </a:r>
+          </a:p>
+          <a:p>
+            <a:pPr marL="0" indent="0">
+              <a:buNone/>
+            </a:pPr>
+            <a:r>
+              <a:rPr lang="en-US" altLang="zh-TW" sz="2000" b="1" dirty="0"/>
+              <a:t>{</a:t>
+            </a:r>
+          </a:p>
+          <a:p>
+            <a:pPr marL="0" indent="0">
+              <a:buNone/>
+            </a:pPr>
+            <a:r>
+              <a:rPr lang="en-US" altLang="zh-TW" sz="2000" b="1" dirty="0"/>
+              <a:t>  // Do asynchronous work.</a:t>
+            </a:r>
+          </a:p>
+          <a:p>
+            <a:pPr marL="0" indent="0">
+              <a:buNone/>
+            </a:pPr>
+            <a:r>
+              <a:rPr lang="en-US" altLang="zh-TW" sz="2000" b="1" dirty="0"/>
+              <a:t>  await </a:t>
+            </a:r>
+            <a:r>
+              <a:rPr lang="en-US" altLang="zh-TW" sz="2000" b="1" dirty="0" err="1"/>
+              <a:t>Task.Delay</a:t>
+            </a:r>
+            <a:r>
+              <a:rPr lang="en-US" altLang="zh-TW" sz="2000" b="1" dirty="0"/>
+              <a:t>(1000);</a:t>
+            </a:r>
+          </a:p>
+          <a:p>
+            <a:pPr marL="0" indent="0">
+              <a:buNone/>
+            </a:pPr>
+            <a:r>
+              <a:rPr lang="en-US" altLang="zh-TW" sz="2000" b="1" dirty="0"/>
+              <a:t>}</a:t>
+            </a:r>
+          </a:p>
+          <a:p>
+            <a:pPr marL="0" indent="0">
+              <a:buNone/>
+            </a:pPr>
+            <a:endParaRPr lang="zh-TW" altLang="en-US" sz="2000" b="1" dirty="0"/>
+          </a:p>
+        </p:txBody>
+      </p:sp>
       <p:sp>
         <p:nvSpPr>
           <p:cNvPr id="4" name="投影片編號版面配置區 3"/>
@@ -10058,7 +10191,7 @@
     </p:spTree>
     <p:extLst>
       <p:ext uri="{BB962C8B-B14F-4D97-AF65-F5344CB8AC3E}">
-        <p14:creationId xmlns:p14="http://schemas.microsoft.com/office/powerpoint/2010/main" val="2650472964"/>
+        <p14:creationId xmlns:p14="http://schemas.microsoft.com/office/powerpoint/2010/main" val="3773221423"/>
       </p:ext>
     </p:extLst>
   </p:cSld>
@@ -10101,101 +10234,47 @@
           <a:lstStyle/>
           <a:p>
             <a:r>
-              <a:rPr lang="en-US" altLang="zh-TW" dirty="0" smtClean="0"/>
-              <a:t>Task</a:t>
-            </a:r>
-            <a:r>
-              <a:rPr lang="zh-TW" altLang="en-US" dirty="0" smtClean="0"/>
-              <a:t>使用注意事項</a:t>
-            </a:r>
-            <a:endParaRPr lang="zh-TW" altLang="en-US" dirty="0"/>
-          </a:p>
-        </p:txBody>
-      </p:sp>
-      <p:sp>
-        <p:nvSpPr>
-          <p:cNvPr id="3" name="內容版面配置區 2"/>
-          <p:cNvSpPr>
-            <a:spLocks noGrp="1"/>
-          </p:cNvSpPr>
+              <a:rPr lang="en-US" altLang="zh-TW" sz="3600" dirty="0"/>
+              <a:t>The “</a:t>
+            </a:r>
+            <a:r>
+              <a:rPr lang="en-US" altLang="zh-TW" sz="3600" dirty="0" err="1"/>
+              <a:t>Async</a:t>
+            </a:r>
+            <a:r>
+              <a:rPr lang="en-US" altLang="zh-TW" sz="3600" dirty="0"/>
+              <a:t> Way” of Doing Things</a:t>
+            </a:r>
+            <a:endParaRPr lang="zh-TW" altLang="en-US" sz="3600" dirty="0"/>
+          </a:p>
+        </p:txBody>
+      </p:sp>
+      <p:pic>
+        <p:nvPicPr>
+          <p:cNvPr id="5" name="內容版面配置區 4"/>
+          <p:cNvPicPr>
+            <a:picLocks noGrp="1" noChangeAspect="1"/>
+          </p:cNvPicPr>
           <p:nvPr>
             <p:ph idx="1"/>
           </p:nvPr>
-        </p:nvSpPr>
-        <p:spPr/>
-        <p:txBody>
-          <a:bodyPr/>
-          <a:lstStyle/>
-          <a:p>
-            <a:r>
-              <a:rPr lang="zh-TW" altLang="en-US" dirty="0" smtClean="0"/>
-              <a:t>建立、取消、進度、異常管理</a:t>
-            </a:r>
-            <a:endParaRPr lang="en-US" altLang="zh-TW" dirty="0" smtClean="0"/>
-          </a:p>
-          <a:p>
-            <a:r>
-              <a:rPr lang="zh-TW" altLang="en-US" dirty="0" smtClean="0"/>
-              <a:t>不要混和同步與非同步程式碼</a:t>
-            </a:r>
-            <a:endParaRPr lang="en-US" altLang="zh-TW" dirty="0" smtClean="0"/>
-          </a:p>
-          <a:p>
-            <a:pPr lvl="1"/>
-            <a:r>
-              <a:rPr lang="en-US" altLang="zh-TW" dirty="0"/>
-              <a:t>012 Task </a:t>
-            </a:r>
-            <a:r>
-              <a:rPr lang="en-US" altLang="zh-TW" dirty="0" smtClean="0"/>
-              <a:t>Deadlock</a:t>
-            </a:r>
-          </a:p>
-          <a:p>
-            <a:r>
-              <a:rPr lang="en-US" altLang="zh-TW" dirty="0" smtClean="0"/>
-              <a:t>GUI</a:t>
-            </a:r>
-            <a:r>
-              <a:rPr lang="zh-TW" altLang="en-US" dirty="0" smtClean="0"/>
-              <a:t> </a:t>
-            </a:r>
-            <a:r>
-              <a:rPr lang="en-US" altLang="zh-TW" dirty="0" smtClean="0"/>
-              <a:t>&amp;</a:t>
-            </a:r>
-            <a:r>
-              <a:rPr lang="zh-TW" altLang="en-US" dirty="0" smtClean="0"/>
-              <a:t> </a:t>
-            </a:r>
-            <a:r>
-              <a:rPr lang="en-US" altLang="zh-TW" dirty="0"/>
-              <a:t>ASP.NET </a:t>
-            </a:r>
-            <a:r>
-              <a:rPr lang="en-US" altLang="zh-TW" dirty="0" err="1"/>
-              <a:t>SynchronizationContext</a:t>
-            </a:r>
-            <a:r>
-              <a:rPr lang="en-US" altLang="zh-TW" dirty="0"/>
-              <a:t> </a:t>
-            </a:r>
-            <a:endParaRPr lang="en-US" altLang="zh-TW" dirty="0" smtClean="0"/>
-          </a:p>
-          <a:p>
-            <a:pPr lvl="1"/>
-            <a:r>
-              <a:rPr lang="en-US" altLang="zh-TW" dirty="0" smtClean="0"/>
-              <a:t>UI Thread </a:t>
-            </a:r>
-            <a:r>
-              <a:rPr lang="en-US" altLang="zh-TW" dirty="0"/>
-              <a:t>/ ASP.NET request context</a:t>
-            </a:r>
-            <a:endParaRPr lang="zh-TW" altLang="en-US" dirty="0"/>
-          </a:p>
-        </p:txBody>
-      </p:sp>
+        </p:nvPicPr>
+        <p:blipFill>
+          <a:blip r:embed="rId3"/>
+          <a:stretch>
+            <a:fillRect/>
+          </a:stretch>
+        </p:blipFill>
+        <p:spPr>
+          <a:xfrm>
+            <a:off x="574675" y="1844824"/>
+            <a:ext cx="8202254" cy="2802644"/>
+          </a:xfrm>
+          <a:prstGeom prst="rect">
+            <a:avLst/>
+          </a:prstGeom>
+        </p:spPr>
+      </p:pic>
       <p:sp>
         <p:nvSpPr>
           <p:cNvPr id="4" name="投影片編號版面配置區 3"/>
@@ -10222,7 +10301,7 @@
     </p:spTree>
     <p:extLst>
       <p:ext uri="{BB962C8B-B14F-4D97-AF65-F5344CB8AC3E}">
-        <p14:creationId xmlns:p14="http://schemas.microsoft.com/office/powerpoint/2010/main" val="1272776918"/>
+        <p14:creationId xmlns:p14="http://schemas.microsoft.com/office/powerpoint/2010/main" val="2650472964"/>
       </p:ext>
     </p:extLst>
   </p:cSld>
@@ -10526,10 +10605,181 @@
   <p:clrMapOvr>
     <a:masterClrMapping/>
   </p:clrMapOvr>
+  <p:timing>
+    <p:tnLst>
+      <p:par>
+        <p:cTn id="1" dur="indefinite" restart="never" nodeType="tmRoot"/>
+      </p:par>
+    </p:tnLst>
+  </p:timing>
 </p:sld>
 </file>
 
 <file path=ppt/slides/slide30.xml><?xml version="1.0" encoding="utf-8"?>
+<p:sld xmlns:a="http://schemas.openxmlformats.org/drawingml/2006/main" xmlns:r="http://schemas.openxmlformats.org/officeDocument/2006/relationships" xmlns:p="http://schemas.openxmlformats.org/presentationml/2006/main">
+  <p:cSld>
+    <p:spTree>
+      <p:nvGrpSpPr>
+        <p:cNvPr id="1" name=""/>
+        <p:cNvGrpSpPr/>
+        <p:nvPr/>
+      </p:nvGrpSpPr>
+      <p:grpSpPr>
+        <a:xfrm>
+          <a:off x="0" y="0"/>
+          <a:ext cx="0" cy="0"/>
+          <a:chOff x="0" y="0"/>
+          <a:chExt cx="0" cy="0"/>
+        </a:xfrm>
+      </p:grpSpPr>
+      <p:sp>
+        <p:nvSpPr>
+          <p:cNvPr id="2" name="標題 1"/>
+          <p:cNvSpPr>
+            <a:spLocks noGrp="1"/>
+          </p:cNvSpPr>
+          <p:nvPr>
+            <p:ph type="title"/>
+          </p:nvPr>
+        </p:nvSpPr>
+        <p:spPr/>
+        <p:txBody>
+          <a:bodyPr/>
+          <a:lstStyle/>
+          <a:p>
+            <a:r>
+              <a:rPr lang="en-US" altLang="zh-TW" dirty="0" smtClean="0"/>
+              <a:t>Task</a:t>
+            </a:r>
+            <a:r>
+              <a:rPr lang="zh-TW" altLang="en-US" dirty="0" smtClean="0"/>
+              <a:t>使用注意事項</a:t>
+            </a:r>
+            <a:endParaRPr lang="zh-TW" altLang="en-US" dirty="0"/>
+          </a:p>
+        </p:txBody>
+      </p:sp>
+      <p:sp>
+        <p:nvSpPr>
+          <p:cNvPr id="3" name="內容版面配置區 2"/>
+          <p:cNvSpPr>
+            <a:spLocks noGrp="1"/>
+          </p:cNvSpPr>
+          <p:nvPr>
+            <p:ph idx="1"/>
+          </p:nvPr>
+        </p:nvSpPr>
+        <p:spPr/>
+        <p:txBody>
+          <a:bodyPr/>
+          <a:lstStyle/>
+          <a:p>
+            <a:r>
+              <a:rPr lang="zh-TW" altLang="en-US" dirty="0" smtClean="0"/>
+              <a:t>建立、取消、進度、異常管理</a:t>
+            </a:r>
+            <a:endParaRPr lang="en-US" altLang="zh-TW" dirty="0" smtClean="0"/>
+          </a:p>
+          <a:p>
+            <a:r>
+              <a:rPr lang="zh-TW" altLang="en-US" dirty="0" smtClean="0"/>
+              <a:t>不要混和同步與非同步程式碼</a:t>
+            </a:r>
+            <a:endParaRPr lang="en-US" altLang="zh-TW" dirty="0" smtClean="0"/>
+          </a:p>
+          <a:p>
+            <a:pPr lvl="1"/>
+            <a:r>
+              <a:rPr lang="en-US" altLang="zh-TW" dirty="0"/>
+              <a:t>012 Task </a:t>
+            </a:r>
+            <a:r>
+              <a:rPr lang="en-US" altLang="zh-TW" dirty="0" smtClean="0"/>
+              <a:t>Deadlock</a:t>
+            </a:r>
+          </a:p>
+          <a:p>
+            <a:r>
+              <a:rPr lang="en-US" altLang="zh-TW" dirty="0" smtClean="0"/>
+              <a:t>GUI</a:t>
+            </a:r>
+            <a:r>
+              <a:rPr lang="zh-TW" altLang="en-US" dirty="0" smtClean="0"/>
+              <a:t> </a:t>
+            </a:r>
+            <a:r>
+              <a:rPr lang="en-US" altLang="zh-TW" dirty="0" smtClean="0"/>
+              <a:t>&amp;</a:t>
+            </a:r>
+            <a:r>
+              <a:rPr lang="zh-TW" altLang="en-US" dirty="0" smtClean="0"/>
+              <a:t> </a:t>
+            </a:r>
+            <a:r>
+              <a:rPr lang="en-US" altLang="zh-TW" dirty="0"/>
+              <a:t>ASP.NET </a:t>
+            </a:r>
+            <a:r>
+              <a:rPr lang="en-US" altLang="zh-TW" dirty="0" err="1"/>
+              <a:t>SynchronizationContext</a:t>
+            </a:r>
+            <a:r>
+              <a:rPr lang="en-US" altLang="zh-TW" dirty="0"/>
+              <a:t> </a:t>
+            </a:r>
+            <a:endParaRPr lang="en-US" altLang="zh-TW" dirty="0" smtClean="0"/>
+          </a:p>
+          <a:p>
+            <a:pPr lvl="1"/>
+            <a:r>
+              <a:rPr lang="en-US" altLang="zh-TW" dirty="0" smtClean="0"/>
+              <a:t>UI Thread </a:t>
+            </a:r>
+            <a:r>
+              <a:rPr lang="en-US" altLang="zh-TW" dirty="0"/>
+              <a:t>/ ASP.NET request context</a:t>
+            </a:r>
+            <a:endParaRPr lang="zh-TW" altLang="en-US" dirty="0"/>
+          </a:p>
+        </p:txBody>
+      </p:sp>
+      <p:sp>
+        <p:nvSpPr>
+          <p:cNvPr id="4" name="投影片編號版面配置區 3"/>
+          <p:cNvSpPr>
+            <a:spLocks noGrp="1"/>
+          </p:cNvSpPr>
+          <p:nvPr>
+            <p:ph type="sldNum" sz="quarter" idx="4"/>
+          </p:nvPr>
+        </p:nvSpPr>
+        <p:spPr/>
+        <p:txBody>
+          <a:bodyPr/>
+          <a:lstStyle/>
+          <a:p>
+            <a:fld id="{1B4050F5-7C0C-4C02-ADBC-126D7B02657F}" type="slidenum">
+              <a:rPr lang="zh-TW" altLang="en-US" smtClean="0"/>
+              <a:t>30</a:t>
+            </a:fld>
+            <a:endParaRPr lang="zh-TW" altLang="en-US"/>
+          </a:p>
+        </p:txBody>
+      </p:sp>
+    </p:spTree>
+    <p:extLst>
+      <p:ext uri="{BB962C8B-B14F-4D97-AF65-F5344CB8AC3E}">
+        <p14:creationId xmlns:p14="http://schemas.microsoft.com/office/powerpoint/2010/main" val="1272776918"/>
+      </p:ext>
+    </p:extLst>
+  </p:cSld>
+  <p:clrMapOvr>
+    <a:masterClrMapping/>
+  </p:clrMapOvr>
+</p:sld>
+</file>
+
+<file path=ppt/slides/slide31.xml><?xml version="1.0" encoding="utf-8"?>
 <p:sld xmlns:a="http://schemas.openxmlformats.org/drawingml/2006/main" xmlns:r="http://schemas.openxmlformats.org/officeDocument/2006/relationships" xmlns:p="http://schemas.openxmlformats.org/presentationml/2006/main">
   <p:cSld>
     <p:spTree>
@@ -11339,7 +11589,7 @@
           <a:p>
             <a:fld id="{1B4050F5-7C0C-4C02-ADBC-126D7B02657F}" type="slidenum">
               <a:rPr lang="zh-TW" altLang="en-US" smtClean="0"/>
-              <a:t>30</a:t>
+              <a:t>31</a:t>
             </a:fld>
             <a:endParaRPr lang="zh-TW" altLang="en-US"/>
           </a:p>
@@ -11349,133 +11599,6 @@
     <p:extLst>
       <p:ext uri="{BB962C8B-B14F-4D97-AF65-F5344CB8AC3E}">
         <p14:creationId xmlns:p14="http://schemas.microsoft.com/office/powerpoint/2010/main" val="2075780564"/>
-      </p:ext>
-    </p:extLst>
-  </p:cSld>
-  <p:clrMapOvr>
-    <a:masterClrMapping/>
-  </p:clrMapOvr>
-</p:sld>
-</file>
-
-<file path=ppt/slides/slide31.xml><?xml version="1.0" encoding="utf-8"?>
-<p:sld xmlns:a="http://schemas.openxmlformats.org/drawingml/2006/main" xmlns:r="http://schemas.openxmlformats.org/officeDocument/2006/relationships" xmlns:p="http://schemas.openxmlformats.org/presentationml/2006/main">
-  <p:cSld>
-    <p:spTree>
-      <p:nvGrpSpPr>
-        <p:cNvPr id="1" name=""/>
-        <p:cNvGrpSpPr/>
-        <p:nvPr/>
-      </p:nvGrpSpPr>
-      <p:grpSpPr>
-        <a:xfrm>
-          <a:off x="0" y="0"/>
-          <a:ext cx="0" cy="0"/>
-          <a:chOff x="0" y="0"/>
-          <a:chExt cx="0" cy="0"/>
-        </a:xfrm>
-      </p:grpSpPr>
-      <p:sp>
-        <p:nvSpPr>
-          <p:cNvPr id="2" name="標題 1"/>
-          <p:cNvSpPr>
-            <a:spLocks noGrp="1"/>
-          </p:cNvSpPr>
-          <p:nvPr>
-            <p:ph type="title"/>
-          </p:nvPr>
-        </p:nvSpPr>
-        <p:spPr/>
-        <p:txBody>
-          <a:bodyPr/>
-          <a:lstStyle/>
-          <a:p>
-            <a:r>
-              <a:rPr lang="en-US" altLang="zh-TW" sz="2800" dirty="0"/>
-              <a:t>Using the Built-in Task-based </a:t>
-            </a:r>
-            <a:r>
-              <a:rPr lang="en-US" altLang="zh-TW" sz="2800" dirty="0" err="1"/>
-              <a:t>Combinators</a:t>
-            </a:r>
-            <a:endParaRPr lang="zh-TW" altLang="en-US" sz="2800" dirty="0"/>
-          </a:p>
-        </p:txBody>
-      </p:sp>
-      <p:sp>
-        <p:nvSpPr>
-          <p:cNvPr id="3" name="內容版面配置區 2"/>
-          <p:cNvSpPr>
-            <a:spLocks noGrp="1"/>
-          </p:cNvSpPr>
-          <p:nvPr>
-            <p:ph idx="1"/>
-          </p:nvPr>
-        </p:nvSpPr>
-        <p:spPr/>
-        <p:txBody>
-          <a:bodyPr/>
-          <a:lstStyle/>
-          <a:p>
-            <a:r>
-              <a:rPr lang="en-US" altLang="zh-TW" dirty="0" err="1"/>
-              <a:t>Task.Run</a:t>
-            </a:r>
-            <a:endParaRPr lang="zh-TW" altLang="zh-TW" dirty="0"/>
-          </a:p>
-          <a:p>
-            <a:r>
-              <a:rPr lang="en-US" altLang="zh-TW" dirty="0" err="1"/>
-              <a:t>Task.FromResult</a:t>
-            </a:r>
-            <a:endParaRPr lang="zh-TW" altLang="zh-TW" dirty="0"/>
-          </a:p>
-          <a:p>
-            <a:r>
-              <a:rPr lang="en-US" altLang="zh-TW" dirty="0" err="1"/>
-              <a:t>Task.WhenAll</a:t>
-            </a:r>
-            <a:endParaRPr lang="zh-TW" altLang="zh-TW" dirty="0"/>
-          </a:p>
-          <a:p>
-            <a:r>
-              <a:rPr lang="en-US" altLang="zh-TW" dirty="0" err="1"/>
-              <a:t>Task.WhenAny</a:t>
-            </a:r>
-            <a:endParaRPr lang="zh-TW" altLang="zh-TW" dirty="0"/>
-          </a:p>
-          <a:p>
-            <a:endParaRPr lang="zh-TW" altLang="en-US" dirty="0"/>
-          </a:p>
-        </p:txBody>
-      </p:sp>
-      <p:sp>
-        <p:nvSpPr>
-          <p:cNvPr id="4" name="投影片編號版面配置區 3"/>
-          <p:cNvSpPr>
-            <a:spLocks noGrp="1"/>
-          </p:cNvSpPr>
-          <p:nvPr>
-            <p:ph type="sldNum" sz="quarter" idx="4"/>
-          </p:nvPr>
-        </p:nvSpPr>
-        <p:spPr/>
-        <p:txBody>
-          <a:bodyPr/>
-          <a:lstStyle/>
-          <a:p>
-            <a:fld id="{1B4050F5-7C0C-4C02-ADBC-126D7B02657F}" type="slidenum">
-              <a:rPr lang="zh-TW" altLang="en-US" smtClean="0"/>
-              <a:t>31</a:t>
-            </a:fld>
-            <a:endParaRPr lang="zh-TW" altLang="en-US"/>
-          </a:p>
-        </p:txBody>
-      </p:sp>
-    </p:spTree>
-    <p:extLst>
-      <p:ext uri="{BB962C8B-B14F-4D97-AF65-F5344CB8AC3E}">
-        <p14:creationId xmlns:p14="http://schemas.microsoft.com/office/powerpoint/2010/main" val="2799675336"/>
       </p:ext>
     </p:extLst>
   </p:cSld>
@@ -11518,14 +11641,14 @@
           <a:lstStyle/>
           <a:p>
             <a:r>
-              <a:rPr lang="en-US" altLang="zh-TW" dirty="0"/>
-              <a:t>Compute-bound </a:t>
-            </a:r>
-            <a:r>
-              <a:rPr lang="en-US" altLang="zh-TW" dirty="0" smtClean="0"/>
-              <a:t>Tasks</a:t>
-            </a:r>
-            <a:endParaRPr lang="zh-TW" altLang="en-US" dirty="0"/>
+              <a:rPr lang="en-US" altLang="zh-TW" sz="2800" dirty="0"/>
+              <a:t>Using the Built-in Task-based </a:t>
+            </a:r>
+            <a:r>
+              <a:rPr lang="en-US" altLang="zh-TW" sz="2800" dirty="0" err="1"/>
+              <a:t>Combinators</a:t>
+            </a:r>
+            <a:endParaRPr lang="zh-TW" altLang="en-US" sz="2800" dirty="0"/>
           </a:p>
         </p:txBody>
       </p:sp>
@@ -11545,119 +11668,34 @@
           <a:lstStyle/>
           <a:p>
             <a:r>
-              <a:rPr lang="en-US" altLang="zh-TW" sz="2400" dirty="0"/>
-              <a:t>In the .NET Framework 4, use the </a:t>
-            </a:r>
-            <a:r>
-              <a:rPr lang="en-US" altLang="zh-TW" sz="2400" dirty="0" err="1">
-                <a:hlinkClick r:id="rId2"/>
-              </a:rPr>
-              <a:t>TaskFactory.StartNew</a:t>
-            </a:r>
-            <a:r>
-              <a:rPr lang="en-US" altLang="zh-TW" sz="2400" dirty="0"/>
-              <a:t> </a:t>
-            </a:r>
-            <a:r>
-              <a:rPr lang="en-US" altLang="zh-TW" sz="2400" dirty="0" smtClean="0"/>
-              <a:t>method</a:t>
-            </a:r>
-          </a:p>
-          <a:p>
-            <a:r>
-              <a:rPr lang="en-US" altLang="zh-TW" sz="2400" dirty="0"/>
-              <a:t>In the .NET Framework 4.5, use the static </a:t>
-            </a:r>
-            <a:r>
-              <a:rPr lang="en-US" altLang="zh-TW" sz="2400" dirty="0" err="1">
-                <a:hlinkClick r:id="rId3"/>
-              </a:rPr>
+              <a:rPr lang="en-US" altLang="zh-TW" dirty="0" err="1"/>
               <a:t>Task.Run</a:t>
             </a:r>
-            <a:r>
-              <a:rPr lang="en-US" altLang="zh-TW" sz="2400" dirty="0"/>
-              <a:t> method as a shortcut to </a:t>
-            </a:r>
-            <a:r>
-              <a:rPr lang="en-US" altLang="zh-TW" sz="2400" dirty="0" err="1" smtClean="0">
-                <a:hlinkClick r:id="rId2"/>
-              </a:rPr>
-              <a:t>TaskFactory.StartNew</a:t>
-            </a:r>
-            <a:endParaRPr lang="en-US" altLang="zh-TW" sz="2400" dirty="0" smtClean="0"/>
-          </a:p>
-          <a:p>
-            <a:r>
-              <a:rPr lang="en-US" altLang="zh-TW" sz="2400" dirty="0"/>
-              <a:t>Use the constructors of the </a:t>
-            </a:r>
-            <a:r>
-              <a:rPr lang="en-US" altLang="zh-TW" sz="2400" b="1" dirty="0"/>
-              <a:t>Task</a:t>
-            </a:r>
-            <a:r>
-              <a:rPr lang="en-US" altLang="zh-TW" sz="2400" dirty="0"/>
-              <a:t> type or the </a:t>
-            </a:r>
-            <a:r>
-              <a:rPr lang="en-US" altLang="zh-TW" sz="2400" b="1" dirty="0"/>
-              <a:t>Start</a:t>
-            </a:r>
-            <a:r>
-              <a:rPr lang="en-US" altLang="zh-TW" sz="2400" dirty="0"/>
-              <a:t> method if you want to generate and schedule the task </a:t>
-            </a:r>
-            <a:r>
-              <a:rPr lang="en-US" altLang="zh-TW" sz="2400" dirty="0" smtClean="0"/>
-              <a:t>separately</a:t>
-            </a:r>
-          </a:p>
-          <a:p>
-            <a:r>
-              <a:rPr lang="en-US" altLang="zh-TW" sz="2400" dirty="0"/>
-              <a:t>Use the overloads of the </a:t>
-            </a:r>
-            <a:r>
-              <a:rPr lang="en-US" altLang="zh-TW" sz="2400" dirty="0" err="1">
-                <a:hlinkClick r:id="rId4"/>
-              </a:rPr>
-              <a:t>Task.ContinueWith</a:t>
-            </a:r>
-            <a:r>
-              <a:rPr lang="en-US" altLang="zh-TW" sz="2400" dirty="0"/>
-              <a:t> </a:t>
-            </a:r>
-            <a:r>
-              <a:rPr lang="en-US" altLang="zh-TW" sz="2400" dirty="0" smtClean="0"/>
-              <a:t>method</a:t>
-            </a:r>
-          </a:p>
-          <a:p>
-            <a:r>
-              <a:rPr lang="en-US" altLang="zh-TW" sz="2400" dirty="0"/>
-              <a:t>Use the </a:t>
-            </a:r>
-            <a:r>
-              <a:rPr lang="en-US" altLang="zh-TW" sz="2400" dirty="0" err="1">
-                <a:hlinkClick r:id="rId5"/>
-              </a:rPr>
-              <a:t>TaskFactory.ContinueWhenAll</a:t>
-            </a:r>
-            <a:r>
-              <a:rPr lang="en-US" altLang="zh-TW" sz="2400" dirty="0"/>
-              <a:t> and </a:t>
-            </a:r>
-            <a:r>
-              <a:rPr lang="en-US" altLang="zh-TW" sz="2400" dirty="0" err="1">
-                <a:hlinkClick r:id="rId6"/>
-              </a:rPr>
-              <a:t>TaskFactory.ContinueWhenAny</a:t>
-            </a:r>
-            <a:r>
-              <a:rPr lang="en-US" altLang="zh-TW" sz="2400" dirty="0"/>
-              <a:t> methods.</a:t>
-            </a:r>
-            <a:endParaRPr lang="zh-TW" altLang="en-US" sz="2400" dirty="0"/>
+            <a:endParaRPr lang="zh-TW" altLang="zh-TW" dirty="0"/>
+          </a:p>
+          <a:p>
+            <a:r>
+              <a:rPr lang="en-US" altLang="zh-TW" dirty="0" err="1"/>
+              <a:t>Task.FromResult</a:t>
+            </a:r>
+            <a:endParaRPr lang="zh-TW" altLang="zh-TW" dirty="0"/>
+          </a:p>
+          <a:p>
+            <a:r>
+              <a:rPr lang="en-US" altLang="zh-TW" dirty="0" err="1"/>
+              <a:t>Task.WhenAll</a:t>
+            </a:r>
+            <a:endParaRPr lang="zh-TW" altLang="zh-TW" dirty="0"/>
+          </a:p>
+          <a:p>
+            <a:r>
+              <a:rPr lang="en-US" altLang="zh-TW" dirty="0" err="1"/>
+              <a:t>Task.WhenAny</a:t>
+            </a:r>
+            <a:endParaRPr lang="zh-TW" altLang="zh-TW" dirty="0"/>
+          </a:p>
+          <a:p>
+            <a:endParaRPr lang="zh-TW" altLang="en-US" dirty="0"/>
           </a:p>
         </p:txBody>
       </p:sp>
@@ -11687,7 +11725,7 @@
     </p:spTree>
     <p:extLst>
       <p:ext uri="{BB962C8B-B14F-4D97-AF65-F5344CB8AC3E}">
-        <p14:creationId xmlns:p14="http://schemas.microsoft.com/office/powerpoint/2010/main" val="2114530192"/>
+        <p14:creationId xmlns:p14="http://schemas.microsoft.com/office/powerpoint/2010/main" val="2799675336"/>
       </p:ext>
     </p:extLst>
   </p:cSld>
@@ -11731,7 +11769,11 @@
           <a:p>
             <a:r>
               <a:rPr lang="en-US" altLang="zh-TW" dirty="0"/>
-              <a:t>I/O-bound Tasks</a:t>
+              <a:t>Compute-bound </a:t>
+            </a:r>
+            <a:r>
+              <a:rPr lang="en-US" altLang="zh-TW" dirty="0" smtClean="0"/>
+              <a:t>Tasks</a:t>
             </a:r>
             <a:endParaRPr lang="zh-TW" altLang="en-US" dirty="0"/>
           </a:p>
@@ -11753,34 +11795,119 @@
           <a:lstStyle/>
           <a:p>
             <a:r>
-              <a:rPr lang="en-US" altLang="zh-TW" dirty="0"/>
-              <a:t>use the </a:t>
-            </a:r>
-            <a:r>
-              <a:rPr lang="en-US" altLang="zh-TW" dirty="0" err="1">
+              <a:rPr lang="en-US" altLang="zh-TW" sz="2400" dirty="0"/>
+              <a:t>In the .NET Framework 4, use the </a:t>
+            </a:r>
+            <a:r>
+              <a:rPr lang="en-US" altLang="zh-TW" sz="2400" dirty="0" err="1">
                 <a:hlinkClick r:id="rId2"/>
               </a:rPr>
-              <a:t>TaskCompletionSource</a:t>
-            </a:r>
-            <a:r>
-              <a:rPr lang="en-US" altLang="zh-TW" dirty="0">
+              <a:t>TaskFactory.StartNew</a:t>
+            </a:r>
+            <a:r>
+              <a:rPr lang="en-US" altLang="zh-TW" sz="2400" dirty="0"/>
+              <a:t> </a:t>
+            </a:r>
+            <a:r>
+              <a:rPr lang="en-US" altLang="zh-TW" sz="2400" dirty="0" smtClean="0"/>
+              <a:t>method</a:t>
+            </a:r>
+          </a:p>
+          <a:p>
+            <a:r>
+              <a:rPr lang="en-US" altLang="zh-TW" sz="2400" dirty="0"/>
+              <a:t>In the .NET Framework 4.5, use the static </a:t>
+            </a:r>
+            <a:r>
+              <a:rPr lang="en-US" altLang="zh-TW" sz="2400" dirty="0" err="1">
+                <a:hlinkClick r:id="rId3"/>
+              </a:rPr>
+              <a:t>Task.Run</a:t>
+            </a:r>
+            <a:r>
+              <a:rPr lang="en-US" altLang="zh-TW" sz="2400" dirty="0"/>
+              <a:t> method as a shortcut to </a:t>
+            </a:r>
+            <a:r>
+              <a:rPr lang="en-US" altLang="zh-TW" sz="2400" dirty="0" err="1" smtClean="0">
                 <a:hlinkClick r:id="rId2"/>
               </a:rPr>
-              <a:t>&lt;</a:t>
-            </a:r>
-            <a:r>
-              <a:rPr lang="en-US" altLang="zh-TW" dirty="0" err="1">
-                <a:hlinkClick r:id="rId2"/>
+              <a:t>TaskFactory.StartNew</a:t>
+            </a:r>
+            <a:endParaRPr lang="en-US" altLang="zh-TW" sz="2400" dirty="0" smtClean="0"/>
+          </a:p>
+          <a:p>
+            <a:r>
+              <a:rPr lang="en-US" altLang="zh-TW" sz="2400" dirty="0"/>
+              <a:t>Use the constructors of the </a:t>
+            </a:r>
+            <a:r>
+              <a:rPr lang="en-US" altLang="zh-TW" sz="2400" b="1" dirty="0"/>
+              <a:t>Task</a:t>
+            </a:r>
+            <a:r>
+              <a:rPr lang="en-US" altLang="zh-TW" sz="2400" dirty="0"/>
+              <a:t> type or the </a:t>
+            </a:r>
+            <a:r>
+              <a:rPr lang="en-US" altLang="zh-TW" sz="2400" b="1" dirty="0"/>
+              <a:t>Start</a:t>
+            </a:r>
+            <a:r>
+              <a:rPr lang="en-US" altLang="zh-TW" sz="2400" dirty="0"/>
+              <a:t> method if you want to generate and schedule the task </a:t>
+            </a:r>
+            <a:r>
+              <a:rPr lang="en-US" altLang="zh-TW" sz="2400" dirty="0" smtClean="0"/>
+              <a:t>separately</a:t>
+            </a:r>
+          </a:p>
+          <a:p>
+            <a:r>
+              <a:rPr lang="en-US" altLang="zh-TW" sz="2400" dirty="0"/>
+              <a:t>Use the overloads of the </a:t>
+            </a:r>
+            <a:r>
+              <a:rPr lang="en-US" altLang="zh-TW" sz="2400" dirty="0" err="1">
+                <a:hlinkClick r:id="rId4"/>
               </a:rPr>
-              <a:t>TResult</a:t>
-            </a:r>
-            <a:r>
-              <a:rPr lang="en-US" altLang="zh-TW" dirty="0" smtClean="0">
-                <a:hlinkClick r:id="rId2"/>
+              <a:t>Task.ContinueWith</a:t>
+            </a:r>
+            <a:r>
+              <a:rPr lang="en-US" altLang="zh-TW" sz="2400" dirty="0"/>
+              <a:t> </a:t>
+            </a:r>
+            <a:r>
+              <a:rPr lang="en-US" altLang="zh-TW" sz="2400" dirty="0" smtClean="0"/>
+              <a:t>method</a:t>
+            </a:r>
+          </a:p>
+          <a:p>
+            <a:r>
+              <a:rPr lang="en-US" altLang="zh-TW" sz="2400" dirty="0"/>
+              <a:t>Use the </a:t>
+            </a:r>
+            <a:r>
+              <a:rPr lang="en-US" altLang="zh-TW" sz="2400" dirty="0" err="1">
+                <a:hlinkClick r:id="rId5"/>
               </a:rPr>
-              <a:t>&gt;</a:t>
-            </a:r>
-            <a:endParaRPr lang="zh-TW" altLang="en-US" dirty="0"/>
+              <a:t>TaskFactory.ContinueWhenAll</a:t>
+            </a:r>
+            <a:r>
+              <a:rPr lang="en-US" altLang="zh-TW" sz="2400" dirty="0"/>
+              <a:t> and </a:t>
+            </a:r>
+            <a:r>
+              <a:rPr lang="en-US" altLang="zh-TW" sz="2400" dirty="0" err="1">
+                <a:hlinkClick r:id="rId6"/>
+              </a:rPr>
+              <a:t>TaskFactory.ContinueWhenAny</a:t>
+            </a:r>
+            <a:r>
+              <a:rPr lang="en-US" altLang="zh-TW" sz="2400" dirty="0"/>
+              <a:t> methods.</a:t>
+            </a:r>
+            <a:endParaRPr lang="zh-TW" altLang="en-US" sz="2400" dirty="0"/>
           </a:p>
         </p:txBody>
       </p:sp>
@@ -11810,7 +11937,7 @@
     </p:spTree>
     <p:extLst>
       <p:ext uri="{BB962C8B-B14F-4D97-AF65-F5344CB8AC3E}">
-        <p14:creationId xmlns:p14="http://schemas.microsoft.com/office/powerpoint/2010/main" val="2977334283"/>
+        <p14:creationId xmlns:p14="http://schemas.microsoft.com/office/powerpoint/2010/main" val="2114530192"/>
       </p:ext>
     </p:extLst>
   </p:cSld>
@@ -11853,20 +11980,55 @@
           <a:lstStyle/>
           <a:p>
             <a:r>
-              <a:rPr lang="zh-TW" altLang="en-US" dirty="0" smtClean="0"/>
-              <a:t>製作自己的</a:t>
-            </a:r>
-            <a:r>
-              <a:rPr lang="en-US" altLang="zh-TW" dirty="0" smtClean="0"/>
-              <a:t>TAP</a:t>
-            </a:r>
-            <a:r>
-              <a:rPr lang="zh-TW" altLang="en-US" dirty="0" smtClean="0"/>
-              <a:t>  </a:t>
-            </a:r>
-            <a:r>
-              <a:rPr lang="en-US" altLang="zh-TW" dirty="0" smtClean="0"/>
-              <a:t>I/O Bound</a:t>
+              <a:rPr lang="en-US" altLang="zh-TW" dirty="0"/>
+              <a:t>I/O-bound Tasks</a:t>
+            </a:r>
+            <a:endParaRPr lang="zh-TW" altLang="en-US" dirty="0"/>
+          </a:p>
+        </p:txBody>
+      </p:sp>
+      <p:sp>
+        <p:nvSpPr>
+          <p:cNvPr id="3" name="內容版面配置區 2"/>
+          <p:cNvSpPr>
+            <a:spLocks noGrp="1"/>
+          </p:cNvSpPr>
+          <p:nvPr>
+            <p:ph idx="1"/>
+          </p:nvPr>
+        </p:nvSpPr>
+        <p:spPr/>
+        <p:txBody>
+          <a:bodyPr/>
+          <a:lstStyle/>
+          <a:p>
+            <a:r>
+              <a:rPr lang="en-US" altLang="zh-TW" dirty="0"/>
+              <a:t>use the </a:t>
+            </a:r>
+            <a:r>
+              <a:rPr lang="en-US" altLang="zh-TW" dirty="0" err="1">
+                <a:hlinkClick r:id="rId2"/>
+              </a:rPr>
+              <a:t>TaskCompletionSource</a:t>
+            </a:r>
+            <a:r>
+              <a:rPr lang="en-US" altLang="zh-TW" dirty="0">
+                <a:hlinkClick r:id="rId2"/>
+              </a:rPr>
+              <a:t>&lt;</a:t>
+            </a:r>
+            <a:r>
+              <a:rPr lang="en-US" altLang="zh-TW" dirty="0" err="1">
+                <a:hlinkClick r:id="rId2"/>
+              </a:rPr>
+              <a:t>TResult</a:t>
+            </a:r>
+            <a:r>
+              <a:rPr lang="en-US" altLang="zh-TW" dirty="0" smtClean="0">
+                <a:hlinkClick r:id="rId2"/>
+              </a:rPr>
+              <a:t>&gt;</a:t>
             </a:r>
             <a:endParaRPr lang="zh-TW" altLang="en-US" dirty="0"/>
           </a:p>
@@ -11895,297 +12057,10 @@
           </a:p>
         </p:txBody>
       </p:sp>
-      <p:sp>
-        <p:nvSpPr>
-          <p:cNvPr id="8" name="文字方塊 7"/>
-          <p:cNvSpPr txBox="1"/>
-          <p:nvPr/>
-        </p:nvSpPr>
-        <p:spPr>
-          <a:xfrm>
-            <a:off x="797346" y="2013124"/>
-            <a:ext cx="7555658" cy="3139321"/>
-          </a:xfrm>
-          <a:prstGeom prst="rect">
-            <a:avLst/>
-          </a:prstGeom>
-          <a:solidFill>
-            <a:schemeClr val="bg1">
-              <a:lumMod val="85000"/>
-            </a:schemeClr>
-          </a:solidFill>
-        </p:spPr>
-        <p:txBody>
-          <a:bodyPr wrap="none" rtlCol="0">
-            <a:spAutoFit/>
-          </a:bodyPr>
-          <a:lstStyle/>
-          <a:p>
-            <a:r>
-              <a:rPr lang="en-US" altLang="zh-TW" dirty="0"/>
-              <a:t> public static </a:t>
-            </a:r>
-            <a:r>
-              <a:rPr lang="en-US" altLang="zh-TW" b="1" dirty="0">
-                <a:solidFill>
-                  <a:srgbClr val="FF0000"/>
-                </a:solidFill>
-              </a:rPr>
-              <a:t>Task&lt;</a:t>
-            </a:r>
-            <a:r>
-              <a:rPr lang="en-US" altLang="zh-TW" b="1" dirty="0" err="1">
-                <a:solidFill>
-                  <a:srgbClr val="FF0000"/>
-                </a:solidFill>
-              </a:rPr>
-              <a:t>int</a:t>
-            </a:r>
-            <a:r>
-              <a:rPr lang="en-US" altLang="zh-TW" b="1" dirty="0">
-                <a:solidFill>
-                  <a:srgbClr val="FF0000"/>
-                </a:solidFill>
-              </a:rPr>
-              <a:t>&gt;</a:t>
-            </a:r>
-            <a:r>
-              <a:rPr lang="en-US" altLang="zh-TW" dirty="0"/>
-              <a:t> </a:t>
-            </a:r>
-            <a:r>
-              <a:rPr lang="en-US" altLang="zh-TW" dirty="0" err="1"/>
-              <a:t>ReadTask</a:t>
-            </a:r>
-            <a:r>
-              <a:rPr lang="en-US" altLang="zh-TW" dirty="0"/>
-              <a:t>(this Stream </a:t>
-            </a:r>
-            <a:r>
-              <a:rPr lang="en-US" altLang="zh-TW" dirty="0" err="1"/>
-              <a:t>stream</a:t>
-            </a:r>
-            <a:r>
-              <a:rPr lang="en-US" altLang="zh-TW" dirty="0"/>
-              <a:t>, </a:t>
-            </a:r>
-            <a:endParaRPr lang="en-US" altLang="zh-TW" dirty="0" smtClean="0"/>
-          </a:p>
-          <a:p>
-            <a:r>
-              <a:rPr lang="en-US" altLang="zh-TW" dirty="0"/>
-              <a:t> </a:t>
-            </a:r>
-            <a:r>
-              <a:rPr lang="en-US" altLang="zh-TW" dirty="0" smtClean="0"/>
-              <a:t>                      byte</a:t>
-            </a:r>
-            <a:r>
-              <a:rPr lang="en-US" altLang="zh-TW" dirty="0"/>
-              <a:t>[] buffer, </a:t>
-            </a:r>
-            <a:r>
-              <a:rPr lang="en-US" altLang="zh-TW" dirty="0" err="1"/>
-              <a:t>int</a:t>
-            </a:r>
-            <a:r>
-              <a:rPr lang="en-US" altLang="zh-TW" dirty="0"/>
-              <a:t> offset, </a:t>
-            </a:r>
-            <a:r>
-              <a:rPr lang="en-US" altLang="zh-TW" dirty="0" err="1"/>
-              <a:t>int</a:t>
-            </a:r>
-            <a:r>
-              <a:rPr lang="en-US" altLang="zh-TW" dirty="0"/>
-              <a:t> count, object state)</a:t>
-            </a:r>
-          </a:p>
-          <a:p>
-            <a:r>
-              <a:rPr lang="zh-TW" altLang="en-US" dirty="0"/>
-              <a:t>    </a:t>
-            </a:r>
-            <a:r>
-              <a:rPr lang="en-US" altLang="zh-TW" dirty="0"/>
-              <a:t>{</a:t>
-            </a:r>
-          </a:p>
-          <a:p>
-            <a:r>
-              <a:rPr lang="en-US" altLang="zh-TW" dirty="0"/>
-              <a:t>        </a:t>
-            </a:r>
-            <a:r>
-              <a:rPr lang="en-US" altLang="zh-TW" dirty="0" err="1"/>
-              <a:t>var</a:t>
-            </a:r>
-            <a:r>
-              <a:rPr lang="en-US" altLang="zh-TW" dirty="0"/>
-              <a:t> </a:t>
-            </a:r>
-            <a:r>
-              <a:rPr lang="en-US" altLang="zh-TW" dirty="0" err="1"/>
-              <a:t>tcs</a:t>
-            </a:r>
-            <a:r>
-              <a:rPr lang="en-US" altLang="zh-TW" dirty="0"/>
-              <a:t> = new </a:t>
-            </a:r>
-            <a:r>
-              <a:rPr lang="en-US" altLang="zh-TW" dirty="0" err="1"/>
-              <a:t>TaskCompletionSource</a:t>
-            </a:r>
-            <a:r>
-              <a:rPr lang="en-US" altLang="zh-TW" dirty="0"/>
-              <a:t>&lt;</a:t>
-            </a:r>
-            <a:r>
-              <a:rPr lang="en-US" altLang="zh-TW" dirty="0" err="1"/>
-              <a:t>int</a:t>
-            </a:r>
-            <a:r>
-              <a:rPr lang="en-US" altLang="zh-TW" dirty="0"/>
-              <a:t>&gt;();</a:t>
-            </a:r>
-          </a:p>
-          <a:p>
-            <a:r>
-              <a:rPr lang="en-US" altLang="zh-TW" dirty="0"/>
-              <a:t>        </a:t>
-            </a:r>
-            <a:r>
-              <a:rPr lang="en-US" altLang="zh-TW" dirty="0" err="1"/>
-              <a:t>stream.BeginRead</a:t>
-            </a:r>
-            <a:r>
-              <a:rPr lang="en-US" altLang="zh-TW" dirty="0"/>
-              <a:t>(buffer, offset, count, </a:t>
-            </a:r>
-            <a:r>
-              <a:rPr lang="en-US" altLang="zh-TW" dirty="0" err="1"/>
-              <a:t>ar</a:t>
-            </a:r>
-            <a:r>
-              <a:rPr lang="en-US" altLang="zh-TW" dirty="0"/>
-              <a:t> =&gt;</a:t>
-            </a:r>
-          </a:p>
-          <a:p>
-            <a:r>
-              <a:rPr lang="zh-TW" altLang="en-US" dirty="0"/>
-              <a:t>        </a:t>
-            </a:r>
-            <a:r>
-              <a:rPr lang="en-US" altLang="zh-TW" dirty="0"/>
-              <a:t>{</a:t>
-            </a:r>
-          </a:p>
-          <a:p>
-            <a:r>
-              <a:rPr lang="en-US" altLang="zh-TW" dirty="0"/>
-              <a:t>            try { </a:t>
-            </a:r>
-            <a:r>
-              <a:rPr lang="en-US" altLang="zh-TW" b="1" dirty="0" err="1">
-                <a:solidFill>
-                  <a:srgbClr val="FF0000"/>
-                </a:solidFill>
-              </a:rPr>
-              <a:t>tcs.SetResult</a:t>
-            </a:r>
-            <a:r>
-              <a:rPr lang="en-US" altLang="zh-TW" dirty="0"/>
-              <a:t>(</a:t>
-            </a:r>
-            <a:r>
-              <a:rPr lang="en-US" altLang="zh-TW" dirty="0" err="1"/>
-              <a:t>stream.EndRead</a:t>
-            </a:r>
-            <a:r>
-              <a:rPr lang="en-US" altLang="zh-TW" dirty="0"/>
-              <a:t>(</a:t>
-            </a:r>
-            <a:r>
-              <a:rPr lang="en-US" altLang="zh-TW" dirty="0" err="1"/>
-              <a:t>ar</a:t>
-            </a:r>
-            <a:r>
-              <a:rPr lang="en-US" altLang="zh-TW" dirty="0"/>
-              <a:t>)); }</a:t>
-            </a:r>
-          </a:p>
-          <a:p>
-            <a:r>
-              <a:rPr lang="en-US" altLang="zh-TW" dirty="0"/>
-              <a:t>            catch (Exception </a:t>
-            </a:r>
-            <a:r>
-              <a:rPr lang="en-US" altLang="zh-TW" dirty="0" err="1"/>
-              <a:t>exc</a:t>
-            </a:r>
-            <a:r>
-              <a:rPr lang="en-US" altLang="zh-TW" dirty="0"/>
-              <a:t>) { </a:t>
-            </a:r>
-            <a:r>
-              <a:rPr lang="en-US" altLang="zh-TW" dirty="0" err="1"/>
-              <a:t>tcs.SetException</a:t>
-            </a:r>
-            <a:r>
-              <a:rPr lang="en-US" altLang="zh-TW" dirty="0"/>
-              <a:t>(</a:t>
-            </a:r>
-            <a:r>
-              <a:rPr lang="en-US" altLang="zh-TW" dirty="0" err="1"/>
-              <a:t>exc</a:t>
-            </a:r>
-            <a:r>
-              <a:rPr lang="en-US" altLang="zh-TW" dirty="0"/>
-              <a:t>); }</a:t>
-            </a:r>
-          </a:p>
-          <a:p>
-            <a:r>
-              <a:rPr lang="en-US" altLang="zh-TW" dirty="0"/>
-              <a:t>        }, state);</a:t>
-            </a:r>
-          </a:p>
-          <a:p>
-            <a:r>
-              <a:rPr lang="en-US" altLang="zh-TW" dirty="0"/>
-              <a:t>        return </a:t>
-            </a:r>
-            <a:r>
-              <a:rPr lang="en-US" altLang="zh-TW" b="1" dirty="0" err="1">
-                <a:solidFill>
-                  <a:srgbClr val="FF0000"/>
-                </a:solidFill>
-              </a:rPr>
-              <a:t>tcs.Task</a:t>
-            </a:r>
-            <a:r>
-              <a:rPr lang="en-US" altLang="zh-TW" dirty="0"/>
-              <a:t>;</a:t>
-            </a:r>
-          </a:p>
-          <a:p>
-            <a:r>
-              <a:rPr lang="zh-TW" altLang="en-US" dirty="0"/>
-              <a:t>    </a:t>
-            </a:r>
-            <a:r>
-              <a:rPr lang="en-US" altLang="zh-TW" dirty="0"/>
-              <a:t>}</a:t>
-            </a:r>
-            <a:endParaRPr lang="zh-TW" altLang="en-US" b="1" dirty="0"/>
-          </a:p>
-        </p:txBody>
-      </p:sp>
     </p:spTree>
     <p:extLst>
       <p:ext uri="{BB962C8B-B14F-4D97-AF65-F5344CB8AC3E}">
-        <p14:creationId xmlns:p14="http://schemas.microsoft.com/office/powerpoint/2010/main" val="3991971601"/>
+        <p14:creationId xmlns:p14="http://schemas.microsoft.com/office/powerpoint/2010/main" val="2977334283"/>
       </p:ext>
     </p:extLst>
   </p:cSld>
@@ -12228,39 +12103,20 @@
           <a:lstStyle/>
           <a:p>
             <a:r>
-              <a:rPr lang="en-US" altLang="zh-TW" sz="3600" dirty="0"/>
-              <a:t>What does </a:t>
-            </a:r>
-            <a:r>
-              <a:rPr lang="en-US" altLang="zh-TW" sz="3600" dirty="0" err="1"/>
-              <a:t>async</a:t>
-            </a:r>
-            <a:r>
-              <a:rPr lang="en-US" altLang="zh-TW" sz="3600" dirty="0"/>
-              <a:t> &amp; await generate?</a:t>
-            </a:r>
-            <a:endParaRPr lang="zh-TW" altLang="en-US" sz="3600" dirty="0"/>
-          </a:p>
-        </p:txBody>
-      </p:sp>
-      <p:sp>
-        <p:nvSpPr>
-          <p:cNvPr id="3" name="內容版面配置區 2"/>
-          <p:cNvSpPr>
-            <a:spLocks noGrp="1"/>
-          </p:cNvSpPr>
-          <p:nvPr>
-            <p:ph idx="1"/>
-          </p:nvPr>
-        </p:nvSpPr>
-        <p:spPr/>
-        <p:txBody>
-          <a:bodyPr/>
-          <a:lstStyle/>
-          <a:p>
-            <a:r>
-              <a:rPr lang="en-US" altLang="zh-TW" dirty="0"/>
-              <a:t>http://www.filipekberg.se/2013/01/16/what-does-async-await-generate/</a:t>
+              <a:rPr lang="zh-TW" altLang="en-US" dirty="0" smtClean="0"/>
+              <a:t>製作自己的</a:t>
+            </a:r>
+            <a:r>
+              <a:rPr lang="en-US" altLang="zh-TW" dirty="0" smtClean="0"/>
+              <a:t>TAP</a:t>
+            </a:r>
+            <a:r>
+              <a:rPr lang="zh-TW" altLang="en-US" dirty="0" smtClean="0"/>
+              <a:t>  </a:t>
+            </a:r>
+            <a:r>
+              <a:rPr lang="en-US" altLang="zh-TW" dirty="0" smtClean="0"/>
+              <a:t>I/O Bound</a:t>
             </a:r>
             <a:endParaRPr lang="zh-TW" altLang="en-US" dirty="0"/>
           </a:p>
@@ -12289,10 +12145,297 @@
           </a:p>
         </p:txBody>
       </p:sp>
+      <p:sp>
+        <p:nvSpPr>
+          <p:cNvPr id="8" name="文字方塊 7"/>
+          <p:cNvSpPr txBox="1"/>
+          <p:nvPr/>
+        </p:nvSpPr>
+        <p:spPr>
+          <a:xfrm>
+            <a:off x="797346" y="2013124"/>
+            <a:ext cx="7555658" cy="3139321"/>
+          </a:xfrm>
+          <a:prstGeom prst="rect">
+            <a:avLst/>
+          </a:prstGeom>
+          <a:solidFill>
+            <a:schemeClr val="bg1">
+              <a:lumMod val="85000"/>
+            </a:schemeClr>
+          </a:solidFill>
+        </p:spPr>
+        <p:txBody>
+          <a:bodyPr wrap="none" rtlCol="0">
+            <a:spAutoFit/>
+          </a:bodyPr>
+          <a:lstStyle/>
+          <a:p>
+            <a:r>
+              <a:rPr lang="en-US" altLang="zh-TW" dirty="0"/>
+              <a:t> public static </a:t>
+            </a:r>
+            <a:r>
+              <a:rPr lang="en-US" altLang="zh-TW" b="1" dirty="0">
+                <a:solidFill>
+                  <a:srgbClr val="FF0000"/>
+                </a:solidFill>
+              </a:rPr>
+              <a:t>Task&lt;</a:t>
+            </a:r>
+            <a:r>
+              <a:rPr lang="en-US" altLang="zh-TW" b="1" dirty="0" err="1">
+                <a:solidFill>
+                  <a:srgbClr val="FF0000"/>
+                </a:solidFill>
+              </a:rPr>
+              <a:t>int</a:t>
+            </a:r>
+            <a:r>
+              <a:rPr lang="en-US" altLang="zh-TW" b="1" dirty="0">
+                <a:solidFill>
+                  <a:srgbClr val="FF0000"/>
+                </a:solidFill>
+              </a:rPr>
+              <a:t>&gt;</a:t>
+            </a:r>
+            <a:r>
+              <a:rPr lang="en-US" altLang="zh-TW" dirty="0"/>
+              <a:t> </a:t>
+            </a:r>
+            <a:r>
+              <a:rPr lang="en-US" altLang="zh-TW" dirty="0" err="1"/>
+              <a:t>ReadTask</a:t>
+            </a:r>
+            <a:r>
+              <a:rPr lang="en-US" altLang="zh-TW" dirty="0"/>
+              <a:t>(this Stream </a:t>
+            </a:r>
+            <a:r>
+              <a:rPr lang="en-US" altLang="zh-TW" dirty="0" err="1"/>
+              <a:t>stream</a:t>
+            </a:r>
+            <a:r>
+              <a:rPr lang="en-US" altLang="zh-TW" dirty="0"/>
+              <a:t>, </a:t>
+            </a:r>
+            <a:endParaRPr lang="en-US" altLang="zh-TW" dirty="0" smtClean="0"/>
+          </a:p>
+          <a:p>
+            <a:r>
+              <a:rPr lang="en-US" altLang="zh-TW" dirty="0"/>
+              <a:t> </a:t>
+            </a:r>
+            <a:r>
+              <a:rPr lang="en-US" altLang="zh-TW" dirty="0" smtClean="0"/>
+              <a:t>                      byte</a:t>
+            </a:r>
+            <a:r>
+              <a:rPr lang="en-US" altLang="zh-TW" dirty="0"/>
+              <a:t>[] buffer, </a:t>
+            </a:r>
+            <a:r>
+              <a:rPr lang="en-US" altLang="zh-TW" dirty="0" err="1"/>
+              <a:t>int</a:t>
+            </a:r>
+            <a:r>
+              <a:rPr lang="en-US" altLang="zh-TW" dirty="0"/>
+              <a:t> offset, </a:t>
+            </a:r>
+            <a:r>
+              <a:rPr lang="en-US" altLang="zh-TW" dirty="0" err="1"/>
+              <a:t>int</a:t>
+            </a:r>
+            <a:r>
+              <a:rPr lang="en-US" altLang="zh-TW" dirty="0"/>
+              <a:t> count, object state)</a:t>
+            </a:r>
+          </a:p>
+          <a:p>
+            <a:r>
+              <a:rPr lang="zh-TW" altLang="en-US" dirty="0"/>
+              <a:t>    </a:t>
+            </a:r>
+            <a:r>
+              <a:rPr lang="en-US" altLang="zh-TW" dirty="0"/>
+              <a:t>{</a:t>
+            </a:r>
+          </a:p>
+          <a:p>
+            <a:r>
+              <a:rPr lang="en-US" altLang="zh-TW" dirty="0"/>
+              <a:t>        </a:t>
+            </a:r>
+            <a:r>
+              <a:rPr lang="en-US" altLang="zh-TW" dirty="0" err="1"/>
+              <a:t>var</a:t>
+            </a:r>
+            <a:r>
+              <a:rPr lang="en-US" altLang="zh-TW" dirty="0"/>
+              <a:t> </a:t>
+            </a:r>
+            <a:r>
+              <a:rPr lang="en-US" altLang="zh-TW" dirty="0" err="1"/>
+              <a:t>tcs</a:t>
+            </a:r>
+            <a:r>
+              <a:rPr lang="en-US" altLang="zh-TW" dirty="0"/>
+              <a:t> = new </a:t>
+            </a:r>
+            <a:r>
+              <a:rPr lang="en-US" altLang="zh-TW" dirty="0" err="1"/>
+              <a:t>TaskCompletionSource</a:t>
+            </a:r>
+            <a:r>
+              <a:rPr lang="en-US" altLang="zh-TW" dirty="0"/>
+              <a:t>&lt;</a:t>
+            </a:r>
+            <a:r>
+              <a:rPr lang="en-US" altLang="zh-TW" dirty="0" err="1"/>
+              <a:t>int</a:t>
+            </a:r>
+            <a:r>
+              <a:rPr lang="en-US" altLang="zh-TW" dirty="0"/>
+              <a:t>&gt;();</a:t>
+            </a:r>
+          </a:p>
+          <a:p>
+            <a:r>
+              <a:rPr lang="en-US" altLang="zh-TW" dirty="0"/>
+              <a:t>        </a:t>
+            </a:r>
+            <a:r>
+              <a:rPr lang="en-US" altLang="zh-TW" dirty="0" err="1"/>
+              <a:t>stream.BeginRead</a:t>
+            </a:r>
+            <a:r>
+              <a:rPr lang="en-US" altLang="zh-TW" dirty="0"/>
+              <a:t>(buffer, offset, count, </a:t>
+            </a:r>
+            <a:r>
+              <a:rPr lang="en-US" altLang="zh-TW" dirty="0" err="1"/>
+              <a:t>ar</a:t>
+            </a:r>
+            <a:r>
+              <a:rPr lang="en-US" altLang="zh-TW" dirty="0"/>
+              <a:t> =&gt;</a:t>
+            </a:r>
+          </a:p>
+          <a:p>
+            <a:r>
+              <a:rPr lang="zh-TW" altLang="en-US" dirty="0"/>
+              <a:t>        </a:t>
+            </a:r>
+            <a:r>
+              <a:rPr lang="en-US" altLang="zh-TW" dirty="0"/>
+              <a:t>{</a:t>
+            </a:r>
+          </a:p>
+          <a:p>
+            <a:r>
+              <a:rPr lang="en-US" altLang="zh-TW" dirty="0"/>
+              <a:t>            try { </a:t>
+            </a:r>
+            <a:r>
+              <a:rPr lang="en-US" altLang="zh-TW" b="1" dirty="0" err="1">
+                <a:solidFill>
+                  <a:srgbClr val="FF0000"/>
+                </a:solidFill>
+              </a:rPr>
+              <a:t>tcs.SetResult</a:t>
+            </a:r>
+            <a:r>
+              <a:rPr lang="en-US" altLang="zh-TW" dirty="0"/>
+              <a:t>(</a:t>
+            </a:r>
+            <a:r>
+              <a:rPr lang="en-US" altLang="zh-TW" dirty="0" err="1"/>
+              <a:t>stream.EndRead</a:t>
+            </a:r>
+            <a:r>
+              <a:rPr lang="en-US" altLang="zh-TW" dirty="0"/>
+              <a:t>(</a:t>
+            </a:r>
+            <a:r>
+              <a:rPr lang="en-US" altLang="zh-TW" dirty="0" err="1"/>
+              <a:t>ar</a:t>
+            </a:r>
+            <a:r>
+              <a:rPr lang="en-US" altLang="zh-TW" dirty="0"/>
+              <a:t>)); }</a:t>
+            </a:r>
+          </a:p>
+          <a:p>
+            <a:r>
+              <a:rPr lang="en-US" altLang="zh-TW" dirty="0"/>
+              <a:t>            catch (Exception </a:t>
+            </a:r>
+            <a:r>
+              <a:rPr lang="en-US" altLang="zh-TW" dirty="0" err="1"/>
+              <a:t>exc</a:t>
+            </a:r>
+            <a:r>
+              <a:rPr lang="en-US" altLang="zh-TW" dirty="0"/>
+              <a:t>) { </a:t>
+            </a:r>
+            <a:r>
+              <a:rPr lang="en-US" altLang="zh-TW" dirty="0" err="1"/>
+              <a:t>tcs.SetException</a:t>
+            </a:r>
+            <a:r>
+              <a:rPr lang="en-US" altLang="zh-TW" dirty="0"/>
+              <a:t>(</a:t>
+            </a:r>
+            <a:r>
+              <a:rPr lang="en-US" altLang="zh-TW" dirty="0" err="1"/>
+              <a:t>exc</a:t>
+            </a:r>
+            <a:r>
+              <a:rPr lang="en-US" altLang="zh-TW" dirty="0"/>
+              <a:t>); }</a:t>
+            </a:r>
+          </a:p>
+          <a:p>
+            <a:r>
+              <a:rPr lang="en-US" altLang="zh-TW" dirty="0"/>
+              <a:t>        }, state);</a:t>
+            </a:r>
+          </a:p>
+          <a:p>
+            <a:r>
+              <a:rPr lang="en-US" altLang="zh-TW" dirty="0"/>
+              <a:t>        return </a:t>
+            </a:r>
+            <a:r>
+              <a:rPr lang="en-US" altLang="zh-TW" b="1" dirty="0" err="1">
+                <a:solidFill>
+                  <a:srgbClr val="FF0000"/>
+                </a:solidFill>
+              </a:rPr>
+              <a:t>tcs.Task</a:t>
+            </a:r>
+            <a:r>
+              <a:rPr lang="en-US" altLang="zh-TW" dirty="0"/>
+              <a:t>;</a:t>
+            </a:r>
+          </a:p>
+          <a:p>
+            <a:r>
+              <a:rPr lang="zh-TW" altLang="en-US" dirty="0"/>
+              <a:t>    </a:t>
+            </a:r>
+            <a:r>
+              <a:rPr lang="en-US" altLang="zh-TW" dirty="0"/>
+              <a:t>}</a:t>
+            </a:r>
+            <a:endParaRPr lang="zh-TW" altLang="en-US" b="1" dirty="0"/>
+          </a:p>
+        </p:txBody>
+      </p:sp>
     </p:spTree>
     <p:extLst>
       <p:ext uri="{BB962C8B-B14F-4D97-AF65-F5344CB8AC3E}">
-        <p14:creationId xmlns:p14="http://schemas.microsoft.com/office/powerpoint/2010/main" val="2521170528"/>
+        <p14:creationId xmlns:p14="http://schemas.microsoft.com/office/powerpoint/2010/main" val="3991971601"/>
       </p:ext>
     </p:extLst>
   </p:cSld>
@@ -12335,10 +12478,18 @@
           <a:lstStyle/>
           <a:p>
             <a:r>
-              <a:rPr lang="en-US" altLang="zh-TW" sz="3200" dirty="0"/>
-              <a:t>Data Parallelism (Task Parallel Library)</a:t>
-            </a:r>
-            <a:endParaRPr lang="zh-TW" altLang="en-US" sz="3200" dirty="0"/>
+              <a:rPr lang="en-US" altLang="zh-TW" sz="3600" dirty="0"/>
+              <a:t>What does </a:t>
+            </a:r>
+            <a:r>
+              <a:rPr lang="en-US" altLang="zh-TW" sz="3600" dirty="0" err="1"/>
+              <a:t>async</a:t>
+            </a:r>
+            <a:r>
+              <a:rPr lang="en-US" altLang="zh-TW" sz="3600" dirty="0"/>
+              <a:t> &amp; await generate?</a:t>
+            </a:r>
+            <a:endParaRPr lang="zh-TW" altLang="en-US" sz="3600" dirty="0"/>
           </a:p>
         </p:txBody>
       </p:sp>
@@ -12358,43 +12509,98 @@
           <a:lstStyle/>
           <a:p>
             <a:r>
-              <a:rPr lang="en-US" altLang="zh-TW" i="1" dirty="0"/>
-              <a:t>Data parallelism</a:t>
-            </a:r>
-            <a:r>
-              <a:rPr lang="en-US" altLang="zh-TW" dirty="0"/>
-              <a:t> refers to scenarios in which the same operation is performed concurrently (that is, in parallel) on elements in a source collection or </a:t>
-            </a:r>
-            <a:r>
-              <a:rPr lang="en-US" altLang="zh-TW" dirty="0" smtClean="0"/>
-              <a:t>array</a:t>
-            </a:r>
-          </a:p>
-          <a:p>
-            <a:r>
-              <a:rPr lang="en-US" altLang="zh-TW" dirty="0"/>
-              <a:t>The Task Parallel Library (TPL) is a set of public types and APIs in the </a:t>
-            </a:r>
-            <a:r>
-              <a:rPr lang="en-US" altLang="zh-TW" dirty="0" err="1">
+              <a:rPr lang="en-US" altLang="zh-TW" dirty="0">
                 <a:hlinkClick r:id="rId2"/>
               </a:rPr>
-              <a:t>System.Threading</a:t>
-            </a:r>
-            <a:r>
-              <a:rPr lang="en-US" altLang="zh-TW" dirty="0"/>
-              <a:t> and </a:t>
-            </a:r>
+              <a:t>http://www.filipekberg.se/2013/01/16/what-does-async-await-generate</a:t>
+            </a:r>
+            <a:r>
+              <a:rPr lang="en-US" altLang="zh-TW" dirty="0" smtClean="0">
+                <a:hlinkClick r:id="rId2"/>
+              </a:rPr>
+              <a:t>/</a:t>
+            </a:r>
+            <a:endParaRPr lang="en-US" altLang="zh-TW" dirty="0" smtClean="0"/>
+          </a:p>
+          <a:p>
             <a:r>
               <a:rPr lang="en-US" altLang="zh-TW" dirty="0" err="1">
                 <a:hlinkClick r:id="rId3"/>
               </a:rPr>
-              <a:t>System.Threading.Tasks</a:t>
-            </a:r>
-            <a:r>
-              <a:rPr lang="en-US" altLang="zh-TW" dirty="0"/>
-              <a:t> namespaces in the .NET Framework 4</a:t>
-            </a:r>
+              <a:t>Async</a:t>
+            </a:r>
+            <a:r>
+              <a:rPr lang="en-US" altLang="zh-TW" dirty="0">
+                <a:hlinkClick r:id="rId3"/>
+              </a:rPr>
+              <a:t> Await </a:t>
+            </a:r>
+            <a:r>
+              <a:rPr lang="zh-TW" altLang="en-US" dirty="0">
+                <a:hlinkClick r:id="rId3"/>
+              </a:rPr>
+              <a:t>， </a:t>
+            </a:r>
+            <a:r>
+              <a:rPr lang="en-US" altLang="zh-TW" dirty="0">
+                <a:hlinkClick r:id="rId3"/>
+              </a:rPr>
+              <a:t>C# </a:t>
+            </a:r>
+            <a:r>
+              <a:rPr lang="zh-TW" altLang="en-US" dirty="0">
+                <a:hlinkClick r:id="rId3"/>
+              </a:rPr>
+              <a:t>編譯器做了些甚麼事情呢</a:t>
+            </a:r>
+            <a:r>
+              <a:rPr lang="en-US" altLang="zh-TW" dirty="0">
+                <a:hlinkClick r:id="rId3"/>
+              </a:rPr>
+              <a:t>–2?</a:t>
+            </a:r>
+            <a:endParaRPr lang="zh-TW" altLang="en-US" dirty="0"/>
+          </a:p>
+          <a:p>
+            <a:r>
+              <a:rPr lang="en-US" altLang="zh-TW" u="sng" dirty="0" err="1">
+                <a:hlinkClick r:id="rId4"/>
+              </a:rPr>
+              <a:t>Async</a:t>
+            </a:r>
+            <a:r>
+              <a:rPr lang="en-US" altLang="zh-TW" u="sng" dirty="0">
+                <a:hlinkClick r:id="rId4"/>
+              </a:rPr>
+              <a:t> Await </a:t>
+            </a:r>
+            <a:r>
+              <a:rPr lang="zh-TW" altLang="en-US" u="sng" dirty="0">
+                <a:hlinkClick r:id="rId4"/>
+              </a:rPr>
+              <a:t>， </a:t>
+            </a:r>
+            <a:r>
+              <a:rPr lang="en-US" altLang="zh-TW" u="sng" dirty="0">
+                <a:hlinkClick r:id="rId4"/>
+              </a:rPr>
+              <a:t>C# </a:t>
+            </a:r>
+            <a:r>
+              <a:rPr lang="zh-TW" altLang="en-US" u="sng" dirty="0">
+                <a:hlinkClick r:id="rId4"/>
+              </a:rPr>
+              <a:t>編譯器做了些甚麼事情呢</a:t>
+            </a:r>
+            <a:r>
+              <a:rPr lang="en-US" altLang="zh-TW" u="sng" dirty="0">
+                <a:hlinkClick r:id="rId4"/>
+              </a:rPr>
+              <a:t>–1 ?</a:t>
+            </a:r>
+            <a:endParaRPr lang="zh-TW" altLang="en-US" dirty="0"/>
+          </a:p>
+          <a:p>
             <a:endParaRPr lang="zh-TW" altLang="en-US" dirty="0"/>
           </a:p>
         </p:txBody>
@@ -12425,7 +12631,7 @@
     </p:spTree>
     <p:extLst>
       <p:ext uri="{BB962C8B-B14F-4D97-AF65-F5344CB8AC3E}">
-        <p14:creationId xmlns:p14="http://schemas.microsoft.com/office/powerpoint/2010/main" val="3910101380"/>
+        <p14:creationId xmlns:p14="http://schemas.microsoft.com/office/powerpoint/2010/main" val="2521170528"/>
       </p:ext>
     </p:extLst>
   </p:cSld>
@@ -12469,9 +12675,66 @@
           <a:p>
             <a:r>
               <a:rPr lang="en-US" altLang="zh-TW" sz="3200" dirty="0"/>
-              <a:t>parallel programming architecture in the .NET Framework 4.</a:t>
+              <a:t>Data Parallelism (Task Parallel Library)</a:t>
             </a:r>
             <a:endParaRPr lang="zh-TW" altLang="en-US" sz="3200" dirty="0"/>
+          </a:p>
+        </p:txBody>
+      </p:sp>
+      <p:sp>
+        <p:nvSpPr>
+          <p:cNvPr id="3" name="內容版面配置區 2"/>
+          <p:cNvSpPr>
+            <a:spLocks noGrp="1"/>
+          </p:cNvSpPr>
+          <p:nvPr>
+            <p:ph idx="1"/>
+          </p:nvPr>
+        </p:nvSpPr>
+        <p:spPr/>
+        <p:txBody>
+          <a:bodyPr/>
+          <a:lstStyle/>
+          <a:p>
+            <a:r>
+              <a:rPr lang="en-US" altLang="zh-TW" i="1" dirty="0"/>
+              <a:t>Data parallelism</a:t>
+            </a:r>
+            <a:r>
+              <a:rPr lang="en-US" altLang="zh-TW" dirty="0"/>
+              <a:t> refers to scenarios in which the same operation is performed concurrently (that is, in parallel) on elements in a source collection or </a:t>
+            </a:r>
+            <a:r>
+              <a:rPr lang="en-US" altLang="zh-TW" dirty="0" smtClean="0"/>
+              <a:t>array</a:t>
+            </a:r>
+          </a:p>
+          <a:p>
+            <a:r>
+              <a:rPr lang="en-US" altLang="zh-TW" dirty="0"/>
+              <a:t>The Task Parallel Library (TPL) is a set of public types and APIs in the </a:t>
+            </a:r>
+            <a:r>
+              <a:rPr lang="en-US" altLang="zh-TW" dirty="0" err="1">
+                <a:hlinkClick r:id="rId2"/>
+              </a:rPr>
+              <a:t>System.Threading</a:t>
+            </a:r>
+            <a:r>
+              <a:rPr lang="en-US" altLang="zh-TW" dirty="0"/>
+              <a:t> and </a:t>
+            </a:r>
+            <a:r>
+              <a:rPr lang="en-US" altLang="zh-TW" dirty="0" err="1">
+                <a:hlinkClick r:id="rId3"/>
+              </a:rPr>
+              <a:t>System.Threading.Tasks</a:t>
+            </a:r>
+            <a:r>
+              <a:rPr lang="en-US" altLang="zh-TW" dirty="0"/>
+              <a:t> namespaces in the .NET Framework 4</a:t>
+            </a:r>
+            <a:endParaRPr lang="zh-TW" altLang="en-US" dirty="0"/>
           </a:p>
         </p:txBody>
       </p:sp>
@@ -12498,72 +12761,10 @@
           </a:p>
         </p:txBody>
       </p:sp>
-      <p:pic>
-        <p:nvPicPr>
-          <p:cNvPr id="7" name="圖片 6"/>
-          <p:cNvPicPr>
-            <a:picLocks noChangeAspect="1"/>
-          </p:cNvPicPr>
-          <p:nvPr/>
-        </p:nvPicPr>
-        <p:blipFill>
-          <a:blip r:embed="rId2"/>
-          <a:stretch>
-            <a:fillRect/>
-          </a:stretch>
-        </p:blipFill>
-        <p:spPr>
-          <a:xfrm>
-            <a:off x="123951" y="1719262"/>
-            <a:ext cx="8861553" cy="4734074"/>
-          </a:xfrm>
-          <a:prstGeom prst="rect">
-            <a:avLst/>
-          </a:prstGeom>
-        </p:spPr>
-      </p:pic>
-      <p:sp>
-        <p:nvSpPr>
-          <p:cNvPr id="8" name="文字方塊 7"/>
-          <p:cNvSpPr txBox="1"/>
-          <p:nvPr/>
-        </p:nvSpPr>
-        <p:spPr>
-          <a:xfrm>
-            <a:off x="179512" y="6355762"/>
-            <a:ext cx="8712968" cy="369332"/>
-          </a:xfrm>
-          <a:prstGeom prst="rect">
-            <a:avLst/>
-          </a:prstGeom>
-          <a:solidFill>
-            <a:schemeClr val="accent2">
-              <a:lumMod val="60000"/>
-              <a:lumOff val="40000"/>
-            </a:schemeClr>
-          </a:solidFill>
-        </p:spPr>
-        <p:txBody>
-          <a:bodyPr wrap="square" rtlCol="0">
-            <a:spAutoFit/>
-          </a:bodyPr>
-          <a:lstStyle/>
-          <a:p>
-            <a:r>
-              <a:rPr lang="zh-TW" altLang="en-US" dirty="0">
-                <a:solidFill>
-                  <a:schemeClr val="bg1"/>
-                </a:solidFill>
-              </a:rPr>
-              <a:t>https://msdn.microsoft.com/en-us/library/dd460693(v=vs.110).aspx</a:t>
-            </a:r>
-          </a:p>
-        </p:txBody>
-      </p:sp>
     </p:spTree>
     <p:extLst>
       <p:ext uri="{BB962C8B-B14F-4D97-AF65-F5344CB8AC3E}">
-        <p14:creationId xmlns:p14="http://schemas.microsoft.com/office/powerpoint/2010/main" val="4269312215"/>
+        <p14:creationId xmlns:p14="http://schemas.microsoft.com/office/powerpoint/2010/main" val="3910101380"/>
       </p:ext>
     </p:extLst>
   </p:cSld>
@@ -12606,105 +12807,10 @@
           <a:lstStyle/>
           <a:p>
             <a:r>
-              <a:rPr lang="en-US" altLang="zh-TW" dirty="0" smtClean="0"/>
-              <a:t>Parallel class example</a:t>
-            </a:r>
-            <a:endParaRPr lang="zh-TW" altLang="en-US" dirty="0"/>
-          </a:p>
-        </p:txBody>
-      </p:sp>
-      <p:sp>
-        <p:nvSpPr>
-          <p:cNvPr id="3" name="內容版面配置區 2"/>
-          <p:cNvSpPr>
-            <a:spLocks noGrp="1"/>
-          </p:cNvSpPr>
-          <p:nvPr>
-            <p:ph idx="1"/>
-          </p:nvPr>
-        </p:nvSpPr>
-        <p:spPr/>
-        <p:txBody>
-          <a:bodyPr/>
-          <a:lstStyle/>
-          <a:p>
-            <a:r>
-              <a:rPr lang="en-US" altLang="zh-TW" dirty="0"/>
-              <a:t>Write a Simple </a:t>
-            </a:r>
-            <a:r>
-              <a:rPr lang="en-US" altLang="zh-TW" dirty="0" err="1"/>
-              <a:t>Parallel.For</a:t>
-            </a:r>
-            <a:r>
-              <a:rPr lang="en-US" altLang="zh-TW" dirty="0"/>
-              <a:t> </a:t>
-            </a:r>
-            <a:r>
-              <a:rPr lang="en-US" altLang="zh-TW" dirty="0" smtClean="0"/>
-              <a:t>Loop</a:t>
-            </a:r>
-          </a:p>
-          <a:p>
-            <a:r>
-              <a:rPr lang="en-US" altLang="zh-TW" dirty="0"/>
-              <a:t>Write a Simple </a:t>
-            </a:r>
-            <a:r>
-              <a:rPr lang="en-US" altLang="zh-TW" dirty="0" err="1"/>
-              <a:t>Parallel.ForEach</a:t>
-            </a:r>
-            <a:r>
-              <a:rPr lang="en-US" altLang="zh-TW" dirty="0"/>
-              <a:t> </a:t>
-            </a:r>
-            <a:r>
-              <a:rPr lang="en-US" altLang="zh-TW" dirty="0" smtClean="0"/>
-              <a:t>Loop</a:t>
-            </a:r>
-          </a:p>
-          <a:p>
-            <a:r>
-              <a:rPr lang="en-US" altLang="zh-TW" dirty="0"/>
-              <a:t>Cancel a </a:t>
-            </a:r>
-            <a:r>
-              <a:rPr lang="en-US" altLang="zh-TW" dirty="0" err="1"/>
-              <a:t>Parallel.For</a:t>
-            </a:r>
-            <a:r>
-              <a:rPr lang="en-US" altLang="zh-TW" dirty="0"/>
-              <a:t> or </a:t>
-            </a:r>
-            <a:r>
-              <a:rPr lang="en-US" altLang="zh-TW" dirty="0" err="1"/>
-              <a:t>ForEach</a:t>
-            </a:r>
-            <a:r>
-              <a:rPr lang="en-US" altLang="zh-TW" dirty="0"/>
-              <a:t> </a:t>
-            </a:r>
-            <a:r>
-              <a:rPr lang="en-US" altLang="zh-TW" dirty="0" smtClean="0"/>
-              <a:t>Loop</a:t>
-            </a:r>
-          </a:p>
-          <a:p>
-            <a:r>
-              <a:rPr lang="en-US" altLang="zh-TW" dirty="0"/>
-              <a:t>Handle Exceptions in Parallel </a:t>
-            </a:r>
-            <a:r>
-              <a:rPr lang="en-US" altLang="zh-TW" dirty="0" smtClean="0"/>
-              <a:t>Loops</a:t>
-            </a:r>
-          </a:p>
-          <a:p>
-            <a:r>
-              <a:rPr lang="en-US" altLang="zh-TW" dirty="0"/>
-              <a:t>Iterate File Directories with the Parallel Class</a:t>
-            </a:r>
-            <a:endParaRPr lang="zh-TW" altLang="en-US" dirty="0"/>
+              <a:rPr lang="en-US" altLang="zh-TW" sz="3200" dirty="0"/>
+              <a:t>parallel programming architecture in the .NET Framework 4.</a:t>
+            </a:r>
+            <a:endParaRPr lang="zh-TW" altLang="en-US" sz="3200" dirty="0"/>
           </a:p>
         </p:txBody>
       </p:sp>
@@ -12726,6 +12832,239 @@
             <a:fld id="{1B4050F5-7C0C-4C02-ADBC-126D7B02657F}" type="slidenum">
               <a:rPr lang="zh-TW" altLang="en-US" smtClean="0"/>
               <a:t>38</a:t>
+            </a:fld>
+            <a:endParaRPr lang="zh-TW" altLang="en-US"/>
+          </a:p>
+        </p:txBody>
+      </p:sp>
+      <p:pic>
+        <p:nvPicPr>
+          <p:cNvPr id="7" name="圖片 6"/>
+          <p:cNvPicPr>
+            <a:picLocks noChangeAspect="1"/>
+          </p:cNvPicPr>
+          <p:nvPr/>
+        </p:nvPicPr>
+        <p:blipFill>
+          <a:blip r:embed="rId2"/>
+          <a:stretch>
+            <a:fillRect/>
+          </a:stretch>
+        </p:blipFill>
+        <p:spPr>
+          <a:xfrm>
+            <a:off x="123951" y="1719262"/>
+            <a:ext cx="8861553" cy="4734074"/>
+          </a:xfrm>
+          <a:prstGeom prst="rect">
+            <a:avLst/>
+          </a:prstGeom>
+        </p:spPr>
+      </p:pic>
+      <p:sp>
+        <p:nvSpPr>
+          <p:cNvPr id="8" name="文字方塊 7"/>
+          <p:cNvSpPr txBox="1"/>
+          <p:nvPr/>
+        </p:nvSpPr>
+        <p:spPr>
+          <a:xfrm>
+            <a:off x="179512" y="6355762"/>
+            <a:ext cx="8712968" cy="369332"/>
+          </a:xfrm>
+          <a:prstGeom prst="rect">
+            <a:avLst/>
+          </a:prstGeom>
+          <a:solidFill>
+            <a:schemeClr val="accent2">
+              <a:lumMod val="60000"/>
+              <a:lumOff val="40000"/>
+            </a:schemeClr>
+          </a:solidFill>
+        </p:spPr>
+        <p:txBody>
+          <a:bodyPr wrap="square" rtlCol="0">
+            <a:spAutoFit/>
+          </a:bodyPr>
+          <a:lstStyle/>
+          <a:p>
+            <a:r>
+              <a:rPr lang="zh-TW" altLang="en-US" dirty="0">
+                <a:solidFill>
+                  <a:schemeClr val="bg1"/>
+                </a:solidFill>
+              </a:rPr>
+              <a:t>https://msdn.microsoft.com/en-us/library/dd460693(v=vs.110).aspx</a:t>
+            </a:r>
+          </a:p>
+        </p:txBody>
+      </p:sp>
+    </p:spTree>
+    <p:extLst>
+      <p:ext uri="{BB962C8B-B14F-4D97-AF65-F5344CB8AC3E}">
+        <p14:creationId xmlns:p14="http://schemas.microsoft.com/office/powerpoint/2010/main" val="4269312215"/>
+      </p:ext>
+    </p:extLst>
+  </p:cSld>
+  <p:clrMapOvr>
+    <a:masterClrMapping/>
+  </p:clrMapOvr>
+</p:sld>
+</file>
+
+<file path=ppt/slides/slide39.xml><?xml version="1.0" encoding="utf-8"?>
+<p:sld xmlns:a="http://schemas.openxmlformats.org/drawingml/2006/main" xmlns:r="http://schemas.openxmlformats.org/officeDocument/2006/relationships" xmlns:p="http://schemas.openxmlformats.org/presentationml/2006/main">
+  <p:cSld>
+    <p:spTree>
+      <p:nvGrpSpPr>
+        <p:cNvPr id="1" name=""/>
+        <p:cNvGrpSpPr/>
+        <p:nvPr/>
+      </p:nvGrpSpPr>
+      <p:grpSpPr>
+        <a:xfrm>
+          <a:off x="0" y="0"/>
+          <a:ext cx="0" cy="0"/>
+          <a:chOff x="0" y="0"/>
+          <a:chExt cx="0" cy="0"/>
+        </a:xfrm>
+      </p:grpSpPr>
+      <p:sp>
+        <p:nvSpPr>
+          <p:cNvPr id="2" name="標題 1"/>
+          <p:cNvSpPr>
+            <a:spLocks noGrp="1"/>
+          </p:cNvSpPr>
+          <p:nvPr>
+            <p:ph type="title"/>
+          </p:nvPr>
+        </p:nvSpPr>
+        <p:spPr/>
+        <p:txBody>
+          <a:bodyPr/>
+          <a:lstStyle/>
+          <a:p>
+            <a:r>
+              <a:rPr lang="en-US" altLang="zh-TW" dirty="0" smtClean="0"/>
+              <a:t>Parallel class example</a:t>
+            </a:r>
+            <a:endParaRPr lang="zh-TW" altLang="en-US" dirty="0"/>
+          </a:p>
+        </p:txBody>
+      </p:sp>
+      <p:sp>
+        <p:nvSpPr>
+          <p:cNvPr id="3" name="內容版面配置區 2"/>
+          <p:cNvSpPr>
+            <a:spLocks noGrp="1"/>
+          </p:cNvSpPr>
+          <p:nvPr>
+            <p:ph idx="1"/>
+          </p:nvPr>
+        </p:nvSpPr>
+        <p:spPr/>
+        <p:txBody>
+          <a:bodyPr/>
+          <a:lstStyle/>
+          <a:p>
+            <a:r>
+              <a:rPr lang="en-US" altLang="zh-TW" dirty="0"/>
+              <a:t>Write a Simple </a:t>
+            </a:r>
+            <a:r>
+              <a:rPr lang="en-US" altLang="zh-TW" dirty="0" err="1"/>
+              <a:t>Parallel.For</a:t>
+            </a:r>
+            <a:r>
+              <a:rPr lang="en-US" altLang="zh-TW" dirty="0"/>
+              <a:t> </a:t>
+            </a:r>
+            <a:r>
+              <a:rPr lang="en-US" altLang="zh-TW" dirty="0" smtClean="0"/>
+              <a:t>Loop</a:t>
+            </a:r>
+          </a:p>
+          <a:p>
+            <a:r>
+              <a:rPr lang="en-US" altLang="zh-TW" dirty="0"/>
+              <a:t>Write a Simple </a:t>
+            </a:r>
+            <a:r>
+              <a:rPr lang="en-US" altLang="zh-TW" dirty="0" err="1"/>
+              <a:t>Parallel.ForEach</a:t>
+            </a:r>
+            <a:r>
+              <a:rPr lang="en-US" altLang="zh-TW" dirty="0"/>
+              <a:t> </a:t>
+            </a:r>
+            <a:r>
+              <a:rPr lang="en-US" altLang="zh-TW" dirty="0" smtClean="0"/>
+              <a:t>Loop</a:t>
+            </a:r>
+          </a:p>
+          <a:p>
+            <a:r>
+              <a:rPr lang="en-US" altLang="zh-TW" dirty="0"/>
+              <a:t>Cancel a </a:t>
+            </a:r>
+            <a:r>
+              <a:rPr lang="en-US" altLang="zh-TW" dirty="0" err="1"/>
+              <a:t>Parallel.For</a:t>
+            </a:r>
+            <a:r>
+              <a:rPr lang="en-US" altLang="zh-TW" dirty="0"/>
+              <a:t> or </a:t>
+            </a:r>
+            <a:r>
+              <a:rPr lang="en-US" altLang="zh-TW" dirty="0" err="1"/>
+              <a:t>ForEach</a:t>
+            </a:r>
+            <a:r>
+              <a:rPr lang="en-US" altLang="zh-TW" dirty="0"/>
+              <a:t> </a:t>
+            </a:r>
+            <a:r>
+              <a:rPr lang="en-US" altLang="zh-TW" dirty="0" smtClean="0"/>
+              <a:t>Loop</a:t>
+            </a:r>
+          </a:p>
+          <a:p>
+            <a:r>
+              <a:rPr lang="en-US" altLang="zh-TW" dirty="0"/>
+              <a:t>Handle Exceptions in Parallel </a:t>
+            </a:r>
+            <a:r>
+              <a:rPr lang="en-US" altLang="zh-TW" dirty="0" smtClean="0"/>
+              <a:t>Loops</a:t>
+            </a:r>
+          </a:p>
+          <a:p>
+            <a:r>
+              <a:rPr lang="en-US" altLang="zh-TW" dirty="0"/>
+              <a:t>Iterate File Directories with the Parallel Class</a:t>
+            </a:r>
+            <a:endParaRPr lang="zh-TW" altLang="en-US" dirty="0"/>
+          </a:p>
+        </p:txBody>
+      </p:sp>
+      <p:sp>
+        <p:nvSpPr>
+          <p:cNvPr id="4" name="投影片編號版面配置區 3"/>
+          <p:cNvSpPr>
+            <a:spLocks noGrp="1"/>
+          </p:cNvSpPr>
+          <p:nvPr>
+            <p:ph type="sldNum" sz="quarter" idx="4"/>
+          </p:nvPr>
+        </p:nvSpPr>
+        <p:spPr/>
+        <p:txBody>
+          <a:bodyPr/>
+          <a:lstStyle/>
+          <a:p>
+            <a:fld id="{1B4050F5-7C0C-4C02-ADBC-126D7B02657F}" type="slidenum">
+              <a:rPr lang="zh-TW" altLang="en-US" smtClean="0"/>
+              <a:t>39</a:t>
             </a:fld>
             <a:endParaRPr lang="zh-TW" altLang="en-US"/>
           </a:p>
@@ -12744,7 +13083,164 @@
 </p:sld>
 </file>
 
-<file path=ppt/slides/slide39.xml><?xml version="1.0" encoding="utf-8"?>
+<file path=ppt/slides/slide4.xml><?xml version="1.0" encoding="utf-8"?>
+<p:sld xmlns:a="http://schemas.openxmlformats.org/drawingml/2006/main" xmlns:r="http://schemas.openxmlformats.org/officeDocument/2006/relationships" xmlns:p="http://schemas.openxmlformats.org/presentationml/2006/main">
+  <p:cSld>
+    <p:spTree>
+      <p:nvGrpSpPr>
+        <p:cNvPr id="1" name=""/>
+        <p:cNvGrpSpPr/>
+        <p:nvPr/>
+      </p:nvGrpSpPr>
+      <p:grpSpPr>
+        <a:xfrm>
+          <a:off x="0" y="0"/>
+          <a:ext cx="0" cy="0"/>
+          <a:chOff x="0" y="0"/>
+          <a:chExt cx="0" cy="0"/>
+        </a:xfrm>
+      </p:grpSpPr>
+      <p:sp>
+        <p:nvSpPr>
+          <p:cNvPr id="2" name="標題 1"/>
+          <p:cNvSpPr>
+            <a:spLocks noGrp="1"/>
+          </p:cNvSpPr>
+          <p:nvPr>
+            <p:ph type="title"/>
+          </p:nvPr>
+        </p:nvSpPr>
+        <p:spPr/>
+        <p:txBody>
+          <a:bodyPr/>
+          <a:lstStyle/>
+          <a:p>
+            <a:r>
+              <a:rPr lang="en-US" altLang="zh-TW" dirty="0" smtClean="0"/>
+              <a:t>Multi-Thread</a:t>
+            </a:r>
+            <a:endParaRPr lang="zh-TW" altLang="en-US" dirty="0"/>
+          </a:p>
+        </p:txBody>
+      </p:sp>
+      <p:pic>
+        <p:nvPicPr>
+          <p:cNvPr id="5" name="內容版面配置區 4"/>
+          <p:cNvPicPr>
+            <a:picLocks noGrp="1" noChangeAspect="1"/>
+          </p:cNvPicPr>
+          <p:nvPr>
+            <p:ph idx="1"/>
+          </p:nvPr>
+        </p:nvPicPr>
+        <p:blipFill>
+          <a:blip r:embed="rId2"/>
+          <a:stretch>
+            <a:fillRect/>
+          </a:stretch>
+        </p:blipFill>
+        <p:spPr>
+          <a:xfrm>
+            <a:off x="3779912" y="133128"/>
+            <a:ext cx="5169984" cy="3012078"/>
+          </a:xfrm>
+          <a:prstGeom prst="rect">
+            <a:avLst/>
+          </a:prstGeom>
+        </p:spPr>
+      </p:pic>
+      <p:sp>
+        <p:nvSpPr>
+          <p:cNvPr id="4" name="投影片編號版面配置區 3"/>
+          <p:cNvSpPr>
+            <a:spLocks noGrp="1"/>
+          </p:cNvSpPr>
+          <p:nvPr>
+            <p:ph type="sldNum" sz="quarter" idx="4"/>
+          </p:nvPr>
+        </p:nvSpPr>
+        <p:spPr/>
+        <p:txBody>
+          <a:bodyPr/>
+          <a:lstStyle/>
+          <a:p>
+            <a:fld id="{1B4050F5-7C0C-4C02-ADBC-126D7B02657F}" type="slidenum">
+              <a:rPr lang="zh-TW" altLang="en-US" smtClean="0"/>
+              <a:t>4</a:t>
+            </a:fld>
+            <a:endParaRPr lang="zh-TW" altLang="en-US"/>
+          </a:p>
+        </p:txBody>
+      </p:sp>
+      <p:pic>
+        <p:nvPicPr>
+          <p:cNvPr id="6" name="圖片 5"/>
+          <p:cNvPicPr>
+            <a:picLocks noChangeAspect="1"/>
+          </p:cNvPicPr>
+          <p:nvPr/>
+        </p:nvPicPr>
+        <p:blipFill>
+          <a:blip r:embed="rId3"/>
+          <a:stretch>
+            <a:fillRect/>
+          </a:stretch>
+        </p:blipFill>
+        <p:spPr>
+          <a:xfrm>
+            <a:off x="1691680" y="3223891"/>
+            <a:ext cx="6511487" cy="1349227"/>
+          </a:xfrm>
+          <a:prstGeom prst="rect">
+            <a:avLst/>
+          </a:prstGeom>
+        </p:spPr>
+      </p:pic>
+      <p:pic>
+        <p:nvPicPr>
+          <p:cNvPr id="7" name="圖片 6"/>
+          <p:cNvPicPr>
+            <a:picLocks noChangeAspect="1"/>
+          </p:cNvPicPr>
+          <p:nvPr/>
+        </p:nvPicPr>
+        <p:blipFill>
+          <a:blip r:embed="rId4"/>
+          <a:stretch>
+            <a:fillRect/>
+          </a:stretch>
+        </p:blipFill>
+        <p:spPr>
+          <a:xfrm>
+            <a:off x="2770922" y="4743347"/>
+            <a:ext cx="4353001" cy="1981716"/>
+          </a:xfrm>
+          <a:prstGeom prst="rect">
+            <a:avLst/>
+          </a:prstGeom>
+        </p:spPr>
+      </p:pic>
+    </p:spTree>
+    <p:extLst>
+      <p:ext uri="{BB962C8B-B14F-4D97-AF65-F5344CB8AC3E}">
+        <p14:creationId xmlns:p14="http://schemas.microsoft.com/office/powerpoint/2010/main" val="1399911056"/>
+      </p:ext>
+    </p:extLst>
+  </p:cSld>
+  <p:clrMapOvr>
+    <a:masterClrMapping/>
+  </p:clrMapOvr>
+  <p:timing>
+    <p:tnLst>
+      <p:par>
+        <p:cTn id="1" dur="indefinite" restart="never" nodeType="tmRoot"/>
+      </p:par>
+    </p:tnLst>
+  </p:timing>
+</p:sld>
+</file>
+
+<file path=ppt/slides/slide40.xml><?xml version="1.0" encoding="utf-8"?>
 <p:sld xmlns:a="http://schemas.openxmlformats.org/drawingml/2006/main" xmlns:r="http://schemas.openxmlformats.org/officeDocument/2006/relationships" xmlns:p="http://schemas.openxmlformats.org/presentationml/2006/main">
   <p:cSld>
     <p:spTree>
@@ -13743,7 +14239,7 @@
           <a:p>
             <a:fld id="{1B4050F5-7C0C-4C02-ADBC-126D7B02657F}" type="slidenum">
               <a:rPr lang="zh-TW" altLang="en-US" smtClean="0"/>
-              <a:t>39</a:t>
+              <a:t>40</a:t>
             </a:fld>
             <a:endParaRPr lang="zh-TW" altLang="en-US"/>
           </a:p>
@@ -13796,430 +14292,6 @@
     <p:extLst>
       <p:ext uri="{BB962C8B-B14F-4D97-AF65-F5344CB8AC3E}">
         <p14:creationId xmlns:p14="http://schemas.microsoft.com/office/powerpoint/2010/main" val="989970479"/>
-      </p:ext>
-    </p:extLst>
-  </p:cSld>
-  <p:clrMapOvr>
-    <a:masterClrMapping/>
-  </p:clrMapOvr>
-</p:sld>
-</file>
-
-<file path=ppt/slides/slide4.xml><?xml version="1.0" encoding="utf-8"?>
-<p:sld xmlns:a="http://schemas.openxmlformats.org/drawingml/2006/main" xmlns:r="http://schemas.openxmlformats.org/officeDocument/2006/relationships" xmlns:p="http://schemas.openxmlformats.org/presentationml/2006/main">
-  <p:cSld>
-    <p:spTree>
-      <p:nvGrpSpPr>
-        <p:cNvPr id="1" name=""/>
-        <p:cNvGrpSpPr/>
-        <p:nvPr/>
-      </p:nvGrpSpPr>
-      <p:grpSpPr>
-        <a:xfrm>
-          <a:off x="0" y="0"/>
-          <a:ext cx="0" cy="0"/>
-          <a:chOff x="0" y="0"/>
-          <a:chExt cx="0" cy="0"/>
-        </a:xfrm>
-      </p:grpSpPr>
-      <p:sp>
-        <p:nvSpPr>
-          <p:cNvPr id="2" name="標題 1"/>
-          <p:cNvSpPr>
-            <a:spLocks noGrp="1"/>
-          </p:cNvSpPr>
-          <p:nvPr>
-            <p:ph type="title"/>
-          </p:nvPr>
-        </p:nvSpPr>
-        <p:spPr/>
-        <p:txBody>
-          <a:bodyPr/>
-          <a:lstStyle/>
-          <a:p>
-            <a:r>
-              <a:rPr lang="en-US" altLang="zh-TW" dirty="0" smtClean="0"/>
-              <a:t>Multi-Thread</a:t>
-            </a:r>
-            <a:endParaRPr lang="zh-TW" altLang="en-US" dirty="0"/>
-          </a:p>
-        </p:txBody>
-      </p:sp>
-      <p:pic>
-        <p:nvPicPr>
-          <p:cNvPr id="5" name="內容版面配置區 4"/>
-          <p:cNvPicPr>
-            <a:picLocks noGrp="1" noChangeAspect="1"/>
-          </p:cNvPicPr>
-          <p:nvPr>
-            <p:ph idx="1"/>
-          </p:nvPr>
-        </p:nvPicPr>
-        <p:blipFill>
-          <a:blip r:embed="rId2"/>
-          <a:stretch>
-            <a:fillRect/>
-          </a:stretch>
-        </p:blipFill>
-        <p:spPr>
-          <a:xfrm>
-            <a:off x="3779912" y="133128"/>
-            <a:ext cx="5169984" cy="3012078"/>
-          </a:xfrm>
-          <a:prstGeom prst="rect">
-            <a:avLst/>
-          </a:prstGeom>
-        </p:spPr>
-      </p:pic>
-      <p:sp>
-        <p:nvSpPr>
-          <p:cNvPr id="4" name="投影片編號版面配置區 3"/>
-          <p:cNvSpPr>
-            <a:spLocks noGrp="1"/>
-          </p:cNvSpPr>
-          <p:nvPr>
-            <p:ph type="sldNum" sz="quarter" idx="4"/>
-          </p:nvPr>
-        </p:nvSpPr>
-        <p:spPr/>
-        <p:txBody>
-          <a:bodyPr/>
-          <a:lstStyle/>
-          <a:p>
-            <a:fld id="{1B4050F5-7C0C-4C02-ADBC-126D7B02657F}" type="slidenum">
-              <a:rPr lang="zh-TW" altLang="en-US" smtClean="0"/>
-              <a:t>4</a:t>
-            </a:fld>
-            <a:endParaRPr lang="zh-TW" altLang="en-US"/>
-          </a:p>
-        </p:txBody>
-      </p:sp>
-      <p:pic>
-        <p:nvPicPr>
-          <p:cNvPr id="6" name="圖片 5"/>
-          <p:cNvPicPr>
-            <a:picLocks noChangeAspect="1"/>
-          </p:cNvPicPr>
-          <p:nvPr/>
-        </p:nvPicPr>
-        <p:blipFill>
-          <a:blip r:embed="rId3"/>
-          <a:stretch>
-            <a:fillRect/>
-          </a:stretch>
-        </p:blipFill>
-        <p:spPr>
-          <a:xfrm>
-            <a:off x="1691680" y="3223891"/>
-            <a:ext cx="6511487" cy="1349227"/>
-          </a:xfrm>
-          <a:prstGeom prst="rect">
-            <a:avLst/>
-          </a:prstGeom>
-        </p:spPr>
-      </p:pic>
-      <p:pic>
-        <p:nvPicPr>
-          <p:cNvPr id="7" name="圖片 6"/>
-          <p:cNvPicPr>
-            <a:picLocks noChangeAspect="1"/>
-          </p:cNvPicPr>
-          <p:nvPr/>
-        </p:nvPicPr>
-        <p:blipFill>
-          <a:blip r:embed="rId4"/>
-          <a:stretch>
-            <a:fillRect/>
-          </a:stretch>
-        </p:blipFill>
-        <p:spPr>
-          <a:xfrm>
-            <a:off x="2770922" y="4743347"/>
-            <a:ext cx="4353001" cy="1981716"/>
-          </a:xfrm>
-          <a:prstGeom prst="rect">
-            <a:avLst/>
-          </a:prstGeom>
-        </p:spPr>
-      </p:pic>
-    </p:spTree>
-    <p:extLst>
-      <p:ext uri="{BB962C8B-B14F-4D97-AF65-F5344CB8AC3E}">
-        <p14:creationId xmlns:p14="http://schemas.microsoft.com/office/powerpoint/2010/main" val="1399911056"/>
-      </p:ext>
-    </p:extLst>
-  </p:cSld>
-  <p:clrMapOvr>
-    <a:masterClrMapping/>
-  </p:clrMapOvr>
-</p:sld>
-</file>
-
-<file path=ppt/slides/slide40.xml><?xml version="1.0" encoding="utf-8"?>
-<p:sld xmlns:a="http://schemas.openxmlformats.org/drawingml/2006/main" xmlns:r="http://schemas.openxmlformats.org/officeDocument/2006/relationships" xmlns:p="http://schemas.openxmlformats.org/presentationml/2006/main">
-  <p:cSld>
-    <p:spTree>
-      <p:nvGrpSpPr>
-        <p:cNvPr id="1" name=""/>
-        <p:cNvGrpSpPr/>
-        <p:nvPr/>
-      </p:nvGrpSpPr>
-      <p:grpSpPr>
-        <a:xfrm>
-          <a:off x="0" y="0"/>
-          <a:ext cx="0" cy="0"/>
-          <a:chOff x="0" y="0"/>
-          <a:chExt cx="0" cy="0"/>
-        </a:xfrm>
-      </p:grpSpPr>
-      <p:sp>
-        <p:nvSpPr>
-          <p:cNvPr id="2" name="標題 1"/>
-          <p:cNvSpPr>
-            <a:spLocks noGrp="1"/>
-          </p:cNvSpPr>
-          <p:nvPr>
-            <p:ph type="title"/>
-          </p:nvPr>
-        </p:nvSpPr>
-        <p:spPr/>
-        <p:txBody>
-          <a:bodyPr/>
-          <a:lstStyle/>
-          <a:p>
-            <a:r>
-              <a:rPr lang="en-US" altLang="zh-TW" dirty="0" smtClean="0"/>
-              <a:t>C#</a:t>
-            </a:r>
-            <a:r>
-              <a:rPr lang="zh-TW" altLang="en-US" dirty="0" smtClean="0"/>
-              <a:t> </a:t>
-            </a:r>
-            <a:r>
-              <a:rPr lang="en-US" altLang="zh-TW" dirty="0" smtClean="0"/>
-              <a:t>List vs Multi-Thread</a:t>
-            </a:r>
-            <a:endParaRPr lang="zh-TW" altLang="en-US" dirty="0"/>
-          </a:p>
-        </p:txBody>
-      </p:sp>
-      <p:sp>
-        <p:nvSpPr>
-          <p:cNvPr id="3" name="內容版面配置區 2"/>
-          <p:cNvSpPr>
-            <a:spLocks noGrp="1"/>
-          </p:cNvSpPr>
-          <p:nvPr>
-            <p:ph idx="1"/>
-          </p:nvPr>
-        </p:nvSpPr>
-        <p:spPr>
-          <a:xfrm>
-            <a:off x="892036" y="1185248"/>
-            <a:ext cx="8001000" cy="4606925"/>
-          </a:xfrm>
-        </p:spPr>
-        <p:txBody>
-          <a:bodyPr/>
-          <a:lstStyle/>
-          <a:p>
-            <a:r>
-              <a:rPr lang="en-US" altLang="zh-TW" sz="2400" dirty="0"/>
-              <a:t>https://msdn.microsoft.com/zh-tw/library/6sh2ey19(v=vs.110).</a:t>
-            </a:r>
-            <a:r>
-              <a:rPr lang="en-US" altLang="zh-TW" sz="2400" dirty="0" smtClean="0"/>
-              <a:t>aspx</a:t>
-            </a:r>
-          </a:p>
-          <a:p>
-            <a:r>
-              <a:rPr lang="zh-TW" altLang="en-US" sz="2400" dirty="0"/>
-              <a:t>執行緒安全</a:t>
-            </a:r>
-          </a:p>
-          <a:p>
-            <a:r>
-              <a:rPr lang="zh-TW" altLang="en-US" sz="2400" dirty="0"/>
-              <a:t>公用靜態 </a:t>
-            </a:r>
-            <a:r>
-              <a:rPr lang="en-US" altLang="zh-TW" sz="2400" dirty="0"/>
-              <a:t>(Shared </a:t>
-            </a:r>
-            <a:r>
-              <a:rPr lang="zh-TW" altLang="en-US" sz="2400" dirty="0"/>
-              <a:t>在 </a:t>
-            </a:r>
-            <a:r>
-              <a:rPr lang="en-US" altLang="zh-TW" sz="2400" dirty="0"/>
-              <a:t>Visual Basic) </a:t>
-            </a:r>
-            <a:r>
-              <a:rPr lang="zh-TW" altLang="en-US" sz="2400" dirty="0"/>
-              <a:t>此型別成員都是安全執行緒。 不保證任何執行個體成員是安全執行緒。</a:t>
-            </a:r>
-          </a:p>
-          <a:p>
-            <a:r>
-              <a:rPr lang="zh-TW" altLang="en-US" sz="2400" dirty="0"/>
-              <a:t>它是安全上執行多個讀取的作業 </a:t>
-            </a:r>
-            <a:r>
-              <a:rPr lang="en-US" altLang="zh-TW" sz="2400" dirty="0"/>
-              <a:t>List&lt;T&gt;, </a:t>
-            </a:r>
-            <a:r>
-              <a:rPr lang="zh-TW" altLang="en-US" sz="2400" dirty="0"/>
-              <a:t>，但如果正在讀取時，會修改集合，就可能發生問題。 若要確保執行緒安全，鎖定集合，在讀取或寫入作業。 若要啟用由多個執行緒來讀取和寫入存取的集合，您必須實作自己的同步處理。 使用內建的同步處理集合，請參閱中的類別 </a:t>
-            </a:r>
-            <a:r>
-              <a:rPr lang="en-US" altLang="zh-TW" sz="2400" dirty="0" err="1"/>
-              <a:t>System.Collections.Concurrent</a:t>
-            </a:r>
-            <a:r>
-              <a:rPr lang="en-US" altLang="zh-TW" sz="2400" dirty="0"/>
-              <a:t> </a:t>
-            </a:r>
-            <a:r>
-              <a:rPr lang="zh-TW" altLang="en-US" sz="2400" dirty="0"/>
-              <a:t>命名空間。 原本就是安全執行緒 </a:t>
-            </a:r>
-            <a:r>
-              <a:rPr lang="en-US" altLang="zh-TW" sz="2400" dirty="0"/>
-              <a:t>– </a:t>
-            </a:r>
-            <a:r>
-              <a:rPr lang="zh-TW" altLang="en-US" sz="2400" dirty="0"/>
-              <a:t>或者，請參閱 </a:t>
-            </a:r>
-            <a:r>
-              <a:rPr lang="en-US" altLang="zh-TW" sz="2400" dirty="0" err="1"/>
-              <a:t>ImmutableList</a:t>
-            </a:r>
-            <a:r>
-              <a:rPr lang="en-US" altLang="zh-TW" sz="2400" dirty="0"/>
-              <a:t> </a:t>
-            </a:r>
-            <a:r>
-              <a:rPr lang="zh-TW" altLang="en-US" sz="2400" dirty="0"/>
-              <a:t>類別。</a:t>
-            </a:r>
-          </a:p>
-        </p:txBody>
-      </p:sp>
-      <p:sp>
-        <p:nvSpPr>
-          <p:cNvPr id="4" name="投影片編號版面配置區 3"/>
-          <p:cNvSpPr>
-            <a:spLocks noGrp="1"/>
-          </p:cNvSpPr>
-          <p:nvPr>
-            <p:ph type="sldNum" sz="quarter" idx="4"/>
-          </p:nvPr>
-        </p:nvSpPr>
-        <p:spPr/>
-        <p:txBody>
-          <a:bodyPr/>
-          <a:lstStyle/>
-          <a:p>
-            <a:fld id="{1B4050F5-7C0C-4C02-ADBC-126D7B02657F}" type="slidenum">
-              <a:rPr lang="zh-TW" altLang="en-US" smtClean="0"/>
-              <a:t>40</a:t>
-            </a:fld>
-            <a:endParaRPr lang="zh-TW" altLang="en-US"/>
-          </a:p>
-        </p:txBody>
-      </p:sp>
-      <p:sp>
-        <p:nvSpPr>
-          <p:cNvPr id="5" name="文字方塊 4"/>
-          <p:cNvSpPr txBox="1"/>
-          <p:nvPr/>
-        </p:nvSpPr>
-        <p:spPr>
-          <a:xfrm>
-            <a:off x="180068" y="6199743"/>
-            <a:ext cx="8712968" cy="369332"/>
-          </a:xfrm>
-          <a:prstGeom prst="rect">
-            <a:avLst/>
-          </a:prstGeom>
-          <a:solidFill>
-            <a:schemeClr val="accent2">
-              <a:lumMod val="60000"/>
-              <a:lumOff val="40000"/>
-            </a:schemeClr>
-          </a:solidFill>
-        </p:spPr>
-        <p:txBody>
-          <a:bodyPr wrap="square" rtlCol="0">
-            <a:spAutoFit/>
-          </a:bodyPr>
-          <a:lstStyle/>
-          <a:p>
-            <a:r>
-              <a:rPr lang="en-US" altLang="zh-TW" dirty="0">
-                <a:solidFill>
-                  <a:schemeClr val="bg1"/>
-                </a:solidFill>
-              </a:rPr>
-              <a:t>http://nugetmusthaves.com/Package/System.Collections.Immutable</a:t>
-            </a:r>
-            <a:endParaRPr lang="en-US" altLang="zh-TW" dirty="0" smtClean="0">
-              <a:solidFill>
-                <a:schemeClr val="bg1"/>
-              </a:solidFill>
-            </a:endParaRPr>
-          </a:p>
-        </p:txBody>
-      </p:sp>
-      <p:sp>
-        <p:nvSpPr>
-          <p:cNvPr id="6" name="矩形 5"/>
-          <p:cNvSpPr/>
-          <p:nvPr/>
-        </p:nvSpPr>
-        <p:spPr>
-          <a:xfrm>
-            <a:off x="139138" y="6575895"/>
-            <a:ext cx="8753898" cy="276999"/>
-          </a:xfrm>
-          <a:prstGeom prst="rect">
-            <a:avLst/>
-          </a:prstGeom>
-          <a:solidFill>
-            <a:srgbClr val="009900"/>
-          </a:solidFill>
-        </p:spPr>
-        <p:txBody>
-          <a:bodyPr wrap="square">
-            <a:spAutoFit/>
-          </a:bodyPr>
-          <a:lstStyle/>
-          <a:p>
-            <a:r>
-              <a:rPr lang="en-US" altLang="zh-TW" sz="1200" b="1" dirty="0">
-                <a:solidFill>
-                  <a:schemeClr val="bg1"/>
-                </a:solidFill>
-                <a:latin typeface="Arial Narrow" panose="020B0606020202030204" pitchFamily="34" charset="0"/>
-              </a:rPr>
-              <a:t>This package provides collections that are thread safe and guaranteed to never change their contents, also known as immutable collections. </a:t>
-            </a:r>
-            <a:endParaRPr lang="zh-TW" altLang="en-US" sz="1200" b="1" dirty="0">
-              <a:solidFill>
-                <a:schemeClr val="bg1"/>
-              </a:solidFill>
-              <a:latin typeface="Arial Narrow" panose="020B0606020202030204" pitchFamily="34" charset="0"/>
-            </a:endParaRPr>
-          </a:p>
-        </p:txBody>
-      </p:sp>
-    </p:spTree>
-    <p:extLst>
-      <p:ext uri="{BB962C8B-B14F-4D97-AF65-F5344CB8AC3E}">
-        <p14:creationId xmlns:p14="http://schemas.microsoft.com/office/powerpoint/2010/main" val="4083409634"/>
       </p:ext>
     </p:extLst>
   </p:cSld>
@@ -14262,13 +14334,18 @@
           <a:lstStyle/>
           <a:p>
             <a:r>
+              <a:rPr lang="en-US" altLang="zh-TW" dirty="0" smtClean="0"/>
+              <a:t>C#</a:t>
+            </a:r>
+            <a:r>
               <a:rPr lang="zh-TW" altLang="en-US" dirty="0" smtClean="0"/>
-              <a:t>回</a:t>
-            </a:r>
-            <a:r>
-              <a:rPr lang="zh-TW" altLang="en-US" dirty="0"/>
-              <a:t>顧</a:t>
-            </a:r>
+              <a:t> </a:t>
+            </a:r>
+            <a:r>
+              <a:rPr lang="en-US" altLang="zh-TW" dirty="0" smtClean="0"/>
+              <a:t>List vs Multi-Thread</a:t>
+            </a:r>
+            <a:endParaRPr lang="zh-TW" altLang="en-US" dirty="0"/>
           </a:p>
         </p:txBody>
       </p:sp>
@@ -14282,112 +14359,98 @@
             <p:ph idx="1"/>
           </p:nvPr>
         </p:nvSpPr>
-        <p:spPr/>
+        <p:spPr>
+          <a:xfrm>
+            <a:off x="892036" y="1185248"/>
+            <a:ext cx="8001000" cy="4606925"/>
+          </a:xfrm>
+        </p:spPr>
         <p:txBody>
           <a:bodyPr/>
           <a:lstStyle/>
           <a:p>
             <a:r>
-              <a:rPr lang="zh-TW" altLang="en-US" dirty="0" smtClean="0"/>
-              <a:t>使用 </a:t>
-            </a:r>
-            <a:r>
-              <a:rPr lang="en-US" altLang="zh-TW" dirty="0" smtClean="0"/>
-              <a:t>Thread</a:t>
-            </a:r>
-            <a:r>
-              <a:rPr lang="zh-TW" altLang="en-US" dirty="0" smtClean="0"/>
-              <a:t> 或者 </a:t>
-            </a:r>
-            <a:r>
-              <a:rPr lang="en-US" altLang="zh-TW" dirty="0" smtClean="0"/>
-              <a:t>Task</a:t>
-            </a:r>
-            <a:r>
-              <a:rPr lang="zh-TW" altLang="en-US" dirty="0" smtClean="0"/>
-              <a:t> 開發多工程式</a:t>
-            </a:r>
-            <a:endParaRPr lang="en-US" altLang="zh-TW" dirty="0" smtClean="0"/>
-          </a:p>
-          <a:p>
-            <a:r>
-              <a:rPr lang="zh-TW" altLang="en-US" dirty="0" smtClean="0"/>
-              <a:t>使用</a:t>
-            </a:r>
-            <a:r>
-              <a:rPr lang="zh-TW" altLang="en-US" dirty="0"/>
+              <a:rPr lang="en-US" altLang="zh-TW" sz="2400" dirty="0"/>
+              <a:t>https://msdn.microsoft.com/zh-tw/library/6sh2ey19(v=vs.110).</a:t>
+            </a:r>
+            <a:r>
+              <a:rPr lang="en-US" altLang="zh-TW" sz="2400" dirty="0" smtClean="0"/>
+              <a:t>aspx</a:t>
+            </a:r>
+          </a:p>
+          <a:p>
+            <a:r>
+              <a:rPr lang="zh-TW" altLang="en-US" sz="2400" dirty="0"/>
+              <a:t>執行緒安全</a:t>
+            </a:r>
+          </a:p>
+          <a:p>
+            <a:r>
+              <a:rPr lang="zh-TW" altLang="en-US" sz="2400" dirty="0"/>
+              <a:t>公用靜態 </a:t>
+            </a:r>
+            <a:r>
+              <a:rPr lang="en-US" altLang="zh-TW" sz="2400" dirty="0"/>
+              <a:t>(Shared </a:t>
+            </a:r>
+            <a:r>
+              <a:rPr lang="zh-TW" altLang="en-US" sz="2400" dirty="0"/>
+              <a:t>在 </a:t>
+            </a:r>
+            <a:r>
+              <a:rPr lang="en-US" altLang="zh-TW" sz="2400" dirty="0"/>
+              <a:t>Visual Basic) </a:t>
+            </a:r>
+            <a:r>
+              <a:rPr lang="zh-TW" altLang="en-US" sz="2400" dirty="0"/>
+              <a:t>此型別成員都是安全執行緒。 不保證任何執行個體成員是安全執行緒。</a:t>
+            </a:r>
+          </a:p>
+          <a:p>
+            <a:r>
+              <a:rPr lang="zh-TW" altLang="en-US" sz="2400" dirty="0"/>
+              <a:t>它是安全上執行多個讀取的作業 </a:t>
+            </a:r>
+            <a:r>
+              <a:rPr lang="en-US" altLang="zh-TW" sz="2400" dirty="0"/>
+              <a:t>List&lt;T&gt;, </a:t>
+            </a:r>
+            <a:r>
+              <a:rPr lang="zh-TW" altLang="en-US" sz="2400" dirty="0"/>
+              <a:t>，但如果正在讀取時，會修改集合，就可能發生問題。 若要確保執行緒安全，鎖定集合，在讀取或寫入作業。 若要啟用由多個執行緒來讀取和寫入存取的集合，您必須實作自己的同步處理。 使用內建的同步處理集合，請參閱中的類別 </a:t>
+            </a:r>
+            <a:r>
+              <a:rPr lang="en-US" altLang="zh-TW" sz="2400" dirty="0" err="1"/>
+              <a:t>System.Collections.Concurrent</a:t>
+            </a:r>
+            <a:r>
+              <a:rPr lang="en-US" altLang="zh-TW" sz="2400" dirty="0"/>
               <a:t> </a:t>
             </a:r>
             <a:r>
-              <a:rPr lang="en-US" altLang="zh-TW" dirty="0" smtClean="0"/>
-              <a:t>TPL</a:t>
-            </a:r>
-            <a:r>
-              <a:rPr lang="zh-TW" altLang="en-US" dirty="0" smtClean="0"/>
-              <a:t> 增加系統效能與反應力</a:t>
-            </a:r>
-            <a:endParaRPr lang="en-US" altLang="zh-TW" dirty="0" smtClean="0"/>
-          </a:p>
-          <a:p>
-            <a:r>
-              <a:rPr lang="zh-TW" altLang="en-US" dirty="0" smtClean="0"/>
-              <a:t>同時執行多個</a:t>
-            </a:r>
-            <a:r>
-              <a:rPr lang="en-US" altLang="zh-TW" dirty="0" smtClean="0"/>
-              <a:t>Thread</a:t>
-            </a:r>
-          </a:p>
-          <a:p>
-            <a:r>
-              <a:rPr lang="zh-TW" altLang="en-US" dirty="0" smtClean="0"/>
-              <a:t>選擇最方便、有效的多執行緒開發方式</a:t>
-            </a:r>
-            <a:endParaRPr lang="en-US" altLang="zh-TW" dirty="0" smtClean="0"/>
-          </a:p>
-          <a:p>
-            <a:r>
-              <a:rPr lang="zh-TW" altLang="en-US" dirty="0" smtClean="0"/>
-              <a:t>分享資源存取與競賽的問題</a:t>
-            </a:r>
-            <a:endParaRPr lang="en-US" altLang="zh-TW" dirty="0" smtClean="0"/>
-          </a:p>
-          <a:p>
-            <a:r>
-              <a:rPr lang="zh-TW" altLang="en-US" dirty="0" smtClean="0"/>
-              <a:t>異常捕捉技巧與方法</a:t>
-            </a:r>
-            <a:endParaRPr lang="en-US" altLang="zh-TW" dirty="0" smtClean="0"/>
-          </a:p>
-          <a:p>
-            <a:r>
-              <a:rPr lang="zh-TW" altLang="en-US" dirty="0" smtClean="0"/>
-              <a:t>使用</a:t>
-            </a:r>
-            <a:r>
-              <a:rPr lang="zh-TW" altLang="en-US" dirty="0"/>
+              <a:rPr lang="zh-TW" altLang="en-US" sz="2400" dirty="0"/>
+              <a:t>命名空間。 原本就是安全執行緒 </a:t>
+            </a:r>
+            <a:r>
+              <a:rPr lang="en-US" altLang="zh-TW" sz="2400" dirty="0"/>
+              <a:t>– </a:t>
+            </a:r>
+            <a:r>
+              <a:rPr lang="zh-TW" altLang="en-US" sz="2400" dirty="0"/>
+              <a:t>或者，請參閱 </a:t>
+            </a:r>
+            <a:r>
+              <a:rPr lang="en-US" altLang="zh-TW" sz="2400" dirty="0" err="1"/>
+              <a:t>ImmutableList</a:t>
+            </a:r>
+            <a:r>
+              <a:rPr lang="en-US" altLang="zh-TW" sz="2400" dirty="0"/>
               <a:t> </a:t>
             </a:r>
             <a:r>
-              <a:rPr lang="en-US" altLang="zh-TW" dirty="0" smtClean="0"/>
-              <a:t>Thread-Saved</a:t>
-            </a:r>
-            <a:r>
-              <a:rPr lang="zh-TW" altLang="en-US" dirty="0" smtClean="0"/>
-              <a:t>的程式庫</a:t>
-            </a:r>
-            <a:endParaRPr lang="en-US" altLang="zh-TW" dirty="0" smtClean="0"/>
-          </a:p>
-          <a:p>
-            <a:r>
-              <a:rPr lang="zh-TW" altLang="en-US" dirty="0" smtClean="0"/>
-              <a:t>使用多執行緒，需要測試評估效果與</a:t>
-            </a:r>
-            <a:r>
-              <a:rPr lang="zh-TW" altLang="en-US" dirty="0"/>
-              <a:t>硬體</a:t>
-            </a:r>
-            <a:endParaRPr lang="en-US" altLang="zh-TW" dirty="0" smtClean="0"/>
+              <a:rPr lang="zh-TW" altLang="en-US" sz="2400" dirty="0"/>
+              <a:t>類別。</a:t>
+            </a:r>
           </a:p>
         </p:txBody>
       </p:sp>
@@ -14414,10 +14477,95 @@
           </a:p>
         </p:txBody>
       </p:sp>
+      <p:sp>
+        <p:nvSpPr>
+          <p:cNvPr id="5" name="文字方塊 4"/>
+          <p:cNvSpPr txBox="1"/>
+          <p:nvPr/>
+        </p:nvSpPr>
+        <p:spPr>
+          <a:xfrm>
+            <a:off x="180068" y="6199743"/>
+            <a:ext cx="8712968" cy="369332"/>
+          </a:xfrm>
+          <a:prstGeom prst="rect">
+            <a:avLst/>
+          </a:prstGeom>
+          <a:solidFill>
+            <a:schemeClr val="accent2">
+              <a:lumMod val="60000"/>
+              <a:lumOff val="40000"/>
+            </a:schemeClr>
+          </a:solidFill>
+        </p:spPr>
+        <p:txBody>
+          <a:bodyPr wrap="square" rtlCol="0">
+            <a:spAutoFit/>
+          </a:bodyPr>
+          <a:lstStyle/>
+          <a:p>
+            <a:r>
+              <a:rPr lang="en-US" altLang="zh-TW" dirty="0">
+                <a:solidFill>
+                  <a:schemeClr val="bg1"/>
+                </a:solidFill>
+              </a:rPr>
+              <a:t>http://nugetmusthaves.com/Package/System.Collections.Immutable</a:t>
+            </a:r>
+            <a:endParaRPr lang="en-US" altLang="zh-TW" dirty="0" smtClean="0">
+              <a:solidFill>
+                <a:schemeClr val="bg1"/>
+              </a:solidFill>
+            </a:endParaRPr>
+          </a:p>
+        </p:txBody>
+      </p:sp>
+      <p:sp>
+        <p:nvSpPr>
+          <p:cNvPr id="6" name="矩形 5"/>
+          <p:cNvSpPr/>
+          <p:nvPr/>
+        </p:nvSpPr>
+        <p:spPr>
+          <a:xfrm>
+            <a:off x="139138" y="6575895"/>
+            <a:ext cx="8753898" cy="276999"/>
+          </a:xfrm>
+          <a:prstGeom prst="rect">
+            <a:avLst/>
+          </a:prstGeom>
+          <a:solidFill>
+            <a:srgbClr val="009900"/>
+          </a:solidFill>
+        </p:spPr>
+        <p:txBody>
+          <a:bodyPr wrap="square">
+            <a:spAutoFit/>
+          </a:bodyPr>
+          <a:lstStyle/>
+          <a:p>
+            <a:r>
+              <a:rPr lang="en-US" altLang="zh-TW" sz="1200" b="1" dirty="0">
+                <a:solidFill>
+                  <a:schemeClr val="bg1"/>
+                </a:solidFill>
+                <a:latin typeface="Arial Narrow" panose="020B0606020202030204" pitchFamily="34" charset="0"/>
+              </a:rPr>
+              <a:t>This package provides collections that are thread safe and guaranteed to never change their contents, also known as immutable collections. </a:t>
+            </a:r>
+            <a:endParaRPr lang="zh-TW" altLang="en-US" sz="1200" b="1" dirty="0">
+              <a:solidFill>
+                <a:schemeClr val="bg1"/>
+              </a:solidFill>
+              <a:latin typeface="Arial Narrow" panose="020B0606020202030204" pitchFamily="34" charset="0"/>
+            </a:endParaRPr>
+          </a:p>
+        </p:txBody>
+      </p:sp>
     </p:spTree>
     <p:extLst>
       <p:ext uri="{BB962C8B-B14F-4D97-AF65-F5344CB8AC3E}">
-        <p14:creationId xmlns:p14="http://schemas.microsoft.com/office/powerpoint/2010/main" val="1070492222"/>
+        <p14:creationId xmlns:p14="http://schemas.microsoft.com/office/powerpoint/2010/main" val="4083409634"/>
       </p:ext>
     </p:extLst>
   </p:cSld>
@@ -14460,10 +14608,13 @@
           <a:lstStyle/>
           <a:p>
             <a:r>
-              <a:rPr lang="en-US" altLang="zh-TW" dirty="0" smtClean="0"/>
-              <a:t>Homework</a:t>
-            </a:r>
-            <a:endParaRPr lang="zh-TW" altLang="en-US" dirty="0"/>
+              <a:rPr lang="zh-TW" altLang="en-US" dirty="0" smtClean="0"/>
+              <a:t>回</a:t>
+            </a:r>
+            <a:r>
+              <a:rPr lang="zh-TW" altLang="en-US" dirty="0"/>
+              <a:t>顧</a:t>
+            </a:r>
           </a:p>
         </p:txBody>
       </p:sp>
@@ -14483,120 +14634,106 @@
           <a:lstStyle/>
           <a:p>
             <a:r>
-              <a:rPr lang="en-US" altLang="zh-TW" sz="1600" dirty="0"/>
-              <a:t>public class </a:t>
-            </a:r>
-            <a:r>
-              <a:rPr lang="en-US" altLang="zh-TW" sz="1600" dirty="0" err="1"/>
-              <a:t>CustomerController</a:t>
-            </a:r>
-            <a:r>
-              <a:rPr lang="en-US" altLang="zh-TW" sz="1600" dirty="0"/>
-              <a:t> : </a:t>
-            </a:r>
-            <a:r>
-              <a:rPr lang="en-US" altLang="zh-TW" sz="1600" dirty="0" err="1"/>
-              <a:t>ApiController</a:t>
-            </a:r>
-            <a:endParaRPr lang="en-US" altLang="zh-TW" sz="1600" dirty="0"/>
-          </a:p>
-          <a:p>
-            <a:r>
-              <a:rPr lang="en-US" altLang="zh-TW" sz="1600" dirty="0"/>
-              <a:t>{</a:t>
-            </a:r>
-          </a:p>
-          <a:p>
-            <a:r>
-              <a:rPr lang="en-US" altLang="zh-TW" sz="1600" dirty="0"/>
-              <a:t>    public </a:t>
-            </a:r>
-            <a:r>
-              <a:rPr lang="en-US" altLang="zh-TW" sz="1600" dirty="0" err="1"/>
-              <a:t>async</a:t>
-            </a:r>
-            <a:r>
-              <a:rPr lang="en-US" altLang="zh-TW" sz="1600" dirty="0"/>
-              <a:t> Task&lt;Customer&gt; Get(</a:t>
-            </a:r>
-            <a:r>
-              <a:rPr lang="en-US" altLang="zh-TW" sz="1600" dirty="0" err="1"/>
-              <a:t>int</a:t>
-            </a:r>
-            <a:r>
-              <a:rPr lang="en-US" altLang="zh-TW" sz="1600" dirty="0"/>
-              <a:t> id)</a:t>
-            </a:r>
-          </a:p>
-          <a:p>
-            <a:r>
-              <a:rPr lang="en-US" altLang="zh-TW" sz="1600" dirty="0"/>
-              <a:t>    {</a:t>
-            </a:r>
-          </a:p>
-          <a:p>
-            <a:r>
-              <a:rPr lang="en-US" altLang="zh-TW" sz="1600" dirty="0"/>
-              <a:t>        // you are on a particular thread here</a:t>
-            </a:r>
-          </a:p>
-          <a:p>
-            <a:r>
-              <a:rPr lang="en-US" altLang="zh-TW" sz="1600" dirty="0"/>
-              <a:t>        </a:t>
-            </a:r>
-            <a:r>
-              <a:rPr lang="en-US" altLang="zh-TW" sz="1600" dirty="0" err="1"/>
-              <a:t>var</a:t>
-            </a:r>
-            <a:r>
-              <a:rPr lang="en-US" altLang="zh-TW" sz="1600" dirty="0"/>
-              <a:t> customer = await </a:t>
-            </a:r>
-            <a:r>
-              <a:rPr lang="en-US" altLang="zh-TW" sz="1600" dirty="0" err="1"/>
-              <a:t>SomeAsyncFunctionThatGetsCustomer</a:t>
-            </a:r>
-            <a:r>
-              <a:rPr lang="en-US" altLang="zh-TW" sz="1600" dirty="0"/>
-              <a:t>(id).</a:t>
-            </a:r>
-            <a:r>
-              <a:rPr lang="en-US" altLang="zh-TW" sz="1600" dirty="0" err="1"/>
-              <a:t>ConfigureAwait</a:t>
-            </a:r>
-            <a:r>
-              <a:rPr lang="en-US" altLang="zh-TW" sz="1600" dirty="0"/>
-              <a:t>(false);</a:t>
-            </a:r>
-          </a:p>
-          <a:p>
-            <a:endParaRPr lang="en-US" altLang="zh-TW" sz="1600" dirty="0"/>
-          </a:p>
-          <a:p>
-            <a:r>
-              <a:rPr lang="en-US" altLang="zh-TW" sz="1600" dirty="0"/>
-              <a:t>        // now you are on a different thread!  will that cause problems?</a:t>
-            </a:r>
-          </a:p>
-          <a:p>
-            <a:r>
-              <a:rPr lang="en-US" altLang="zh-TW" sz="1600" dirty="0"/>
-              <a:t>        return customer;</a:t>
-            </a:r>
-          </a:p>
-          <a:p>
-            <a:r>
-              <a:rPr lang="en-US" altLang="zh-TW" sz="1600" dirty="0"/>
-              <a:t>    }</a:t>
-            </a:r>
-          </a:p>
-          <a:p>
-            <a:r>
-              <a:rPr lang="en-US" altLang="zh-TW" sz="1600" dirty="0"/>
-              <a:t>}</a:t>
-            </a:r>
-            <a:endParaRPr lang="zh-TW" altLang="en-US" sz="1600" dirty="0"/>
+              <a:rPr lang="zh-TW" altLang="en-US" dirty="0" smtClean="0"/>
+              <a:t>使用 </a:t>
+            </a:r>
+            <a:r>
+              <a:rPr lang="en-US" altLang="zh-TW" dirty="0" smtClean="0"/>
+              <a:t>Thread</a:t>
+            </a:r>
+            <a:r>
+              <a:rPr lang="zh-TW" altLang="en-US" dirty="0" smtClean="0"/>
+              <a:t> 或者 </a:t>
+            </a:r>
+            <a:r>
+              <a:rPr lang="en-US" altLang="zh-TW" dirty="0" smtClean="0"/>
+              <a:t>Task</a:t>
+            </a:r>
+            <a:r>
+              <a:rPr lang="zh-TW" altLang="en-US" dirty="0" smtClean="0"/>
+              <a:t> 開發多工程式</a:t>
+            </a:r>
+            <a:endParaRPr lang="en-US" altLang="zh-TW" dirty="0" smtClean="0"/>
+          </a:p>
+          <a:p>
+            <a:r>
+              <a:rPr lang="zh-TW" altLang="en-US" dirty="0" smtClean="0"/>
+              <a:t>使用</a:t>
+            </a:r>
+            <a:r>
+              <a:rPr lang="zh-TW" altLang="en-US" dirty="0"/>
+              <a:t> </a:t>
+            </a:r>
+            <a:r>
+              <a:rPr lang="en-US" altLang="zh-TW" dirty="0" smtClean="0"/>
+              <a:t>TPL</a:t>
+            </a:r>
+            <a:r>
+              <a:rPr lang="zh-TW" altLang="en-US" dirty="0" smtClean="0"/>
+              <a:t> 增加系統效能與反應力</a:t>
+            </a:r>
+            <a:endParaRPr lang="en-US" altLang="zh-TW" dirty="0" smtClean="0"/>
+          </a:p>
+          <a:p>
+            <a:r>
+              <a:rPr lang="zh-TW" altLang="en-US" dirty="0" smtClean="0"/>
+              <a:t>同時執行多個</a:t>
+            </a:r>
+            <a:r>
+              <a:rPr lang="en-US" altLang="zh-TW" dirty="0" smtClean="0"/>
+              <a:t>Thread</a:t>
+            </a:r>
+          </a:p>
+          <a:p>
+            <a:r>
+              <a:rPr lang="zh-TW" altLang="en-US" dirty="0" smtClean="0"/>
+              <a:t>選擇最方便、有效的多執行緒開發方式</a:t>
+            </a:r>
+            <a:endParaRPr lang="en-US" altLang="zh-TW" dirty="0" smtClean="0"/>
+          </a:p>
+          <a:p>
+            <a:r>
+              <a:rPr lang="zh-TW" altLang="en-US" dirty="0" smtClean="0"/>
+              <a:t>分享資源存取與競賽的問題</a:t>
+            </a:r>
+            <a:endParaRPr lang="en-US" altLang="zh-TW" dirty="0" smtClean="0"/>
+          </a:p>
+          <a:p>
+            <a:r>
+              <a:rPr lang="zh-TW" altLang="en-US" dirty="0" smtClean="0"/>
+              <a:t>異常捕捉技巧與方法</a:t>
+            </a:r>
+            <a:endParaRPr lang="en-US" altLang="zh-TW" dirty="0" smtClean="0"/>
+          </a:p>
+          <a:p>
+            <a:r>
+              <a:rPr lang="zh-TW" altLang="en-US" dirty="0" smtClean="0"/>
+              <a:t>使用</a:t>
+            </a:r>
+            <a:r>
+              <a:rPr lang="zh-TW" altLang="en-US" dirty="0"/>
+              <a:t> </a:t>
+            </a:r>
+            <a:r>
+              <a:rPr lang="en-US" altLang="zh-TW" dirty="0" smtClean="0"/>
+              <a:t>Thread-Saved</a:t>
+            </a:r>
+            <a:r>
+              <a:rPr lang="zh-TW" altLang="en-US" dirty="0" smtClean="0"/>
+              <a:t>的程式庫</a:t>
+            </a:r>
+            <a:endParaRPr lang="en-US" altLang="zh-TW" dirty="0" smtClean="0"/>
+          </a:p>
+          <a:p>
+            <a:r>
+              <a:rPr lang="zh-TW" altLang="en-US" dirty="0" smtClean="0"/>
+              <a:t>使用多執行緒，需要測試評估效果與</a:t>
+            </a:r>
+            <a:r>
+              <a:rPr lang="zh-TW" altLang="en-US" dirty="0"/>
+              <a:t>硬體</a:t>
+            </a:r>
+            <a:endParaRPr lang="en-US" altLang="zh-TW" dirty="0" smtClean="0"/>
           </a:p>
         </p:txBody>
       </p:sp>
@@ -14626,7 +14763,7 @@
     </p:spTree>
     <p:extLst>
       <p:ext uri="{BB962C8B-B14F-4D97-AF65-F5344CB8AC3E}">
-        <p14:creationId xmlns:p14="http://schemas.microsoft.com/office/powerpoint/2010/main" val="1950001063"/>
+        <p14:creationId xmlns:p14="http://schemas.microsoft.com/office/powerpoint/2010/main" val="1070492222"/>
       </p:ext>
     </p:extLst>
   </p:cSld>
@@ -14676,6 +14813,215 @@
           </a:p>
         </p:txBody>
       </p:sp>
+      <p:sp>
+        <p:nvSpPr>
+          <p:cNvPr id="3" name="內容版面配置區 2"/>
+          <p:cNvSpPr>
+            <a:spLocks noGrp="1"/>
+          </p:cNvSpPr>
+          <p:nvPr>
+            <p:ph idx="1"/>
+          </p:nvPr>
+        </p:nvSpPr>
+        <p:spPr/>
+        <p:txBody>
+          <a:bodyPr/>
+          <a:lstStyle/>
+          <a:p>
+            <a:r>
+              <a:rPr lang="en-US" altLang="zh-TW" sz="1600" dirty="0"/>
+              <a:t>public class </a:t>
+            </a:r>
+            <a:r>
+              <a:rPr lang="en-US" altLang="zh-TW" sz="1600" dirty="0" err="1"/>
+              <a:t>CustomerController</a:t>
+            </a:r>
+            <a:r>
+              <a:rPr lang="en-US" altLang="zh-TW" sz="1600" dirty="0"/>
+              <a:t> : </a:t>
+            </a:r>
+            <a:r>
+              <a:rPr lang="en-US" altLang="zh-TW" sz="1600" dirty="0" err="1"/>
+              <a:t>ApiController</a:t>
+            </a:r>
+            <a:endParaRPr lang="en-US" altLang="zh-TW" sz="1600" dirty="0"/>
+          </a:p>
+          <a:p>
+            <a:r>
+              <a:rPr lang="en-US" altLang="zh-TW" sz="1600" dirty="0"/>
+              <a:t>{</a:t>
+            </a:r>
+          </a:p>
+          <a:p>
+            <a:r>
+              <a:rPr lang="en-US" altLang="zh-TW" sz="1600" dirty="0"/>
+              <a:t>    public </a:t>
+            </a:r>
+            <a:r>
+              <a:rPr lang="en-US" altLang="zh-TW" sz="1600" dirty="0" err="1"/>
+              <a:t>async</a:t>
+            </a:r>
+            <a:r>
+              <a:rPr lang="en-US" altLang="zh-TW" sz="1600" dirty="0"/>
+              <a:t> Task&lt;Customer&gt; Get(</a:t>
+            </a:r>
+            <a:r>
+              <a:rPr lang="en-US" altLang="zh-TW" sz="1600" dirty="0" err="1"/>
+              <a:t>int</a:t>
+            </a:r>
+            <a:r>
+              <a:rPr lang="en-US" altLang="zh-TW" sz="1600" dirty="0"/>
+              <a:t> id)</a:t>
+            </a:r>
+          </a:p>
+          <a:p>
+            <a:r>
+              <a:rPr lang="en-US" altLang="zh-TW" sz="1600" dirty="0"/>
+              <a:t>    {</a:t>
+            </a:r>
+          </a:p>
+          <a:p>
+            <a:r>
+              <a:rPr lang="en-US" altLang="zh-TW" sz="1600" dirty="0"/>
+              <a:t>        // you are on a particular thread here</a:t>
+            </a:r>
+          </a:p>
+          <a:p>
+            <a:r>
+              <a:rPr lang="en-US" altLang="zh-TW" sz="1600" dirty="0"/>
+              <a:t>        </a:t>
+            </a:r>
+            <a:r>
+              <a:rPr lang="en-US" altLang="zh-TW" sz="1600" dirty="0" err="1"/>
+              <a:t>var</a:t>
+            </a:r>
+            <a:r>
+              <a:rPr lang="en-US" altLang="zh-TW" sz="1600" dirty="0"/>
+              <a:t> customer = await </a:t>
+            </a:r>
+            <a:r>
+              <a:rPr lang="en-US" altLang="zh-TW" sz="1600" dirty="0" err="1"/>
+              <a:t>SomeAsyncFunctionThatGetsCustomer</a:t>
+            </a:r>
+            <a:r>
+              <a:rPr lang="en-US" altLang="zh-TW" sz="1600" dirty="0"/>
+              <a:t>(id).</a:t>
+            </a:r>
+            <a:r>
+              <a:rPr lang="en-US" altLang="zh-TW" sz="1600" dirty="0" err="1"/>
+              <a:t>ConfigureAwait</a:t>
+            </a:r>
+            <a:r>
+              <a:rPr lang="en-US" altLang="zh-TW" sz="1600" dirty="0"/>
+              <a:t>(false);</a:t>
+            </a:r>
+          </a:p>
+          <a:p>
+            <a:endParaRPr lang="en-US" altLang="zh-TW" sz="1600" dirty="0"/>
+          </a:p>
+          <a:p>
+            <a:r>
+              <a:rPr lang="en-US" altLang="zh-TW" sz="1600" dirty="0"/>
+              <a:t>        // now you are on a different thread!  will that cause problems?</a:t>
+            </a:r>
+          </a:p>
+          <a:p>
+            <a:r>
+              <a:rPr lang="en-US" altLang="zh-TW" sz="1600" dirty="0"/>
+              <a:t>        return customer;</a:t>
+            </a:r>
+          </a:p>
+          <a:p>
+            <a:r>
+              <a:rPr lang="en-US" altLang="zh-TW" sz="1600" dirty="0"/>
+              <a:t>    }</a:t>
+            </a:r>
+          </a:p>
+          <a:p>
+            <a:r>
+              <a:rPr lang="en-US" altLang="zh-TW" sz="1600" dirty="0"/>
+              <a:t>}</a:t>
+            </a:r>
+            <a:endParaRPr lang="zh-TW" altLang="en-US" sz="1600" dirty="0"/>
+          </a:p>
+        </p:txBody>
+      </p:sp>
+      <p:sp>
+        <p:nvSpPr>
+          <p:cNvPr id="4" name="投影片編號版面配置區 3"/>
+          <p:cNvSpPr>
+            <a:spLocks noGrp="1"/>
+          </p:cNvSpPr>
+          <p:nvPr>
+            <p:ph type="sldNum" sz="quarter" idx="4"/>
+          </p:nvPr>
+        </p:nvSpPr>
+        <p:spPr/>
+        <p:txBody>
+          <a:bodyPr/>
+          <a:lstStyle/>
+          <a:p>
+            <a:fld id="{1B4050F5-7C0C-4C02-ADBC-126D7B02657F}" type="slidenum">
+              <a:rPr lang="zh-TW" altLang="en-US" smtClean="0"/>
+              <a:t>43</a:t>
+            </a:fld>
+            <a:endParaRPr lang="zh-TW" altLang="en-US"/>
+          </a:p>
+        </p:txBody>
+      </p:sp>
+    </p:spTree>
+    <p:extLst>
+      <p:ext uri="{BB962C8B-B14F-4D97-AF65-F5344CB8AC3E}">
+        <p14:creationId xmlns:p14="http://schemas.microsoft.com/office/powerpoint/2010/main" val="1950001063"/>
+      </p:ext>
+    </p:extLst>
+  </p:cSld>
+  <p:clrMapOvr>
+    <a:masterClrMapping/>
+  </p:clrMapOvr>
+</p:sld>
+</file>
+
+<file path=ppt/slides/slide44.xml><?xml version="1.0" encoding="utf-8"?>
+<p:sld xmlns:a="http://schemas.openxmlformats.org/drawingml/2006/main" xmlns:r="http://schemas.openxmlformats.org/officeDocument/2006/relationships" xmlns:p="http://schemas.openxmlformats.org/presentationml/2006/main">
+  <p:cSld>
+    <p:spTree>
+      <p:nvGrpSpPr>
+        <p:cNvPr id="1" name=""/>
+        <p:cNvGrpSpPr/>
+        <p:nvPr/>
+      </p:nvGrpSpPr>
+      <p:grpSpPr>
+        <a:xfrm>
+          <a:off x="0" y="0"/>
+          <a:ext cx="0" cy="0"/>
+          <a:chOff x="0" y="0"/>
+          <a:chExt cx="0" cy="0"/>
+        </a:xfrm>
+      </p:grpSpPr>
+      <p:sp>
+        <p:nvSpPr>
+          <p:cNvPr id="2" name="標題 1"/>
+          <p:cNvSpPr>
+            <a:spLocks noGrp="1"/>
+          </p:cNvSpPr>
+          <p:nvPr>
+            <p:ph type="title"/>
+          </p:nvPr>
+        </p:nvSpPr>
+        <p:spPr/>
+        <p:txBody>
+          <a:bodyPr/>
+          <a:lstStyle/>
+          <a:p>
+            <a:r>
+              <a:rPr lang="en-US" altLang="zh-TW" dirty="0" smtClean="0"/>
+              <a:t>Homework</a:t>
+            </a:r>
+            <a:endParaRPr lang="zh-TW" altLang="en-US" dirty="0"/>
+          </a:p>
+        </p:txBody>
+      </p:sp>
       <p:pic>
         <p:nvPicPr>
           <p:cNvPr id="5" name="內容版面配置區 4"/>
@@ -14719,7 +15065,7 @@
           <a:p>
             <a:fld id="{1B4050F5-7C0C-4C02-ADBC-126D7B02657F}" type="slidenum">
               <a:rPr lang="zh-TW" altLang="en-US" smtClean="0"/>
-              <a:t>43</a:t>
+              <a:t>44</a:t>
             </a:fld>
             <a:endParaRPr lang="zh-TW" altLang="en-US"/>
           </a:p>
@@ -14988,6 +15334,13 @@
   <p:clrMapOvr>
     <a:masterClrMapping/>
   </p:clrMapOvr>
+  <p:timing>
+    <p:tnLst>
+      <p:par>
+        <p:cTn id="1" dur="indefinite" restart="never" nodeType="tmRoot"/>
+      </p:par>
+    </p:tnLst>
+  </p:timing>
 </p:sld>
 </file>
 
@@ -15151,6 +15504,13 @@
   <p:clrMapOvr>
     <a:masterClrMapping/>
   </p:clrMapOvr>
+  <p:timing>
+    <p:tnLst>
+      <p:par>
+        <p:cTn id="1" dur="indefinite" restart="never" nodeType="tmRoot"/>
+      </p:par>
+    </p:tnLst>
+  </p:timing>
 </p:sld>
 </file>
 
@@ -15787,6 +16147,13 @@
   <p:clrMapOvr>
     <a:masterClrMapping/>
   </p:clrMapOvr>
+  <p:timing>
+    <p:tnLst>
+      <p:par>
+        <p:cTn id="1" dur="indefinite" restart="never" nodeType="tmRoot"/>
+      </p:par>
+    </p:tnLst>
+  </p:timing>
 </p:sld>
 </file>
 
@@ -15902,6 +16269,13 @@
   <p:clrMapOvr>
     <a:masterClrMapping/>
   </p:clrMapOvr>
+  <p:timing>
+    <p:tnLst>
+      <p:par>
+        <p:cTn id="1" dur="indefinite" restart="never" nodeType="tmRoot"/>
+      </p:par>
+    </p:tnLst>
+  </p:timing>
 </p:sld>
 </file>
 
@@ -16047,6 +16421,13 @@
   <p:clrMapOvr>
     <a:masterClrMapping/>
   </p:clrMapOvr>
+  <p:timing>
+    <p:tnLst>
+      <p:par>
+        <p:cTn id="1" dur="indefinite" restart="never" nodeType="tmRoot"/>
+      </p:par>
+    </p:tnLst>
+  </p:timing>
 </p:sld>
 </file>
 

--- a/多執行緒處理和非同步處理.pptx
+++ b/多執行緒處理和非同步處理.pptx
@@ -257,7 +257,7 @@
           <a:p>
             <a:fld id="{EA458771-82EB-4BC9-92D4-77A54AB4FAA0}" type="datetimeFigureOut">
               <a:rPr lang="zh-TW" altLang="en-US" smtClean="0"/>
-              <a:t>2015/10/8</a:t>
+              <a:t>2015/10/17</a:t>
             </a:fld>
             <a:endParaRPr lang="zh-TW" altLang="en-US"/>
           </a:p>
@@ -423,7 +423,7 @@
           <a:p>
             <a:fld id="{27A49975-3E81-4D3D-A7F9-BA0B0FA66FD5}" type="datetimeFigureOut">
               <a:rPr lang="zh-TW" altLang="en-US" smtClean="0"/>
-              <a:t>2015/10/8</a:t>
+              <a:t>2015/10/17</a:t>
             </a:fld>
             <a:endParaRPr lang="zh-TW" altLang="en-US"/>
           </a:p>
@@ -1008,7 +1008,7 @@
           <a:p>
             <a:fld id="{C787BA86-B27C-4C9D-895F-FE8F144911B6}" type="datetime1">
               <a:rPr lang="zh-TW" altLang="en-US" smtClean="0"/>
-              <a:t>2015/10/8</a:t>
+              <a:t>2015/10/17</a:t>
             </a:fld>
             <a:endParaRPr lang="zh-TW" altLang="en-US" dirty="0"/>
           </a:p>
@@ -1147,7 +1147,7 @@
           <a:graphicData uri="http://schemas.openxmlformats.org/presentationml/2006/ole">
             <mc:AlternateContent xmlns:mc="http://schemas.openxmlformats.org/markup-compatibility/2006">
               <mc:Choice xmlns:v="urn:schemas-microsoft-com:vml" Requires="v">
-                <p:oleObj spid="_x0000_s1430" r:id="rId4" imgW="0" imgH="0" progId="PowerPoint.Show.8">
+                <p:oleObj spid="_x0000_s1432" r:id="rId4" imgW="0" imgH="0" progId="PowerPoint.Show.8">
                   <p:embed/>
                 </p:oleObj>
               </mc:Choice>
@@ -1527,7 +1527,7 @@
           <a:p>
             <a:fld id="{C2C2CB7C-AF0C-4E52-8108-8048BEAB7F22}" type="datetime1">
               <a:rPr lang="zh-TW" altLang="en-US" smtClean="0"/>
-              <a:t>2015/10/8</a:t>
+              <a:t>2015/10/17</a:t>
             </a:fld>
             <a:endParaRPr lang="zh-TW" altLang="en-US"/>
           </a:p>
@@ -1760,7 +1760,7 @@
           <a:p>
             <a:fld id="{A1E7AB1F-959E-4491-AF42-63816FA7945B}" type="datetime1">
               <a:rPr lang="zh-TW" altLang="en-US" smtClean="0"/>
-              <a:t>2015/10/8</a:t>
+              <a:t>2015/10/17</a:t>
             </a:fld>
             <a:endParaRPr lang="zh-TW" altLang="en-US"/>
           </a:p>
@@ -1983,7 +1983,7 @@
           <a:p>
             <a:fld id="{0FCDD0C1-9253-4323-993E-FA31E2BEEE71}" type="datetime1">
               <a:rPr lang="zh-TW" altLang="en-US" smtClean="0"/>
-              <a:t>2015/10/8</a:t>
+              <a:t>2015/10/17</a:t>
             </a:fld>
             <a:endParaRPr lang="zh-TW" altLang="en-US"/>
           </a:p>
@@ -2209,7 +2209,7 @@
           <a:p>
             <a:fld id="{F0A7F967-7E6A-490E-B170-D2C779AFE000}" type="datetime1">
               <a:rPr lang="zh-TW" altLang="en-US" smtClean="0"/>
-              <a:t>2015/10/8</a:t>
+              <a:t>2015/10/17</a:t>
             </a:fld>
             <a:endParaRPr lang="zh-TW" altLang="en-US"/>
           </a:p>
@@ -2550,7 +2550,7 @@
           <a:p>
             <a:fld id="{0B5661E4-B5D7-48CD-A58D-5D08675B39B2}" type="datetime1">
               <a:rPr lang="zh-TW" altLang="en-US" smtClean="0"/>
-              <a:t>2015/10/8</a:t>
+              <a:t>2015/10/17</a:t>
             </a:fld>
             <a:endParaRPr lang="zh-TW" altLang="en-US"/>
           </a:p>
@@ -3030,7 +3030,7 @@
           <a:p>
             <a:fld id="{AA14EC56-7158-4363-A268-8EF25FFB8220}" type="datetime1">
               <a:rPr lang="zh-TW" altLang="en-US" smtClean="0"/>
-              <a:t>2015/10/8</a:t>
+              <a:t>2015/10/17</a:t>
             </a:fld>
             <a:endParaRPr lang="zh-TW" altLang="en-US"/>
           </a:p>
@@ -3135,7 +3135,7 @@
           <a:p>
             <a:fld id="{CBF83A82-8858-4BFA-BC15-96CF0087B9BD}" type="datetime1">
               <a:rPr lang="zh-TW" altLang="en-US" smtClean="0"/>
-              <a:t>2015/10/8</a:t>
+              <a:t>2015/10/17</a:t>
             </a:fld>
             <a:endParaRPr lang="zh-TW" altLang="en-US"/>
           </a:p>
@@ -3217,7 +3217,7 @@
           <a:p>
             <a:fld id="{34650CE2-3034-4FEF-A7B9-EBCD6D2497B2}" type="datetime1">
               <a:rPr lang="zh-TW" altLang="en-US" smtClean="0"/>
-              <a:t>2015/10/8</a:t>
+              <a:t>2015/10/17</a:t>
             </a:fld>
             <a:endParaRPr lang="zh-TW" altLang="en-US"/>
           </a:p>
@@ -3547,7 +3547,7 @@
           <a:p>
             <a:fld id="{B2E5D920-11C2-48C7-B30E-9C3C72FCD52E}" type="datetime1">
               <a:rPr lang="zh-TW" altLang="en-US" smtClean="0"/>
-              <a:t>2015/10/8</a:t>
+              <a:t>2015/10/17</a:t>
             </a:fld>
             <a:endParaRPr lang="zh-TW" altLang="en-US"/>
           </a:p>
@@ -3857,7 +3857,7 @@
           <a:p>
             <a:fld id="{22C67F70-208B-4447-87CD-7A3B56DD4EAD}" type="datetime1">
               <a:rPr lang="zh-TW" altLang="en-US" smtClean="0"/>
-              <a:t>2015/10/8</a:t>
+              <a:t>2015/10/17</a:t>
             </a:fld>
             <a:endParaRPr lang="zh-TW" altLang="en-US"/>
           </a:p>
@@ -4196,7 +4196,7 @@
           <a:p>
             <a:fld id="{277CD144-54BF-4B26-9533-C86504424FDB}" type="datetime1">
               <a:rPr lang="zh-TW" altLang="en-US" smtClean="0"/>
-              <a:t>2015/10/8</a:t>
+              <a:t>2015/10/17</a:t>
             </a:fld>
             <a:endParaRPr lang="zh-TW" altLang="en-US"/>
           </a:p>
@@ -6017,7 +6017,11 @@
             </a:r>
             <a:r>
               <a:rPr lang="en-US" altLang="zh-TW" dirty="0" smtClean="0"/>
-              <a:t>vs Thread save</a:t>
+              <a:t>vs Thread </a:t>
+            </a:r>
+            <a:r>
+              <a:rPr lang="en-US" altLang="zh-TW" dirty="0"/>
+              <a:t>safe</a:t>
             </a:r>
             <a:endParaRPr lang="zh-TW" altLang="en-US" dirty="0"/>
           </a:p>
